--- a/webinar-2022-02-17.pptx
+++ b/webinar-2022-02-17.pptx
@@ -128,7 +128,7 @@
 <file path=ppt/revisionInfo.xml><?xml version="1.0" encoding="utf-8"?>
 <p1510:revInfo xmlns:a="http://schemas.openxmlformats.org/drawingml/2006/main" xmlns:r="http://schemas.openxmlformats.org/officeDocument/2006/relationships" xmlns:p1510="http://schemas.microsoft.com/office/powerpoint/2015/10/main">
   <p1510:revLst>
-    <p1510:client id="{1328888D-3802-476F-89D8-8DFBB1391DB0}" v="124" dt="2022-02-15T21:46:29.188"/>
+    <p1510:client id="{1328888D-3802-476F-89D8-8DFBB1391DB0}" v="128" dt="2022-02-16T14:47:02.738"/>
   </p1510:revLst>
 </p1510:revInfo>
 </file>
@@ -672,7 +672,7 @@
   <pc:docChgLst>
     <pc:chgData name="Jeremie Desgagne-Bouchard" userId="befeb1e1a66a0338" providerId="LiveId" clId="{1328888D-3802-476F-89D8-8DFBB1391DB0}"/>
     <pc:docChg chg="undo custSel addSld delSld modSld sldOrd">
-      <pc:chgData name="Jeremie Desgagne-Bouchard" userId="befeb1e1a66a0338" providerId="LiveId" clId="{1328888D-3802-476F-89D8-8DFBB1391DB0}" dt="2022-02-15T23:00:24.622" v="1653" actId="20577"/>
+      <pc:chgData name="Jeremie Desgagne-Bouchard" userId="befeb1e1a66a0338" providerId="LiveId" clId="{1328888D-3802-476F-89D8-8DFBB1391DB0}" dt="2022-02-16T14:48:15.883" v="1664" actId="20577"/>
       <pc:docMkLst>
         <pc:docMk/>
       </pc:docMkLst>
@@ -1360,13 +1360,13 @@
         </pc:picChg>
       </pc:sldChg>
       <pc:sldChg chg="addSp modSp add mod">
-        <pc:chgData name="Jeremie Desgagne-Bouchard" userId="befeb1e1a66a0338" providerId="LiveId" clId="{1328888D-3802-476F-89D8-8DFBB1391DB0}" dt="2022-02-15T22:59:49.686" v="1649" actId="20577"/>
+        <pc:chgData name="Jeremie Desgagne-Bouchard" userId="befeb1e1a66a0338" providerId="LiveId" clId="{1328888D-3802-476F-89D8-8DFBB1391DB0}" dt="2022-02-16T14:48:15.883" v="1664" actId="20577"/>
         <pc:sldMkLst>
           <pc:docMk/>
           <pc:sldMk cId="1680342322" sldId="271"/>
         </pc:sldMkLst>
         <pc:spChg chg="mod">
-          <ac:chgData name="Jeremie Desgagne-Bouchard" userId="befeb1e1a66a0338" providerId="LiveId" clId="{1328888D-3802-476F-89D8-8DFBB1391DB0}" dt="2022-02-15T22:59:49.686" v="1649" actId="20577"/>
+          <ac:chgData name="Jeremie Desgagne-Bouchard" userId="befeb1e1a66a0338" providerId="LiveId" clId="{1328888D-3802-476F-89D8-8DFBB1391DB0}" dt="2022-02-16T14:48:15.883" v="1664" actId="20577"/>
           <ac:spMkLst>
             <pc:docMk/>
             <pc:sldMk cId="1680342322" sldId="271"/>
@@ -1383,13 +1383,13 @@
         </pc:picChg>
       </pc:sldChg>
       <pc:sldChg chg="addSp delSp modSp add mod">
-        <pc:chgData name="Jeremie Desgagne-Bouchard" userId="befeb1e1a66a0338" providerId="LiveId" clId="{1328888D-3802-476F-89D8-8DFBB1391DB0}" dt="2022-02-15T21:47:41.603" v="1593" actId="20577"/>
+        <pc:chgData name="Jeremie Desgagne-Bouchard" userId="befeb1e1a66a0338" providerId="LiveId" clId="{1328888D-3802-476F-89D8-8DFBB1391DB0}" dt="2022-02-16T14:47:02.730" v="1659" actId="14100"/>
         <pc:sldMkLst>
           <pc:docMk/>
           <pc:sldMk cId="2032574703" sldId="272"/>
         </pc:sldMkLst>
         <pc:spChg chg="add mod">
-          <ac:chgData name="Jeremie Desgagne-Bouchard" userId="befeb1e1a66a0338" providerId="LiveId" clId="{1328888D-3802-476F-89D8-8DFBB1391DB0}" dt="2022-02-15T21:47:41.603" v="1593" actId="20577"/>
+          <ac:chgData name="Jeremie Desgagne-Bouchard" userId="befeb1e1a66a0338" providerId="LiveId" clId="{1328888D-3802-476F-89D8-8DFBB1391DB0}" dt="2022-02-16T14:46:06.803" v="1654" actId="1076"/>
           <ac:spMkLst>
             <pc:docMk/>
             <pc:sldMk cId="2032574703" sldId="272"/>
@@ -1397,7 +1397,7 @@
           </ac:spMkLst>
         </pc:spChg>
         <pc:spChg chg="add mod">
-          <ac:chgData name="Jeremie Desgagne-Bouchard" userId="befeb1e1a66a0338" providerId="LiveId" clId="{1328888D-3802-476F-89D8-8DFBB1391DB0}" dt="2022-02-15T20:55:51.500" v="1526" actId="20577"/>
+          <ac:chgData name="Jeremie Desgagne-Bouchard" userId="befeb1e1a66a0338" providerId="LiveId" clId="{1328888D-3802-476F-89D8-8DFBB1391DB0}" dt="2022-02-16T14:46:16.135" v="1655" actId="14100"/>
           <ac:spMkLst>
             <pc:docMk/>
             <pc:sldMk cId="2032574703" sldId="272"/>
@@ -1418,6 +1418,14 @@
             <pc:docMk/>
             <pc:sldMk cId="2032574703" sldId="272"/>
             <ac:picMk id="4" creationId="{1CD4F022-F4F9-4447-B347-847FADA9DF66}"/>
+          </ac:picMkLst>
+        </pc:picChg>
+        <pc:picChg chg="add mod">
+          <ac:chgData name="Jeremie Desgagne-Bouchard" userId="befeb1e1a66a0338" providerId="LiveId" clId="{1328888D-3802-476F-89D8-8DFBB1391DB0}" dt="2022-02-16T14:47:02.730" v="1659" actId="14100"/>
+          <ac:picMkLst>
+            <pc:docMk/>
+            <pc:sldMk cId="2032574703" sldId="272"/>
+            <ac:picMk id="1026" creationId="{8AE080D1-7C47-42E2-AA04-6289827D90DA}"/>
           </ac:picMkLst>
         </pc:picChg>
       </pc:sldChg>
@@ -1857,7 +1865,7 @@
           <a:p>
             <a:fld id="{29042494-3AEB-47BA-ADC8-35F4B94322E8}" type="datetimeFigureOut">
               <a:rPr lang="en-CA" smtClean="0"/>
-              <a:t>2022-02-15</a:t>
+              <a:t>2022-02-16</a:t>
             </a:fld>
             <a:endParaRPr lang="en-CA"/>
           </a:p>
@@ -2057,7 +2065,7 @@
           <a:p>
             <a:fld id="{29042494-3AEB-47BA-ADC8-35F4B94322E8}" type="datetimeFigureOut">
               <a:rPr lang="en-CA" smtClean="0"/>
-              <a:t>2022-02-15</a:t>
+              <a:t>2022-02-16</a:t>
             </a:fld>
             <a:endParaRPr lang="en-CA"/>
           </a:p>
@@ -2267,7 +2275,7 @@
           <a:p>
             <a:fld id="{29042494-3AEB-47BA-ADC8-35F4B94322E8}" type="datetimeFigureOut">
               <a:rPr lang="en-CA" smtClean="0"/>
-              <a:t>2022-02-15</a:t>
+              <a:t>2022-02-16</a:t>
             </a:fld>
             <a:endParaRPr lang="en-CA"/>
           </a:p>
@@ -2467,7 +2475,7 @@
           <a:p>
             <a:fld id="{29042494-3AEB-47BA-ADC8-35F4B94322E8}" type="datetimeFigureOut">
               <a:rPr lang="en-CA" smtClean="0"/>
-              <a:t>2022-02-15</a:t>
+              <a:t>2022-02-16</a:t>
             </a:fld>
             <a:endParaRPr lang="en-CA"/>
           </a:p>
@@ -2743,7 +2751,7 @@
           <a:p>
             <a:fld id="{29042494-3AEB-47BA-ADC8-35F4B94322E8}" type="datetimeFigureOut">
               <a:rPr lang="en-CA" smtClean="0"/>
-              <a:t>2022-02-15</a:t>
+              <a:t>2022-02-16</a:t>
             </a:fld>
             <a:endParaRPr lang="en-CA"/>
           </a:p>
@@ -3011,7 +3019,7 @@
           <a:p>
             <a:fld id="{29042494-3AEB-47BA-ADC8-35F4B94322E8}" type="datetimeFigureOut">
               <a:rPr lang="en-CA" smtClean="0"/>
-              <a:t>2022-02-15</a:t>
+              <a:t>2022-02-16</a:t>
             </a:fld>
             <a:endParaRPr lang="en-CA"/>
           </a:p>
@@ -3426,7 +3434,7 @@
           <a:p>
             <a:fld id="{29042494-3AEB-47BA-ADC8-35F4B94322E8}" type="datetimeFigureOut">
               <a:rPr lang="en-CA" smtClean="0"/>
-              <a:t>2022-02-15</a:t>
+              <a:t>2022-02-16</a:t>
             </a:fld>
             <a:endParaRPr lang="en-CA"/>
           </a:p>
@@ -3568,7 +3576,7 @@
           <a:p>
             <a:fld id="{29042494-3AEB-47BA-ADC8-35F4B94322E8}" type="datetimeFigureOut">
               <a:rPr lang="en-CA" smtClean="0"/>
-              <a:t>2022-02-15</a:t>
+              <a:t>2022-02-16</a:t>
             </a:fld>
             <a:endParaRPr lang="en-CA"/>
           </a:p>
@@ -3681,7 +3689,7 @@
           <a:p>
             <a:fld id="{29042494-3AEB-47BA-ADC8-35F4B94322E8}" type="datetimeFigureOut">
               <a:rPr lang="en-CA" smtClean="0"/>
-              <a:t>2022-02-15</a:t>
+              <a:t>2022-02-16</a:t>
             </a:fld>
             <a:endParaRPr lang="en-CA"/>
           </a:p>
@@ -3994,7 +4002,7 @@
           <a:p>
             <a:fld id="{29042494-3AEB-47BA-ADC8-35F4B94322E8}" type="datetimeFigureOut">
               <a:rPr lang="en-CA" smtClean="0"/>
-              <a:t>2022-02-15</a:t>
+              <a:t>2022-02-16</a:t>
             </a:fld>
             <a:endParaRPr lang="en-CA"/>
           </a:p>
@@ -4283,7 +4291,7 @@
           <a:p>
             <a:fld id="{29042494-3AEB-47BA-ADC8-35F4B94322E8}" type="datetimeFigureOut">
               <a:rPr lang="en-CA" smtClean="0"/>
-              <a:t>2022-02-15</a:t>
+              <a:t>2022-02-16</a:t>
             </a:fld>
             <a:endParaRPr lang="en-CA"/>
           </a:p>
@@ -4526,7 +4534,7 @@
           <a:p>
             <a:fld id="{29042494-3AEB-47BA-ADC8-35F4B94322E8}" type="datetimeFigureOut">
               <a:rPr lang="en-CA" smtClean="0"/>
-              <a:t>2022-02-15</a:t>
+              <a:t>2022-02-16</a:t>
             </a:fld>
             <a:endParaRPr lang="en-CA"/>
           </a:p>
@@ -5198,7 +5206,7 @@
         <p:spPr>
           <a:xfrm>
             <a:off x="1586593" y="2379163"/>
-            <a:ext cx="9018814" cy="3416320"/>
+            <a:ext cx="4636925" cy="3416320"/>
           </a:xfrm>
           <a:prstGeom prst="rect">
             <a:avLst/>
@@ -6098,7 +6106,7 @@
         </p:nvSpPr>
         <p:spPr>
           <a:xfrm>
-            <a:off x="3447067" y="1585498"/>
+            <a:off x="3428406" y="1117863"/>
             <a:ext cx="5706359" cy="523220"/>
           </a:xfrm>
           <a:prstGeom prst="rect">
@@ -6135,6 +6143,53 @@
           </a:p>
         </p:txBody>
       </p:sp>
+      <p:pic>
+        <p:nvPicPr>
+          <p:cNvPr id="1026" name="Picture 2">
+            <a:extLst>
+              <a:ext uri="{FF2B5EF4-FFF2-40B4-BE49-F238E27FC236}">
+                <a16:creationId xmlns:a16="http://schemas.microsoft.com/office/drawing/2014/main" id="{8AE080D1-7C47-42E2-AA04-6289827D90DA}"/>
+              </a:ext>
+            </a:extLst>
+          </p:cNvPr>
+          <p:cNvPicPr>
+            <a:picLocks noChangeAspect="1" noChangeArrowheads="1"/>
+          </p:cNvPicPr>
+          <p:nvPr/>
+        </p:nvPicPr>
+        <p:blipFill>
+          <a:blip r:embed="rId3">
+            <a:extLst>
+              <a:ext uri="{28A0092B-C50C-407E-A947-70E740481C1C}">
+                <a14:useLocalDpi xmlns:a14="http://schemas.microsoft.com/office/drawing/2010/main" val="0"/>
+              </a:ext>
+            </a:extLst>
+          </a:blip>
+          <a:srcRect/>
+          <a:stretch>
+            <a:fillRect/>
+          </a:stretch>
+        </p:blipFill>
+        <p:spPr bwMode="auto">
+          <a:xfrm>
+            <a:off x="6223517" y="2859833"/>
+            <a:ext cx="5834741" cy="2188028"/>
+          </a:xfrm>
+          <a:prstGeom prst="rect">
+            <a:avLst/>
+          </a:prstGeom>
+          <a:noFill/>
+          <a:extLst>
+            <a:ext uri="{909E8E84-426E-40DD-AFC4-6F175D3DCCD1}">
+              <a14:hiddenFill xmlns:a14="http://schemas.microsoft.com/office/drawing/2010/main">
+                <a:solidFill>
+                  <a:srgbClr val="FFFFFF"/>
+                </a:solidFill>
+              </a14:hiddenFill>
+            </a:ext>
+          </a:extLst>
+        </p:spPr>
+      </p:pic>
     </p:spTree>
     <p:extLst>
       <p:ext uri="{BB962C8B-B14F-4D97-AF65-F5344CB8AC3E}">
@@ -8635,7 +8690,7 @@
         <p:spPr>
           <a:xfrm>
             <a:off x="1093626" y="2719788"/>
-            <a:ext cx="9561933" cy="2308324"/>
+            <a:ext cx="9561933" cy="2585323"/>
           </a:xfrm>
           <a:prstGeom prst="rect">
             <a:avLst/>
@@ -9294,6 +9349,175 @@
               </a:rPr>
               <a:t>, [], body)</a:t>
             </a:r>
+          </a:p>
+          <a:p>
+            <a:r>
+              <a:rPr lang="en-US" b="0" dirty="0">
+                <a:solidFill>
+                  <a:srgbClr val="ABB2BF"/>
+                </a:solidFill>
+                <a:effectLst/>
+                <a:latin typeface="Consolas" panose="020B0609020204030204" pitchFamily="49" charset="0"/>
+              </a:rPr>
+              <a:t>req </a:t>
+            </a:r>
+            <a:r>
+              <a:rPr lang="en-US" b="0" dirty="0">
+                <a:solidFill>
+                  <a:srgbClr val="C678DD"/>
+                </a:solidFill>
+                <a:effectLst/>
+                <a:latin typeface="Consolas" panose="020B0609020204030204" pitchFamily="49" charset="0"/>
+              </a:rPr>
+              <a:t>=</a:t>
+            </a:r>
+            <a:r>
+              <a:rPr lang="en-US" b="0" dirty="0">
+                <a:solidFill>
+                  <a:srgbClr val="ABB2BF"/>
+                </a:solidFill>
+                <a:effectLst/>
+                <a:latin typeface="Consolas" panose="020B0609020204030204" pitchFamily="49" charset="0"/>
+              </a:rPr>
+              <a:t> </a:t>
+            </a:r>
+            <a:r>
+              <a:rPr lang="en-US" b="0" dirty="0" err="1">
+                <a:solidFill>
+                  <a:srgbClr val="ABB2BF"/>
+                </a:solidFill>
+                <a:effectLst/>
+                <a:latin typeface="Consolas" panose="020B0609020204030204" pitchFamily="49" charset="0"/>
+              </a:rPr>
+              <a:t>HTTP</a:t>
+            </a:r>
+            <a:r>
+              <a:rPr lang="en-US" b="0" dirty="0" err="1">
+                <a:solidFill>
+                  <a:srgbClr val="C678DD"/>
+                </a:solidFill>
+                <a:effectLst/>
+                <a:latin typeface="Consolas" panose="020B0609020204030204" pitchFamily="49" charset="0"/>
+              </a:rPr>
+              <a:t>.</a:t>
+            </a:r>
+            <a:r>
+              <a:rPr lang="en-US" b="0" dirty="0" err="1">
+                <a:solidFill>
+                  <a:srgbClr val="56B6C2"/>
+                </a:solidFill>
+                <a:effectLst/>
+                <a:latin typeface="Consolas" panose="020B0609020204030204" pitchFamily="49" charset="0"/>
+              </a:rPr>
+              <a:t>request</a:t>
+            </a:r>
+            <a:r>
+              <a:rPr lang="en-US" b="0" dirty="0">
+                <a:solidFill>
+                  <a:srgbClr val="ABB2BF"/>
+                </a:solidFill>
+                <a:effectLst/>
+                <a:latin typeface="Consolas" panose="020B0609020204030204" pitchFamily="49" charset="0"/>
+              </a:rPr>
+              <a:t>(</a:t>
+            </a:r>
+            <a:r>
+              <a:rPr lang="en-US" b="0" dirty="0">
+                <a:solidFill>
+                  <a:srgbClr val="98C379"/>
+                </a:solidFill>
+                <a:effectLst/>
+                <a:latin typeface="Consolas" panose="020B0609020204030204" pitchFamily="49" charset="0"/>
+              </a:rPr>
+              <a:t>"POST"</a:t>
+            </a:r>
+            <a:r>
+              <a:rPr lang="en-US" b="0" dirty="0">
+                <a:solidFill>
+                  <a:srgbClr val="ABB2BF"/>
+                </a:solidFill>
+                <a:effectLst/>
+                <a:latin typeface="Consolas" panose="020B0609020204030204" pitchFamily="49" charset="0"/>
+              </a:rPr>
+              <a:t>, </a:t>
+            </a:r>
+            <a:r>
+              <a:rPr lang="en-US" b="0" dirty="0">
+                <a:solidFill>
+                  <a:srgbClr val="98C379"/>
+                </a:solidFill>
+                <a:effectLst/>
+                <a:latin typeface="Consolas" panose="020B0609020204030204" pitchFamily="49" charset="0"/>
+              </a:rPr>
+              <a:t>"http://localhost:8008/</a:t>
+            </a:r>
+            <a:r>
+              <a:rPr lang="en-US" b="0" dirty="0" err="1">
+                <a:solidFill>
+                  <a:srgbClr val="98C379"/>
+                </a:solidFill>
+                <a:effectLst/>
+                <a:latin typeface="Consolas" panose="020B0609020204030204" pitchFamily="49" charset="0"/>
+              </a:rPr>
+              <a:t>api</a:t>
+            </a:r>
+            <a:r>
+              <a:rPr lang="en-US" b="0" dirty="0">
+                <a:solidFill>
+                  <a:srgbClr val="98C379"/>
+                </a:solidFill>
+                <a:effectLst/>
+                <a:latin typeface="Consolas" panose="020B0609020204030204" pitchFamily="49" charset="0"/>
+              </a:rPr>
+              <a:t>/v1/</a:t>
+            </a:r>
+            <a:r>
+              <a:rPr lang="en-US" b="0" dirty="0" err="1">
+                <a:solidFill>
+                  <a:srgbClr val="98C379"/>
+                </a:solidFill>
+                <a:effectLst/>
+                <a:latin typeface="Consolas" panose="020B0609020204030204" pitchFamily="49" charset="0"/>
+              </a:rPr>
+              <a:t>gbt</a:t>
+            </a:r>
+            <a:r>
+              <a:rPr lang="en-US" b="0" dirty="0">
+                <a:solidFill>
+                  <a:srgbClr val="98C379"/>
+                </a:solidFill>
+                <a:effectLst/>
+                <a:latin typeface="Consolas" panose="020B0609020204030204" pitchFamily="49" charset="0"/>
+              </a:rPr>
+              <a:t>"</a:t>
+            </a:r>
+            <a:r>
+              <a:rPr lang="en-US" b="0" dirty="0">
+                <a:solidFill>
+                  <a:srgbClr val="ABB2BF"/>
+                </a:solidFill>
+                <a:effectLst/>
+                <a:latin typeface="Consolas" panose="020B0609020204030204" pitchFamily="49" charset="0"/>
+              </a:rPr>
+              <a:t>, [], </a:t>
+            </a:r>
+            <a:r>
+              <a:rPr lang="en-US" b="0">
+                <a:solidFill>
+                  <a:srgbClr val="ABB2BF"/>
+                </a:solidFill>
+                <a:effectLst/>
+                <a:latin typeface="Consolas" panose="020B0609020204030204" pitchFamily="49" charset="0"/>
+              </a:rPr>
+              <a:t>body)</a:t>
+            </a:r>
+            <a:endParaRPr lang="en-US" b="0" dirty="0">
+              <a:solidFill>
+                <a:srgbClr val="ABB2BF"/>
+              </a:solidFill>
+              <a:effectLst/>
+              <a:latin typeface="Consolas" panose="020B0609020204030204" pitchFamily="49" charset="0"/>
+            </a:endParaRPr>
           </a:p>
         </p:txBody>
       </p:sp>

--- a/webinar-2022-02-17.pptx
+++ b/webinar-2022-02-17.pptx
@@ -128,7 +128,7 @@
 <file path=ppt/revisionInfo.xml><?xml version="1.0" encoding="utf-8"?>
 <p1510:revInfo xmlns:a="http://schemas.openxmlformats.org/drawingml/2006/main" xmlns:r="http://schemas.openxmlformats.org/officeDocument/2006/relationships" xmlns:p1510="http://schemas.microsoft.com/office/powerpoint/2015/10/main">
   <p1510:revLst>
-    <p1510:client id="{1328888D-3802-476F-89D8-8DFBB1391DB0}" v="128" dt="2022-02-16T14:47:02.738"/>
+    <p1510:client id="{1328888D-3802-476F-89D8-8DFBB1391DB0}" v="130" dt="2022-02-16T15:23:45.035"/>
   </p1510:revLst>
 </p1510:revInfo>
 </file>
@@ -672,7 +672,7 @@
   <pc:docChgLst>
     <pc:chgData name="Jeremie Desgagne-Bouchard" userId="befeb1e1a66a0338" providerId="LiveId" clId="{1328888D-3802-476F-89D8-8DFBB1391DB0}"/>
     <pc:docChg chg="undo custSel addSld delSld modSld sldOrd">
-      <pc:chgData name="Jeremie Desgagne-Bouchard" userId="befeb1e1a66a0338" providerId="LiveId" clId="{1328888D-3802-476F-89D8-8DFBB1391DB0}" dt="2022-02-16T14:48:15.883" v="1664" actId="20577"/>
+      <pc:chgData name="Jeremie Desgagne-Bouchard" userId="befeb1e1a66a0338" providerId="LiveId" clId="{1328888D-3802-476F-89D8-8DFBB1391DB0}" dt="2022-02-16T15:53:48.874" v="1690" actId="20577"/>
       <pc:docMkLst>
         <pc:docMk/>
       </pc:docMkLst>
@@ -832,7 +832,7 @@
         </pc:picChg>
       </pc:sldChg>
       <pc:sldChg chg="addSp modSp mod">
-        <pc:chgData name="Jeremie Desgagne-Bouchard" userId="befeb1e1a66a0338" providerId="LiveId" clId="{1328888D-3802-476F-89D8-8DFBB1391DB0}" dt="2022-02-15T21:46:07.976" v="1546" actId="1076"/>
+        <pc:chgData name="Jeremie Desgagne-Bouchard" userId="befeb1e1a66a0338" providerId="LiveId" clId="{1328888D-3802-476F-89D8-8DFBB1391DB0}" dt="2022-02-16T15:38:09.208" v="1689" actId="20577"/>
         <pc:sldMkLst>
           <pc:docMk/>
           <pc:sldMk cId="1995616433" sldId="262"/>
@@ -846,7 +846,15 @@
           </ac:spMkLst>
         </pc:spChg>
         <pc:spChg chg="mod">
-          <ac:chgData name="Jeremie Desgagne-Bouchard" userId="befeb1e1a66a0338" providerId="LiveId" clId="{1328888D-3802-476F-89D8-8DFBB1391DB0}" dt="2022-02-15T21:46:07.976" v="1546" actId="1076"/>
+          <ac:chgData name="Jeremie Desgagne-Bouchard" userId="befeb1e1a66a0338" providerId="LiveId" clId="{1328888D-3802-476F-89D8-8DFBB1391DB0}" dt="2022-02-16T15:33:22.166" v="1681" actId="115"/>
+          <ac:spMkLst>
+            <pc:docMk/>
+            <pc:sldMk cId="1995616433" sldId="262"/>
+            <ac:spMk id="10" creationId="{505EBB46-F711-4615-ABBB-793A3134A74B}"/>
+          </ac:spMkLst>
+        </pc:spChg>
+        <pc:spChg chg="mod">
+          <ac:chgData name="Jeremie Desgagne-Bouchard" userId="befeb1e1a66a0338" providerId="LiveId" clId="{1328888D-3802-476F-89D8-8DFBB1391DB0}" dt="2022-02-16T15:38:09.208" v="1689" actId="20577"/>
           <ac:spMkLst>
             <pc:docMk/>
             <pc:sldMk cId="1995616433" sldId="262"/>
@@ -1298,13 +1306,13 @@
         </pc:cxnChg>
       </pc:sldChg>
       <pc:sldChg chg="addSp modSp add mod">
-        <pc:chgData name="Jeremie Desgagne-Bouchard" userId="befeb1e1a66a0338" providerId="LiveId" clId="{1328888D-3802-476F-89D8-8DFBB1391DB0}" dt="2022-02-15T22:21:14.584" v="1637" actId="1076"/>
+        <pc:chgData name="Jeremie Desgagne-Bouchard" userId="befeb1e1a66a0338" providerId="LiveId" clId="{1328888D-3802-476F-89D8-8DFBB1391DB0}" dt="2022-02-16T15:53:48.874" v="1690" actId="20577"/>
         <pc:sldMkLst>
           <pc:docMk/>
           <pc:sldMk cId="4217931981" sldId="269"/>
         </pc:sldMkLst>
         <pc:spChg chg="mod">
-          <ac:chgData name="Jeremie Desgagne-Bouchard" userId="befeb1e1a66a0338" providerId="LiveId" clId="{1328888D-3802-476F-89D8-8DFBB1391DB0}" dt="2022-02-15T22:21:14.584" v="1637" actId="1076"/>
+          <ac:chgData name="Jeremie Desgagne-Bouchard" userId="befeb1e1a66a0338" providerId="LiveId" clId="{1328888D-3802-476F-89D8-8DFBB1391DB0}" dt="2022-02-16T15:53:48.874" v="1690" actId="20577"/>
           <ac:spMkLst>
             <pc:docMk/>
             <pc:sldMk cId="4217931981" sldId="269"/>
@@ -1383,7 +1391,7 @@
         </pc:picChg>
       </pc:sldChg>
       <pc:sldChg chg="addSp delSp modSp add mod">
-        <pc:chgData name="Jeremie Desgagne-Bouchard" userId="befeb1e1a66a0338" providerId="LiveId" clId="{1328888D-3802-476F-89D8-8DFBB1391DB0}" dt="2022-02-16T14:47:02.730" v="1659" actId="14100"/>
+        <pc:chgData name="Jeremie Desgagne-Bouchard" userId="befeb1e1a66a0338" providerId="LiveId" clId="{1328888D-3802-476F-89D8-8DFBB1391DB0}" dt="2022-02-16T15:23:45.019" v="1667" actId="14100"/>
         <pc:sldMkLst>
           <pc:docMk/>
           <pc:sldMk cId="2032574703" sldId="272"/>
@@ -1397,7 +1405,7 @@
           </ac:spMkLst>
         </pc:spChg>
         <pc:spChg chg="add mod">
-          <ac:chgData name="Jeremie Desgagne-Bouchard" userId="befeb1e1a66a0338" providerId="LiveId" clId="{1328888D-3802-476F-89D8-8DFBB1391DB0}" dt="2022-02-16T14:46:16.135" v="1655" actId="14100"/>
+          <ac:chgData name="Jeremie Desgagne-Bouchard" userId="befeb1e1a66a0338" providerId="LiveId" clId="{1328888D-3802-476F-89D8-8DFBB1391DB0}" dt="2022-02-16T15:23:34.128" v="1665" actId="1076"/>
           <ac:spMkLst>
             <pc:docMk/>
             <pc:sldMk cId="2032574703" sldId="272"/>
@@ -1421,7 +1429,7 @@
           </ac:picMkLst>
         </pc:picChg>
         <pc:picChg chg="add mod">
-          <ac:chgData name="Jeremie Desgagne-Bouchard" userId="befeb1e1a66a0338" providerId="LiveId" clId="{1328888D-3802-476F-89D8-8DFBB1391DB0}" dt="2022-02-16T14:47:02.730" v="1659" actId="14100"/>
+          <ac:chgData name="Jeremie Desgagne-Bouchard" userId="befeb1e1a66a0338" providerId="LiveId" clId="{1328888D-3802-476F-89D8-8DFBB1391DB0}" dt="2022-02-16T15:23:45.019" v="1667" actId="14100"/>
           <ac:picMkLst>
             <pc:docMk/>
             <pc:sldMk cId="2032574703" sldId="272"/>
@@ -5205,7 +5213,7 @@
         </p:nvSpPr>
         <p:spPr>
           <a:xfrm>
-            <a:off x="1586593" y="2379163"/>
+            <a:off x="786617" y="2478745"/>
             <a:ext cx="4636925" cy="3416320"/>
           </a:xfrm>
           <a:prstGeom prst="rect">
@@ -6172,8 +6180,8 @@
         </p:blipFill>
         <p:spPr bwMode="auto">
           <a:xfrm>
-            <a:off x="6223517" y="2859833"/>
-            <a:ext cx="5834741" cy="2188028"/>
+            <a:off x="5423542" y="2478744"/>
+            <a:ext cx="6627042" cy="2485141"/>
           </a:xfrm>
           <a:prstGeom prst="rect">
             <a:avLst/>
@@ -11845,14 +11853,14 @@
               <a:t> </a:t>
             </a:r>
             <a:r>
-              <a:rPr lang="en-US" b="0" dirty="0" err="1">
+              <a:rPr lang="en-US" b="0" dirty="0">
                 <a:solidFill>
                   <a:srgbClr val="56B6C2"/>
                 </a:solidFill>
                 <a:effectLst/>
                 <a:latin typeface="Consolas" panose="020B0609020204030204" pitchFamily="49" charset="0"/>
               </a:rPr>
-              <a:t>ByRow</a:t>
+              <a:t>fun</a:t>
             </a:r>
             <a:r>
               <a:rPr lang="en-US" b="0" dirty="0">
@@ -11862,7 +11870,7 @@
                 <a:effectLst/>
                 <a:latin typeface="Consolas" panose="020B0609020204030204" pitchFamily="49" charset="0"/>
               </a:rPr>
-              <a:t>(fun) </a:t>
+              <a:t> </a:t>
             </a:r>
             <a:r>
               <a:rPr lang="en-US" b="0" dirty="0">
@@ -13994,7 +14002,7 @@
         <p:spPr>
           <a:xfrm>
             <a:off x="1586592" y="2864417"/>
-            <a:ext cx="9018814" cy="3139321"/>
+            <a:ext cx="9018814" cy="2862322"/>
           </a:xfrm>
           <a:prstGeom prst="rect">
             <a:avLst/>
@@ -14196,58 +14204,6 @@
                 <a:latin typeface="Consolas" panose="020B0609020204030204" pitchFamily="49" charset="0"/>
               </a:rPr>
               <a:t>)</a:t>
-            </a:r>
-          </a:p>
-          <a:p>
-            <a:r>
-              <a:rPr lang="en-CA" b="0" dirty="0">
-                <a:solidFill>
-                  <a:srgbClr val="ABB2BF"/>
-                </a:solidFill>
-                <a:effectLst/>
-                <a:latin typeface="Consolas" panose="020B0609020204030204" pitchFamily="49" charset="0"/>
-              </a:rPr>
-              <a:t>    df </a:t>
-            </a:r>
-            <a:r>
-              <a:rPr lang="en-CA" b="0" dirty="0">
-                <a:solidFill>
-                  <a:srgbClr val="C678DD"/>
-                </a:solidFill>
-                <a:effectLst/>
-                <a:latin typeface="Consolas" panose="020B0609020204030204" pitchFamily="49" charset="0"/>
-              </a:rPr>
-              <a:t>=</a:t>
-            </a:r>
-            <a:r>
-              <a:rPr lang="en-CA" b="0" dirty="0">
-                <a:solidFill>
-                  <a:srgbClr val="ABB2BF"/>
-                </a:solidFill>
-                <a:effectLst/>
-                <a:latin typeface="Consolas" panose="020B0609020204030204" pitchFamily="49" charset="0"/>
-              </a:rPr>
-              <a:t> </a:t>
-            </a:r>
-            <a:r>
-              <a:rPr lang="en-CA" b="0" dirty="0">
-                <a:solidFill>
-                  <a:srgbClr val="56B6C2"/>
-                </a:solidFill>
-                <a:effectLst/>
-                <a:latin typeface="Consolas" panose="020B0609020204030204" pitchFamily="49" charset="0"/>
-              </a:rPr>
-              <a:t>copy</a:t>
-            </a:r>
-            <a:r>
-              <a:rPr lang="en-CA" b="0" dirty="0">
-                <a:solidFill>
-                  <a:srgbClr val="ABB2BF"/>
-                </a:solidFill>
-                <a:effectLst/>
-                <a:latin typeface="Consolas" panose="020B0609020204030204" pitchFamily="49" charset="0"/>
-              </a:rPr>
-              <a:t>(df)</a:t>
             </a:r>
           </a:p>
           <a:p>

--- a/webinar-2022-02-17.pptx
+++ b/webinar-2022-02-17.pptx
@@ -128,7 +128,7 @@
 <file path=ppt/revisionInfo.xml><?xml version="1.0" encoding="utf-8"?>
 <p1510:revInfo xmlns:a="http://schemas.openxmlformats.org/drawingml/2006/main" xmlns:r="http://schemas.openxmlformats.org/officeDocument/2006/relationships" xmlns:p1510="http://schemas.microsoft.com/office/powerpoint/2015/10/main">
   <p1510:revLst>
-    <p1510:client id="{1328888D-3802-476F-89D8-8DFBB1391DB0}" v="130" dt="2022-02-16T15:23:45.035"/>
+    <p1510:client id="{1328888D-3802-476F-89D8-8DFBB1391DB0}" v="160" dt="2022-02-16T20:10:09.919"/>
   </p1510:revLst>
 </p1510:revInfo>
 </file>
@@ -672,7 +672,7 @@
   <pc:docChgLst>
     <pc:chgData name="Jeremie Desgagne-Bouchard" userId="befeb1e1a66a0338" providerId="LiveId" clId="{1328888D-3802-476F-89D8-8DFBB1391DB0}"/>
     <pc:docChg chg="undo custSel addSld delSld modSld sldOrd">
-      <pc:chgData name="Jeremie Desgagne-Bouchard" userId="befeb1e1a66a0338" providerId="LiveId" clId="{1328888D-3802-476F-89D8-8DFBB1391DB0}" dt="2022-02-16T15:53:48.874" v="1690" actId="20577"/>
+      <pc:chgData name="Jeremie Desgagne-Bouchard" userId="befeb1e1a66a0338" providerId="LiveId" clId="{1328888D-3802-476F-89D8-8DFBB1391DB0}" dt="2022-02-16T20:11:08.752" v="1807" actId="1076"/>
       <pc:docMkLst>
         <pc:docMk/>
       </pc:docMkLst>
@@ -708,11 +708,19 @@
         </pc:picChg>
       </pc:sldChg>
       <pc:sldChg chg="addSp delSp modSp mod">
-        <pc:chgData name="Jeremie Desgagne-Bouchard" userId="befeb1e1a66a0338" providerId="LiveId" clId="{1328888D-3802-476F-89D8-8DFBB1391DB0}" dt="2022-02-15T20:54:07.490" v="1514" actId="1076"/>
+        <pc:chgData name="Jeremie Desgagne-Bouchard" userId="befeb1e1a66a0338" providerId="LiveId" clId="{1328888D-3802-476F-89D8-8DFBB1391DB0}" dt="2022-02-16T20:03:13.285" v="1782" actId="1076"/>
         <pc:sldMkLst>
           <pc:docMk/>
           <pc:sldMk cId="2883554989" sldId="257"/>
         </pc:sldMkLst>
+        <pc:spChg chg="add del">
+          <ac:chgData name="Jeremie Desgagne-Bouchard" userId="befeb1e1a66a0338" providerId="LiveId" clId="{1328888D-3802-476F-89D8-8DFBB1391DB0}" dt="2022-02-16T18:56:44.040" v="1692" actId="478"/>
+          <ac:spMkLst>
+            <pc:docMk/>
+            <pc:sldMk cId="2883554989" sldId="257"/>
+            <ac:spMk id="2" creationId="{4B91ED67-E0ED-4EA5-BB9B-3F531BE71BBB}"/>
+          </ac:spMkLst>
+        </pc:spChg>
         <pc:spChg chg="mod">
           <ac:chgData name="Jeremie Desgagne-Bouchard" userId="befeb1e1a66a0338" providerId="LiveId" clId="{1328888D-3802-476F-89D8-8DFBB1391DB0}" dt="2022-01-27T22:10:59.180" v="211" actId="20577"/>
           <ac:spMkLst>
@@ -746,7 +754,7 @@
           </ac:spMkLst>
         </pc:spChg>
         <pc:spChg chg="add mod">
-          <ac:chgData name="Jeremie Desgagne-Bouchard" userId="befeb1e1a66a0338" providerId="LiveId" clId="{1328888D-3802-476F-89D8-8DFBB1391DB0}" dt="2022-01-28T17:40:22.992" v="446" actId="6549"/>
+          <ac:chgData name="Jeremie Desgagne-Bouchard" userId="befeb1e1a66a0338" providerId="LiveId" clId="{1328888D-3802-476F-89D8-8DFBB1391DB0}" dt="2022-02-16T20:01:21.582" v="1769" actId="1076"/>
           <ac:spMkLst>
             <pc:docMk/>
             <pc:sldMk cId="2883554989" sldId="257"/>
@@ -770,13 +778,21 @@
           </ac:spMkLst>
         </pc:spChg>
         <pc:spChg chg="add mod">
-          <ac:chgData name="Jeremie Desgagne-Bouchard" userId="befeb1e1a66a0338" providerId="LiveId" clId="{1328888D-3802-476F-89D8-8DFBB1391DB0}" dt="2022-01-28T17:40:25.625" v="447" actId="6549"/>
+          <ac:chgData name="Jeremie Desgagne-Bouchard" userId="befeb1e1a66a0338" providerId="LiveId" clId="{1328888D-3802-476F-89D8-8DFBB1391DB0}" dt="2022-02-16T20:02:42.557" v="1775" actId="1076"/>
           <ac:spMkLst>
             <pc:docMk/>
             <pc:sldMk cId="2883554989" sldId="257"/>
             <ac:spMk id="15" creationId="{9407ED70-AEB9-43D5-B29D-AF69A2C7DADB}"/>
           </ac:spMkLst>
         </pc:spChg>
+        <pc:picChg chg="add mod">
+          <ac:chgData name="Jeremie Desgagne-Bouchard" userId="befeb1e1a66a0338" providerId="LiveId" clId="{1328888D-3802-476F-89D8-8DFBB1391DB0}" dt="2022-02-16T20:03:13.285" v="1782" actId="1076"/>
+          <ac:picMkLst>
+            <pc:docMk/>
+            <pc:sldMk cId="2883554989" sldId="257"/>
+            <ac:picMk id="8" creationId="{D98EC887-5D77-4096-B1C2-76CD70747C4B}"/>
+          </ac:picMkLst>
+        </pc:picChg>
         <pc:picChg chg="add mod">
           <ac:chgData name="Jeremie Desgagne-Bouchard" userId="befeb1e1a66a0338" providerId="LiveId" clId="{1328888D-3802-476F-89D8-8DFBB1391DB0}" dt="2022-02-15T20:54:07.490" v="1514" actId="1076"/>
           <ac:picMkLst>
@@ -801,7 +817,7 @@
         </pc:sldMkLst>
       </pc:sldChg>
       <pc:sldChg chg="addSp delSp modSp mod">
-        <pc:chgData name="Jeremie Desgagne-Bouchard" userId="befeb1e1a66a0338" providerId="LiveId" clId="{1328888D-3802-476F-89D8-8DFBB1391DB0}" dt="2022-02-15T20:57:12.052" v="1540"/>
+        <pc:chgData name="Jeremie Desgagne-Bouchard" userId="befeb1e1a66a0338" providerId="LiveId" clId="{1328888D-3802-476F-89D8-8DFBB1391DB0}" dt="2022-02-16T20:11:08.752" v="1807" actId="1076"/>
         <pc:sldMkLst>
           <pc:docMk/>
           <pc:sldMk cId="2504662627" sldId="260"/>
@@ -822,12 +838,68 @@
             <ac:spMk id="6" creationId="{C42CC22E-7AE3-40D0-A5D2-3630F30F6C97}"/>
           </ac:spMkLst>
         </pc:spChg>
+        <pc:spChg chg="add mod">
+          <ac:chgData name="Jeremie Desgagne-Bouchard" userId="befeb1e1a66a0338" providerId="LiveId" clId="{1328888D-3802-476F-89D8-8DFBB1391DB0}" dt="2022-02-16T19:29:59.927" v="1719"/>
+          <ac:spMkLst>
+            <pc:docMk/>
+            <pc:sldMk cId="2504662627" sldId="260"/>
+            <ac:spMk id="8" creationId="{94F32B8C-D9A6-4A3F-8F84-949171707474}"/>
+          </ac:spMkLst>
+        </pc:spChg>
+        <pc:picChg chg="add del mod">
+          <ac:chgData name="Jeremie Desgagne-Bouchard" userId="befeb1e1a66a0338" providerId="LiveId" clId="{1328888D-3802-476F-89D8-8DFBB1391DB0}" dt="2022-02-16T20:10:06.326" v="1795" actId="22"/>
+          <ac:picMkLst>
+            <pc:docMk/>
+            <pc:sldMk cId="2504662627" sldId="260"/>
+            <ac:picMk id="3" creationId="{57EA5DCE-9F19-4B99-8F58-6C32D4795563}"/>
+          </ac:picMkLst>
+        </pc:picChg>
         <pc:picChg chg="add mod">
           <ac:chgData name="Jeremie Desgagne-Bouchard" userId="befeb1e1a66a0338" providerId="LiveId" clId="{1328888D-3802-476F-89D8-8DFBB1391DB0}" dt="2022-02-15T20:57:12.052" v="1540"/>
           <ac:picMkLst>
             <pc:docMk/>
             <pc:sldMk cId="2504662627" sldId="260"/>
             <ac:picMk id="5" creationId="{CD3F4D3C-B1F2-405E-A2AE-10A64475921A}"/>
+          </ac:picMkLst>
+        </pc:picChg>
+        <pc:picChg chg="add del mod">
+          <ac:chgData name="Jeremie Desgagne-Bouchard" userId="befeb1e1a66a0338" providerId="LiveId" clId="{1328888D-3802-476F-89D8-8DFBB1391DB0}" dt="2022-02-16T19:29:54.636" v="1718" actId="478"/>
+          <ac:picMkLst>
+            <pc:docMk/>
+            <pc:sldMk cId="2504662627" sldId="260"/>
+            <ac:picMk id="6" creationId="{4188CAA5-0301-4DD6-9722-FAA310C65EEC}"/>
+          </ac:picMkLst>
+        </pc:picChg>
+        <pc:picChg chg="add mod">
+          <ac:chgData name="Jeremie Desgagne-Bouchard" userId="befeb1e1a66a0338" providerId="LiveId" clId="{1328888D-3802-476F-89D8-8DFBB1391DB0}" dt="2022-02-16T19:29:59.927" v="1719"/>
+          <ac:picMkLst>
+            <pc:docMk/>
+            <pc:sldMk cId="2504662627" sldId="260"/>
+            <ac:picMk id="7" creationId="{A15EECCC-7DA9-43B2-8A9B-9EBA84CC0EA2}"/>
+          </ac:picMkLst>
+        </pc:picChg>
+        <pc:picChg chg="add mod">
+          <ac:chgData name="Jeremie Desgagne-Bouchard" userId="befeb1e1a66a0338" providerId="LiveId" clId="{1328888D-3802-476F-89D8-8DFBB1391DB0}" dt="2022-02-16T20:11:08.752" v="1807" actId="1076"/>
+          <ac:picMkLst>
+            <pc:docMk/>
+            <pc:sldMk cId="2504662627" sldId="260"/>
+            <ac:picMk id="10" creationId="{7D5EC9A6-8CBD-4FD6-8720-615346B1530F}"/>
+          </ac:picMkLst>
+        </pc:picChg>
+        <pc:picChg chg="add del mod">
+          <ac:chgData name="Jeremie Desgagne-Bouchard" userId="befeb1e1a66a0338" providerId="LiveId" clId="{1328888D-3802-476F-89D8-8DFBB1391DB0}" dt="2022-02-16T20:10:20.499" v="1800" actId="478"/>
+          <ac:picMkLst>
+            <pc:docMk/>
+            <pc:sldMk cId="2504662627" sldId="260"/>
+            <ac:picMk id="11" creationId="{AA727CBE-979F-49F2-ACB9-2E4AF43FEE0D}"/>
+          </ac:picMkLst>
+        </pc:picChg>
+        <pc:picChg chg="add del">
+          <ac:chgData name="Jeremie Desgagne-Bouchard" userId="befeb1e1a66a0338" providerId="LiveId" clId="{1328888D-3802-476F-89D8-8DFBB1391DB0}" dt="2022-02-16T20:10:21.995" v="1801" actId="478"/>
+          <ac:picMkLst>
+            <pc:docMk/>
+            <pc:sldMk cId="2504662627" sldId="260"/>
+            <ac:picMk id="17" creationId="{49EF8FB1-719E-49B5-898A-D8F34C98C6DF}"/>
           </ac:picMkLst>
         </pc:picChg>
       </pc:sldChg>
@@ -871,7 +943,7 @@
         </pc:picChg>
       </pc:sldChg>
       <pc:sldChg chg="addSp modSp mod">
-        <pc:chgData name="Jeremie Desgagne-Bouchard" userId="befeb1e1a66a0338" providerId="LiveId" clId="{1328888D-3802-476F-89D8-8DFBB1391DB0}" dt="2022-02-15T21:45:56.807" v="1545" actId="1076"/>
+        <pc:chgData name="Jeremie Desgagne-Bouchard" userId="befeb1e1a66a0338" providerId="LiveId" clId="{1328888D-3802-476F-89D8-8DFBB1391DB0}" dt="2022-02-16T19:59:58.368" v="1760"/>
         <pc:sldMkLst>
           <pc:docMk/>
           <pc:sldMk cId="154442912" sldId="264"/>
@@ -885,7 +957,7 @@
           </ac:spMkLst>
         </pc:spChg>
         <pc:spChg chg="mod">
-          <ac:chgData name="Jeremie Desgagne-Bouchard" userId="befeb1e1a66a0338" providerId="LiveId" clId="{1328888D-3802-476F-89D8-8DFBB1391DB0}" dt="2022-02-15T21:45:56.807" v="1545" actId="1076"/>
+          <ac:chgData name="Jeremie Desgagne-Bouchard" userId="befeb1e1a66a0338" providerId="LiveId" clId="{1328888D-3802-476F-89D8-8DFBB1391DB0}" dt="2022-02-16T19:59:58.368" v="1760"/>
           <ac:spMkLst>
             <pc:docMk/>
             <pc:sldMk cId="154442912" sldId="264"/>
@@ -1306,13 +1378,13 @@
         </pc:cxnChg>
       </pc:sldChg>
       <pc:sldChg chg="addSp modSp add mod">
-        <pc:chgData name="Jeremie Desgagne-Bouchard" userId="befeb1e1a66a0338" providerId="LiveId" clId="{1328888D-3802-476F-89D8-8DFBB1391DB0}" dt="2022-02-16T15:53:48.874" v="1690" actId="20577"/>
+        <pc:chgData name="Jeremie Desgagne-Bouchard" userId="befeb1e1a66a0338" providerId="LiveId" clId="{1328888D-3802-476F-89D8-8DFBB1391DB0}" dt="2022-02-16T20:00:13.296" v="1761"/>
         <pc:sldMkLst>
           <pc:docMk/>
           <pc:sldMk cId="4217931981" sldId="269"/>
         </pc:sldMkLst>
         <pc:spChg chg="mod">
-          <ac:chgData name="Jeremie Desgagne-Bouchard" userId="befeb1e1a66a0338" providerId="LiveId" clId="{1328888D-3802-476F-89D8-8DFBB1391DB0}" dt="2022-02-16T15:53:48.874" v="1690" actId="20577"/>
+          <ac:chgData name="Jeremie Desgagne-Bouchard" userId="befeb1e1a66a0338" providerId="LiveId" clId="{1328888D-3802-476F-89D8-8DFBB1391DB0}" dt="2022-02-16T20:00:13.296" v="1761"/>
           <ac:spMkLst>
             <pc:docMk/>
             <pc:sldMk cId="4217931981" sldId="269"/>
@@ -1438,7 +1510,7 @@
         </pc:picChg>
       </pc:sldChg>
       <pc:sldChg chg="addSp delSp modSp add mod ord">
-        <pc:chgData name="Jeremie Desgagne-Bouchard" userId="befeb1e1a66a0338" providerId="LiveId" clId="{1328888D-3802-476F-89D8-8DFBB1391DB0}" dt="2022-02-15T20:54:14.286" v="1516" actId="1036"/>
+        <pc:chgData name="Jeremie Desgagne-Bouchard" userId="befeb1e1a66a0338" providerId="LiveId" clId="{1328888D-3802-476F-89D8-8DFBB1391DB0}" dt="2022-02-16T19:33:07.745" v="1755" actId="6549"/>
         <pc:sldMkLst>
           <pc:docMk/>
           <pc:sldMk cId="1166421813" sldId="273"/>
@@ -1451,6 +1523,14 @@
             <ac:spMk id="6" creationId="{C42CC22E-7AE3-40D0-A5D2-3630F30F6C97}"/>
           </ac:spMkLst>
         </pc:spChg>
+        <pc:spChg chg="add mod">
+          <ac:chgData name="Jeremie Desgagne-Bouchard" userId="befeb1e1a66a0338" providerId="LiveId" clId="{1328888D-3802-476F-89D8-8DFBB1391DB0}" dt="2022-02-16T19:29:48.384" v="1717" actId="1076"/>
+          <ac:spMkLst>
+            <pc:docMk/>
+            <pc:sldMk cId="1166421813" sldId="273"/>
+            <ac:spMk id="8" creationId="{382D47A4-24D8-4B29-B8F0-D8432D4D8AC9}"/>
+          </ac:spMkLst>
+        </pc:spChg>
         <pc:spChg chg="del">
           <ac:chgData name="Jeremie Desgagne-Bouchard" userId="befeb1e1a66a0338" providerId="LiveId" clId="{1328888D-3802-476F-89D8-8DFBB1391DB0}" dt="2022-02-11T16:16:36.734" v="498" actId="478"/>
           <ac:spMkLst>
@@ -1460,7 +1540,7 @@
           </ac:spMkLst>
         </pc:spChg>
         <pc:graphicFrameChg chg="add mod modGraphic">
-          <ac:chgData name="Jeremie Desgagne-Bouchard" userId="befeb1e1a66a0338" providerId="LiveId" clId="{1328888D-3802-476F-89D8-8DFBB1391DB0}" dt="2022-02-12T01:15:13.038" v="719" actId="20577"/>
+          <ac:chgData name="Jeremie Desgagne-Bouchard" userId="befeb1e1a66a0338" providerId="LiveId" clId="{1328888D-3802-476F-89D8-8DFBB1391DB0}" dt="2022-02-16T19:33:07.745" v="1755" actId="6549"/>
           <ac:graphicFrameMkLst>
             <pc:docMk/>
             <pc:sldMk cId="1166421813" sldId="273"/>
@@ -1473,6 +1553,14 @@
             <pc:docMk/>
             <pc:sldMk cId="1166421813" sldId="273"/>
             <ac:picMk id="5" creationId="{4298CEF2-A087-46FC-BDBA-A83E30E39AA5}"/>
+          </ac:picMkLst>
+        </pc:picChg>
+        <pc:picChg chg="add mod">
+          <ac:chgData name="Jeremie Desgagne-Bouchard" userId="befeb1e1a66a0338" providerId="LiveId" clId="{1328888D-3802-476F-89D8-8DFBB1391DB0}" dt="2022-02-16T19:29:48.384" v="1717" actId="1076"/>
+          <ac:picMkLst>
+            <pc:docMk/>
+            <pc:sldMk cId="1166421813" sldId="273"/>
+            <ac:picMk id="6" creationId="{91928721-D9E3-4BBE-8108-D42E1E301B85}"/>
           </ac:picMkLst>
         </pc:picChg>
         <pc:picChg chg="del">
@@ -10179,7 +10267,7 @@
         </p:nvSpPr>
         <p:spPr>
           <a:xfrm>
-            <a:off x="838200" y="3545354"/>
+            <a:off x="838200" y="3159230"/>
             <a:ext cx="6097554" cy="646331"/>
           </a:xfrm>
           <a:prstGeom prst="rect">
@@ -10223,7 +10311,7 @@
         </p:nvSpPr>
         <p:spPr>
           <a:xfrm>
-            <a:off x="838200" y="4734866"/>
+            <a:off x="838200" y="3914691"/>
             <a:ext cx="6316824" cy="646331"/>
           </a:xfrm>
           <a:prstGeom prst="rect">
@@ -10245,11 +10333,24 @@
           <a:p>
             <a:r>
               <a:rPr lang="en-CA" dirty="0">
-                <a:hlinkClick r:id="rId3"/>
+                <a:solidFill>
+                  <a:srgbClr val="0070C0"/>
+                </a:solidFill>
+                <a:hlinkClick r:id="rId3">
+                  <a:extLst>
+                    <a:ext uri="{A12FA001-AC4F-418D-AE19-62706E023703}">
+                      <ahyp:hlinkClr xmlns:ahyp="http://schemas.microsoft.com/office/drawing/2018/hyperlinkcolor" val="tx"/>
+                    </a:ext>
+                  </a:extLst>
+                </a:hlinkClick>
               </a:rPr>
               <a:t>https://www.aicrowd.com/challenges/insurance-pricing-game</a:t>
             </a:r>
-            <a:endParaRPr lang="en-CA" dirty="0"/>
+            <a:endParaRPr lang="en-CA" dirty="0">
+              <a:solidFill>
+                <a:srgbClr val="0070C0"/>
+              </a:solidFill>
+            </a:endParaRPr>
           </a:p>
         </p:txBody>
       </p:sp>
@@ -10298,6 +10399,36 @@
               </a14:hiddenFill>
             </a:ext>
           </a:extLst>
+        </p:spPr>
+      </p:pic>
+      <p:pic>
+        <p:nvPicPr>
+          <p:cNvPr id="8" name="Picture 7">
+            <a:extLst>
+              <a:ext uri="{FF2B5EF4-FFF2-40B4-BE49-F238E27FC236}">
+                <a16:creationId xmlns:a16="http://schemas.microsoft.com/office/drawing/2014/main" id="{D98EC887-5D77-4096-B1C2-76CD70747C4B}"/>
+              </a:ext>
+            </a:extLst>
+          </p:cNvPr>
+          <p:cNvPicPr>
+            <a:picLocks noChangeAspect="1"/>
+          </p:cNvPicPr>
+          <p:nvPr/>
+        </p:nvPicPr>
+        <p:blipFill>
+          <a:blip r:embed="rId5"/>
+          <a:stretch>
+            <a:fillRect/>
+          </a:stretch>
+        </p:blipFill>
+        <p:spPr>
+          <a:xfrm>
+            <a:off x="838200" y="4530149"/>
+            <a:ext cx="6316824" cy="1832546"/>
+          </a:xfrm>
+          <a:prstGeom prst="rect">
+            <a:avLst/>
+          </a:prstGeom>
         </p:spPr>
       </p:pic>
     </p:spTree>
@@ -10405,14 +10536,14 @@
           <p:nvPr>
             <p:extLst>
               <p:ext uri="{D42A27DB-BD31-4B8C-83A1-F6EECF244321}">
-                <p14:modId xmlns:p14="http://schemas.microsoft.com/office/powerpoint/2010/main" val="4064504291"/>
+                <p14:modId xmlns:p14="http://schemas.microsoft.com/office/powerpoint/2010/main" val="2900167302"/>
               </p:ext>
             </p:extLst>
           </p:nvPr>
         </p:nvGraphicFramePr>
         <p:xfrm>
-          <a:off x="1640115" y="2714124"/>
-          <a:ext cx="8128000" cy="3352800"/>
+          <a:off x="1856174" y="2558257"/>
+          <a:ext cx="8128000" cy="3688080"/>
         </p:xfrm>
         <a:graphic>
           <a:graphicData uri="http://schemas.openxmlformats.org/drawingml/2006/table">
@@ -10499,7 +10630,7 @@
                   </a:ext>
                 </a:extLst>
               </a:tr>
-              <a:tr h="330545">
+              <a:tr h="288000">
                 <a:tc>
                   <a:txBody>
                     <a:bodyPr/>
@@ -10507,10 +10638,10 @@
                     <a:p>
                       <a:pPr algn="ctr"/>
                       <a:r>
-                        <a:rPr lang="fr-CA" sz="1600" dirty="0"/>
+                        <a:rPr lang="fr-CA" sz="1400" dirty="0"/>
                         <a:t>CSV</a:t>
                       </a:r>
-                      <a:endParaRPr lang="en-CA" sz="1600" dirty="0"/>
+                      <a:endParaRPr lang="en-CA" sz="1400" dirty="0"/>
                     </a:p>
                   </a:txBody>
                   <a:tcPr>
@@ -10548,12 +10679,12 @@
                         <a:defRPr/>
                       </a:pPr>
                       <a:r>
-                        <a:rPr lang="en-CA" sz="1600" dirty="0">
+                        <a:rPr lang="en-CA" sz="1400" dirty="0">
                           <a:hlinkClick r:id="rId2"/>
                         </a:rPr>
                         <a:t>https://github.com/JuliaData/CSV.jl</a:t>
                       </a:r>
-                      <a:endParaRPr lang="en-CA" sz="1600" dirty="0"/>
+                      <a:endParaRPr lang="en-CA" sz="1400" dirty="0"/>
                     </a:p>
                   </a:txBody>
                   <a:tcPr>
@@ -10574,7 +10705,7 @@
                   </a:ext>
                 </a:extLst>
               </a:tr>
-              <a:tr h="330545">
+              <a:tr h="288000">
                 <a:tc>
                   <a:txBody>
                     <a:bodyPr/>
@@ -10582,10 +10713,10 @@
                     <a:p>
                       <a:pPr algn="ctr"/>
                       <a:r>
-                        <a:rPr lang="fr-CA" sz="1600" dirty="0"/>
-                        <a:t>Arrow / Feather</a:t>
+                        <a:rPr lang="fr-CA" sz="1400" dirty="0"/>
+                        <a:t>JSON</a:t>
                       </a:r>
-                      <a:endParaRPr lang="en-CA" sz="1600" dirty="0"/>
+                      <a:endParaRPr lang="en-CA" sz="1400" dirty="0"/>
                     </a:p>
                   </a:txBody>
                   <a:tcPr>
@@ -10623,12 +10754,12 @@
                         <a:defRPr/>
                       </a:pPr>
                       <a:r>
-                        <a:rPr lang="en-CA" sz="1600" dirty="0">
+                        <a:rPr lang="en-CA" sz="1400" dirty="0">
                           <a:hlinkClick r:id="rId3"/>
                         </a:rPr>
-                        <a:t>https://github.com/apache/arrow-julia</a:t>
+                        <a:t>https://github.com/quinnj/JSON3.jl</a:t>
                       </a:r>
-                      <a:endParaRPr lang="en-CA" sz="1600" dirty="0"/>
+                      <a:endParaRPr lang="en-CA" sz="1400" dirty="0"/>
                     </a:p>
                   </a:txBody>
                   <a:tcPr>
@@ -10649,7 +10780,7 @@
                   </a:ext>
                 </a:extLst>
               </a:tr>
-              <a:tr h="330545">
+              <a:tr h="288000">
                 <a:tc>
                   <a:txBody>
                     <a:bodyPr/>
@@ -10657,10 +10788,10 @@
                     <a:p>
                       <a:pPr algn="ctr"/>
                       <a:r>
-                        <a:rPr lang="fr-CA" sz="1600" dirty="0"/>
-                        <a:t>Parquet</a:t>
+                        <a:rPr lang="fr-CA" sz="1400" dirty="0"/>
+                        <a:t>Arrow / Feather</a:t>
                       </a:r>
-                      <a:endParaRPr lang="en-CA" sz="1600" dirty="0"/>
+                      <a:endParaRPr lang="en-CA" sz="1400" dirty="0"/>
                     </a:p>
                   </a:txBody>
                   <a:tcPr>
@@ -10698,12 +10829,12 @@
                         <a:defRPr/>
                       </a:pPr>
                       <a:r>
-                        <a:rPr lang="en-CA" sz="1600" dirty="0">
+                        <a:rPr lang="en-CA" sz="1400" dirty="0">
                           <a:hlinkClick r:id="rId4"/>
                         </a:rPr>
-                        <a:t>https://github.com/JuliaIO/Parquet.jl</a:t>
+                        <a:t>https://github.com/apache/arrow-julia</a:t>
                       </a:r>
-                      <a:endParaRPr lang="en-CA" sz="1600" dirty="0"/>
+                      <a:endParaRPr lang="en-CA" sz="1400" dirty="0"/>
                     </a:p>
                   </a:txBody>
                   <a:tcPr>
@@ -10724,7 +10855,7 @@
                   </a:ext>
                 </a:extLst>
               </a:tr>
-              <a:tr h="330545">
+              <a:tr h="288000">
                 <a:tc>
                   <a:txBody>
                     <a:bodyPr/>
@@ -10732,10 +10863,10 @@
                     <a:p>
                       <a:pPr algn="ctr"/>
                       <a:r>
-                        <a:rPr lang="fr-CA" sz="1600" dirty="0"/>
-                        <a:t>SQLite</a:t>
+                        <a:rPr lang="fr-CA" sz="1400" dirty="0"/>
+                        <a:t>Parquet</a:t>
                       </a:r>
-                      <a:endParaRPr lang="en-CA" sz="1600" dirty="0"/>
+                      <a:endParaRPr lang="en-CA" sz="1400" dirty="0"/>
                     </a:p>
                   </a:txBody>
                   <a:tcPr>
@@ -10773,12 +10904,12 @@
                         <a:defRPr/>
                       </a:pPr>
                       <a:r>
-                        <a:rPr lang="en-CA" sz="1600" dirty="0">
+                        <a:rPr lang="en-CA" sz="1400" dirty="0">
                           <a:hlinkClick r:id="rId5"/>
                         </a:rPr>
-                        <a:t>https://github.com/JuliaDatabases/SQLite.jl</a:t>
+                        <a:t>https://github.com/JuliaIO/Parquet.jl</a:t>
                       </a:r>
-                      <a:endParaRPr lang="en-CA" sz="1600" dirty="0"/>
+                      <a:endParaRPr lang="en-CA" sz="1400" dirty="0"/>
                     </a:p>
                   </a:txBody>
                   <a:tcPr>
@@ -10795,11 +10926,11 @@
                 </a:tc>
                 <a:extLst>
                   <a:ext uri="{0D108BD9-81ED-4DB2-BD59-A6C34878D82A}">
-                    <a16:rowId xmlns:a16="http://schemas.microsoft.com/office/drawing/2014/main" val="3452832608"/>
+                    <a16:rowId xmlns:a16="http://schemas.microsoft.com/office/drawing/2014/main" val="986782410"/>
                   </a:ext>
                 </a:extLst>
               </a:tr>
-              <a:tr h="330545">
+              <a:tr h="288000">
                 <a:tc>
                   <a:txBody>
                     <a:bodyPr/>
@@ -10807,10 +10938,10 @@
                     <a:p>
                       <a:pPr algn="ctr"/>
                       <a:r>
-                        <a:rPr lang="fr-CA" sz="1600" dirty="0" err="1"/>
-                        <a:t>Postgres</a:t>
+                        <a:rPr lang="fr-CA" sz="1400" dirty="0"/>
+                        <a:t>HDF5</a:t>
                       </a:r>
-                      <a:endParaRPr lang="en-CA" sz="1600" dirty="0"/>
+                      <a:endParaRPr lang="en-CA" sz="1400" dirty="0"/>
                     </a:p>
                   </a:txBody>
                   <a:tcPr>
@@ -10848,12 +10979,12 @@
                         <a:defRPr/>
                       </a:pPr>
                       <a:r>
-                        <a:rPr lang="en-CA" sz="1600" dirty="0">
+                        <a:rPr lang="en-CA" sz="1400" dirty="0">
                           <a:hlinkClick r:id="rId6"/>
                         </a:rPr>
-                        <a:t>https://github.com/invenia/LibPQ.jl</a:t>
+                        <a:t>https://github.com/JuliaIO/HDF5.jl</a:t>
                       </a:r>
-                      <a:endParaRPr lang="en-CA" sz="1600" dirty="0"/>
+                      <a:endParaRPr lang="en-CA" sz="1400" dirty="0"/>
                     </a:p>
                   </a:txBody>
                   <a:tcPr>
@@ -10870,11 +11001,11 @@
                 </a:tc>
                 <a:extLst>
                   <a:ext uri="{0D108BD9-81ED-4DB2-BD59-A6C34878D82A}">
-                    <a16:rowId xmlns:a16="http://schemas.microsoft.com/office/drawing/2014/main" val="2301415248"/>
+                    <a16:rowId xmlns:a16="http://schemas.microsoft.com/office/drawing/2014/main" val="2550225974"/>
                   </a:ext>
                 </a:extLst>
               </a:tr>
-              <a:tr h="330545">
+              <a:tr h="288000">
                 <a:tc>
                   <a:txBody>
                     <a:bodyPr/>
@@ -10882,10 +11013,10 @@
                     <a:p>
                       <a:pPr algn="ctr"/>
                       <a:r>
-                        <a:rPr lang="fr-CA" sz="1600" dirty="0"/>
-                        <a:t>MySQL</a:t>
+                        <a:rPr lang="fr-CA" sz="1400" dirty="0"/>
+                        <a:t>SQLite</a:t>
                       </a:r>
-                      <a:endParaRPr lang="en-CA" sz="1600" dirty="0"/>
+                      <a:endParaRPr lang="en-CA" sz="1400" dirty="0"/>
                     </a:p>
                   </a:txBody>
                   <a:tcPr>
@@ -10923,12 +11054,12 @@
                         <a:defRPr/>
                       </a:pPr>
                       <a:r>
-                        <a:rPr lang="en-CA" sz="1600" dirty="0">
+                        <a:rPr lang="en-CA" sz="1400" dirty="0">
                           <a:hlinkClick r:id="rId7"/>
                         </a:rPr>
-                        <a:t>https://github.com/JuliaDatabases/MySQL.jl</a:t>
+                        <a:t>https://github.com/JuliaDatabases/SQLite.jl</a:t>
                       </a:r>
-                      <a:endParaRPr lang="en-CA" sz="1600" dirty="0"/>
+                      <a:endParaRPr lang="en-CA" sz="1400" dirty="0"/>
                     </a:p>
                   </a:txBody>
                   <a:tcPr>
@@ -10945,11 +11076,11 @@
                 </a:tc>
                 <a:extLst>
                   <a:ext uri="{0D108BD9-81ED-4DB2-BD59-A6C34878D82A}">
-                    <a16:rowId xmlns:a16="http://schemas.microsoft.com/office/drawing/2014/main" val="3903131893"/>
+                    <a16:rowId xmlns:a16="http://schemas.microsoft.com/office/drawing/2014/main" val="3452832608"/>
                   </a:ext>
                 </a:extLst>
               </a:tr>
-              <a:tr h="330545">
+              <a:tr h="288000">
                 <a:tc>
                   <a:txBody>
                     <a:bodyPr/>
@@ -10957,10 +11088,10 @@
                     <a:p>
                       <a:pPr algn="ctr"/>
                       <a:r>
-                        <a:rPr lang="fr-CA" sz="1600" dirty="0"/>
-                        <a:t>Excel (xlsx)</a:t>
+                        <a:rPr lang="fr-CA" sz="1400" dirty="0" err="1"/>
+                        <a:t>Postgres</a:t>
                       </a:r>
-                      <a:endParaRPr lang="en-CA" sz="1600" dirty="0"/>
+                      <a:endParaRPr lang="en-CA" sz="1400" dirty="0"/>
                     </a:p>
                   </a:txBody>
                   <a:tcPr>
@@ -10998,12 +11129,12 @@
                         <a:defRPr/>
                       </a:pPr>
                       <a:r>
-                        <a:rPr lang="en-CA" sz="1600" dirty="0">
+                        <a:rPr lang="en-CA" sz="1400" dirty="0">
                           <a:hlinkClick r:id="rId8"/>
                         </a:rPr>
-                        <a:t>https://github.com/felipenoris/XLSX.jl</a:t>
+                        <a:t>https://github.com/invenia/LibPQ.jl</a:t>
                       </a:r>
-                      <a:endParaRPr lang="en-CA" sz="1600" dirty="0"/>
+                      <a:endParaRPr lang="en-CA" sz="1400" dirty="0"/>
                     </a:p>
                   </a:txBody>
                   <a:tcPr>
@@ -11020,11 +11151,11 @@
                 </a:tc>
                 <a:extLst>
                   <a:ext uri="{0D108BD9-81ED-4DB2-BD59-A6C34878D82A}">
-                    <a16:rowId xmlns:a16="http://schemas.microsoft.com/office/drawing/2014/main" val="3557174841"/>
+                    <a16:rowId xmlns:a16="http://schemas.microsoft.com/office/drawing/2014/main" val="2301415248"/>
                   </a:ext>
                 </a:extLst>
               </a:tr>
-              <a:tr h="330545">
+              <a:tr h="288000">
                 <a:tc>
                   <a:txBody>
                     <a:bodyPr/>
@@ -11032,10 +11163,10 @@
                     <a:p>
                       <a:pPr algn="ctr"/>
                       <a:r>
-                        <a:rPr lang="fr-CA" sz="1600"/>
-                        <a:t>SAS (sas7bdat)</a:t>
+                        <a:rPr lang="fr-CA" sz="1400" dirty="0"/>
+                        <a:t>MySQL</a:t>
                       </a:r>
-                      <a:endParaRPr lang="en-CA" sz="1600" dirty="0"/>
+                      <a:endParaRPr lang="en-CA" sz="1400" dirty="0"/>
                     </a:p>
                   </a:txBody>
                   <a:tcPr>
@@ -11073,12 +11204,12 @@
                         <a:defRPr/>
                       </a:pPr>
                       <a:r>
-                        <a:rPr lang="en-CA" sz="1600" dirty="0">
-                          <a:hlinkClick r:id="rId7"/>
+                        <a:rPr lang="en-CA" sz="1400" dirty="0">
+                          <a:hlinkClick r:id="rId9"/>
                         </a:rPr>
-                        <a:t>https://github.com/tk3369/SASLib.jl</a:t>
+                        <a:t>https://github.com/JuliaDatabases/MySQL.jl</a:t>
                       </a:r>
-                      <a:endParaRPr lang="en-CA" sz="1600" dirty="0"/>
+                      <a:endParaRPr lang="en-CA" sz="1400" dirty="0"/>
                     </a:p>
                   </a:txBody>
                   <a:tcPr>
@@ -11095,11 +11226,11 @@
                 </a:tc>
                 <a:extLst>
                   <a:ext uri="{0D108BD9-81ED-4DB2-BD59-A6C34878D82A}">
-                    <a16:rowId xmlns:a16="http://schemas.microsoft.com/office/drawing/2014/main" val="1457878050"/>
+                    <a16:rowId xmlns:a16="http://schemas.microsoft.com/office/drawing/2014/main" val="3903131893"/>
                   </a:ext>
                 </a:extLst>
               </a:tr>
-              <a:tr h="330545">
+              <a:tr h="288000">
                 <a:tc>
                   <a:txBody>
                     <a:bodyPr/>
@@ -11107,10 +11238,10 @@
                     <a:p>
                       <a:pPr algn="ctr"/>
                       <a:r>
-                        <a:rPr lang="fr-CA" sz="1600" dirty="0"/>
-                        <a:t>Matlab</a:t>
+                        <a:rPr lang="fr-CA" sz="1400" dirty="0"/>
+                        <a:t>Excel (xlsx)</a:t>
                       </a:r>
-                      <a:endParaRPr lang="en-CA" sz="1600" dirty="0"/>
+                      <a:endParaRPr lang="en-CA" sz="1400" dirty="0"/>
                     </a:p>
                   </a:txBody>
                   <a:tcPr>
@@ -11148,12 +11279,162 @@
                         <a:defRPr/>
                       </a:pPr>
                       <a:r>
-                        <a:rPr lang="en-CA" sz="1600" dirty="0">
+                        <a:rPr lang="en-CA" sz="1400" dirty="0">
+                          <a:hlinkClick r:id="rId10"/>
+                        </a:rPr>
+                        <a:t>https://github.com/felipenoris/XLSX.jl</a:t>
+                      </a:r>
+                      <a:endParaRPr lang="en-CA" sz="1400" dirty="0"/>
+                    </a:p>
+                  </a:txBody>
+                  <a:tcPr>
+                    <a:lnL w="12700" cap="flat" cmpd="sng" algn="ctr">
+                      <a:solidFill>
+                        <a:schemeClr val="tx1"/>
+                      </a:solidFill>
+                      <a:prstDash val="solid"/>
+                      <a:round/>
+                      <a:headEnd type="none" w="med" len="med"/>
+                      <a:tailEnd type="none" w="med" len="med"/>
+                    </a:lnL>
+                  </a:tcPr>
+                </a:tc>
+                <a:extLst>
+                  <a:ext uri="{0D108BD9-81ED-4DB2-BD59-A6C34878D82A}">
+                    <a16:rowId xmlns:a16="http://schemas.microsoft.com/office/drawing/2014/main" val="3557174841"/>
+                  </a:ext>
+                </a:extLst>
+              </a:tr>
+              <a:tr h="288000">
+                <a:tc>
+                  <a:txBody>
+                    <a:bodyPr/>
+                    <a:lstStyle/>
+                    <a:p>
+                      <a:pPr algn="ctr"/>
+                      <a:r>
+                        <a:rPr lang="fr-CA" sz="1400"/>
+                        <a:t>SAS (sas7bdat)</a:t>
+                      </a:r>
+                      <a:endParaRPr lang="en-CA" sz="1400" dirty="0"/>
+                    </a:p>
+                  </a:txBody>
+                  <a:tcPr>
+                    <a:lnR w="12700" cap="flat" cmpd="sng" algn="ctr">
+                      <a:solidFill>
+                        <a:schemeClr val="tx1"/>
+                      </a:solidFill>
+                      <a:prstDash val="solid"/>
+                      <a:round/>
+                      <a:headEnd type="none" w="med" len="med"/>
+                      <a:tailEnd type="none" w="med" len="med"/>
+                    </a:lnR>
+                  </a:tcPr>
+                </a:tc>
+                <a:tc>
+                  <a:txBody>
+                    <a:bodyPr/>
+                    <a:lstStyle/>
+                    <a:p>
+                      <a:pPr marL="0" marR="0" lvl="0" indent="0" algn="ctr" defTabSz="914400" rtl="0" eaLnBrk="1" fontAlgn="auto" latinLnBrk="0" hangingPunct="1">
+                        <a:lnSpc>
+                          <a:spcPct val="100000"/>
+                        </a:lnSpc>
+                        <a:spcBef>
+                          <a:spcPts val="0"/>
+                        </a:spcBef>
+                        <a:spcAft>
+                          <a:spcPts val="0"/>
+                        </a:spcAft>
+                        <a:buClrTx/>
+                        <a:buSzTx/>
+                        <a:buFontTx/>
+                        <a:buNone/>
+                        <a:tabLst/>
+                        <a:defRPr/>
+                      </a:pPr>
+                      <a:r>
+                        <a:rPr lang="en-CA" sz="1400" dirty="0">
                           <a:hlinkClick r:id="rId9"/>
+                        </a:rPr>
+                        <a:t>https://github.com/tk3369/SASLib.jl</a:t>
+                      </a:r>
+                      <a:endParaRPr lang="en-CA" sz="1400" dirty="0"/>
+                    </a:p>
+                  </a:txBody>
+                  <a:tcPr>
+                    <a:lnL w="12700" cap="flat" cmpd="sng" algn="ctr">
+                      <a:solidFill>
+                        <a:schemeClr val="tx1"/>
+                      </a:solidFill>
+                      <a:prstDash val="solid"/>
+                      <a:round/>
+                      <a:headEnd type="none" w="med" len="med"/>
+                      <a:tailEnd type="none" w="med" len="med"/>
+                    </a:lnL>
+                  </a:tcPr>
+                </a:tc>
+                <a:extLst>
+                  <a:ext uri="{0D108BD9-81ED-4DB2-BD59-A6C34878D82A}">
+                    <a16:rowId xmlns:a16="http://schemas.microsoft.com/office/drawing/2014/main" val="1457878050"/>
+                  </a:ext>
+                </a:extLst>
+              </a:tr>
+              <a:tr h="288000">
+                <a:tc>
+                  <a:txBody>
+                    <a:bodyPr/>
+                    <a:lstStyle/>
+                    <a:p>
+                      <a:pPr algn="ctr"/>
+                      <a:r>
+                        <a:rPr lang="fr-CA" sz="1400" dirty="0"/>
+                        <a:t>Matlab</a:t>
+                      </a:r>
+                      <a:endParaRPr lang="en-CA" sz="1400" dirty="0"/>
+                    </a:p>
+                  </a:txBody>
+                  <a:tcPr>
+                    <a:lnR w="12700" cap="flat" cmpd="sng" algn="ctr">
+                      <a:solidFill>
+                        <a:schemeClr val="tx1"/>
+                      </a:solidFill>
+                      <a:prstDash val="solid"/>
+                      <a:round/>
+                      <a:headEnd type="none" w="med" len="med"/>
+                      <a:tailEnd type="none" w="med" len="med"/>
+                    </a:lnR>
+                  </a:tcPr>
+                </a:tc>
+                <a:tc>
+                  <a:txBody>
+                    <a:bodyPr/>
+                    <a:lstStyle/>
+                    <a:p>
+                      <a:pPr marL="0" marR="0" lvl="0" indent="0" algn="ctr" defTabSz="914400" rtl="0" eaLnBrk="1" fontAlgn="auto" latinLnBrk="0" hangingPunct="1">
+                        <a:lnSpc>
+                          <a:spcPct val="100000"/>
+                        </a:lnSpc>
+                        <a:spcBef>
+                          <a:spcPts val="0"/>
+                        </a:spcBef>
+                        <a:spcAft>
+                          <a:spcPts val="0"/>
+                        </a:spcAft>
+                        <a:buClrTx/>
+                        <a:buSzTx/>
+                        <a:buFontTx/>
+                        <a:buNone/>
+                        <a:tabLst/>
+                        <a:defRPr/>
+                      </a:pPr>
+                      <a:r>
+                        <a:rPr lang="en-CA" sz="1400" dirty="0">
+                          <a:hlinkClick r:id="rId11"/>
                         </a:rPr>
                         <a:t>https://github.com/JuliaIO/MAT.jl</a:t>
                       </a:r>
-                      <a:endParaRPr lang="en-CA" sz="1600" dirty="0"/>
+                      <a:endParaRPr lang="en-CA" sz="1400" dirty="0"/>
                     </a:p>
                   </a:txBody>
                   <a:tcPr>
@@ -11193,7 +11474,7 @@
           <p:nvPr/>
         </p:nvPicPr>
         <p:blipFill>
-          <a:blip r:embed="rId10">
+          <a:blip r:embed="rId12">
             <a:extLst>
               <a:ext uri="{28A0092B-C50C-407E-A947-70E740481C1C}">
                 <a14:useLocalDpi xmlns:a14="http://schemas.microsoft.com/office/drawing/2010/main" val="0"/>
@@ -11225,6 +11506,87 @@
           </a:extLst>
         </p:spPr>
       </p:pic>
+      <p:pic>
+        <p:nvPicPr>
+          <p:cNvPr id="6" name="Picture 5" descr="Icon&#10;&#10;Description automatically generated">
+            <a:extLst>
+              <a:ext uri="{FF2B5EF4-FFF2-40B4-BE49-F238E27FC236}">
+                <a16:creationId xmlns:a16="http://schemas.microsoft.com/office/drawing/2014/main" id="{91928721-D9E3-4BBE-8108-D42E1E301B85}"/>
+              </a:ext>
+            </a:extLst>
+          </p:cNvPr>
+          <p:cNvPicPr>
+            <a:picLocks noChangeAspect="1"/>
+          </p:cNvPicPr>
+          <p:nvPr/>
+        </p:nvPicPr>
+        <p:blipFill>
+          <a:blip r:embed="rId13">
+            <a:extLst>
+              <a:ext uri="{28A0092B-C50C-407E-A947-70E740481C1C}">
+                <a14:useLocalDpi xmlns:a14="http://schemas.microsoft.com/office/drawing/2010/main" val="0"/>
+              </a:ext>
+            </a:extLst>
+          </a:blip>
+          <a:stretch>
+            <a:fillRect/>
+          </a:stretch>
+        </p:blipFill>
+        <p:spPr>
+          <a:xfrm>
+            <a:off x="4452358" y="687555"/>
+            <a:ext cx="1467816" cy="1467816"/>
+          </a:xfrm>
+          <a:prstGeom prst="rect">
+            <a:avLst/>
+          </a:prstGeom>
+        </p:spPr>
+      </p:pic>
+      <p:sp>
+        <p:nvSpPr>
+          <p:cNvPr id="8" name="TextBox 7">
+            <a:extLst>
+              <a:ext uri="{FF2B5EF4-FFF2-40B4-BE49-F238E27FC236}">
+                <a16:creationId xmlns:a16="http://schemas.microsoft.com/office/drawing/2014/main" id="{382D47A4-24D8-4B29-B8F0-D8432D4D8AC9}"/>
+              </a:ext>
+            </a:extLst>
+          </p:cNvPr>
+          <p:cNvSpPr txBox="1"/>
+          <p:nvPr/>
+        </p:nvSpPr>
+        <p:spPr>
+          <a:xfrm>
+            <a:off x="4276531" y="1970705"/>
+            <a:ext cx="1819469" cy="461665"/>
+          </a:xfrm>
+          <a:prstGeom prst="rect">
+            <a:avLst/>
+          </a:prstGeom>
+          <a:noFill/>
+        </p:spPr>
+        <p:txBody>
+          <a:bodyPr wrap="square">
+            <a:spAutoFit/>
+          </a:bodyPr>
+          <a:lstStyle/>
+          <a:p>
+            <a:pPr algn="ctr"/>
+            <a:r>
+              <a:rPr lang="en-CA" sz="2400" dirty="0" err="1">
+                <a:hlinkClick r:id="rId14">
+                  <a:extLst>
+                    <a:ext uri="{A12FA001-AC4F-418D-AE19-62706E023703}">
+                      <ahyp:hlinkClr xmlns:ahyp="http://schemas.microsoft.com/office/drawing/2018/hyperlinkcolor" val="tx"/>
+                    </a:ext>
+                  </a:extLst>
+                </a:hlinkClick>
+              </a:rPr>
+              <a:t>JuliaIO</a:t>
+            </a:r>
+            <a:endParaRPr lang="en-CA" sz="2400" dirty="0"/>
+          </a:p>
+        </p:txBody>
+      </p:sp>
     </p:spTree>
     <p:extLst>
       <p:ext uri="{BB962C8B-B14F-4D97-AF65-F5344CB8AC3E}">
@@ -11490,36 +11852,6 @@
       </p:sp>
       <p:pic>
         <p:nvPicPr>
-          <p:cNvPr id="17" name="Picture 16">
-            <a:extLst>
-              <a:ext uri="{FF2B5EF4-FFF2-40B4-BE49-F238E27FC236}">
-                <a16:creationId xmlns:a16="http://schemas.microsoft.com/office/drawing/2014/main" id="{49EF8FB1-719E-49B5-898A-D8F34C98C6DF}"/>
-              </a:ext>
-            </a:extLst>
-          </p:cNvPr>
-          <p:cNvPicPr>
-            <a:picLocks noChangeAspect="1"/>
-          </p:cNvPicPr>
-          <p:nvPr/>
-        </p:nvPicPr>
-        <p:blipFill>
-          <a:blip r:embed="rId2"/>
-          <a:stretch>
-            <a:fillRect/>
-          </a:stretch>
-        </p:blipFill>
-        <p:spPr>
-          <a:xfrm>
-            <a:off x="1039692" y="4218718"/>
-            <a:ext cx="10112616" cy="967824"/>
-          </a:xfrm>
-          <a:prstGeom prst="rect">
-            <a:avLst/>
-          </a:prstGeom>
-        </p:spPr>
-      </p:pic>
-      <p:pic>
-        <p:nvPicPr>
           <p:cNvPr id="5" name="Picture 2">
             <a:extLst>
               <a:ext uri="{FF2B5EF4-FFF2-40B4-BE49-F238E27FC236}">
@@ -11533,7 +11865,7 @@
           <p:nvPr/>
         </p:nvPicPr>
         <p:blipFill>
-          <a:blip r:embed="rId3">
+          <a:blip r:embed="rId2">
             <a:extLst>
               <a:ext uri="{28A0092B-C50C-407E-A947-70E740481C1C}">
                 <a14:useLocalDpi xmlns:a14="http://schemas.microsoft.com/office/drawing/2010/main" val="0"/>
@@ -11563,6 +11895,117 @@
               </a14:hiddenFill>
             </a:ext>
           </a:extLst>
+        </p:spPr>
+      </p:pic>
+      <p:pic>
+        <p:nvPicPr>
+          <p:cNvPr id="7" name="Picture 6" descr="Icon&#10;&#10;Description automatically generated">
+            <a:extLst>
+              <a:ext uri="{FF2B5EF4-FFF2-40B4-BE49-F238E27FC236}">
+                <a16:creationId xmlns:a16="http://schemas.microsoft.com/office/drawing/2014/main" id="{A15EECCC-7DA9-43B2-8A9B-9EBA84CC0EA2}"/>
+              </a:ext>
+            </a:extLst>
+          </p:cNvPr>
+          <p:cNvPicPr>
+            <a:picLocks noChangeAspect="1"/>
+          </p:cNvPicPr>
+          <p:nvPr/>
+        </p:nvPicPr>
+        <p:blipFill>
+          <a:blip r:embed="rId3">
+            <a:extLst>
+              <a:ext uri="{28A0092B-C50C-407E-A947-70E740481C1C}">
+                <a14:useLocalDpi xmlns:a14="http://schemas.microsoft.com/office/drawing/2010/main" val="0"/>
+              </a:ext>
+            </a:extLst>
+          </a:blip>
+          <a:stretch>
+            <a:fillRect/>
+          </a:stretch>
+        </p:blipFill>
+        <p:spPr>
+          <a:xfrm>
+            <a:off x="4452358" y="687555"/>
+            <a:ext cx="1467816" cy="1467816"/>
+          </a:xfrm>
+          <a:prstGeom prst="rect">
+            <a:avLst/>
+          </a:prstGeom>
+        </p:spPr>
+      </p:pic>
+      <p:sp>
+        <p:nvSpPr>
+          <p:cNvPr id="8" name="TextBox 7">
+            <a:extLst>
+              <a:ext uri="{FF2B5EF4-FFF2-40B4-BE49-F238E27FC236}">
+                <a16:creationId xmlns:a16="http://schemas.microsoft.com/office/drawing/2014/main" id="{94F32B8C-D9A6-4A3F-8F84-949171707474}"/>
+              </a:ext>
+            </a:extLst>
+          </p:cNvPr>
+          <p:cNvSpPr txBox="1"/>
+          <p:nvPr/>
+        </p:nvSpPr>
+        <p:spPr>
+          <a:xfrm>
+            <a:off x="4276531" y="1970705"/>
+            <a:ext cx="1819469" cy="461665"/>
+          </a:xfrm>
+          <a:prstGeom prst="rect">
+            <a:avLst/>
+          </a:prstGeom>
+          <a:noFill/>
+        </p:spPr>
+        <p:txBody>
+          <a:bodyPr wrap="square">
+            <a:spAutoFit/>
+          </a:bodyPr>
+          <a:lstStyle/>
+          <a:p>
+            <a:pPr algn="ctr"/>
+            <a:r>
+              <a:rPr lang="en-CA" sz="2400" dirty="0" err="1">
+                <a:hlinkClick r:id="rId4">
+                  <a:extLst>
+                    <a:ext uri="{A12FA001-AC4F-418D-AE19-62706E023703}">
+                      <ahyp:hlinkClr xmlns:ahyp="http://schemas.microsoft.com/office/drawing/2018/hyperlinkcolor" val="tx"/>
+                    </a:ext>
+                  </a:extLst>
+                </a:hlinkClick>
+              </a:rPr>
+              <a:t>JuliaIO</a:t>
+            </a:r>
+            <a:endParaRPr lang="en-CA" sz="2400" dirty="0"/>
+          </a:p>
+        </p:txBody>
+      </p:sp>
+      <p:pic>
+        <p:nvPicPr>
+          <p:cNvPr id="10" name="Picture 9">
+            <a:extLst>
+              <a:ext uri="{FF2B5EF4-FFF2-40B4-BE49-F238E27FC236}">
+                <a16:creationId xmlns:a16="http://schemas.microsoft.com/office/drawing/2014/main" id="{7D5EC9A6-8CBD-4FD6-8720-615346B1530F}"/>
+              </a:ext>
+            </a:extLst>
+          </p:cNvPr>
+          <p:cNvPicPr>
+            <a:picLocks noChangeAspect="1"/>
+          </p:cNvPicPr>
+          <p:nvPr/>
+        </p:nvPicPr>
+        <p:blipFill>
+          <a:blip r:embed="rId5"/>
+          <a:stretch>
+            <a:fillRect/>
+          </a:stretch>
+        </p:blipFill>
+        <p:spPr>
+          <a:xfrm>
+            <a:off x="996043" y="4425629"/>
+            <a:ext cx="10199914" cy="1393119"/>
+          </a:xfrm>
+          <a:prstGeom prst="rect">
+            <a:avLst/>
+          </a:prstGeom>
         </p:spPr>
       </p:pic>
     </p:spTree>
@@ -13336,7 +13779,27 @@
                 <a:effectLst/>
                 <a:latin typeface="Consolas" panose="020B0609020204030204" pitchFamily="49" charset="0"/>
               </a:rPr>
-              <a:t> Normalizer </a:t>
+              <a:t> Normalizer{</a:t>
+            </a:r>
+            <a:r>
+              <a:rPr lang="en-CA" b="0" dirty="0">
+                <a:solidFill>
+                  <a:srgbClr val="56B6C2"/>
+                </a:solidFill>
+                <a:effectLst/>
+                <a:latin typeface="Consolas" panose="020B0609020204030204" pitchFamily="49" charset="0"/>
+              </a:rPr>
+              <a:t>T</a:t>
+            </a:r>
+            <a:r>
+              <a:rPr lang="en-CA" b="0" dirty="0">
+                <a:solidFill>
+                  <a:srgbClr val="ABB2BF"/>
+                </a:solidFill>
+                <a:effectLst/>
+                <a:latin typeface="Consolas" panose="020B0609020204030204" pitchFamily="49" charset="0"/>
+              </a:rPr>
+              <a:t>} </a:t>
             </a:r>
             <a:r>
               <a:rPr lang="en-CA" b="0" dirty="0">
@@ -13397,18 +13860,82 @@
               </a:rPr>
               <a:t>μ</a:t>
             </a:r>
-          </a:p>
-          <a:p>
             <a:r>
               <a:rPr lang="el-GR" b="0" dirty="0">
                 <a:solidFill>
-                  <a:srgbClr val="ABB2BF"/>
-                </a:solidFill>
-                <a:effectLst/>
-                <a:latin typeface="Consolas" panose="020B0609020204030204" pitchFamily="49" charset="0"/>
-              </a:rPr>
-              <a:t>    σ</a:t>
-            </a:r>
+                  <a:srgbClr val="C678DD"/>
+                </a:solidFill>
+                <a:effectLst/>
+                <a:latin typeface="Consolas" panose="020B0609020204030204" pitchFamily="49" charset="0"/>
+              </a:rPr>
+              <a:t>::</a:t>
+            </a:r>
+            <a:r>
+              <a:rPr lang="en-CA" b="0" dirty="0">
+                <a:solidFill>
+                  <a:srgbClr val="56B6C2"/>
+                </a:solidFill>
+                <a:effectLst/>
+                <a:latin typeface="Consolas" panose="020B0609020204030204" pitchFamily="49" charset="0"/>
+              </a:rPr>
+              <a:t>T</a:t>
+            </a:r>
+            <a:endParaRPr lang="en-CA" b="0" dirty="0">
+              <a:solidFill>
+                <a:srgbClr val="ABB2BF"/>
+              </a:solidFill>
+              <a:effectLst/>
+              <a:latin typeface="Consolas" panose="020B0609020204030204" pitchFamily="49" charset="0"/>
+            </a:endParaRPr>
+          </a:p>
+          <a:p>
+            <a:r>
+              <a:rPr lang="en-CA" b="0" dirty="0">
+                <a:solidFill>
+                  <a:srgbClr val="ABB2BF"/>
+                </a:solidFill>
+                <a:effectLst/>
+                <a:latin typeface="Consolas" panose="020B0609020204030204" pitchFamily="49" charset="0"/>
+              </a:rPr>
+              <a:t>    </a:t>
+            </a:r>
+            <a:r>
+              <a:rPr lang="el-GR" b="0" dirty="0">
+                <a:solidFill>
+                  <a:srgbClr val="ABB2BF"/>
+                </a:solidFill>
+                <a:effectLst/>
+                <a:latin typeface="Consolas" panose="020B0609020204030204" pitchFamily="49" charset="0"/>
+              </a:rPr>
+              <a:t>σ</a:t>
+            </a:r>
+            <a:r>
+              <a:rPr lang="el-GR" b="0" dirty="0">
+                <a:solidFill>
+                  <a:srgbClr val="C678DD"/>
+                </a:solidFill>
+                <a:effectLst/>
+                <a:latin typeface="Consolas" panose="020B0609020204030204" pitchFamily="49" charset="0"/>
+              </a:rPr>
+              <a:t>::</a:t>
+            </a:r>
+            <a:r>
+              <a:rPr lang="en-CA" b="0" dirty="0">
+                <a:solidFill>
+                  <a:srgbClr val="56B6C2"/>
+                </a:solidFill>
+                <a:effectLst/>
+                <a:latin typeface="Consolas" panose="020B0609020204030204" pitchFamily="49" charset="0"/>
+              </a:rPr>
+              <a:t>T</a:t>
+            </a:r>
+            <a:endParaRPr lang="en-CA" b="0" dirty="0">
+              <a:solidFill>
+                <a:srgbClr val="ABB2BF"/>
+              </a:solidFill>
+              <a:effectLst/>
+              <a:latin typeface="Consolas" panose="020B0609020204030204" pitchFamily="49" charset="0"/>
+            </a:endParaRPr>
           </a:p>
           <a:p>
             <a:r>
@@ -14048,6 +14575,46 @@
                 <a:latin typeface="Consolas" panose="020B0609020204030204" pitchFamily="49" charset="0"/>
               </a:rPr>
               <a:t>Preproc</a:t>
+            </a:r>
+            <a:r>
+              <a:rPr lang="en-CA" b="0" dirty="0">
+                <a:solidFill>
+                  <a:srgbClr val="ABB2BF"/>
+                </a:solidFill>
+                <a:effectLst/>
+                <a:latin typeface="Consolas" panose="020B0609020204030204" pitchFamily="49" charset="0"/>
+              </a:rPr>
+              <a:t> </a:t>
+            </a:r>
+            <a:r>
+              <a:rPr lang="en-CA" b="0" dirty="0">
+                <a:solidFill>
+                  <a:srgbClr val="C678DD"/>
+                </a:solidFill>
+                <a:effectLst/>
+                <a:latin typeface="Consolas" panose="020B0609020204030204" pitchFamily="49" charset="0"/>
+              </a:rPr>
+              <a:t>&lt;:</a:t>
+            </a:r>
+            <a:r>
+              <a:rPr lang="en-CA" b="0" dirty="0">
+                <a:solidFill>
+                  <a:srgbClr val="ABB2BF"/>
+                </a:solidFill>
+                <a:effectLst/>
+                <a:latin typeface="Consolas" panose="020B0609020204030204" pitchFamily="49" charset="0"/>
+              </a:rPr>
+              <a:t> </a:t>
+            </a:r>
+            <a:r>
+              <a:rPr lang="en-CA" b="0" dirty="0">
+                <a:solidFill>
+                  <a:srgbClr val="56B6C2"/>
+                </a:solidFill>
+                <a:effectLst/>
+                <a:latin typeface="Consolas" panose="020B0609020204030204" pitchFamily="49" charset="0"/>
+              </a:rPr>
+              <a:t>Function</a:t>
             </a:r>
             <a:endParaRPr lang="en-CA" b="0" dirty="0">
               <a:solidFill>

--- a/webinar-2022-02-17.pptx
+++ b/webinar-2022-02-17.pptx
@@ -10,15 +10,16 @@
     <p:sldId id="273" r:id="rId4"/>
     <p:sldId id="260" r:id="rId5"/>
     <p:sldId id="262" r:id="rId6"/>
-    <p:sldId id="265" r:id="rId7"/>
-    <p:sldId id="264" r:id="rId8"/>
-    <p:sldId id="269" r:id="rId9"/>
-    <p:sldId id="266" r:id="rId10"/>
-    <p:sldId id="272" r:id="rId11"/>
-    <p:sldId id="268" r:id="rId12"/>
-    <p:sldId id="270" r:id="rId13"/>
-    <p:sldId id="271" r:id="rId14"/>
-    <p:sldId id="275" r:id="rId15"/>
+    <p:sldId id="278" r:id="rId7"/>
+    <p:sldId id="265" r:id="rId8"/>
+    <p:sldId id="264" r:id="rId9"/>
+    <p:sldId id="269" r:id="rId10"/>
+    <p:sldId id="266" r:id="rId11"/>
+    <p:sldId id="272" r:id="rId12"/>
+    <p:sldId id="268" r:id="rId13"/>
+    <p:sldId id="270" r:id="rId14"/>
+    <p:sldId id="271" r:id="rId15"/>
+    <p:sldId id="275" r:id="rId16"/>
   </p:sldIdLst>
   <p:sldSz cx="12192000" cy="6858000"/>
   <p:notesSz cx="6858000" cy="9144000"/>
@@ -128,7 +129,7 @@
 <file path=ppt/revisionInfo.xml><?xml version="1.0" encoding="utf-8"?>
 <p1510:revInfo xmlns:a="http://schemas.openxmlformats.org/drawingml/2006/main" xmlns:r="http://schemas.openxmlformats.org/officeDocument/2006/relationships" xmlns:p1510="http://schemas.microsoft.com/office/powerpoint/2015/10/main">
   <p1510:revLst>
-    <p1510:client id="{1328888D-3802-476F-89D8-8DFBB1391DB0}" v="160" dt="2022-02-16T20:10:09.919"/>
+    <p1510:client id="{1328888D-3802-476F-89D8-8DFBB1391DB0}" v="163" dt="2022-02-17T00:35:53.936"/>
   </p1510:revLst>
 </p1510:revInfo>
 </file>
@@ -672,7 +673,7 @@
   <pc:docChgLst>
     <pc:chgData name="Jeremie Desgagne-Bouchard" userId="befeb1e1a66a0338" providerId="LiveId" clId="{1328888D-3802-476F-89D8-8DFBB1391DB0}"/>
     <pc:docChg chg="undo custSel addSld delSld modSld sldOrd">
-      <pc:chgData name="Jeremie Desgagne-Bouchard" userId="befeb1e1a66a0338" providerId="LiveId" clId="{1328888D-3802-476F-89D8-8DFBB1391DB0}" dt="2022-02-16T20:11:08.752" v="1807" actId="1076"/>
+      <pc:chgData name="Jeremie Desgagne-Bouchard" userId="befeb1e1a66a0338" providerId="LiveId" clId="{1328888D-3802-476F-89D8-8DFBB1391DB0}" dt="2022-02-17T02:20:48.940" v="1975" actId="1038"/>
       <pc:docMkLst>
         <pc:docMk/>
       </pc:docMkLst>
@@ -903,14 +904,14 @@
           </ac:picMkLst>
         </pc:picChg>
       </pc:sldChg>
-      <pc:sldChg chg="addSp modSp mod">
-        <pc:chgData name="Jeremie Desgagne-Bouchard" userId="befeb1e1a66a0338" providerId="LiveId" clId="{1328888D-3802-476F-89D8-8DFBB1391DB0}" dt="2022-02-16T15:38:09.208" v="1689" actId="20577"/>
+      <pc:sldChg chg="addSp delSp modSp mod">
+        <pc:chgData name="Jeremie Desgagne-Bouchard" userId="befeb1e1a66a0338" providerId="LiveId" clId="{1328888D-3802-476F-89D8-8DFBB1391DB0}" dt="2022-02-17T02:18:51.784" v="1963" actId="20577"/>
         <pc:sldMkLst>
           <pc:docMk/>
           <pc:sldMk cId="1995616433" sldId="262"/>
         </pc:sldMkLst>
-        <pc:spChg chg="add mod">
-          <ac:chgData name="Jeremie Desgagne-Bouchard" userId="befeb1e1a66a0338" providerId="LiveId" clId="{1328888D-3802-476F-89D8-8DFBB1391DB0}" dt="2022-02-15T21:46:07.976" v="1546" actId="1076"/>
+        <pc:spChg chg="add del mod">
+          <ac:chgData name="Jeremie Desgagne-Bouchard" userId="befeb1e1a66a0338" providerId="LiveId" clId="{1328888D-3802-476F-89D8-8DFBB1391DB0}" dt="2022-02-17T02:15:34.920" v="1829" actId="478"/>
           <ac:spMkLst>
             <pc:docMk/>
             <pc:sldMk cId="1995616433" sldId="262"/>
@@ -925,8 +926,8 @@
             <ac:spMk id="10" creationId="{505EBB46-F711-4615-ABBB-793A3134A74B}"/>
           </ac:spMkLst>
         </pc:spChg>
-        <pc:spChg chg="mod">
-          <ac:chgData name="Jeremie Desgagne-Bouchard" userId="befeb1e1a66a0338" providerId="LiveId" clId="{1328888D-3802-476F-89D8-8DFBB1391DB0}" dt="2022-02-16T15:38:09.208" v="1689" actId="20577"/>
+        <pc:spChg chg="add del mod">
+          <ac:chgData name="Jeremie Desgagne-Bouchard" userId="befeb1e1a66a0338" providerId="LiveId" clId="{1328888D-3802-476F-89D8-8DFBB1391DB0}" dt="2022-02-17T02:18:51.784" v="1963" actId="20577"/>
           <ac:spMkLst>
             <pc:docMk/>
             <pc:sldMk cId="1995616433" sldId="262"/>
@@ -942,14 +943,22 @@
           </ac:picMkLst>
         </pc:picChg>
       </pc:sldChg>
-      <pc:sldChg chg="addSp modSp mod">
-        <pc:chgData name="Jeremie Desgagne-Bouchard" userId="befeb1e1a66a0338" providerId="LiveId" clId="{1328888D-3802-476F-89D8-8DFBB1391DB0}" dt="2022-02-16T19:59:58.368" v="1760"/>
+      <pc:sldChg chg="addSp delSp modSp mod">
+        <pc:chgData name="Jeremie Desgagne-Bouchard" userId="befeb1e1a66a0338" providerId="LiveId" clId="{1328888D-3802-476F-89D8-8DFBB1391DB0}" dt="2022-02-16T22:18:24.804" v="1815" actId="1076"/>
         <pc:sldMkLst>
           <pc:docMk/>
           <pc:sldMk cId="154442912" sldId="264"/>
         </pc:sldMkLst>
-        <pc:spChg chg="mod">
-          <ac:chgData name="Jeremie Desgagne-Bouchard" userId="befeb1e1a66a0338" providerId="LiveId" clId="{1328888D-3802-476F-89D8-8DFBB1391DB0}" dt="2022-01-27T17:19:55.248" v="186" actId="1076"/>
+        <pc:spChg chg="add mod">
+          <ac:chgData name="Jeremie Desgagne-Bouchard" userId="befeb1e1a66a0338" providerId="LiveId" clId="{1328888D-3802-476F-89D8-8DFBB1391DB0}" dt="2022-02-16T22:17:58.468" v="1811"/>
+          <ac:spMkLst>
+            <pc:docMk/>
+            <pc:sldMk cId="154442912" sldId="264"/>
+            <ac:spMk id="8" creationId="{BB08E20C-4510-4FE4-BE84-8EBFBA8A0C8E}"/>
+          </ac:spMkLst>
+        </pc:spChg>
+        <pc:spChg chg="del mod">
+          <ac:chgData name="Jeremie Desgagne-Bouchard" userId="befeb1e1a66a0338" providerId="LiveId" clId="{1328888D-3802-476F-89D8-8DFBB1391DB0}" dt="2022-02-16T22:17:57.257" v="1810" actId="478"/>
           <ac:spMkLst>
             <pc:docMk/>
             <pc:sldMk cId="154442912" sldId="264"/>
@@ -957,15 +966,15 @@
           </ac:spMkLst>
         </pc:spChg>
         <pc:spChg chg="mod">
-          <ac:chgData name="Jeremie Desgagne-Bouchard" userId="befeb1e1a66a0338" providerId="LiveId" clId="{1328888D-3802-476F-89D8-8DFBB1391DB0}" dt="2022-02-16T19:59:58.368" v="1760"/>
+          <ac:chgData name="Jeremie Desgagne-Bouchard" userId="befeb1e1a66a0338" providerId="LiveId" clId="{1328888D-3802-476F-89D8-8DFBB1391DB0}" dt="2022-02-16T22:18:24.804" v="1815" actId="1076"/>
           <ac:spMkLst>
             <pc:docMk/>
             <pc:sldMk cId="154442912" sldId="264"/>
             <ac:spMk id="12" creationId="{9236F6E0-458A-4C95-8192-B9B542306D9F}"/>
           </ac:spMkLst>
         </pc:spChg>
-        <pc:picChg chg="mod">
-          <ac:chgData name="Jeremie Desgagne-Bouchard" userId="befeb1e1a66a0338" providerId="LiveId" clId="{1328888D-3802-476F-89D8-8DFBB1391DB0}" dt="2022-01-27T17:18:49.913" v="181" actId="1076"/>
+        <pc:picChg chg="del mod">
+          <ac:chgData name="Jeremie Desgagne-Bouchard" userId="befeb1e1a66a0338" providerId="LiveId" clId="{1328888D-3802-476F-89D8-8DFBB1391DB0}" dt="2022-02-16T22:17:54.680" v="1809" actId="478"/>
           <ac:picMkLst>
             <pc:docMk/>
             <pc:sldMk cId="154442912" sldId="264"/>
@@ -978,6 +987,14 @@
             <pc:docMk/>
             <pc:sldMk cId="154442912" sldId="264"/>
             <ac:picMk id="6" creationId="{79E2FED7-D7E5-4D54-BB3E-3B5423A3ADC8}"/>
+          </ac:picMkLst>
+        </pc:picChg>
+        <pc:picChg chg="add mod">
+          <ac:chgData name="Jeremie Desgagne-Bouchard" userId="befeb1e1a66a0338" providerId="LiveId" clId="{1328888D-3802-476F-89D8-8DFBB1391DB0}" dt="2022-02-16T22:17:58.468" v="1811"/>
+          <ac:picMkLst>
+            <pc:docMk/>
+            <pc:sldMk cId="154442912" sldId="264"/>
+            <ac:picMk id="7" creationId="{E7FB9A55-29AA-4386-B379-92B8A741CB5C}"/>
           </ac:picMkLst>
         </pc:picChg>
       </pc:sldChg>
@@ -1377,26 +1394,58 @@
           </ac:cxnSpMkLst>
         </pc:cxnChg>
       </pc:sldChg>
-      <pc:sldChg chg="addSp modSp add mod">
-        <pc:chgData name="Jeremie Desgagne-Bouchard" userId="befeb1e1a66a0338" providerId="LiveId" clId="{1328888D-3802-476F-89D8-8DFBB1391DB0}" dt="2022-02-16T20:00:13.296" v="1761"/>
+      <pc:sldChg chg="addSp delSp modSp add mod">
+        <pc:chgData name="Jeremie Desgagne-Bouchard" userId="befeb1e1a66a0338" providerId="LiveId" clId="{1328888D-3802-476F-89D8-8DFBB1391DB0}" dt="2022-02-16T22:18:29.529" v="1816" actId="1076"/>
         <pc:sldMkLst>
           <pc:docMk/>
           <pc:sldMk cId="4217931981" sldId="269"/>
         </pc:sldMkLst>
+        <pc:spChg chg="add mod">
+          <ac:chgData name="Jeremie Desgagne-Bouchard" userId="befeb1e1a66a0338" providerId="LiveId" clId="{1328888D-3802-476F-89D8-8DFBB1391DB0}" dt="2022-02-16T22:18:09.878" v="1814"/>
+          <ac:spMkLst>
+            <pc:docMk/>
+            <pc:sldMk cId="4217931981" sldId="269"/>
+            <ac:spMk id="8" creationId="{1B15AFCE-0AF9-48C8-9047-954E105EB87C}"/>
+          </ac:spMkLst>
+        </pc:spChg>
+        <pc:spChg chg="del">
+          <ac:chgData name="Jeremie Desgagne-Bouchard" userId="befeb1e1a66a0338" providerId="LiveId" clId="{1328888D-3802-476F-89D8-8DFBB1391DB0}" dt="2022-02-16T22:18:08.872" v="1813" actId="478"/>
+          <ac:spMkLst>
+            <pc:docMk/>
+            <pc:sldMk cId="4217931981" sldId="269"/>
+            <ac:spMk id="10" creationId="{505EBB46-F711-4615-ABBB-793A3134A74B}"/>
+          </ac:spMkLst>
+        </pc:spChg>
         <pc:spChg chg="mod">
-          <ac:chgData name="Jeremie Desgagne-Bouchard" userId="befeb1e1a66a0338" providerId="LiveId" clId="{1328888D-3802-476F-89D8-8DFBB1391DB0}" dt="2022-02-16T20:00:13.296" v="1761"/>
+          <ac:chgData name="Jeremie Desgagne-Bouchard" userId="befeb1e1a66a0338" providerId="LiveId" clId="{1328888D-3802-476F-89D8-8DFBB1391DB0}" dt="2022-02-16T22:18:29.529" v="1816" actId="1076"/>
           <ac:spMkLst>
             <pc:docMk/>
             <pc:sldMk cId="4217931981" sldId="269"/>
             <ac:spMk id="12" creationId="{9236F6E0-458A-4C95-8192-B9B542306D9F}"/>
           </ac:spMkLst>
         </pc:spChg>
+        <pc:picChg chg="del">
+          <ac:chgData name="Jeremie Desgagne-Bouchard" userId="befeb1e1a66a0338" providerId="LiveId" clId="{1328888D-3802-476F-89D8-8DFBB1391DB0}" dt="2022-02-16T22:18:06.454" v="1812" actId="478"/>
+          <ac:picMkLst>
+            <pc:docMk/>
+            <pc:sldMk cId="4217931981" sldId="269"/>
+            <ac:picMk id="3" creationId="{235ED475-1194-47AD-B0D1-D6BC02872322}"/>
+          </ac:picMkLst>
+        </pc:picChg>
         <pc:picChg chg="add mod">
           <ac:chgData name="Jeremie Desgagne-Bouchard" userId="befeb1e1a66a0338" providerId="LiveId" clId="{1328888D-3802-476F-89D8-8DFBB1391DB0}" dt="2022-02-15T20:56:43.427" v="1532"/>
           <ac:picMkLst>
             <pc:docMk/>
             <pc:sldMk cId="4217931981" sldId="269"/>
             <ac:picMk id="6" creationId="{08D9ADD5-772E-432F-8347-0A01ADFFD4C0}"/>
+          </ac:picMkLst>
+        </pc:picChg>
+        <pc:picChg chg="add mod">
+          <ac:chgData name="Jeremie Desgagne-Bouchard" userId="befeb1e1a66a0338" providerId="LiveId" clId="{1328888D-3802-476F-89D8-8DFBB1391DB0}" dt="2022-02-16T22:18:09.878" v="1814"/>
+          <ac:picMkLst>
+            <pc:docMk/>
+            <pc:sldMk cId="4217931981" sldId="269"/>
+            <ac:picMk id="7" creationId="{87694DE3-BBEB-460F-8927-7B3831886744}"/>
           </ac:picMkLst>
         </pc:picChg>
       </pc:sldChg>
@@ -1806,6 +1855,21 @@
             <ac:picMk id="3078" creationId="{4C8C28A7-7931-4EDE-8FFA-DF25FAA25C56}"/>
           </ac:picMkLst>
         </pc:picChg>
+      </pc:sldChg>
+      <pc:sldChg chg="addSp modSp add mod">
+        <pc:chgData name="Jeremie Desgagne-Bouchard" userId="befeb1e1a66a0338" providerId="LiveId" clId="{1328888D-3802-476F-89D8-8DFBB1391DB0}" dt="2022-02-17T02:20:48.940" v="1975" actId="1038"/>
+        <pc:sldMkLst>
+          <pc:docMk/>
+          <pc:sldMk cId="515679544" sldId="278"/>
+        </pc:sldMkLst>
+        <pc:spChg chg="add mod">
+          <ac:chgData name="Jeremie Desgagne-Bouchard" userId="befeb1e1a66a0338" providerId="LiveId" clId="{1328888D-3802-476F-89D8-8DFBB1391DB0}" dt="2022-02-17T02:20:48.940" v="1975" actId="1038"/>
+          <ac:spMkLst>
+            <pc:docMk/>
+            <pc:sldMk cId="515679544" sldId="278"/>
+            <ac:spMk id="2" creationId="{9444EA1F-723F-461C-AFE6-D022CB747EAF}"/>
+          </ac:spMkLst>
+        </pc:spChg>
       </pc:sldChg>
     </pc:docChg>
   </pc:docChgLst>
@@ -5289,6 +5353,1519 @@
       </p:sp>
       <p:sp>
         <p:nvSpPr>
+          <p:cNvPr id="5" name="TextBox 4">
+            <a:extLst>
+              <a:ext uri="{FF2B5EF4-FFF2-40B4-BE49-F238E27FC236}">
+                <a16:creationId xmlns:a16="http://schemas.microsoft.com/office/drawing/2014/main" id="{145365B3-7C26-4C7D-8629-7C74126B449C}"/>
+              </a:ext>
+            </a:extLst>
+          </p:cNvPr>
+          <p:cNvSpPr txBox="1"/>
+          <p:nvPr/>
+        </p:nvSpPr>
+        <p:spPr>
+          <a:xfrm>
+            <a:off x="786617" y="2944812"/>
+            <a:ext cx="6379293" cy="2585323"/>
+          </a:xfrm>
+          <a:prstGeom prst="rect">
+            <a:avLst/>
+          </a:prstGeom>
+          <a:solidFill>
+            <a:schemeClr val="bg1">
+              <a:lumMod val="95000"/>
+            </a:schemeClr>
+          </a:solidFill>
+        </p:spPr>
+        <p:txBody>
+          <a:bodyPr wrap="square">
+            <a:spAutoFit/>
+          </a:bodyPr>
+          <a:lstStyle/>
+          <a:p>
+            <a:endParaRPr lang="en-CA" b="0" dirty="0">
+              <a:solidFill>
+                <a:srgbClr val="C678DD"/>
+              </a:solidFill>
+              <a:effectLst/>
+              <a:latin typeface="Consolas" panose="020B0609020204030204" pitchFamily="49" charset="0"/>
+            </a:endParaRPr>
+          </a:p>
+          <a:p>
+            <a:r>
+              <a:rPr lang="en-CA" b="0" dirty="0">
+                <a:solidFill>
+                  <a:srgbClr val="ABB2BF"/>
+                </a:solidFill>
+                <a:effectLst/>
+                <a:latin typeface="Consolas" panose="020B0609020204030204" pitchFamily="49" charset="0"/>
+              </a:rPr>
+              <a:t>m </a:t>
+            </a:r>
+            <a:r>
+              <a:rPr lang="en-CA" b="0" dirty="0">
+                <a:solidFill>
+                  <a:srgbClr val="C678DD"/>
+                </a:solidFill>
+                <a:effectLst/>
+                <a:latin typeface="Consolas" panose="020B0609020204030204" pitchFamily="49" charset="0"/>
+              </a:rPr>
+              <a:t>=</a:t>
+            </a:r>
+            <a:r>
+              <a:rPr lang="en-CA" b="0" dirty="0">
+                <a:solidFill>
+                  <a:srgbClr val="ABB2BF"/>
+                </a:solidFill>
+                <a:effectLst/>
+                <a:latin typeface="Consolas" panose="020B0609020204030204" pitchFamily="49" charset="0"/>
+              </a:rPr>
+              <a:t> </a:t>
+            </a:r>
+            <a:r>
+              <a:rPr lang="en-CA" b="0" dirty="0">
+                <a:solidFill>
+                  <a:srgbClr val="56B6C2"/>
+                </a:solidFill>
+                <a:effectLst/>
+                <a:latin typeface="Consolas" panose="020B0609020204030204" pitchFamily="49" charset="0"/>
+              </a:rPr>
+              <a:t>Chain</a:t>
+            </a:r>
+            <a:r>
+              <a:rPr lang="en-CA" b="0" dirty="0">
+                <a:solidFill>
+                  <a:srgbClr val="ABB2BF"/>
+                </a:solidFill>
+                <a:effectLst/>
+                <a:latin typeface="Consolas" panose="020B0609020204030204" pitchFamily="49" charset="0"/>
+              </a:rPr>
+              <a:t>(</a:t>
+            </a:r>
+          </a:p>
+          <a:p>
+            <a:r>
+              <a:rPr lang="en-CA" b="0" dirty="0">
+                <a:solidFill>
+                  <a:srgbClr val="ABB2BF"/>
+                </a:solidFill>
+                <a:effectLst/>
+                <a:latin typeface="Consolas" panose="020B0609020204030204" pitchFamily="49" charset="0"/>
+              </a:rPr>
+              <a:t>        </a:t>
+            </a:r>
+            <a:r>
+              <a:rPr lang="en-CA" b="0" dirty="0">
+                <a:solidFill>
+                  <a:srgbClr val="56B6C2"/>
+                </a:solidFill>
+                <a:effectLst/>
+                <a:latin typeface="Consolas" panose="020B0609020204030204" pitchFamily="49" charset="0"/>
+              </a:rPr>
+              <a:t>Dense</a:t>
+            </a:r>
+            <a:r>
+              <a:rPr lang="en-CA" b="0" dirty="0">
+                <a:solidFill>
+                  <a:srgbClr val="ABB2BF"/>
+                </a:solidFill>
+                <a:effectLst/>
+                <a:latin typeface="Consolas" panose="020B0609020204030204" pitchFamily="49" charset="0"/>
+              </a:rPr>
+              <a:t>(</a:t>
+            </a:r>
+            <a:r>
+              <a:rPr lang="en-CA" b="0" dirty="0" err="1">
+                <a:solidFill>
+                  <a:srgbClr val="ABB2BF"/>
+                </a:solidFill>
+                <a:effectLst/>
+                <a:latin typeface="Consolas" panose="020B0609020204030204" pitchFamily="49" charset="0"/>
+              </a:rPr>
+              <a:t>num_feats</a:t>
+            </a:r>
+            <a:r>
+              <a:rPr lang="en-CA" b="0" dirty="0">
+                <a:solidFill>
+                  <a:srgbClr val="ABB2BF"/>
+                </a:solidFill>
+                <a:effectLst/>
+                <a:latin typeface="Consolas" panose="020B0609020204030204" pitchFamily="49" charset="0"/>
+              </a:rPr>
+              <a:t>, </a:t>
+            </a:r>
+            <a:r>
+              <a:rPr lang="en-CA" b="0" dirty="0">
+                <a:solidFill>
+                  <a:srgbClr val="D19A66"/>
+                </a:solidFill>
+                <a:effectLst/>
+                <a:latin typeface="Consolas" panose="020B0609020204030204" pitchFamily="49" charset="0"/>
+              </a:rPr>
+              <a:t>64</a:t>
+            </a:r>
+            <a:r>
+              <a:rPr lang="en-CA" b="0" dirty="0">
+                <a:solidFill>
+                  <a:srgbClr val="ABB2BF"/>
+                </a:solidFill>
+                <a:effectLst/>
+                <a:latin typeface="Consolas" panose="020B0609020204030204" pitchFamily="49" charset="0"/>
+              </a:rPr>
+              <a:t>, </a:t>
+            </a:r>
+            <a:r>
+              <a:rPr lang="en-CA" b="0" dirty="0" err="1">
+                <a:solidFill>
+                  <a:srgbClr val="ABB2BF"/>
+                </a:solidFill>
+                <a:effectLst/>
+                <a:latin typeface="Consolas" panose="020B0609020204030204" pitchFamily="49" charset="0"/>
+              </a:rPr>
+              <a:t>relu</a:t>
+            </a:r>
+            <a:r>
+              <a:rPr lang="en-CA" b="0" dirty="0">
+                <a:solidFill>
+                  <a:srgbClr val="ABB2BF"/>
+                </a:solidFill>
+                <a:effectLst/>
+                <a:latin typeface="Consolas" panose="020B0609020204030204" pitchFamily="49" charset="0"/>
+              </a:rPr>
+              <a:t>),</a:t>
+            </a:r>
+          </a:p>
+          <a:p>
+            <a:r>
+              <a:rPr lang="en-CA" b="0" dirty="0">
+                <a:solidFill>
+                  <a:srgbClr val="ABB2BF"/>
+                </a:solidFill>
+                <a:effectLst/>
+                <a:latin typeface="Consolas" panose="020B0609020204030204" pitchFamily="49" charset="0"/>
+              </a:rPr>
+              <a:t>        </a:t>
+            </a:r>
+            <a:r>
+              <a:rPr lang="en-CA" b="0" dirty="0">
+                <a:solidFill>
+                  <a:srgbClr val="56B6C2"/>
+                </a:solidFill>
+                <a:effectLst/>
+                <a:latin typeface="Consolas" panose="020B0609020204030204" pitchFamily="49" charset="0"/>
+              </a:rPr>
+              <a:t>Dropout</a:t>
+            </a:r>
+            <a:r>
+              <a:rPr lang="en-CA" b="0" dirty="0">
+                <a:solidFill>
+                  <a:srgbClr val="ABB2BF"/>
+                </a:solidFill>
+                <a:effectLst/>
+                <a:latin typeface="Consolas" panose="020B0609020204030204" pitchFamily="49" charset="0"/>
+              </a:rPr>
+              <a:t>(</a:t>
+            </a:r>
+            <a:r>
+              <a:rPr lang="en-CA" b="0" dirty="0">
+                <a:solidFill>
+                  <a:srgbClr val="D19A66"/>
+                </a:solidFill>
+                <a:effectLst/>
+                <a:latin typeface="Consolas" panose="020B0609020204030204" pitchFamily="49" charset="0"/>
+              </a:rPr>
+              <a:t>0.5</a:t>
+            </a:r>
+            <a:r>
+              <a:rPr lang="en-CA" b="0" dirty="0">
+                <a:solidFill>
+                  <a:srgbClr val="ABB2BF"/>
+                </a:solidFill>
+                <a:effectLst/>
+                <a:latin typeface="Consolas" panose="020B0609020204030204" pitchFamily="49" charset="0"/>
+              </a:rPr>
+              <a:t>),</a:t>
+            </a:r>
+          </a:p>
+          <a:p>
+            <a:r>
+              <a:rPr lang="en-CA" b="0" dirty="0">
+                <a:solidFill>
+                  <a:srgbClr val="ABB2BF"/>
+                </a:solidFill>
+                <a:effectLst/>
+                <a:latin typeface="Consolas" panose="020B0609020204030204" pitchFamily="49" charset="0"/>
+              </a:rPr>
+              <a:t>        </a:t>
+            </a:r>
+            <a:r>
+              <a:rPr lang="en-CA" b="0" dirty="0">
+                <a:solidFill>
+                  <a:srgbClr val="56B6C2"/>
+                </a:solidFill>
+                <a:effectLst/>
+                <a:latin typeface="Consolas" panose="020B0609020204030204" pitchFamily="49" charset="0"/>
+              </a:rPr>
+              <a:t>Dense</a:t>
+            </a:r>
+            <a:r>
+              <a:rPr lang="en-CA" b="0" dirty="0">
+                <a:solidFill>
+                  <a:srgbClr val="ABB2BF"/>
+                </a:solidFill>
+                <a:effectLst/>
+                <a:latin typeface="Consolas" panose="020B0609020204030204" pitchFamily="49" charset="0"/>
+              </a:rPr>
+              <a:t>(</a:t>
+            </a:r>
+            <a:r>
+              <a:rPr lang="en-CA" b="0" dirty="0">
+                <a:solidFill>
+                  <a:srgbClr val="D19A66"/>
+                </a:solidFill>
+                <a:effectLst/>
+                <a:latin typeface="Consolas" panose="020B0609020204030204" pitchFamily="49" charset="0"/>
+              </a:rPr>
+              <a:t>64</a:t>
+            </a:r>
+            <a:r>
+              <a:rPr lang="en-CA" b="0" dirty="0">
+                <a:solidFill>
+                  <a:srgbClr val="ABB2BF"/>
+                </a:solidFill>
+                <a:effectLst/>
+                <a:latin typeface="Consolas" panose="020B0609020204030204" pitchFamily="49" charset="0"/>
+              </a:rPr>
+              <a:t>, </a:t>
+            </a:r>
+            <a:r>
+              <a:rPr lang="en-CA" b="0" dirty="0">
+                <a:solidFill>
+                  <a:srgbClr val="D19A66"/>
+                </a:solidFill>
+                <a:effectLst/>
+                <a:latin typeface="Consolas" panose="020B0609020204030204" pitchFamily="49" charset="0"/>
+              </a:rPr>
+              <a:t>32</a:t>
+            </a:r>
+            <a:r>
+              <a:rPr lang="en-CA" b="0" dirty="0">
+                <a:solidFill>
+                  <a:srgbClr val="ABB2BF"/>
+                </a:solidFill>
+                <a:effectLst/>
+                <a:latin typeface="Consolas" panose="020B0609020204030204" pitchFamily="49" charset="0"/>
+              </a:rPr>
+              <a:t>, </a:t>
+            </a:r>
+            <a:r>
+              <a:rPr lang="en-CA" b="0" dirty="0" err="1">
+                <a:solidFill>
+                  <a:srgbClr val="ABB2BF"/>
+                </a:solidFill>
+                <a:effectLst/>
+                <a:latin typeface="Consolas" panose="020B0609020204030204" pitchFamily="49" charset="0"/>
+              </a:rPr>
+              <a:t>relu</a:t>
+            </a:r>
+            <a:r>
+              <a:rPr lang="en-CA" b="0" dirty="0">
+                <a:solidFill>
+                  <a:srgbClr val="ABB2BF"/>
+                </a:solidFill>
+                <a:effectLst/>
+                <a:latin typeface="Consolas" panose="020B0609020204030204" pitchFamily="49" charset="0"/>
+              </a:rPr>
+              <a:t>),</a:t>
+            </a:r>
+          </a:p>
+          <a:p>
+            <a:r>
+              <a:rPr lang="en-CA" b="0" dirty="0">
+                <a:solidFill>
+                  <a:srgbClr val="ABB2BF"/>
+                </a:solidFill>
+                <a:effectLst/>
+                <a:latin typeface="Consolas" panose="020B0609020204030204" pitchFamily="49" charset="0"/>
+              </a:rPr>
+              <a:t>        </a:t>
+            </a:r>
+            <a:r>
+              <a:rPr lang="en-CA" b="0" dirty="0" err="1">
+                <a:solidFill>
+                  <a:srgbClr val="56B6C2"/>
+                </a:solidFill>
+                <a:effectLst/>
+                <a:latin typeface="Consolas" panose="020B0609020204030204" pitchFamily="49" charset="0"/>
+              </a:rPr>
+              <a:t>SkipConnection</a:t>
+            </a:r>
+            <a:r>
+              <a:rPr lang="en-CA" b="0" dirty="0">
+                <a:solidFill>
+                  <a:srgbClr val="ABB2BF"/>
+                </a:solidFill>
+                <a:effectLst/>
+                <a:latin typeface="Consolas" panose="020B0609020204030204" pitchFamily="49" charset="0"/>
+              </a:rPr>
+              <a:t>(</a:t>
+            </a:r>
+            <a:r>
+              <a:rPr lang="en-CA" b="0" dirty="0">
+                <a:solidFill>
+                  <a:srgbClr val="56B6C2"/>
+                </a:solidFill>
+                <a:effectLst/>
+                <a:latin typeface="Consolas" panose="020B0609020204030204" pitchFamily="49" charset="0"/>
+              </a:rPr>
+              <a:t>Dense</a:t>
+            </a:r>
+            <a:r>
+              <a:rPr lang="en-CA" b="0" dirty="0">
+                <a:solidFill>
+                  <a:srgbClr val="ABB2BF"/>
+                </a:solidFill>
+                <a:effectLst/>
+                <a:latin typeface="Consolas" panose="020B0609020204030204" pitchFamily="49" charset="0"/>
+              </a:rPr>
+              <a:t>(</a:t>
+            </a:r>
+            <a:r>
+              <a:rPr lang="en-CA" b="0" dirty="0">
+                <a:solidFill>
+                  <a:srgbClr val="D19A66"/>
+                </a:solidFill>
+                <a:effectLst/>
+                <a:latin typeface="Consolas" panose="020B0609020204030204" pitchFamily="49" charset="0"/>
+              </a:rPr>
+              <a:t>32</a:t>
+            </a:r>
+            <a:r>
+              <a:rPr lang="en-CA" b="0" dirty="0">
+                <a:solidFill>
+                  <a:srgbClr val="ABB2BF"/>
+                </a:solidFill>
+                <a:effectLst/>
+                <a:latin typeface="Consolas" panose="020B0609020204030204" pitchFamily="49" charset="0"/>
+              </a:rPr>
+              <a:t>, </a:t>
+            </a:r>
+            <a:r>
+              <a:rPr lang="en-CA" b="0" dirty="0">
+                <a:solidFill>
+                  <a:srgbClr val="D19A66"/>
+                </a:solidFill>
+                <a:effectLst/>
+                <a:latin typeface="Consolas" panose="020B0609020204030204" pitchFamily="49" charset="0"/>
+              </a:rPr>
+              <a:t>32</a:t>
+            </a:r>
+            <a:r>
+              <a:rPr lang="en-CA" b="0" dirty="0">
+                <a:solidFill>
+                  <a:srgbClr val="ABB2BF"/>
+                </a:solidFill>
+                <a:effectLst/>
+                <a:latin typeface="Consolas" panose="020B0609020204030204" pitchFamily="49" charset="0"/>
+              </a:rPr>
+              <a:t>, </a:t>
+            </a:r>
+            <a:r>
+              <a:rPr lang="en-CA" b="0" dirty="0" err="1">
+                <a:solidFill>
+                  <a:srgbClr val="ABB2BF"/>
+                </a:solidFill>
+                <a:effectLst/>
+                <a:latin typeface="Consolas" panose="020B0609020204030204" pitchFamily="49" charset="0"/>
+              </a:rPr>
+              <a:t>relu</a:t>
+            </a:r>
+            <a:r>
+              <a:rPr lang="en-CA" b="0" dirty="0">
+                <a:solidFill>
+                  <a:srgbClr val="ABB2BF"/>
+                </a:solidFill>
+                <a:effectLst/>
+                <a:latin typeface="Consolas" panose="020B0609020204030204" pitchFamily="49" charset="0"/>
+              </a:rPr>
+              <a:t>), </a:t>
+            </a:r>
+            <a:r>
+              <a:rPr lang="en-CA" b="0" dirty="0">
+                <a:solidFill>
+                  <a:srgbClr val="C678DD"/>
+                </a:solidFill>
+                <a:effectLst/>
+                <a:latin typeface="Consolas" panose="020B0609020204030204" pitchFamily="49" charset="0"/>
+              </a:rPr>
+              <a:t>+</a:t>
+            </a:r>
+            <a:r>
+              <a:rPr lang="en-CA" b="0" dirty="0">
+                <a:solidFill>
+                  <a:srgbClr val="ABB2BF"/>
+                </a:solidFill>
+                <a:effectLst/>
+                <a:latin typeface="Consolas" panose="020B0609020204030204" pitchFamily="49" charset="0"/>
+              </a:rPr>
+              <a:t>),</a:t>
+            </a:r>
+          </a:p>
+          <a:p>
+            <a:r>
+              <a:rPr lang="en-CA" b="0" dirty="0">
+                <a:solidFill>
+                  <a:srgbClr val="ABB2BF"/>
+                </a:solidFill>
+                <a:effectLst/>
+                <a:latin typeface="Consolas" panose="020B0609020204030204" pitchFamily="49" charset="0"/>
+              </a:rPr>
+              <a:t>        </a:t>
+            </a:r>
+            <a:r>
+              <a:rPr lang="en-CA" b="0" dirty="0">
+                <a:solidFill>
+                  <a:srgbClr val="56B6C2"/>
+                </a:solidFill>
+                <a:effectLst/>
+                <a:latin typeface="Consolas" panose="020B0609020204030204" pitchFamily="49" charset="0"/>
+              </a:rPr>
+              <a:t>Dense</a:t>
+            </a:r>
+            <a:r>
+              <a:rPr lang="en-CA" b="0" dirty="0">
+                <a:solidFill>
+                  <a:srgbClr val="ABB2BF"/>
+                </a:solidFill>
+                <a:effectLst/>
+                <a:latin typeface="Consolas" panose="020B0609020204030204" pitchFamily="49" charset="0"/>
+              </a:rPr>
+              <a:t>(</a:t>
+            </a:r>
+            <a:r>
+              <a:rPr lang="en-CA" b="0" dirty="0">
+                <a:solidFill>
+                  <a:srgbClr val="D19A66"/>
+                </a:solidFill>
+                <a:effectLst/>
+                <a:latin typeface="Consolas" panose="020B0609020204030204" pitchFamily="49" charset="0"/>
+              </a:rPr>
+              <a:t>32</a:t>
+            </a:r>
+            <a:r>
+              <a:rPr lang="en-CA" b="0" dirty="0">
+                <a:solidFill>
+                  <a:srgbClr val="ABB2BF"/>
+                </a:solidFill>
+                <a:effectLst/>
+                <a:latin typeface="Consolas" panose="020B0609020204030204" pitchFamily="49" charset="0"/>
+              </a:rPr>
+              <a:t>, </a:t>
+            </a:r>
+            <a:r>
+              <a:rPr lang="en-CA" b="0" dirty="0">
+                <a:solidFill>
+                  <a:srgbClr val="D19A66"/>
+                </a:solidFill>
+                <a:effectLst/>
+                <a:latin typeface="Consolas" panose="020B0609020204030204" pitchFamily="49" charset="0"/>
+              </a:rPr>
+              <a:t>1</a:t>
+            </a:r>
+            <a:r>
+              <a:rPr lang="en-CA" b="0" dirty="0">
+                <a:solidFill>
+                  <a:srgbClr val="ABB2BF"/>
+                </a:solidFill>
+                <a:effectLst/>
+                <a:latin typeface="Consolas" panose="020B0609020204030204" pitchFamily="49" charset="0"/>
+              </a:rPr>
+              <a:t>),</a:t>
+            </a:r>
+          </a:p>
+          <a:p>
+            <a:r>
+              <a:rPr lang="en-CA" b="0" dirty="0">
+                <a:solidFill>
+                  <a:srgbClr val="ABB2BF"/>
+                </a:solidFill>
+                <a:effectLst/>
+                <a:latin typeface="Consolas" panose="020B0609020204030204" pitchFamily="49" charset="0"/>
+              </a:rPr>
+              <a:t>        x </a:t>
+            </a:r>
+            <a:r>
+              <a:rPr lang="en-CA" b="0" dirty="0">
+                <a:solidFill>
+                  <a:srgbClr val="C678DD"/>
+                </a:solidFill>
+                <a:effectLst/>
+                <a:latin typeface="Consolas" panose="020B0609020204030204" pitchFamily="49" charset="0"/>
+              </a:rPr>
+              <a:t>-&gt;</a:t>
+            </a:r>
+            <a:r>
+              <a:rPr lang="en-CA" b="0" dirty="0">
+                <a:solidFill>
+                  <a:srgbClr val="ABB2BF"/>
+                </a:solidFill>
+                <a:effectLst/>
+                <a:latin typeface="Consolas" panose="020B0609020204030204" pitchFamily="49" charset="0"/>
+              </a:rPr>
+              <a:t> </a:t>
+            </a:r>
+            <a:r>
+              <a:rPr lang="en-CA" b="0" dirty="0">
+                <a:solidFill>
+                  <a:srgbClr val="56B6C2"/>
+                </a:solidFill>
+                <a:effectLst/>
+                <a:latin typeface="Consolas" panose="020B0609020204030204" pitchFamily="49" charset="0"/>
+              </a:rPr>
+              <a:t>reshape</a:t>
+            </a:r>
+            <a:r>
+              <a:rPr lang="en-CA" b="0" dirty="0">
+                <a:solidFill>
+                  <a:srgbClr val="ABB2BF"/>
+                </a:solidFill>
+                <a:effectLst/>
+                <a:latin typeface="Consolas" panose="020B0609020204030204" pitchFamily="49" charset="0"/>
+              </a:rPr>
+              <a:t>(x, :))</a:t>
+            </a:r>
+            <a:endParaRPr lang="en-US" b="0" dirty="0">
+              <a:solidFill>
+                <a:srgbClr val="ABB2BF"/>
+              </a:solidFill>
+              <a:effectLst/>
+              <a:latin typeface="Consolas" panose="020B0609020204030204" pitchFamily="49" charset="0"/>
+            </a:endParaRPr>
+          </a:p>
+          <a:p>
+            <a:endParaRPr lang="en-US" b="0" dirty="0">
+              <a:solidFill>
+                <a:srgbClr val="ABB2BF"/>
+              </a:solidFill>
+              <a:effectLst/>
+              <a:latin typeface="Consolas" panose="020B0609020204030204" pitchFamily="49" charset="0"/>
+            </a:endParaRPr>
+          </a:p>
+        </p:txBody>
+      </p:sp>
+      <p:sp>
+        <p:nvSpPr>
+          <p:cNvPr id="7" name="Rectangle 6">
+            <a:extLst>
+              <a:ext uri="{FF2B5EF4-FFF2-40B4-BE49-F238E27FC236}">
+                <a16:creationId xmlns:a16="http://schemas.microsoft.com/office/drawing/2014/main" id="{E0B57AB9-9B83-4525-A007-FAE70378D4A4}"/>
+              </a:ext>
+            </a:extLst>
+          </p:cNvPr>
+          <p:cNvSpPr/>
+          <p:nvPr/>
+        </p:nvSpPr>
+        <p:spPr>
+          <a:xfrm>
+            <a:off x="8277809" y="2544255"/>
+            <a:ext cx="2489718" cy="495397"/>
+          </a:xfrm>
+          <a:prstGeom prst="rect">
+            <a:avLst/>
+          </a:prstGeom>
+          <a:solidFill>
+            <a:srgbClr val="9558B2"/>
+          </a:solidFill>
+          <a:ln>
+            <a:noFill/>
+          </a:ln>
+        </p:spPr>
+        <p:style>
+          <a:lnRef idx="2">
+            <a:schemeClr val="accent1">
+              <a:shade val="50000"/>
+            </a:schemeClr>
+          </a:lnRef>
+          <a:fillRef idx="1">
+            <a:schemeClr val="accent1"/>
+          </a:fillRef>
+          <a:effectRef idx="0">
+            <a:schemeClr val="accent1"/>
+          </a:effectRef>
+          <a:fontRef idx="minor">
+            <a:schemeClr val="lt1"/>
+          </a:fontRef>
+        </p:style>
+        <p:txBody>
+          <a:bodyPr rtlCol="0" anchor="ctr"/>
+          <a:lstStyle/>
+          <a:p>
+            <a:pPr algn="ctr"/>
+            <a:r>
+              <a:rPr lang="fr-CA" sz="1600" dirty="0"/>
+              <a:t>Dropout</a:t>
+            </a:r>
+          </a:p>
+          <a:p>
+            <a:pPr algn="ctr"/>
+            <a:r>
+              <a:rPr lang="fr-CA" sz="1600" dirty="0"/>
+              <a:t>(p = 0.5)</a:t>
+            </a:r>
+            <a:endParaRPr lang="en-CA" sz="1600" dirty="0"/>
+          </a:p>
+        </p:txBody>
+      </p:sp>
+      <p:sp>
+        <p:nvSpPr>
+          <p:cNvPr id="8" name="Rectangle 7">
+            <a:extLst>
+              <a:ext uri="{FF2B5EF4-FFF2-40B4-BE49-F238E27FC236}">
+                <a16:creationId xmlns:a16="http://schemas.microsoft.com/office/drawing/2014/main" id="{D2FC76F4-9908-49D3-82C0-24C7A659F082}"/>
+              </a:ext>
+            </a:extLst>
+          </p:cNvPr>
+          <p:cNvSpPr/>
+          <p:nvPr/>
+        </p:nvSpPr>
+        <p:spPr>
+          <a:xfrm>
+            <a:off x="8277809" y="3360827"/>
+            <a:ext cx="2489718" cy="495397"/>
+          </a:xfrm>
+          <a:prstGeom prst="rect">
+            <a:avLst/>
+          </a:prstGeom>
+          <a:solidFill>
+            <a:srgbClr val="CB3C33"/>
+          </a:solidFill>
+          <a:ln>
+            <a:noFill/>
+          </a:ln>
+        </p:spPr>
+        <p:style>
+          <a:lnRef idx="2">
+            <a:schemeClr val="accent1">
+              <a:shade val="50000"/>
+            </a:schemeClr>
+          </a:lnRef>
+          <a:fillRef idx="1">
+            <a:schemeClr val="accent1"/>
+          </a:fillRef>
+          <a:effectRef idx="0">
+            <a:schemeClr val="accent1"/>
+          </a:effectRef>
+          <a:fontRef idx="minor">
+            <a:schemeClr val="lt1"/>
+          </a:fontRef>
+        </p:style>
+        <p:txBody>
+          <a:bodyPr rtlCol="0" anchor="ctr"/>
+          <a:lstStyle/>
+          <a:p>
+            <a:pPr algn="ctr"/>
+            <a:r>
+              <a:rPr lang="fr-CA" sz="1600" dirty="0"/>
+              <a:t>Dense</a:t>
+            </a:r>
+          </a:p>
+          <a:p>
+            <a:pPr algn="ctr"/>
+            <a:r>
+              <a:rPr lang="fr-CA" sz="1600" dirty="0"/>
+              <a:t>(64, 32)</a:t>
+            </a:r>
+            <a:endParaRPr lang="en-CA" sz="1600" dirty="0"/>
+          </a:p>
+        </p:txBody>
+      </p:sp>
+      <p:sp>
+        <p:nvSpPr>
+          <p:cNvPr id="9" name="Rectangle 8">
+            <a:extLst>
+              <a:ext uri="{FF2B5EF4-FFF2-40B4-BE49-F238E27FC236}">
+                <a16:creationId xmlns:a16="http://schemas.microsoft.com/office/drawing/2014/main" id="{08AA1199-C624-412C-931F-BE222CB87458}"/>
+              </a:ext>
+            </a:extLst>
+          </p:cNvPr>
+          <p:cNvSpPr/>
+          <p:nvPr/>
+        </p:nvSpPr>
+        <p:spPr>
+          <a:xfrm>
+            <a:off x="8277809" y="4177399"/>
+            <a:ext cx="2489718" cy="495397"/>
+          </a:xfrm>
+          <a:prstGeom prst="rect">
+            <a:avLst/>
+          </a:prstGeom>
+          <a:solidFill>
+            <a:srgbClr val="CB3C33"/>
+          </a:solidFill>
+          <a:ln>
+            <a:noFill/>
+          </a:ln>
+        </p:spPr>
+        <p:style>
+          <a:lnRef idx="2">
+            <a:schemeClr val="accent1">
+              <a:shade val="50000"/>
+            </a:schemeClr>
+          </a:lnRef>
+          <a:fillRef idx="1">
+            <a:schemeClr val="accent1"/>
+          </a:fillRef>
+          <a:effectRef idx="0">
+            <a:schemeClr val="accent1"/>
+          </a:effectRef>
+          <a:fontRef idx="minor">
+            <a:schemeClr val="lt1"/>
+          </a:fontRef>
+        </p:style>
+        <p:txBody>
+          <a:bodyPr rtlCol="0" anchor="ctr"/>
+          <a:lstStyle/>
+          <a:p>
+            <a:pPr algn="ctr"/>
+            <a:r>
+              <a:rPr lang="fr-CA" sz="1600" dirty="0" err="1"/>
+              <a:t>SkipConnection</a:t>
+            </a:r>
+            <a:endParaRPr lang="fr-CA" sz="1600" dirty="0"/>
+          </a:p>
+        </p:txBody>
+      </p:sp>
+      <p:sp>
+        <p:nvSpPr>
+          <p:cNvPr id="10" name="Rectangle 9">
+            <a:extLst>
+              <a:ext uri="{FF2B5EF4-FFF2-40B4-BE49-F238E27FC236}">
+                <a16:creationId xmlns:a16="http://schemas.microsoft.com/office/drawing/2014/main" id="{DB58D4B4-9539-4636-876B-D7B910054E83}"/>
+              </a:ext>
+            </a:extLst>
+          </p:cNvPr>
+          <p:cNvSpPr/>
+          <p:nvPr/>
+        </p:nvSpPr>
+        <p:spPr>
+          <a:xfrm>
+            <a:off x="8277809" y="4993971"/>
+            <a:ext cx="2489718" cy="495397"/>
+          </a:xfrm>
+          <a:prstGeom prst="rect">
+            <a:avLst/>
+          </a:prstGeom>
+          <a:solidFill>
+            <a:srgbClr val="CB3C33"/>
+          </a:solidFill>
+          <a:ln>
+            <a:noFill/>
+          </a:ln>
+        </p:spPr>
+        <p:style>
+          <a:lnRef idx="2">
+            <a:schemeClr val="accent1">
+              <a:shade val="50000"/>
+            </a:schemeClr>
+          </a:lnRef>
+          <a:fillRef idx="1">
+            <a:schemeClr val="accent1"/>
+          </a:fillRef>
+          <a:effectRef idx="0">
+            <a:schemeClr val="accent1"/>
+          </a:effectRef>
+          <a:fontRef idx="minor">
+            <a:schemeClr val="lt1"/>
+          </a:fontRef>
+        </p:style>
+        <p:txBody>
+          <a:bodyPr rtlCol="0" anchor="ctr"/>
+          <a:lstStyle/>
+          <a:p>
+            <a:pPr algn="ctr"/>
+            <a:r>
+              <a:rPr lang="fr-CA" sz="1600" dirty="0"/>
+              <a:t>Dense</a:t>
+            </a:r>
+          </a:p>
+          <a:p>
+            <a:pPr algn="ctr"/>
+            <a:r>
+              <a:rPr lang="fr-CA" sz="1600" dirty="0"/>
+              <a:t>(32, 1)</a:t>
+            </a:r>
+            <a:endParaRPr lang="en-CA" sz="1600" dirty="0"/>
+          </a:p>
+        </p:txBody>
+      </p:sp>
+      <p:sp>
+        <p:nvSpPr>
+          <p:cNvPr id="11" name="Rectangle 10">
+            <a:extLst>
+              <a:ext uri="{FF2B5EF4-FFF2-40B4-BE49-F238E27FC236}">
+                <a16:creationId xmlns:a16="http://schemas.microsoft.com/office/drawing/2014/main" id="{E29E38AD-BDD6-4FE0-85CF-780EB961C98B}"/>
+              </a:ext>
+            </a:extLst>
+          </p:cNvPr>
+          <p:cNvSpPr/>
+          <p:nvPr/>
+        </p:nvSpPr>
+        <p:spPr>
+          <a:xfrm>
+            <a:off x="8277809" y="1727683"/>
+            <a:ext cx="2489718" cy="495397"/>
+          </a:xfrm>
+          <a:prstGeom prst="rect">
+            <a:avLst/>
+          </a:prstGeom>
+          <a:solidFill>
+            <a:srgbClr val="CB3C33"/>
+          </a:solidFill>
+          <a:ln>
+            <a:noFill/>
+          </a:ln>
+        </p:spPr>
+        <p:style>
+          <a:lnRef idx="2">
+            <a:schemeClr val="accent1">
+              <a:shade val="50000"/>
+            </a:schemeClr>
+          </a:lnRef>
+          <a:fillRef idx="1">
+            <a:schemeClr val="accent1"/>
+          </a:fillRef>
+          <a:effectRef idx="0">
+            <a:schemeClr val="accent1"/>
+          </a:effectRef>
+          <a:fontRef idx="minor">
+            <a:schemeClr val="lt1"/>
+          </a:fontRef>
+        </p:style>
+        <p:txBody>
+          <a:bodyPr rtlCol="0" anchor="ctr"/>
+          <a:lstStyle/>
+          <a:p>
+            <a:pPr algn="ctr"/>
+            <a:r>
+              <a:rPr lang="fr-CA" sz="1600" dirty="0"/>
+              <a:t>Dense</a:t>
+            </a:r>
+          </a:p>
+          <a:p>
+            <a:pPr algn="ctr"/>
+            <a:r>
+              <a:rPr lang="fr-CA" sz="1600" dirty="0"/>
+              <a:t>(feat, 64)</a:t>
+            </a:r>
+            <a:endParaRPr lang="en-CA" sz="1600" dirty="0"/>
+          </a:p>
+        </p:txBody>
+      </p:sp>
+      <p:sp>
+        <p:nvSpPr>
+          <p:cNvPr id="12" name="Rectangle 11">
+            <a:extLst>
+              <a:ext uri="{FF2B5EF4-FFF2-40B4-BE49-F238E27FC236}">
+                <a16:creationId xmlns:a16="http://schemas.microsoft.com/office/drawing/2014/main" id="{DFB2638B-4A49-489E-A621-1C41B36DB878}"/>
+              </a:ext>
+            </a:extLst>
+          </p:cNvPr>
+          <p:cNvSpPr/>
+          <p:nvPr/>
+        </p:nvSpPr>
+        <p:spPr>
+          <a:xfrm>
+            <a:off x="8277809" y="911111"/>
+            <a:ext cx="2489718" cy="495397"/>
+          </a:xfrm>
+          <a:prstGeom prst="rect">
+            <a:avLst/>
+          </a:prstGeom>
+          <a:solidFill>
+            <a:srgbClr val="4063D8"/>
+          </a:solidFill>
+          <a:ln>
+            <a:noFill/>
+          </a:ln>
+        </p:spPr>
+        <p:style>
+          <a:lnRef idx="2">
+            <a:schemeClr val="accent1">
+              <a:shade val="50000"/>
+            </a:schemeClr>
+          </a:lnRef>
+          <a:fillRef idx="1">
+            <a:schemeClr val="accent1"/>
+          </a:fillRef>
+          <a:effectRef idx="0">
+            <a:schemeClr val="accent1"/>
+          </a:effectRef>
+          <a:fontRef idx="minor">
+            <a:schemeClr val="lt1"/>
+          </a:fontRef>
+        </p:style>
+        <p:txBody>
+          <a:bodyPr rtlCol="0" anchor="ctr"/>
+          <a:lstStyle/>
+          <a:p>
+            <a:pPr algn="ctr"/>
+            <a:r>
+              <a:rPr lang="fr-CA" sz="1600" dirty="0"/>
+              <a:t>Data</a:t>
+            </a:r>
+          </a:p>
+        </p:txBody>
+      </p:sp>
+      <p:sp>
+        <p:nvSpPr>
+          <p:cNvPr id="13" name="Rectangle 12">
+            <a:extLst>
+              <a:ext uri="{FF2B5EF4-FFF2-40B4-BE49-F238E27FC236}">
+                <a16:creationId xmlns:a16="http://schemas.microsoft.com/office/drawing/2014/main" id="{BA2C61C1-0842-4AF0-9724-BFD558B32825}"/>
+              </a:ext>
+            </a:extLst>
+          </p:cNvPr>
+          <p:cNvSpPr/>
+          <p:nvPr/>
+        </p:nvSpPr>
+        <p:spPr>
+          <a:xfrm>
+            <a:off x="8277809" y="5810543"/>
+            <a:ext cx="2489718" cy="495397"/>
+          </a:xfrm>
+          <a:prstGeom prst="rect">
+            <a:avLst/>
+          </a:prstGeom>
+          <a:solidFill>
+            <a:srgbClr val="9558B2"/>
+          </a:solidFill>
+          <a:ln>
+            <a:noFill/>
+          </a:ln>
+        </p:spPr>
+        <p:style>
+          <a:lnRef idx="2">
+            <a:schemeClr val="accent1">
+              <a:shade val="50000"/>
+            </a:schemeClr>
+          </a:lnRef>
+          <a:fillRef idx="1">
+            <a:schemeClr val="accent1"/>
+          </a:fillRef>
+          <a:effectRef idx="0">
+            <a:schemeClr val="accent1"/>
+          </a:effectRef>
+          <a:fontRef idx="minor">
+            <a:schemeClr val="lt1"/>
+          </a:fontRef>
+        </p:style>
+        <p:txBody>
+          <a:bodyPr rtlCol="0" anchor="ctr"/>
+          <a:lstStyle/>
+          <a:p>
+            <a:pPr algn="ctr"/>
+            <a:r>
+              <a:rPr lang="fr-CA" sz="1600" dirty="0" err="1"/>
+              <a:t>Reshape</a:t>
+            </a:r>
+            <a:endParaRPr lang="fr-CA" sz="1600" dirty="0"/>
+          </a:p>
+        </p:txBody>
+      </p:sp>
+      <p:cxnSp>
+        <p:nvCxnSpPr>
+          <p:cNvPr id="14" name="Straight Arrow Connector 13">
+            <a:extLst>
+              <a:ext uri="{FF2B5EF4-FFF2-40B4-BE49-F238E27FC236}">
+                <a16:creationId xmlns:a16="http://schemas.microsoft.com/office/drawing/2014/main" id="{112B8855-01CD-4A85-B7A0-2222A9CD6918}"/>
+              </a:ext>
+            </a:extLst>
+          </p:cNvPr>
+          <p:cNvCxnSpPr>
+            <a:cxnSpLocks/>
+            <a:stCxn id="12" idx="2"/>
+            <a:endCxn id="11" idx="0"/>
+          </p:cNvCxnSpPr>
+          <p:nvPr/>
+        </p:nvCxnSpPr>
+        <p:spPr>
+          <a:xfrm>
+            <a:off x="9522668" y="1406508"/>
+            <a:ext cx="0" cy="321175"/>
+          </a:xfrm>
+          <a:prstGeom prst="straightConnector1">
+            <a:avLst/>
+          </a:prstGeom>
+          <a:ln w="12700">
+            <a:solidFill>
+              <a:schemeClr val="tx1"/>
+            </a:solidFill>
+            <a:tailEnd type="triangle"/>
+          </a:ln>
+        </p:spPr>
+        <p:style>
+          <a:lnRef idx="1">
+            <a:schemeClr val="accent1"/>
+          </a:lnRef>
+          <a:fillRef idx="0">
+            <a:schemeClr val="accent1"/>
+          </a:fillRef>
+          <a:effectRef idx="0">
+            <a:schemeClr val="accent1"/>
+          </a:effectRef>
+          <a:fontRef idx="minor">
+            <a:schemeClr val="tx1"/>
+          </a:fontRef>
+        </p:style>
+      </p:cxnSp>
+      <p:cxnSp>
+        <p:nvCxnSpPr>
+          <p:cNvPr id="16" name="Straight Arrow Connector 15">
+            <a:extLst>
+              <a:ext uri="{FF2B5EF4-FFF2-40B4-BE49-F238E27FC236}">
+                <a16:creationId xmlns:a16="http://schemas.microsoft.com/office/drawing/2014/main" id="{101676A0-922F-492A-89C5-07B8CD65C32B}"/>
+              </a:ext>
+            </a:extLst>
+          </p:cNvPr>
+          <p:cNvCxnSpPr>
+            <a:cxnSpLocks/>
+            <a:endCxn id="7" idx="0"/>
+          </p:cNvCxnSpPr>
+          <p:nvPr/>
+        </p:nvCxnSpPr>
+        <p:spPr>
+          <a:xfrm>
+            <a:off x="9522668" y="2249517"/>
+            <a:ext cx="0" cy="294738"/>
+          </a:xfrm>
+          <a:prstGeom prst="straightConnector1">
+            <a:avLst/>
+          </a:prstGeom>
+          <a:ln w="12700">
+            <a:solidFill>
+              <a:schemeClr val="tx1"/>
+            </a:solidFill>
+            <a:tailEnd type="triangle"/>
+          </a:ln>
+        </p:spPr>
+        <p:style>
+          <a:lnRef idx="1">
+            <a:schemeClr val="accent1"/>
+          </a:lnRef>
+          <a:fillRef idx="0">
+            <a:schemeClr val="accent1"/>
+          </a:fillRef>
+          <a:effectRef idx="0">
+            <a:schemeClr val="accent1"/>
+          </a:effectRef>
+          <a:fontRef idx="minor">
+            <a:schemeClr val="tx1"/>
+          </a:fontRef>
+        </p:style>
+      </p:cxnSp>
+      <p:cxnSp>
+        <p:nvCxnSpPr>
+          <p:cNvPr id="17" name="Straight Arrow Connector 16">
+            <a:extLst>
+              <a:ext uri="{FF2B5EF4-FFF2-40B4-BE49-F238E27FC236}">
+                <a16:creationId xmlns:a16="http://schemas.microsoft.com/office/drawing/2014/main" id="{96A83E64-C3A5-4CA8-8E07-41DF6321CF65}"/>
+              </a:ext>
+            </a:extLst>
+          </p:cNvPr>
+          <p:cNvCxnSpPr>
+            <a:cxnSpLocks/>
+            <a:stCxn id="7" idx="2"/>
+            <a:endCxn id="8" idx="0"/>
+          </p:cNvCxnSpPr>
+          <p:nvPr/>
+        </p:nvCxnSpPr>
+        <p:spPr>
+          <a:xfrm>
+            <a:off x="9522668" y="3039652"/>
+            <a:ext cx="0" cy="321175"/>
+          </a:xfrm>
+          <a:prstGeom prst="straightConnector1">
+            <a:avLst/>
+          </a:prstGeom>
+          <a:ln w="12700">
+            <a:solidFill>
+              <a:schemeClr val="tx1"/>
+            </a:solidFill>
+            <a:tailEnd type="triangle"/>
+          </a:ln>
+        </p:spPr>
+        <p:style>
+          <a:lnRef idx="1">
+            <a:schemeClr val="accent1"/>
+          </a:lnRef>
+          <a:fillRef idx="0">
+            <a:schemeClr val="accent1"/>
+          </a:fillRef>
+          <a:effectRef idx="0">
+            <a:schemeClr val="accent1"/>
+          </a:effectRef>
+          <a:fontRef idx="minor">
+            <a:schemeClr val="tx1"/>
+          </a:fontRef>
+        </p:style>
+      </p:cxnSp>
+      <p:cxnSp>
+        <p:nvCxnSpPr>
+          <p:cNvPr id="18" name="Straight Arrow Connector 17">
+            <a:extLst>
+              <a:ext uri="{FF2B5EF4-FFF2-40B4-BE49-F238E27FC236}">
+                <a16:creationId xmlns:a16="http://schemas.microsoft.com/office/drawing/2014/main" id="{B0244518-718F-4186-AF4F-56A99853918A}"/>
+              </a:ext>
+            </a:extLst>
+          </p:cNvPr>
+          <p:cNvCxnSpPr>
+            <a:cxnSpLocks/>
+            <a:stCxn id="9" idx="2"/>
+            <a:endCxn id="10" idx="0"/>
+          </p:cNvCxnSpPr>
+          <p:nvPr/>
+        </p:nvCxnSpPr>
+        <p:spPr>
+          <a:xfrm>
+            <a:off x="9522668" y="4672796"/>
+            <a:ext cx="0" cy="321175"/>
+          </a:xfrm>
+          <a:prstGeom prst="straightConnector1">
+            <a:avLst/>
+          </a:prstGeom>
+          <a:ln w="12700">
+            <a:solidFill>
+              <a:schemeClr val="tx1"/>
+            </a:solidFill>
+            <a:tailEnd type="triangle"/>
+          </a:ln>
+        </p:spPr>
+        <p:style>
+          <a:lnRef idx="1">
+            <a:schemeClr val="accent1"/>
+          </a:lnRef>
+          <a:fillRef idx="0">
+            <a:schemeClr val="accent1"/>
+          </a:fillRef>
+          <a:effectRef idx="0">
+            <a:schemeClr val="accent1"/>
+          </a:effectRef>
+          <a:fontRef idx="minor">
+            <a:schemeClr val="tx1"/>
+          </a:fontRef>
+        </p:style>
+      </p:cxnSp>
+      <p:cxnSp>
+        <p:nvCxnSpPr>
+          <p:cNvPr id="19" name="Straight Arrow Connector 18">
+            <a:extLst>
+              <a:ext uri="{FF2B5EF4-FFF2-40B4-BE49-F238E27FC236}">
+                <a16:creationId xmlns:a16="http://schemas.microsoft.com/office/drawing/2014/main" id="{59E8E7D0-1C52-46F3-A646-FE578246D457}"/>
+              </a:ext>
+            </a:extLst>
+          </p:cNvPr>
+          <p:cNvCxnSpPr>
+            <a:cxnSpLocks/>
+            <a:stCxn id="8" idx="2"/>
+            <a:endCxn id="9" idx="0"/>
+          </p:cNvCxnSpPr>
+          <p:nvPr/>
+        </p:nvCxnSpPr>
+        <p:spPr>
+          <a:xfrm>
+            <a:off x="9522668" y="3856224"/>
+            <a:ext cx="0" cy="321175"/>
+          </a:xfrm>
+          <a:prstGeom prst="straightConnector1">
+            <a:avLst/>
+          </a:prstGeom>
+          <a:ln w="12700">
+            <a:solidFill>
+              <a:schemeClr val="tx1"/>
+            </a:solidFill>
+            <a:tailEnd type="triangle"/>
+          </a:ln>
+        </p:spPr>
+        <p:style>
+          <a:lnRef idx="1">
+            <a:schemeClr val="accent1"/>
+          </a:lnRef>
+          <a:fillRef idx="0">
+            <a:schemeClr val="accent1"/>
+          </a:fillRef>
+          <a:effectRef idx="0">
+            <a:schemeClr val="accent1"/>
+          </a:effectRef>
+          <a:fontRef idx="minor">
+            <a:schemeClr val="tx1"/>
+          </a:fontRef>
+        </p:style>
+      </p:cxnSp>
+      <p:cxnSp>
+        <p:nvCxnSpPr>
+          <p:cNvPr id="29" name="Straight Arrow Connector 28">
+            <a:extLst>
+              <a:ext uri="{FF2B5EF4-FFF2-40B4-BE49-F238E27FC236}">
+                <a16:creationId xmlns:a16="http://schemas.microsoft.com/office/drawing/2014/main" id="{342D7DC7-D904-4DC0-844D-615DC0CDB301}"/>
+              </a:ext>
+            </a:extLst>
+          </p:cNvPr>
+          <p:cNvCxnSpPr>
+            <a:cxnSpLocks/>
+            <a:stCxn id="10" idx="2"/>
+            <a:endCxn id="13" idx="0"/>
+          </p:cNvCxnSpPr>
+          <p:nvPr/>
+        </p:nvCxnSpPr>
+        <p:spPr>
+          <a:xfrm>
+            <a:off x="9522668" y="5489368"/>
+            <a:ext cx="0" cy="321175"/>
+          </a:xfrm>
+          <a:prstGeom prst="straightConnector1">
+            <a:avLst/>
+          </a:prstGeom>
+          <a:ln w="12700">
+            <a:solidFill>
+              <a:schemeClr val="tx1"/>
+            </a:solidFill>
+            <a:tailEnd type="triangle"/>
+          </a:ln>
+        </p:spPr>
+        <p:style>
+          <a:lnRef idx="1">
+            <a:schemeClr val="accent1"/>
+          </a:lnRef>
+          <a:fillRef idx="0">
+            <a:schemeClr val="accent1"/>
+          </a:fillRef>
+          <a:effectRef idx="0">
+            <a:schemeClr val="accent1"/>
+          </a:effectRef>
+          <a:fontRef idx="minor">
+            <a:schemeClr val="tx1"/>
+          </a:fontRef>
+        </p:style>
+      </p:cxnSp>
+      <p:cxnSp>
+        <p:nvCxnSpPr>
+          <p:cNvPr id="33" name="Connector: Elbow 32">
+            <a:extLst>
+              <a:ext uri="{FF2B5EF4-FFF2-40B4-BE49-F238E27FC236}">
+                <a16:creationId xmlns:a16="http://schemas.microsoft.com/office/drawing/2014/main" id="{C8A1743D-2999-4406-BD5C-8C59891DD9CA}"/>
+              </a:ext>
+            </a:extLst>
+          </p:cNvPr>
+          <p:cNvCxnSpPr>
+            <a:cxnSpLocks/>
+            <a:stCxn id="8" idx="1"/>
+            <a:endCxn id="10" idx="1"/>
+          </p:cNvCxnSpPr>
+          <p:nvPr/>
+        </p:nvCxnSpPr>
+        <p:spPr>
+          <a:xfrm rot="10800000" flipV="1">
+            <a:off x="8277809" y="3608526"/>
+            <a:ext cx="12700" cy="1633144"/>
+          </a:xfrm>
+          <a:prstGeom prst="bentConnector3">
+            <a:avLst>
+              <a:gd name="adj1" fmla="val 1800000"/>
+            </a:avLst>
+          </a:prstGeom>
+          <a:ln w="12700">
+            <a:solidFill>
+              <a:schemeClr val="tx1"/>
+            </a:solidFill>
+            <a:tailEnd type="triangle"/>
+          </a:ln>
+        </p:spPr>
+        <p:style>
+          <a:lnRef idx="1">
+            <a:schemeClr val="accent1"/>
+          </a:lnRef>
+          <a:fillRef idx="0">
+            <a:schemeClr val="accent1"/>
+          </a:fillRef>
+          <a:effectRef idx="0">
+            <a:schemeClr val="accent1"/>
+          </a:effectRef>
+          <a:fontRef idx="minor">
+            <a:schemeClr val="tx1"/>
+          </a:fontRef>
+        </p:style>
+      </p:cxnSp>
+      <p:pic>
+        <p:nvPicPr>
+          <p:cNvPr id="37" name="Picture 36" descr="A picture containing text, clipart&#10;&#10;Description automatically generated">
+            <a:extLst>
+              <a:ext uri="{FF2B5EF4-FFF2-40B4-BE49-F238E27FC236}">
+                <a16:creationId xmlns:a16="http://schemas.microsoft.com/office/drawing/2014/main" id="{7AC02B7E-41D9-4667-927C-70BAFAE28EE3}"/>
+              </a:ext>
+            </a:extLst>
+          </p:cNvPr>
+          <p:cNvPicPr>
+            <a:picLocks noChangeAspect="1"/>
+          </p:cNvPicPr>
+          <p:nvPr/>
+        </p:nvPicPr>
+        <p:blipFill>
+          <a:blip r:embed="rId2">
+            <a:extLst>
+              <a:ext uri="{28A0092B-C50C-407E-A947-70E740481C1C}">
+                <a14:useLocalDpi xmlns:a14="http://schemas.microsoft.com/office/drawing/2010/main" val="0"/>
+              </a:ext>
+            </a:extLst>
+          </a:blip>
+          <a:stretch>
+            <a:fillRect/>
+          </a:stretch>
+        </p:blipFill>
+        <p:spPr>
+          <a:xfrm>
+            <a:off x="3605115" y="911111"/>
+            <a:ext cx="2771192" cy="936721"/>
+          </a:xfrm>
+          <a:prstGeom prst="rect">
+            <a:avLst/>
+          </a:prstGeom>
+        </p:spPr>
+      </p:pic>
+      <p:pic>
+        <p:nvPicPr>
+          <p:cNvPr id="20" name="Picture 2">
+            <a:extLst>
+              <a:ext uri="{FF2B5EF4-FFF2-40B4-BE49-F238E27FC236}">
+                <a16:creationId xmlns:a16="http://schemas.microsoft.com/office/drawing/2014/main" id="{F5F206B3-E963-4466-A249-639372900B7F}"/>
+              </a:ext>
+            </a:extLst>
+          </p:cNvPr>
+          <p:cNvPicPr>
+            <a:picLocks noChangeAspect="1" noChangeArrowheads="1"/>
+          </p:cNvPicPr>
+          <p:nvPr/>
+        </p:nvPicPr>
+        <p:blipFill>
+          <a:blip r:embed="rId3">
+            <a:extLst>
+              <a:ext uri="{28A0092B-C50C-407E-A947-70E740481C1C}">
+                <a14:useLocalDpi xmlns:a14="http://schemas.microsoft.com/office/drawing/2010/main" val="0"/>
+              </a:ext>
+            </a:extLst>
+          </a:blip>
+          <a:srcRect/>
+          <a:stretch>
+            <a:fillRect/>
+          </a:stretch>
+        </p:blipFill>
+        <p:spPr bwMode="auto">
+          <a:xfrm>
+            <a:off x="0" y="6362700"/>
+            <a:ext cx="12192000" cy="495300"/>
+          </a:xfrm>
+          <a:prstGeom prst="rect">
+            <a:avLst/>
+          </a:prstGeom>
+          <a:noFill/>
+          <a:extLst>
+            <a:ext uri="{909E8E84-426E-40DD-AFC4-6F175D3DCCD1}">
+              <a14:hiddenFill xmlns:a14="http://schemas.microsoft.com/office/drawing/2010/main">
+                <a:solidFill>
+                  <a:srgbClr val="FFFFFF"/>
+                </a:solidFill>
+              </a14:hiddenFill>
+            </a:ext>
+          </a:extLst>
+        </p:spPr>
+      </p:pic>
+    </p:spTree>
+    <p:extLst>
+      <p:ext uri="{BB962C8B-B14F-4D97-AF65-F5344CB8AC3E}">
+        <p14:creationId xmlns:p14="http://schemas.microsoft.com/office/powerpoint/2010/main" val="1075118664"/>
+      </p:ext>
+    </p:extLst>
+  </p:cSld>
+  <p:clrMapOvr>
+    <a:masterClrMapping/>
+  </p:clrMapOvr>
+</p:sld>
+</file>
+
+<file path=ppt/slides/slide11.xml><?xml version="1.0" encoding="utf-8"?>
+<p:sld xmlns:a="http://schemas.openxmlformats.org/drawingml/2006/main" xmlns:r="http://schemas.openxmlformats.org/officeDocument/2006/relationships" xmlns:p="http://schemas.openxmlformats.org/presentationml/2006/main">
+  <p:cSld>
+    <p:spTree>
+      <p:nvGrpSpPr>
+        <p:cNvPr id="1" name=""/>
+        <p:cNvGrpSpPr/>
+        <p:nvPr/>
+      </p:nvGrpSpPr>
+      <p:grpSpPr>
+        <a:xfrm>
+          <a:off x="0" y="0"/>
+          <a:ext cx="0" cy="0"/>
+          <a:chOff x="0" y="0"/>
+          <a:chExt cx="0" cy="0"/>
+        </a:xfrm>
+      </p:grpSpPr>
+      <p:sp>
+        <p:nvSpPr>
+          <p:cNvPr id="6" name="Rectangle: Rounded Corners 5">
+            <a:extLst>
+              <a:ext uri="{FF2B5EF4-FFF2-40B4-BE49-F238E27FC236}">
+                <a16:creationId xmlns:a16="http://schemas.microsoft.com/office/drawing/2014/main" id="{54BD2893-6DF7-40A6-8F51-5849B0A517EC}"/>
+              </a:ext>
+            </a:extLst>
+          </p:cNvPr>
+          <p:cNvSpPr/>
+          <p:nvPr/>
+        </p:nvSpPr>
+        <p:spPr>
+          <a:xfrm>
+            <a:off x="786617" y="650229"/>
+            <a:ext cx="2180517" cy="1458489"/>
+          </a:xfrm>
+          <a:prstGeom prst="roundRect">
+            <a:avLst/>
+          </a:prstGeom>
+          <a:solidFill>
+            <a:srgbClr val="9558B2"/>
+          </a:solidFill>
+          <a:ln>
+            <a:noFill/>
+          </a:ln>
+        </p:spPr>
+        <p:style>
+          <a:lnRef idx="2">
+            <a:schemeClr val="accent1">
+              <a:shade val="50000"/>
+            </a:schemeClr>
+          </a:lnRef>
+          <a:fillRef idx="1">
+            <a:schemeClr val="accent1"/>
+          </a:fillRef>
+          <a:effectRef idx="0">
+            <a:schemeClr val="accent1"/>
+          </a:effectRef>
+          <a:fontRef idx="minor">
+            <a:schemeClr val="lt1"/>
+          </a:fontRef>
+        </p:style>
+        <p:txBody>
+          <a:bodyPr rtlCol="0" anchor="ctr"/>
+          <a:lstStyle/>
+          <a:p>
+            <a:pPr algn="ctr"/>
+            <a:r>
+              <a:rPr lang="fr-CA" sz="2800" dirty="0"/>
+              <a:t>Model Training</a:t>
+            </a:r>
+            <a:endParaRPr lang="en-CA" sz="2800" dirty="0"/>
+          </a:p>
+        </p:txBody>
+      </p:sp>
+      <p:sp>
+        <p:nvSpPr>
           <p:cNvPr id="3" name="TextBox 2">
             <a:extLst>
               <a:ext uri="{FF2B5EF4-FFF2-40B4-BE49-F238E27FC236}">
@@ -6299,7 +7876,7 @@
 </p:sld>
 </file>
 
-<file path=ppt/slides/slide11.xml><?xml version="1.0" encoding="utf-8"?>
+<file path=ppt/slides/slide12.xml><?xml version="1.0" encoding="utf-8"?>
 <p:sld xmlns:a="http://schemas.openxmlformats.org/drawingml/2006/main" xmlns:r="http://schemas.openxmlformats.org/officeDocument/2006/relationships" xmlns:p="http://schemas.openxmlformats.org/presentationml/2006/main">
   <p:cSld>
     <p:spTree>
@@ -7271,7 +8848,7 @@
 </p:sld>
 </file>
 
-<file path=ppt/slides/slide12.xml><?xml version="1.0" encoding="utf-8"?>
+<file path=ppt/slides/slide13.xml><?xml version="1.0" encoding="utf-8"?>
 <p:sld xmlns:a="http://schemas.openxmlformats.org/drawingml/2006/main" xmlns:r="http://schemas.openxmlformats.org/officeDocument/2006/relationships" xmlns:p="http://schemas.openxmlformats.org/presentationml/2006/main">
   <p:cSld>
     <p:spTree>
@@ -8698,7 +10275,7 @@
 </p:sld>
 </file>
 
-<file path=ppt/slides/slide13.xml><?xml version="1.0" encoding="utf-8"?>
+<file path=ppt/slides/slide14.xml><?xml version="1.0" encoding="utf-8"?>
 <p:sld xmlns:a="http://schemas.openxmlformats.org/drawingml/2006/main" xmlns:r="http://schemas.openxmlformats.org/officeDocument/2006/relationships" xmlns:p="http://schemas.openxmlformats.org/presentationml/2006/main">
   <p:cSld>
     <p:spTree>
@@ -9677,7 +11254,7 @@
 </p:sld>
 </file>
 
-<file path=ppt/slides/slide14.xml><?xml version="1.0" encoding="utf-8"?>
+<file path=ppt/slides/slide15.xml><?xml version="1.0" encoding="utf-8"?>
 <p:sld xmlns:a="http://schemas.openxmlformats.org/drawingml/2006/main" xmlns:r="http://schemas.openxmlformats.org/officeDocument/2006/relationships" xmlns:p="http://schemas.openxmlformats.org/presentationml/2006/main">
   <p:cSld>
     <p:spTree>
@@ -12189,7 +13766,7 @@
         <p:spPr>
           <a:xfrm>
             <a:off x="1586593" y="3142009"/>
-            <a:ext cx="9018814" cy="923330"/>
+            <a:ext cx="9018814" cy="2031325"/>
           </a:xfrm>
           <a:prstGeom prst="rect">
             <a:avLst/>
@@ -12206,6 +13783,68 @@
           </a:bodyPr>
           <a:lstStyle/>
           <a:p>
+            <a:r>
+              <a:rPr lang="en-US" b="0" dirty="0" err="1">
+                <a:solidFill>
+                  <a:srgbClr val="56B6C2"/>
+                </a:solidFill>
+                <a:effectLst/>
+                <a:latin typeface="Consolas" panose="020B0609020204030204" pitchFamily="49" charset="0"/>
+              </a:rPr>
+              <a:t>groupby</a:t>
+            </a:r>
+            <a:r>
+              <a:rPr lang="en-US" b="0" dirty="0">
+                <a:solidFill>
+                  <a:srgbClr val="ABB2BF"/>
+                </a:solidFill>
+                <a:effectLst/>
+                <a:latin typeface="Consolas" panose="020B0609020204030204" pitchFamily="49" charset="0"/>
+              </a:rPr>
+              <a:t>(df, </a:t>
+            </a:r>
+            <a:r>
+              <a:rPr lang="en-US" b="0" dirty="0">
+                <a:solidFill>
+                  <a:srgbClr val="98C379"/>
+                </a:solidFill>
+                <a:effectLst/>
+                <a:latin typeface="Consolas" panose="020B0609020204030204" pitchFamily="49" charset="0"/>
+              </a:rPr>
+              <a:t>"</a:t>
+            </a:r>
+            <a:r>
+              <a:rPr lang="en-US" b="0" dirty="0" err="1">
+                <a:solidFill>
+                  <a:srgbClr val="98C379"/>
+                </a:solidFill>
+                <a:effectLst/>
+                <a:latin typeface="Consolas" panose="020B0609020204030204" pitchFamily="49" charset="0"/>
+              </a:rPr>
+              <a:t>grouping_var</a:t>
+            </a:r>
+            <a:r>
+              <a:rPr lang="en-US" b="0" dirty="0">
+                <a:solidFill>
+                  <a:srgbClr val="98C379"/>
+                </a:solidFill>
+                <a:effectLst/>
+                <a:latin typeface="Consolas" panose="020B0609020204030204" pitchFamily="49" charset="0"/>
+              </a:rPr>
+              <a:t>"</a:t>
+            </a:r>
+            <a:r>
+              <a:rPr lang="en-US" b="0" dirty="0">
+                <a:solidFill>
+                  <a:srgbClr val="ABB2BF"/>
+                </a:solidFill>
+                <a:effectLst/>
+                <a:latin typeface="Consolas" panose="020B0609020204030204" pitchFamily="49" charset="0"/>
+              </a:rPr>
+              <a:t>)</a:t>
+            </a:r>
+          </a:p>
+          <a:p>
             <a:endParaRPr lang="en-US" b="0" dirty="0">
               <a:solidFill>
                 <a:srgbClr val="56B6C2"/>
@@ -12223,7 +13862,7 @@
                 <a:effectLst/>
                 <a:latin typeface="Consolas" panose="020B0609020204030204" pitchFamily="49" charset="0"/>
               </a:rPr>
-              <a:t>transform!</a:t>
+              <a:t>combine</a:t>
             </a:r>
             <a:r>
               <a:rPr lang="en-US" b="0" dirty="0">
@@ -12379,120 +14018,282 @@
           <a:p>
             <a:endParaRPr lang="en-US" b="0" dirty="0">
               <a:solidFill>
-                <a:srgbClr val="ABB2BF"/>
+                <a:srgbClr val="56B6C2"/>
               </a:solidFill>
               <a:effectLst/>
               <a:latin typeface="Consolas" panose="020B0609020204030204" pitchFamily="49" charset="0"/>
             </a:endParaRPr>
           </a:p>
-        </p:txBody>
-      </p:sp>
-      <p:sp>
-        <p:nvSpPr>
-          <p:cNvPr id="6" name="TextBox 5">
-            <a:extLst>
-              <a:ext uri="{FF2B5EF4-FFF2-40B4-BE49-F238E27FC236}">
-                <a16:creationId xmlns:a16="http://schemas.microsoft.com/office/drawing/2014/main" id="{6C5ED862-E516-45BE-B33B-FE50FFD230E8}"/>
-              </a:ext>
-            </a:extLst>
-          </p:cNvPr>
-          <p:cNvSpPr txBox="1"/>
-          <p:nvPr/>
-        </p:nvSpPr>
-        <p:spPr>
-          <a:xfrm>
-            <a:off x="1586593" y="4243161"/>
-            <a:ext cx="9018814" cy="1477328"/>
-          </a:xfrm>
-          <a:prstGeom prst="rect">
-            <a:avLst/>
-          </a:prstGeom>
-          <a:solidFill>
-            <a:schemeClr val="bg1">
-              <a:lumMod val="95000"/>
-            </a:schemeClr>
-          </a:solidFill>
-        </p:spPr>
-        <p:txBody>
-          <a:bodyPr wrap="square">
-            <a:spAutoFit/>
-          </a:bodyPr>
-          <a:lstStyle/>
-          <a:p>
+          <a:p>
+            <a:r>
+              <a:rPr lang="en-US" b="0" dirty="0">
+                <a:solidFill>
+                  <a:srgbClr val="56B6C2"/>
+                </a:solidFill>
+                <a:effectLst/>
+                <a:latin typeface="Consolas" panose="020B0609020204030204" pitchFamily="49" charset="0"/>
+              </a:rPr>
+              <a:t>select</a:t>
+            </a:r>
+            <a:r>
+              <a:rPr lang="en-US" b="0" dirty="0">
+                <a:solidFill>
+                  <a:srgbClr val="ABB2BF"/>
+                </a:solidFill>
+                <a:effectLst/>
+                <a:latin typeface="Consolas" panose="020B0609020204030204" pitchFamily="49" charset="0"/>
+              </a:rPr>
+              <a:t>(df, </a:t>
+            </a:r>
+            <a:r>
+              <a:rPr lang="en-CA" b="0" dirty="0">
+                <a:solidFill>
+                  <a:srgbClr val="98C379"/>
+                </a:solidFill>
+                <a:effectLst/>
+                <a:latin typeface="Consolas" panose="020B0609020204030204" pitchFamily="49" charset="0"/>
+              </a:rPr>
+              <a:t>"</a:t>
+            </a:r>
+            <a:r>
+              <a:rPr lang="en-US" dirty="0" err="1">
+                <a:solidFill>
+                  <a:srgbClr val="98C379"/>
+                </a:solidFill>
+                <a:latin typeface="Consolas" panose="020B0609020204030204" pitchFamily="49" charset="0"/>
+              </a:rPr>
+              <a:t>keep_vars</a:t>
+            </a:r>
+            <a:r>
+              <a:rPr lang="en-CA" b="0" dirty="0">
+                <a:solidFill>
+                  <a:srgbClr val="98C379"/>
+                </a:solidFill>
+                <a:effectLst/>
+                <a:latin typeface="Consolas" panose="020B0609020204030204" pitchFamily="49" charset="0"/>
+              </a:rPr>
+              <a:t>"</a:t>
+            </a:r>
+            <a:r>
+              <a:rPr lang="en-US" b="0" dirty="0">
+                <a:solidFill>
+                  <a:srgbClr val="ABB2BF"/>
+                </a:solidFill>
+                <a:effectLst/>
+                <a:latin typeface="Consolas" panose="020B0609020204030204" pitchFamily="49" charset="0"/>
+              </a:rPr>
+              <a:t>)</a:t>
+            </a:r>
+            <a:r>
+              <a:rPr lang="en-US" dirty="0">
+                <a:solidFill>
+                  <a:srgbClr val="56B6C2"/>
+                </a:solidFill>
+                <a:latin typeface="Consolas" panose="020B0609020204030204" pitchFamily="49" charset="0"/>
+              </a:rPr>
+              <a:t> </a:t>
+            </a:r>
+            <a:r>
+              <a:rPr lang="en-US" dirty="0">
+                <a:solidFill>
+                  <a:schemeClr val="bg1">
+                    <a:lumMod val="50000"/>
+                  </a:schemeClr>
+                </a:solidFill>
+                <a:latin typeface="Consolas" panose="020B0609020204030204" pitchFamily="49" charset="0"/>
+              </a:rPr>
+              <a:t>|</a:t>
+            </a:r>
+            <a:r>
+              <a:rPr lang="en-US" dirty="0">
+                <a:solidFill>
+                  <a:srgbClr val="56B6C2"/>
+                </a:solidFill>
+                <a:latin typeface="Consolas" panose="020B0609020204030204" pitchFamily="49" charset="0"/>
+              </a:rPr>
+              <a:t> </a:t>
+            </a:r>
+            <a:r>
+              <a:rPr lang="en-US" b="0" dirty="0">
+                <a:solidFill>
+                  <a:srgbClr val="56B6C2"/>
+                </a:solidFill>
+                <a:effectLst/>
+                <a:latin typeface="Consolas" panose="020B0609020204030204" pitchFamily="49" charset="0"/>
+              </a:rPr>
+              <a:t>select</a:t>
+            </a:r>
+            <a:r>
+              <a:rPr lang="en-US" b="0" dirty="0">
+                <a:solidFill>
+                  <a:srgbClr val="ABB2BF"/>
+                </a:solidFill>
+                <a:effectLst/>
+                <a:latin typeface="Consolas" panose="020B0609020204030204" pitchFamily="49" charset="0"/>
+              </a:rPr>
+              <a:t>(df, </a:t>
+            </a:r>
+            <a:r>
+              <a:rPr lang="en-CA" b="0" dirty="0">
+                <a:solidFill>
+                  <a:srgbClr val="98C379"/>
+                </a:solidFill>
+                <a:effectLst/>
+                <a:latin typeface="Consolas" panose="020B0609020204030204" pitchFamily="49" charset="0"/>
+              </a:rPr>
+              <a:t>"</a:t>
+            </a:r>
+            <a:r>
+              <a:rPr lang="en-US" b="0" dirty="0" err="1">
+                <a:solidFill>
+                  <a:srgbClr val="98C379"/>
+                </a:solidFill>
+                <a:effectLst/>
+                <a:latin typeface="Consolas" panose="020B0609020204030204" pitchFamily="49" charset="0"/>
+              </a:rPr>
+              <a:t>in_var</a:t>
+            </a:r>
+            <a:r>
+              <a:rPr lang="en-CA" b="0" dirty="0">
+                <a:solidFill>
+                  <a:srgbClr val="98C379"/>
+                </a:solidFill>
+                <a:effectLst/>
+                <a:latin typeface="Consolas" panose="020B0609020204030204" pitchFamily="49" charset="0"/>
+              </a:rPr>
+              <a:t>"</a:t>
+            </a:r>
+            <a:r>
+              <a:rPr lang="en-US" b="0" dirty="0">
+                <a:solidFill>
+                  <a:srgbClr val="ABB2BF"/>
+                </a:solidFill>
+                <a:effectLst/>
+                <a:latin typeface="Consolas" panose="020B0609020204030204" pitchFamily="49" charset="0"/>
+              </a:rPr>
+              <a:t> </a:t>
+            </a:r>
+            <a:r>
+              <a:rPr lang="en-US" b="0" dirty="0">
+                <a:solidFill>
+                  <a:srgbClr val="C678DD"/>
+                </a:solidFill>
+                <a:effectLst/>
+                <a:latin typeface="Consolas" panose="020B0609020204030204" pitchFamily="49" charset="0"/>
+              </a:rPr>
+              <a:t>=&gt;</a:t>
+            </a:r>
+            <a:r>
+              <a:rPr lang="en-US" b="0" dirty="0">
+                <a:solidFill>
+                  <a:srgbClr val="ABB2BF"/>
+                </a:solidFill>
+                <a:effectLst/>
+                <a:latin typeface="Consolas" panose="020B0609020204030204" pitchFamily="49" charset="0"/>
+              </a:rPr>
+              <a:t> </a:t>
+            </a:r>
+            <a:r>
+              <a:rPr lang="en-US" b="0" dirty="0">
+                <a:solidFill>
+                  <a:srgbClr val="56B6C2"/>
+                </a:solidFill>
+                <a:effectLst/>
+                <a:latin typeface="Consolas" panose="020B0609020204030204" pitchFamily="49" charset="0"/>
+              </a:rPr>
+              <a:t>fun</a:t>
+            </a:r>
+            <a:r>
+              <a:rPr lang="en-US" b="0" dirty="0">
+                <a:solidFill>
+                  <a:srgbClr val="ABB2BF"/>
+                </a:solidFill>
+                <a:effectLst/>
+                <a:latin typeface="Consolas" panose="020B0609020204030204" pitchFamily="49" charset="0"/>
+              </a:rPr>
+              <a:t> </a:t>
+            </a:r>
+            <a:r>
+              <a:rPr lang="en-US" b="0" dirty="0">
+                <a:solidFill>
+                  <a:srgbClr val="C678DD"/>
+                </a:solidFill>
+                <a:effectLst/>
+                <a:latin typeface="Consolas" panose="020B0609020204030204" pitchFamily="49" charset="0"/>
+              </a:rPr>
+              <a:t>=&gt;</a:t>
+            </a:r>
+            <a:r>
+              <a:rPr lang="en-US" b="0" dirty="0">
+                <a:solidFill>
+                  <a:srgbClr val="ABB2BF"/>
+                </a:solidFill>
+                <a:effectLst/>
+                <a:latin typeface="Consolas" panose="020B0609020204030204" pitchFamily="49" charset="0"/>
+              </a:rPr>
+              <a:t> </a:t>
+            </a:r>
+            <a:r>
+              <a:rPr lang="en-CA" b="0" dirty="0">
+                <a:solidFill>
+                  <a:srgbClr val="98C379"/>
+                </a:solidFill>
+                <a:effectLst/>
+                <a:latin typeface="Consolas" panose="020B0609020204030204" pitchFamily="49" charset="0"/>
+              </a:rPr>
+              <a:t>"</a:t>
+            </a:r>
+            <a:r>
+              <a:rPr lang="en-US" dirty="0" err="1">
+                <a:solidFill>
+                  <a:srgbClr val="98C379"/>
+                </a:solidFill>
+                <a:latin typeface="Consolas" panose="020B0609020204030204" pitchFamily="49" charset="0"/>
+              </a:rPr>
+              <a:t>keep</a:t>
+            </a:r>
+            <a:r>
+              <a:rPr lang="en-US" b="0" dirty="0" err="1">
+                <a:solidFill>
+                  <a:srgbClr val="98C379"/>
+                </a:solidFill>
+                <a:effectLst/>
+                <a:latin typeface="Consolas" panose="020B0609020204030204" pitchFamily="49" charset="0"/>
+              </a:rPr>
+              <a:t>_var</a:t>
+            </a:r>
+            <a:r>
+              <a:rPr lang="en-CA" b="0" dirty="0">
+                <a:solidFill>
+                  <a:srgbClr val="98C379"/>
+                </a:solidFill>
+                <a:effectLst/>
+                <a:latin typeface="Consolas" panose="020B0609020204030204" pitchFamily="49" charset="0"/>
+              </a:rPr>
+              <a:t>"</a:t>
+            </a:r>
+            <a:r>
+              <a:rPr lang="en-US" b="0" dirty="0">
+                <a:solidFill>
+                  <a:srgbClr val="ABB2BF"/>
+                </a:solidFill>
+                <a:effectLst/>
+                <a:latin typeface="Consolas" panose="020B0609020204030204" pitchFamily="49" charset="0"/>
+              </a:rPr>
+              <a:t>)</a:t>
+            </a:r>
             <a:endParaRPr lang="en-US" b="0" dirty="0">
               <a:solidFill>
-                <a:srgbClr val="ABB2BF"/>
+                <a:srgbClr val="56B6C2"/>
               </a:solidFill>
               <a:effectLst/>
               <a:latin typeface="Consolas" panose="020B0609020204030204" pitchFamily="49" charset="0"/>
             </a:endParaRPr>
           </a:p>
           <a:p>
-            <a:r>
-              <a:rPr lang="en-US" b="0" dirty="0">
-                <a:solidFill>
-                  <a:srgbClr val="61AFEF"/>
-                </a:solidFill>
-                <a:effectLst/>
-                <a:latin typeface="Consolas" panose="020B0609020204030204" pitchFamily="49" charset="0"/>
-              </a:rPr>
-              <a:t>density</a:t>
-            </a:r>
-            <a:r>
-              <a:rPr lang="en-US" b="0" dirty="0">
-                <a:solidFill>
-                  <a:srgbClr val="ABB2BF"/>
-                </a:solidFill>
-                <a:effectLst/>
-                <a:latin typeface="Consolas" panose="020B0609020204030204" pitchFamily="49" charset="0"/>
-              </a:rPr>
-              <a:t>(pop, area) </a:t>
-            </a:r>
-            <a:r>
-              <a:rPr lang="en-US" b="0" dirty="0">
-                <a:solidFill>
-                  <a:srgbClr val="C678DD"/>
-                </a:solidFill>
-                <a:effectLst/>
-                <a:latin typeface="Consolas" panose="020B0609020204030204" pitchFamily="49" charset="0"/>
-              </a:rPr>
-              <a:t>=</a:t>
-            </a:r>
-            <a:r>
-              <a:rPr lang="en-US" b="0" dirty="0">
-                <a:solidFill>
-                  <a:srgbClr val="ABB2BF"/>
-                </a:solidFill>
-                <a:effectLst/>
-                <a:latin typeface="Consolas" panose="020B0609020204030204" pitchFamily="49" charset="0"/>
-              </a:rPr>
-              <a:t> pop </a:t>
-            </a:r>
-            <a:r>
-              <a:rPr lang="en-US" b="0" dirty="0">
-                <a:solidFill>
-                  <a:srgbClr val="C678DD"/>
-                </a:solidFill>
-                <a:effectLst/>
-                <a:latin typeface="Consolas" panose="020B0609020204030204" pitchFamily="49" charset="0"/>
-              </a:rPr>
-              <a:t>./</a:t>
-            </a:r>
-            <a:r>
-              <a:rPr lang="en-US" b="0" dirty="0">
-                <a:solidFill>
-                  <a:srgbClr val="ABB2BF"/>
-                </a:solidFill>
-                <a:effectLst/>
-                <a:latin typeface="Consolas" panose="020B0609020204030204" pitchFamily="49" charset="0"/>
-              </a:rPr>
-              <a:t> area</a:t>
-            </a:r>
-          </a:p>
-          <a:p>
             <a:endParaRPr lang="en-US" b="0" dirty="0">
               <a:solidFill>
-                <a:srgbClr val="ABB2BF"/>
+                <a:srgbClr val="56B6C2"/>
               </a:solidFill>
               <a:effectLst/>
               <a:latin typeface="Consolas" panose="020B0609020204030204" pitchFamily="49" charset="0"/>
@@ -12502,22 +14303,52 @@
             <a:r>
               <a:rPr lang="en-US" b="0" dirty="0">
                 <a:solidFill>
-                  <a:srgbClr val="ABB2BF"/>
-                </a:solidFill>
-                <a:effectLst/>
-                <a:latin typeface="Consolas" panose="020B0609020204030204" pitchFamily="49" charset="0"/>
-              </a:rPr>
-              <a:t>[</a:t>
+                  <a:srgbClr val="56B6C2"/>
+                </a:solidFill>
+                <a:effectLst/>
+                <a:latin typeface="Consolas" panose="020B0609020204030204" pitchFamily="49" charset="0"/>
+              </a:rPr>
+              <a:t>transform!</a:t>
             </a:r>
             <a:r>
               <a:rPr lang="en-US" b="0" dirty="0">
                 <a:solidFill>
+                  <a:srgbClr val="ABB2BF"/>
+                </a:solidFill>
+                <a:effectLst/>
+                <a:latin typeface="Consolas" panose="020B0609020204030204" pitchFamily="49" charset="0"/>
+              </a:rPr>
+              <a:t>(df, </a:t>
+            </a:r>
+            <a:r>
+              <a:rPr lang="en-CA" b="0" dirty="0">
+                <a:solidFill>
                   <a:srgbClr val="98C379"/>
                 </a:solidFill>
                 <a:effectLst/>
                 <a:latin typeface="Consolas" panose="020B0609020204030204" pitchFamily="49" charset="0"/>
               </a:rPr>
-              <a:t>"population"</a:t>
+              <a:t>"</a:t>
+            </a:r>
+            <a:r>
+              <a:rPr lang="en-US" b="0" dirty="0" err="1">
+                <a:solidFill>
+                  <a:srgbClr val="98C379"/>
+                </a:solidFill>
+                <a:effectLst/>
+                <a:latin typeface="Consolas" panose="020B0609020204030204" pitchFamily="49" charset="0"/>
+              </a:rPr>
+              <a:t>in_var</a:t>
+            </a:r>
+            <a:r>
+              <a:rPr lang="en-CA" b="0" dirty="0">
+                <a:solidFill>
+                  <a:srgbClr val="98C379"/>
+                </a:solidFill>
+                <a:effectLst/>
+                <a:latin typeface="Consolas" panose="020B0609020204030204" pitchFamily="49" charset="0"/>
+              </a:rPr>
+              <a:t>"</a:t>
             </a:r>
             <a:r>
               <a:rPr lang="en-US" b="0" dirty="0">
@@ -12527,11 +14358,71 @@
                 <a:effectLst/>
                 <a:latin typeface="Consolas" panose="020B0609020204030204" pitchFamily="49" charset="0"/>
               </a:rPr>
-              <a:t>, </a:t>
+              <a:t> </a:t>
             </a:r>
             <a:r>
               <a:rPr lang="en-US" b="0" dirty="0">
                 <a:solidFill>
+                  <a:srgbClr val="C678DD"/>
+                </a:solidFill>
+                <a:effectLst/>
+                <a:latin typeface="Consolas" panose="020B0609020204030204" pitchFamily="49" charset="0"/>
+              </a:rPr>
+              <a:t>=&gt;</a:t>
+            </a:r>
+            <a:r>
+              <a:rPr lang="en-US" b="0" dirty="0">
+                <a:solidFill>
+                  <a:srgbClr val="ABB2BF"/>
+                </a:solidFill>
+                <a:effectLst/>
+                <a:latin typeface="Consolas" panose="020B0609020204030204" pitchFamily="49" charset="0"/>
+              </a:rPr>
+              <a:t> </a:t>
+            </a:r>
+            <a:r>
+              <a:rPr lang="en-US" b="0" dirty="0">
+                <a:solidFill>
+                  <a:srgbClr val="56B6C2"/>
+                </a:solidFill>
+                <a:effectLst/>
+                <a:latin typeface="Consolas" panose="020B0609020204030204" pitchFamily="49" charset="0"/>
+              </a:rPr>
+              <a:t>fun</a:t>
+            </a:r>
+            <a:r>
+              <a:rPr lang="en-US" b="0" dirty="0">
+                <a:solidFill>
+                  <a:srgbClr val="ABB2BF"/>
+                </a:solidFill>
+                <a:effectLst/>
+                <a:latin typeface="Consolas" panose="020B0609020204030204" pitchFamily="49" charset="0"/>
+              </a:rPr>
+              <a:t> </a:t>
+            </a:r>
+            <a:r>
+              <a:rPr lang="en-US" b="0" dirty="0">
+                <a:solidFill>
+                  <a:srgbClr val="C678DD"/>
+                </a:solidFill>
+                <a:effectLst/>
+                <a:latin typeface="Consolas" panose="020B0609020204030204" pitchFamily="49" charset="0"/>
+              </a:rPr>
+              <a:t>=&gt;</a:t>
+            </a:r>
+            <a:r>
+              <a:rPr lang="en-US" b="0" dirty="0">
+                <a:solidFill>
+                  <a:srgbClr val="ABB2BF"/>
+                </a:solidFill>
+                <a:effectLst/>
+                <a:latin typeface="Consolas" panose="020B0609020204030204" pitchFamily="49" charset="0"/>
+              </a:rPr>
+              <a:t> </a:t>
+            </a:r>
+            <a:r>
+              <a:rPr lang="en-CA" b="0" dirty="0">
+                <a:solidFill>
                   <a:srgbClr val="98C379"/>
                 </a:solidFill>
                 <a:effectLst/>
@@ -12547,87 +14438,28 @@
                 <a:effectLst/>
                 <a:latin typeface="Consolas" panose="020B0609020204030204" pitchFamily="49" charset="0"/>
               </a:rPr>
-              <a:t>town_surface_area</a:t>
+              <a:t>out_var</a:t>
+            </a:r>
+            <a:r>
+              <a:rPr lang="en-CA" b="0" dirty="0">
+                <a:solidFill>
+                  <a:srgbClr val="98C379"/>
+                </a:solidFill>
+                <a:effectLst/>
+                <a:latin typeface="Consolas" panose="020B0609020204030204" pitchFamily="49" charset="0"/>
+              </a:rPr>
+              <a:t>"</a:t>
             </a:r>
             <a:r>
               <a:rPr lang="en-US" b="0" dirty="0">
                 <a:solidFill>
-                  <a:srgbClr val="98C379"/>
-                </a:solidFill>
-                <a:effectLst/>
-                <a:latin typeface="Consolas" panose="020B0609020204030204" pitchFamily="49" charset="0"/>
-              </a:rPr>
-              <a:t>"</a:t>
-            </a:r>
-            <a:r>
-              <a:rPr lang="en-US" b="0" dirty="0">
-                <a:solidFill>
-                  <a:srgbClr val="ABB2BF"/>
-                </a:solidFill>
-                <a:effectLst/>
-                <a:latin typeface="Consolas" panose="020B0609020204030204" pitchFamily="49" charset="0"/>
-              </a:rPr>
-              <a:t>] </a:t>
-            </a:r>
-            <a:r>
-              <a:rPr lang="en-US" b="0" dirty="0">
-                <a:solidFill>
-                  <a:srgbClr val="C678DD"/>
-                </a:solidFill>
-                <a:effectLst/>
-                <a:latin typeface="Consolas" panose="020B0609020204030204" pitchFamily="49" charset="0"/>
-              </a:rPr>
-              <a:t>=&gt;</a:t>
-            </a:r>
-            <a:r>
-              <a:rPr lang="en-US" b="0" dirty="0">
-                <a:solidFill>
-                  <a:srgbClr val="ABB2BF"/>
-                </a:solidFill>
-                <a:effectLst/>
-                <a:latin typeface="Consolas" panose="020B0609020204030204" pitchFamily="49" charset="0"/>
-              </a:rPr>
-              <a:t> density </a:t>
-            </a:r>
-            <a:r>
-              <a:rPr lang="en-US" b="0" dirty="0">
-                <a:solidFill>
-                  <a:srgbClr val="C678DD"/>
-                </a:solidFill>
-                <a:effectLst/>
-                <a:latin typeface="Consolas" panose="020B0609020204030204" pitchFamily="49" charset="0"/>
-              </a:rPr>
-              <a:t>=&gt;</a:t>
-            </a:r>
-            <a:r>
-              <a:rPr lang="en-US" b="0" dirty="0">
-                <a:solidFill>
-                  <a:srgbClr val="ABB2BF"/>
-                </a:solidFill>
-                <a:effectLst/>
-                <a:latin typeface="Consolas" panose="020B0609020204030204" pitchFamily="49" charset="0"/>
-              </a:rPr>
-              <a:t> </a:t>
-            </a:r>
-            <a:r>
-              <a:rPr lang="en-US" b="0" dirty="0">
-                <a:solidFill>
-                  <a:srgbClr val="98C379"/>
-                </a:solidFill>
-                <a:effectLst/>
-                <a:latin typeface="Consolas" panose="020B0609020204030204" pitchFamily="49" charset="0"/>
-              </a:rPr>
-              <a:t>"density"</a:t>
-            </a:r>
-          </a:p>
-          <a:p>
-            <a:endParaRPr lang="en-US" b="0" dirty="0">
-              <a:solidFill>
-                <a:srgbClr val="ABB2BF"/>
-              </a:solidFill>
-              <a:effectLst/>
-              <a:latin typeface="Consolas" panose="020B0609020204030204" pitchFamily="49" charset="0"/>
-            </a:endParaRPr>
+                  <a:srgbClr val="ABB2BF"/>
+                </a:solidFill>
+                <a:effectLst/>
+                <a:latin typeface="Consolas" panose="020B0609020204030204" pitchFamily="49" charset="0"/>
+              </a:rPr>
+              <a:t>)</a:t>
+            </a:r>
           </a:p>
         </p:txBody>
       </p:sp>
@@ -12858,8 +14690,8 @@
         </p:nvSpPr>
         <p:spPr>
           <a:xfrm>
-            <a:off x="1586592" y="3138587"/>
-            <a:ext cx="9018814" cy="2585323"/>
+            <a:off x="1586593" y="3142009"/>
+            <a:ext cx="9018814" cy="923330"/>
           </a:xfrm>
           <a:prstGeom prst="rect">
             <a:avLst/>
@@ -12876,480 +14708,9 @@
           </a:bodyPr>
           <a:lstStyle/>
           <a:p>
-            <a:r>
-              <a:rPr lang="en-CA" b="0" dirty="0" err="1">
-                <a:solidFill>
-                  <a:srgbClr val="ABB2BF"/>
-                </a:solidFill>
-                <a:effectLst/>
-                <a:latin typeface="Consolas" panose="020B0609020204030204" pitchFamily="49" charset="0"/>
-              </a:rPr>
-              <a:t>pol_cov_dict</a:t>
-            </a:r>
-            <a:r>
-              <a:rPr lang="en-CA" b="0" dirty="0">
-                <a:solidFill>
-                  <a:srgbClr val="ABB2BF"/>
-                </a:solidFill>
-                <a:effectLst/>
-                <a:latin typeface="Consolas" panose="020B0609020204030204" pitchFamily="49" charset="0"/>
-              </a:rPr>
-              <a:t> </a:t>
-            </a:r>
-            <a:r>
-              <a:rPr lang="en-CA" b="0" dirty="0">
-                <a:solidFill>
-                  <a:srgbClr val="C678DD"/>
-                </a:solidFill>
-                <a:effectLst/>
-                <a:latin typeface="Consolas" panose="020B0609020204030204" pitchFamily="49" charset="0"/>
-              </a:rPr>
-              <a:t>=</a:t>
-            </a:r>
-            <a:r>
-              <a:rPr lang="en-CA" b="0" dirty="0">
-                <a:solidFill>
-                  <a:srgbClr val="ABB2BF"/>
-                </a:solidFill>
-                <a:effectLst/>
-                <a:latin typeface="Consolas" panose="020B0609020204030204" pitchFamily="49" charset="0"/>
-              </a:rPr>
-              <a:t> </a:t>
-            </a:r>
-            <a:r>
-              <a:rPr lang="en-CA" b="0" dirty="0" err="1">
-                <a:solidFill>
-                  <a:srgbClr val="56B6C2"/>
-                </a:solidFill>
-                <a:effectLst/>
-                <a:latin typeface="Consolas" panose="020B0609020204030204" pitchFamily="49" charset="0"/>
-              </a:rPr>
-              <a:t>Dict</a:t>
-            </a:r>
-            <a:r>
-              <a:rPr lang="en-CA" b="0" dirty="0">
-                <a:solidFill>
-                  <a:srgbClr val="56B6C2"/>
-                </a:solidFill>
-                <a:effectLst/>
-                <a:latin typeface="Consolas" panose="020B0609020204030204" pitchFamily="49" charset="0"/>
-              </a:rPr>
-              <a:t>{String,Float64}</a:t>
-            </a:r>
-            <a:r>
-              <a:rPr lang="en-CA" b="0" dirty="0">
-                <a:solidFill>
-                  <a:srgbClr val="ABB2BF"/>
-                </a:solidFill>
-                <a:effectLst/>
-                <a:latin typeface="Consolas" panose="020B0609020204030204" pitchFamily="49" charset="0"/>
-              </a:rPr>
-              <a:t>(</a:t>
-            </a:r>
-          </a:p>
-          <a:p>
-            <a:r>
-              <a:rPr lang="en-CA" b="0" dirty="0">
-                <a:solidFill>
-                  <a:srgbClr val="ABB2BF"/>
-                </a:solidFill>
-                <a:effectLst/>
-                <a:latin typeface="Consolas" panose="020B0609020204030204" pitchFamily="49" charset="0"/>
-              </a:rPr>
-              <a:t>    </a:t>
-            </a:r>
-            <a:r>
-              <a:rPr lang="en-CA" b="0" dirty="0">
-                <a:solidFill>
-                  <a:srgbClr val="98C379"/>
-                </a:solidFill>
-                <a:effectLst/>
-                <a:latin typeface="Consolas" panose="020B0609020204030204" pitchFamily="49" charset="0"/>
-              </a:rPr>
-              <a:t>"Min"</a:t>
-            </a:r>
-            <a:r>
-              <a:rPr lang="en-CA" b="0" dirty="0">
-                <a:solidFill>
-                  <a:srgbClr val="ABB2BF"/>
-                </a:solidFill>
-                <a:effectLst/>
-                <a:latin typeface="Consolas" panose="020B0609020204030204" pitchFamily="49" charset="0"/>
-              </a:rPr>
-              <a:t> </a:t>
-            </a:r>
-            <a:r>
-              <a:rPr lang="en-CA" b="0" dirty="0">
-                <a:solidFill>
-                  <a:srgbClr val="C678DD"/>
-                </a:solidFill>
-                <a:effectLst/>
-                <a:latin typeface="Consolas" panose="020B0609020204030204" pitchFamily="49" charset="0"/>
-              </a:rPr>
-              <a:t>=&gt;</a:t>
-            </a:r>
-            <a:r>
-              <a:rPr lang="en-CA" b="0" dirty="0">
-                <a:solidFill>
-                  <a:srgbClr val="ABB2BF"/>
-                </a:solidFill>
-                <a:effectLst/>
-                <a:latin typeface="Consolas" panose="020B0609020204030204" pitchFamily="49" charset="0"/>
-              </a:rPr>
-              <a:t> </a:t>
-            </a:r>
-            <a:r>
-              <a:rPr lang="en-CA" b="0" dirty="0">
-                <a:solidFill>
-                  <a:srgbClr val="D19A66"/>
-                </a:solidFill>
-                <a:effectLst/>
-                <a:latin typeface="Consolas" panose="020B0609020204030204" pitchFamily="49" charset="0"/>
-              </a:rPr>
-              <a:t>1</a:t>
-            </a:r>
-            <a:r>
-              <a:rPr lang="en-CA" b="0" dirty="0">
-                <a:solidFill>
-                  <a:srgbClr val="ABB2BF"/>
-                </a:solidFill>
-                <a:effectLst/>
-                <a:latin typeface="Consolas" panose="020B0609020204030204" pitchFamily="49" charset="0"/>
-              </a:rPr>
-              <a:t>,</a:t>
-            </a:r>
-          </a:p>
-          <a:p>
-            <a:r>
-              <a:rPr lang="en-CA" b="0" dirty="0">
-                <a:solidFill>
-                  <a:srgbClr val="ABB2BF"/>
-                </a:solidFill>
-                <a:effectLst/>
-                <a:latin typeface="Consolas" panose="020B0609020204030204" pitchFamily="49" charset="0"/>
-              </a:rPr>
-              <a:t>    </a:t>
-            </a:r>
-            <a:r>
-              <a:rPr lang="en-CA" b="0" dirty="0">
-                <a:solidFill>
-                  <a:srgbClr val="98C379"/>
-                </a:solidFill>
-                <a:effectLst/>
-                <a:latin typeface="Consolas" panose="020B0609020204030204" pitchFamily="49" charset="0"/>
-              </a:rPr>
-              <a:t>"Med1"</a:t>
-            </a:r>
-            <a:r>
-              <a:rPr lang="en-CA" b="0" dirty="0">
-                <a:solidFill>
-                  <a:srgbClr val="ABB2BF"/>
-                </a:solidFill>
-                <a:effectLst/>
-                <a:latin typeface="Consolas" panose="020B0609020204030204" pitchFamily="49" charset="0"/>
-              </a:rPr>
-              <a:t> </a:t>
-            </a:r>
-            <a:r>
-              <a:rPr lang="en-CA" b="0" dirty="0">
-                <a:solidFill>
-                  <a:srgbClr val="C678DD"/>
-                </a:solidFill>
-                <a:effectLst/>
-                <a:latin typeface="Consolas" panose="020B0609020204030204" pitchFamily="49" charset="0"/>
-              </a:rPr>
-              <a:t>=&gt;</a:t>
-            </a:r>
-            <a:r>
-              <a:rPr lang="en-CA" b="0" dirty="0">
-                <a:solidFill>
-                  <a:srgbClr val="ABB2BF"/>
-                </a:solidFill>
-                <a:effectLst/>
-                <a:latin typeface="Consolas" panose="020B0609020204030204" pitchFamily="49" charset="0"/>
-              </a:rPr>
-              <a:t> </a:t>
-            </a:r>
-            <a:r>
-              <a:rPr lang="en-CA" b="0" dirty="0">
-                <a:solidFill>
-                  <a:srgbClr val="D19A66"/>
-                </a:solidFill>
-                <a:effectLst/>
-                <a:latin typeface="Consolas" panose="020B0609020204030204" pitchFamily="49" charset="0"/>
-              </a:rPr>
-              <a:t>2</a:t>
-            </a:r>
-            <a:r>
-              <a:rPr lang="en-CA" b="0" dirty="0">
-                <a:solidFill>
-                  <a:srgbClr val="ABB2BF"/>
-                </a:solidFill>
-                <a:effectLst/>
-                <a:latin typeface="Consolas" panose="020B0609020204030204" pitchFamily="49" charset="0"/>
-              </a:rPr>
-              <a:t>,</a:t>
-            </a:r>
-          </a:p>
-          <a:p>
-            <a:r>
-              <a:rPr lang="en-CA" b="0" dirty="0">
-                <a:solidFill>
-                  <a:srgbClr val="ABB2BF"/>
-                </a:solidFill>
-                <a:effectLst/>
-                <a:latin typeface="Consolas" panose="020B0609020204030204" pitchFamily="49" charset="0"/>
-              </a:rPr>
-              <a:t>    </a:t>
-            </a:r>
-            <a:r>
-              <a:rPr lang="en-CA" b="0" dirty="0">
-                <a:solidFill>
-                  <a:srgbClr val="98C379"/>
-                </a:solidFill>
-                <a:effectLst/>
-                <a:latin typeface="Consolas" panose="020B0609020204030204" pitchFamily="49" charset="0"/>
-              </a:rPr>
-              <a:t>"Med2"</a:t>
-            </a:r>
-            <a:r>
-              <a:rPr lang="en-CA" b="0" dirty="0">
-                <a:solidFill>
-                  <a:srgbClr val="ABB2BF"/>
-                </a:solidFill>
-                <a:effectLst/>
-                <a:latin typeface="Consolas" panose="020B0609020204030204" pitchFamily="49" charset="0"/>
-              </a:rPr>
-              <a:t> </a:t>
-            </a:r>
-            <a:r>
-              <a:rPr lang="en-CA" b="0" dirty="0">
-                <a:solidFill>
-                  <a:srgbClr val="C678DD"/>
-                </a:solidFill>
-                <a:effectLst/>
-                <a:latin typeface="Consolas" panose="020B0609020204030204" pitchFamily="49" charset="0"/>
-              </a:rPr>
-              <a:t>=&gt;</a:t>
-            </a:r>
-            <a:r>
-              <a:rPr lang="en-CA" b="0" dirty="0">
-                <a:solidFill>
-                  <a:srgbClr val="ABB2BF"/>
-                </a:solidFill>
-                <a:effectLst/>
-                <a:latin typeface="Consolas" panose="020B0609020204030204" pitchFamily="49" charset="0"/>
-              </a:rPr>
-              <a:t> </a:t>
-            </a:r>
-            <a:r>
-              <a:rPr lang="en-CA" b="0" dirty="0">
-                <a:solidFill>
-                  <a:srgbClr val="D19A66"/>
-                </a:solidFill>
-                <a:effectLst/>
-                <a:latin typeface="Consolas" panose="020B0609020204030204" pitchFamily="49" charset="0"/>
-              </a:rPr>
-              <a:t>3</a:t>
-            </a:r>
-            <a:r>
-              <a:rPr lang="en-CA" b="0" dirty="0">
-                <a:solidFill>
-                  <a:srgbClr val="ABB2BF"/>
-                </a:solidFill>
-                <a:effectLst/>
-                <a:latin typeface="Consolas" panose="020B0609020204030204" pitchFamily="49" charset="0"/>
-              </a:rPr>
-              <a:t>,</a:t>
-            </a:r>
-          </a:p>
-          <a:p>
-            <a:r>
-              <a:rPr lang="en-CA" b="0" dirty="0">
-                <a:solidFill>
-                  <a:srgbClr val="ABB2BF"/>
-                </a:solidFill>
-                <a:effectLst/>
-                <a:latin typeface="Consolas" panose="020B0609020204030204" pitchFamily="49" charset="0"/>
-              </a:rPr>
-              <a:t>    </a:t>
-            </a:r>
-            <a:r>
-              <a:rPr lang="en-CA" b="0" dirty="0">
-                <a:solidFill>
-                  <a:srgbClr val="98C379"/>
-                </a:solidFill>
-                <a:effectLst/>
-                <a:latin typeface="Consolas" panose="020B0609020204030204" pitchFamily="49" charset="0"/>
-              </a:rPr>
-              <a:t>"Max"</a:t>
-            </a:r>
-            <a:r>
-              <a:rPr lang="en-CA" b="0" dirty="0">
-                <a:solidFill>
-                  <a:srgbClr val="ABB2BF"/>
-                </a:solidFill>
-                <a:effectLst/>
-                <a:latin typeface="Consolas" panose="020B0609020204030204" pitchFamily="49" charset="0"/>
-              </a:rPr>
-              <a:t> </a:t>
-            </a:r>
-            <a:r>
-              <a:rPr lang="en-CA" b="0" dirty="0">
-                <a:solidFill>
-                  <a:srgbClr val="C678DD"/>
-                </a:solidFill>
-                <a:effectLst/>
-                <a:latin typeface="Consolas" panose="020B0609020204030204" pitchFamily="49" charset="0"/>
-              </a:rPr>
-              <a:t>=&gt;</a:t>
-            </a:r>
-            <a:r>
-              <a:rPr lang="en-CA" b="0" dirty="0">
-                <a:solidFill>
-                  <a:srgbClr val="ABB2BF"/>
-                </a:solidFill>
-                <a:effectLst/>
-                <a:latin typeface="Consolas" panose="020B0609020204030204" pitchFamily="49" charset="0"/>
-              </a:rPr>
-              <a:t> </a:t>
-            </a:r>
-            <a:r>
-              <a:rPr lang="en-CA" b="0" dirty="0">
-                <a:solidFill>
-                  <a:srgbClr val="D19A66"/>
-                </a:solidFill>
-                <a:effectLst/>
-                <a:latin typeface="Consolas" panose="020B0609020204030204" pitchFamily="49" charset="0"/>
-              </a:rPr>
-              <a:t>4</a:t>
-            </a:r>
-            <a:r>
-              <a:rPr lang="en-CA" b="0" dirty="0">
-                <a:solidFill>
-                  <a:srgbClr val="ABB2BF"/>
-                </a:solidFill>
-                <a:effectLst/>
-                <a:latin typeface="Consolas" panose="020B0609020204030204" pitchFamily="49" charset="0"/>
-              </a:rPr>
-              <a:t>)</a:t>
-            </a:r>
-          </a:p>
-          <a:p>
-            <a:br>
-              <a:rPr lang="en-CA" b="0" dirty="0">
-                <a:solidFill>
-                  <a:srgbClr val="ABB2BF"/>
-                </a:solidFill>
-                <a:effectLst/>
-                <a:latin typeface="Consolas" panose="020B0609020204030204" pitchFamily="49" charset="0"/>
-              </a:rPr>
-            </a:br>
-            <a:r>
-              <a:rPr lang="en-CA" b="0" dirty="0" err="1">
-                <a:solidFill>
-                  <a:srgbClr val="61AFEF"/>
-                </a:solidFill>
-                <a:effectLst/>
-                <a:latin typeface="Consolas" panose="020B0609020204030204" pitchFamily="49" charset="0"/>
-              </a:rPr>
-              <a:t>pol_cov_map</a:t>
-            </a:r>
-            <a:r>
-              <a:rPr lang="en-CA" b="0" dirty="0">
-                <a:solidFill>
-                  <a:srgbClr val="ABB2BF"/>
-                </a:solidFill>
-                <a:effectLst/>
-                <a:latin typeface="Consolas" panose="020B0609020204030204" pitchFamily="49" charset="0"/>
-              </a:rPr>
-              <a:t>(x) </a:t>
-            </a:r>
-            <a:r>
-              <a:rPr lang="en-CA" b="0" dirty="0">
-                <a:solidFill>
-                  <a:srgbClr val="C678DD"/>
-                </a:solidFill>
-                <a:effectLst/>
-                <a:latin typeface="Consolas" panose="020B0609020204030204" pitchFamily="49" charset="0"/>
-              </a:rPr>
-              <a:t>=</a:t>
-            </a:r>
-            <a:r>
-              <a:rPr lang="en-CA" b="0" dirty="0">
-                <a:solidFill>
-                  <a:srgbClr val="ABB2BF"/>
-                </a:solidFill>
-                <a:effectLst/>
-                <a:latin typeface="Consolas" panose="020B0609020204030204" pitchFamily="49" charset="0"/>
-              </a:rPr>
-              <a:t> </a:t>
-            </a:r>
-            <a:r>
-              <a:rPr lang="en-CA" b="0" dirty="0">
-                <a:solidFill>
-                  <a:srgbClr val="56B6C2"/>
-                </a:solidFill>
-                <a:effectLst/>
-                <a:latin typeface="Consolas" panose="020B0609020204030204" pitchFamily="49" charset="0"/>
-              </a:rPr>
-              <a:t>get</a:t>
-            </a:r>
-            <a:r>
-              <a:rPr lang="en-CA" b="0" dirty="0">
-                <a:solidFill>
-                  <a:srgbClr val="ABB2BF"/>
-                </a:solidFill>
-                <a:effectLst/>
-                <a:latin typeface="Consolas" panose="020B0609020204030204" pitchFamily="49" charset="0"/>
-              </a:rPr>
-              <a:t>(</a:t>
-            </a:r>
-            <a:r>
-              <a:rPr lang="en-CA" b="0" dirty="0" err="1">
-                <a:solidFill>
-                  <a:srgbClr val="ABB2BF"/>
-                </a:solidFill>
-                <a:effectLst/>
-                <a:latin typeface="Consolas" panose="020B0609020204030204" pitchFamily="49" charset="0"/>
-              </a:rPr>
-              <a:t>pol_cov_dict</a:t>
-            </a:r>
-            <a:r>
-              <a:rPr lang="en-CA" b="0" dirty="0">
-                <a:solidFill>
-                  <a:srgbClr val="ABB2BF"/>
-                </a:solidFill>
-                <a:effectLst/>
-                <a:latin typeface="Consolas" panose="020B0609020204030204" pitchFamily="49" charset="0"/>
-              </a:rPr>
-              <a:t>, x, </a:t>
-            </a:r>
-            <a:r>
-              <a:rPr lang="en-CA" b="0" dirty="0">
-                <a:solidFill>
-                  <a:srgbClr val="D19A66"/>
-                </a:solidFill>
-                <a:effectLst/>
-                <a:latin typeface="Consolas" panose="020B0609020204030204" pitchFamily="49" charset="0"/>
-              </a:rPr>
-              <a:t>4</a:t>
-            </a:r>
-            <a:r>
-              <a:rPr lang="en-CA" b="0" dirty="0">
-                <a:solidFill>
-                  <a:srgbClr val="ABB2BF"/>
-                </a:solidFill>
-                <a:effectLst/>
-                <a:latin typeface="Consolas" panose="020B0609020204030204" pitchFamily="49" charset="0"/>
-              </a:rPr>
-              <a:t>)</a:t>
-            </a:r>
-          </a:p>
-          <a:p>
-            <a:endParaRPr lang="en-CA" b="0" dirty="0">
+            <a:endParaRPr lang="en-US" b="0" dirty="0">
               <a:solidFill>
-                <a:srgbClr val="98C379"/>
+                <a:srgbClr val="56B6C2"/>
               </a:solidFill>
               <a:effectLst/>
               <a:latin typeface="Consolas" panose="020B0609020204030204" pitchFamily="49" charset="0"/>
@@ -13357,6 +14718,26 @@
           </a:p>
           <a:p>
             <a:r>
+              <a:rPr lang="en-US" b="0" dirty="0">
+                <a:solidFill>
+                  <a:srgbClr val="56B6C2"/>
+                </a:solidFill>
+                <a:effectLst/>
+                <a:latin typeface="Consolas" panose="020B0609020204030204" pitchFamily="49" charset="0"/>
+              </a:rPr>
+              <a:t>transform!</a:t>
+            </a:r>
+            <a:r>
+              <a:rPr lang="en-US" b="0" dirty="0">
+                <a:solidFill>
+                  <a:srgbClr val="ABB2BF"/>
+                </a:solidFill>
+                <a:effectLst/>
+                <a:latin typeface="Consolas" panose="020B0609020204030204" pitchFamily="49" charset="0"/>
+              </a:rPr>
+              <a:t>(df, </a:t>
+            </a:r>
+            <a:r>
               <a:rPr lang="en-CA" b="0" dirty="0">
                 <a:solidFill>
                   <a:srgbClr val="98C379"/>
@@ -13367,14 +14748,14 @@
               <a:t>"</a:t>
             </a:r>
             <a:r>
-              <a:rPr lang="en-CA" b="0" dirty="0" err="1">
+              <a:rPr lang="en-US" b="0" dirty="0" err="1">
                 <a:solidFill>
                   <a:srgbClr val="98C379"/>
                 </a:solidFill>
                 <a:effectLst/>
                 <a:latin typeface="Consolas" panose="020B0609020204030204" pitchFamily="49" charset="0"/>
               </a:rPr>
-              <a:t>pol_coverage</a:t>
+              <a:t>in_var</a:t>
             </a:r>
             <a:r>
               <a:rPr lang="en-CA" b="0" dirty="0">
@@ -13387,7 +14768,7 @@
               <a:t>"</a:t>
             </a:r>
             <a:r>
-              <a:rPr lang="en-CA" b="0" dirty="0">
+              <a:rPr lang="en-US" b="0" dirty="0">
                 <a:solidFill>
                   <a:srgbClr val="ABB2BF"/>
                 </a:solidFill>
@@ -13397,7 +14778,7 @@
               <a:t> </a:t>
             </a:r>
             <a:r>
-              <a:rPr lang="en-CA" b="0" dirty="0">
+              <a:rPr lang="en-US" b="0" dirty="0">
                 <a:solidFill>
                   <a:srgbClr val="C678DD"/>
                 </a:solidFill>
@@ -13407,7 +14788,7 @@
               <a:t>=&gt;</a:t>
             </a:r>
             <a:r>
-              <a:rPr lang="en-CA" b="0" dirty="0">
+              <a:rPr lang="en-US" b="0" dirty="0">
                 <a:solidFill>
                   <a:srgbClr val="ABB2BF"/>
                 </a:solidFill>
@@ -13417,47 +14798,27 @@
               <a:t> </a:t>
             </a:r>
             <a:r>
-              <a:rPr lang="en-CA" b="0" dirty="0" err="1">
+              <a:rPr lang="en-US" b="0" dirty="0">
                 <a:solidFill>
                   <a:srgbClr val="56B6C2"/>
                 </a:solidFill>
                 <a:effectLst/>
                 <a:latin typeface="Consolas" panose="020B0609020204030204" pitchFamily="49" charset="0"/>
               </a:rPr>
-              <a:t>ByRow</a:t>
-            </a:r>
-            <a:r>
-              <a:rPr lang="en-CA" b="0" dirty="0">
-                <a:solidFill>
-                  <a:srgbClr val="ABB2BF"/>
-                </a:solidFill>
-                <a:effectLst/>
-                <a:latin typeface="Consolas" panose="020B0609020204030204" pitchFamily="49" charset="0"/>
-              </a:rPr>
-              <a:t>(</a:t>
-            </a:r>
-            <a:r>
-              <a:rPr lang="en-CA" b="0" dirty="0" err="1">
-                <a:solidFill>
-                  <a:srgbClr val="ABB2BF"/>
-                </a:solidFill>
-                <a:effectLst/>
-                <a:latin typeface="Consolas" panose="020B0609020204030204" pitchFamily="49" charset="0"/>
-              </a:rPr>
-              <a:t>pol_cov_map</a:t>
-            </a:r>
-            <a:r>
-              <a:rPr lang="en-CA" b="0" dirty="0">
-                <a:solidFill>
-                  <a:srgbClr val="ABB2BF"/>
-                </a:solidFill>
-                <a:effectLst/>
-                <a:latin typeface="Consolas" panose="020B0609020204030204" pitchFamily="49" charset="0"/>
-              </a:rPr>
-              <a:t>) </a:t>
-            </a:r>
-            <a:r>
-              <a:rPr lang="en-CA" b="0" dirty="0">
+              <a:t>fun</a:t>
+            </a:r>
+            <a:r>
+              <a:rPr lang="en-US" b="0" dirty="0">
+                <a:solidFill>
+                  <a:srgbClr val="ABB2BF"/>
+                </a:solidFill>
+                <a:effectLst/>
+                <a:latin typeface="Consolas" panose="020B0609020204030204" pitchFamily="49" charset="0"/>
+              </a:rPr>
+              <a:t> </a:t>
+            </a:r>
+            <a:r>
+              <a:rPr lang="en-US" b="0" dirty="0">
                 <a:solidFill>
                   <a:srgbClr val="C678DD"/>
                 </a:solidFill>
@@ -13467,7 +14828,7 @@
               <a:t>=&gt;</a:t>
             </a:r>
             <a:r>
-              <a:rPr lang="en-CA" b="0" dirty="0">
+              <a:rPr lang="en-US" b="0" dirty="0">
                 <a:solidFill>
                   <a:srgbClr val="ABB2BF"/>
                 </a:solidFill>
@@ -13487,14 +14848,14 @@
               <a:t>"</a:t>
             </a:r>
             <a:r>
-              <a:rPr lang="en-CA" b="0" dirty="0" err="1">
+              <a:rPr lang="en-US" b="0" dirty="0" err="1">
                 <a:solidFill>
                   <a:srgbClr val="98C379"/>
                 </a:solidFill>
                 <a:effectLst/>
                 <a:latin typeface="Consolas" panose="020B0609020204030204" pitchFamily="49" charset="0"/>
               </a:rPr>
-              <a:t>pol_coverage</a:t>
+              <a:t>out_var</a:t>
             </a:r>
             <a:r>
               <a:rPr lang="en-CA" b="0" dirty="0">
@@ -13506,7 +14867,19 @@
               </a:rPr>
               <a:t>"</a:t>
             </a:r>
-            <a:endParaRPr lang="en-CA" b="0" dirty="0">
+            <a:r>
+              <a:rPr lang="en-US" b="0" dirty="0">
+                <a:solidFill>
+                  <a:srgbClr val="ABB2BF"/>
+                </a:solidFill>
+                <a:effectLst/>
+                <a:latin typeface="Consolas" panose="020B0609020204030204" pitchFamily="49" charset="0"/>
+              </a:rPr>
+              <a:t>)</a:t>
+            </a:r>
+          </a:p>
+          <a:p>
+            <a:endParaRPr lang="en-US" b="0" dirty="0">
               <a:solidFill>
                 <a:srgbClr val="ABB2BF"/>
               </a:solidFill>
@@ -13516,12 +14889,256 @@
           </a:p>
         </p:txBody>
       </p:sp>
+      <p:sp>
+        <p:nvSpPr>
+          <p:cNvPr id="6" name="TextBox 5">
+            <a:extLst>
+              <a:ext uri="{FF2B5EF4-FFF2-40B4-BE49-F238E27FC236}">
+                <a16:creationId xmlns:a16="http://schemas.microsoft.com/office/drawing/2014/main" id="{6C5ED862-E516-45BE-B33B-FE50FFD230E8}"/>
+              </a:ext>
+            </a:extLst>
+          </p:cNvPr>
+          <p:cNvSpPr txBox="1"/>
+          <p:nvPr/>
+        </p:nvSpPr>
+        <p:spPr>
+          <a:xfrm>
+            <a:off x="1586593" y="4243161"/>
+            <a:ext cx="9018814" cy="1477328"/>
+          </a:xfrm>
+          <a:prstGeom prst="rect">
+            <a:avLst/>
+          </a:prstGeom>
+          <a:solidFill>
+            <a:schemeClr val="bg1">
+              <a:lumMod val="95000"/>
+            </a:schemeClr>
+          </a:solidFill>
+        </p:spPr>
+        <p:txBody>
+          <a:bodyPr wrap="square">
+            <a:spAutoFit/>
+          </a:bodyPr>
+          <a:lstStyle/>
+          <a:p>
+            <a:endParaRPr lang="en-US" b="0" dirty="0">
+              <a:solidFill>
+                <a:srgbClr val="ABB2BF"/>
+              </a:solidFill>
+              <a:effectLst/>
+              <a:latin typeface="Consolas" panose="020B0609020204030204" pitchFamily="49" charset="0"/>
+            </a:endParaRPr>
+          </a:p>
+          <a:p>
+            <a:r>
+              <a:rPr lang="en-US" b="0" dirty="0">
+                <a:solidFill>
+                  <a:srgbClr val="61AFEF"/>
+                </a:solidFill>
+                <a:effectLst/>
+                <a:latin typeface="Consolas" panose="020B0609020204030204" pitchFamily="49" charset="0"/>
+              </a:rPr>
+              <a:t>density</a:t>
+            </a:r>
+            <a:r>
+              <a:rPr lang="en-US" b="0" dirty="0">
+                <a:solidFill>
+                  <a:srgbClr val="ABB2BF"/>
+                </a:solidFill>
+                <a:effectLst/>
+                <a:latin typeface="Consolas" panose="020B0609020204030204" pitchFamily="49" charset="0"/>
+              </a:rPr>
+              <a:t>(pop, area) </a:t>
+            </a:r>
+            <a:r>
+              <a:rPr lang="en-US" b="0" dirty="0">
+                <a:solidFill>
+                  <a:srgbClr val="C678DD"/>
+                </a:solidFill>
+                <a:effectLst/>
+                <a:latin typeface="Consolas" panose="020B0609020204030204" pitchFamily="49" charset="0"/>
+              </a:rPr>
+              <a:t>=</a:t>
+            </a:r>
+            <a:r>
+              <a:rPr lang="en-US" b="0" dirty="0">
+                <a:solidFill>
+                  <a:srgbClr val="ABB2BF"/>
+                </a:solidFill>
+                <a:effectLst/>
+                <a:latin typeface="Consolas" panose="020B0609020204030204" pitchFamily="49" charset="0"/>
+              </a:rPr>
+              <a:t> pop </a:t>
+            </a:r>
+            <a:r>
+              <a:rPr lang="en-US" b="0" dirty="0">
+                <a:solidFill>
+                  <a:srgbClr val="C678DD"/>
+                </a:solidFill>
+                <a:effectLst/>
+                <a:latin typeface="Consolas" panose="020B0609020204030204" pitchFamily="49" charset="0"/>
+              </a:rPr>
+              <a:t>./</a:t>
+            </a:r>
+            <a:r>
+              <a:rPr lang="en-US" b="0" dirty="0">
+                <a:solidFill>
+                  <a:srgbClr val="ABB2BF"/>
+                </a:solidFill>
+                <a:effectLst/>
+                <a:latin typeface="Consolas" panose="020B0609020204030204" pitchFamily="49" charset="0"/>
+              </a:rPr>
+              <a:t> area</a:t>
+            </a:r>
+          </a:p>
+          <a:p>
+            <a:endParaRPr lang="en-US" b="0" dirty="0">
+              <a:solidFill>
+                <a:srgbClr val="ABB2BF"/>
+              </a:solidFill>
+              <a:effectLst/>
+              <a:latin typeface="Consolas" panose="020B0609020204030204" pitchFamily="49" charset="0"/>
+            </a:endParaRPr>
+          </a:p>
+          <a:p>
+            <a:r>
+              <a:rPr lang="en-US" b="0" dirty="0">
+                <a:solidFill>
+                  <a:srgbClr val="ABB2BF"/>
+                </a:solidFill>
+                <a:effectLst/>
+                <a:latin typeface="Consolas" panose="020B0609020204030204" pitchFamily="49" charset="0"/>
+              </a:rPr>
+              <a:t>[</a:t>
+            </a:r>
+            <a:r>
+              <a:rPr lang="en-US" b="0" dirty="0">
+                <a:solidFill>
+                  <a:srgbClr val="98C379"/>
+                </a:solidFill>
+                <a:effectLst/>
+                <a:latin typeface="Consolas" panose="020B0609020204030204" pitchFamily="49" charset="0"/>
+              </a:rPr>
+              <a:t>"population"</a:t>
+            </a:r>
+            <a:r>
+              <a:rPr lang="en-US" b="0" dirty="0">
+                <a:solidFill>
+                  <a:srgbClr val="ABB2BF"/>
+                </a:solidFill>
+                <a:effectLst/>
+                <a:latin typeface="Consolas" panose="020B0609020204030204" pitchFamily="49" charset="0"/>
+              </a:rPr>
+              <a:t>, </a:t>
+            </a:r>
+            <a:r>
+              <a:rPr lang="en-US" b="0" dirty="0">
+                <a:solidFill>
+                  <a:srgbClr val="98C379"/>
+                </a:solidFill>
+                <a:effectLst/>
+                <a:latin typeface="Consolas" panose="020B0609020204030204" pitchFamily="49" charset="0"/>
+              </a:rPr>
+              <a:t>"</a:t>
+            </a:r>
+            <a:r>
+              <a:rPr lang="en-US" b="0" dirty="0" err="1">
+                <a:solidFill>
+                  <a:srgbClr val="98C379"/>
+                </a:solidFill>
+                <a:effectLst/>
+                <a:latin typeface="Consolas" panose="020B0609020204030204" pitchFamily="49" charset="0"/>
+              </a:rPr>
+              <a:t>town_surface_area</a:t>
+            </a:r>
+            <a:r>
+              <a:rPr lang="en-US" b="0" dirty="0">
+                <a:solidFill>
+                  <a:srgbClr val="98C379"/>
+                </a:solidFill>
+                <a:effectLst/>
+                <a:latin typeface="Consolas" panose="020B0609020204030204" pitchFamily="49" charset="0"/>
+              </a:rPr>
+              <a:t>"</a:t>
+            </a:r>
+            <a:r>
+              <a:rPr lang="en-US" b="0" dirty="0">
+                <a:solidFill>
+                  <a:srgbClr val="ABB2BF"/>
+                </a:solidFill>
+                <a:effectLst/>
+                <a:latin typeface="Consolas" panose="020B0609020204030204" pitchFamily="49" charset="0"/>
+              </a:rPr>
+              <a:t>] </a:t>
+            </a:r>
+            <a:r>
+              <a:rPr lang="en-US" b="0" dirty="0">
+                <a:solidFill>
+                  <a:srgbClr val="C678DD"/>
+                </a:solidFill>
+                <a:effectLst/>
+                <a:latin typeface="Consolas" panose="020B0609020204030204" pitchFamily="49" charset="0"/>
+              </a:rPr>
+              <a:t>=&gt;</a:t>
+            </a:r>
+            <a:r>
+              <a:rPr lang="en-US" b="0" dirty="0">
+                <a:solidFill>
+                  <a:srgbClr val="ABB2BF"/>
+                </a:solidFill>
+                <a:effectLst/>
+                <a:latin typeface="Consolas" panose="020B0609020204030204" pitchFamily="49" charset="0"/>
+              </a:rPr>
+              <a:t> density </a:t>
+            </a:r>
+            <a:r>
+              <a:rPr lang="en-US" b="0" dirty="0">
+                <a:solidFill>
+                  <a:srgbClr val="C678DD"/>
+                </a:solidFill>
+                <a:effectLst/>
+                <a:latin typeface="Consolas" panose="020B0609020204030204" pitchFamily="49" charset="0"/>
+              </a:rPr>
+              <a:t>=&gt;</a:t>
+            </a:r>
+            <a:r>
+              <a:rPr lang="en-US" b="0" dirty="0">
+                <a:solidFill>
+                  <a:srgbClr val="ABB2BF"/>
+                </a:solidFill>
+                <a:effectLst/>
+                <a:latin typeface="Consolas" panose="020B0609020204030204" pitchFamily="49" charset="0"/>
+              </a:rPr>
+              <a:t> </a:t>
+            </a:r>
+            <a:r>
+              <a:rPr lang="en-US" b="0" dirty="0">
+                <a:solidFill>
+                  <a:srgbClr val="98C379"/>
+                </a:solidFill>
+                <a:effectLst/>
+                <a:latin typeface="Consolas" panose="020B0609020204030204" pitchFamily="49" charset="0"/>
+              </a:rPr>
+              <a:t>"density"</a:t>
+            </a:r>
+          </a:p>
+          <a:p>
+            <a:endParaRPr lang="en-US" b="0" dirty="0">
+              <a:solidFill>
+                <a:srgbClr val="ABB2BF"/>
+              </a:solidFill>
+              <a:effectLst/>
+              <a:latin typeface="Consolas" panose="020B0609020204030204" pitchFamily="49" charset="0"/>
+            </a:endParaRPr>
+          </a:p>
+        </p:txBody>
+      </p:sp>
       <p:pic>
         <p:nvPicPr>
-          <p:cNvPr id="6" name="Picture 2">
+          <p:cNvPr id="7" name="Picture 2">
             <a:extLst>
               <a:ext uri="{FF2B5EF4-FFF2-40B4-BE49-F238E27FC236}">
-                <a16:creationId xmlns:a16="http://schemas.microsoft.com/office/drawing/2014/main" id="{4B3BD862-77ED-47DF-9767-7A8EEE264111}"/>
+                <a16:creationId xmlns:a16="http://schemas.microsoft.com/office/drawing/2014/main" id="{5ABD7129-1242-480D-8DA9-651EA1CBBB1E}"/>
               </a:ext>
             </a:extLst>
           </p:cNvPr>
@@ -13563,10 +15180,62 @@
           </a:extLst>
         </p:spPr>
       </p:pic>
+      <p:sp>
+        <p:nvSpPr>
+          <p:cNvPr id="2" name="Rectangle: Rounded Corners 1">
+            <a:extLst>
+              <a:ext uri="{FF2B5EF4-FFF2-40B4-BE49-F238E27FC236}">
+                <a16:creationId xmlns:a16="http://schemas.microsoft.com/office/drawing/2014/main" id="{9444EA1F-723F-461C-AFE6-D022CB747EAF}"/>
+              </a:ext>
+            </a:extLst>
+          </p:cNvPr>
+          <p:cNvSpPr/>
+          <p:nvPr/>
+        </p:nvSpPr>
+        <p:spPr>
+          <a:xfrm>
+            <a:off x="3547028" y="3344358"/>
+            <a:ext cx="3526972" cy="513184"/>
+          </a:xfrm>
+          <a:prstGeom prst="roundRect">
+            <a:avLst/>
+          </a:prstGeom>
+          <a:noFill/>
+          <a:ln w="19050">
+            <a:solidFill>
+              <a:srgbClr val="CB3C33"/>
+            </a:solidFill>
+          </a:ln>
+        </p:spPr>
+        <p:style>
+          <a:lnRef idx="2">
+            <a:schemeClr val="accent1">
+              <a:shade val="50000"/>
+            </a:schemeClr>
+          </a:lnRef>
+          <a:fillRef idx="1">
+            <a:schemeClr val="accent1"/>
+          </a:fillRef>
+          <a:effectRef idx="0">
+            <a:schemeClr val="accent1"/>
+          </a:effectRef>
+          <a:fontRef idx="minor">
+            <a:schemeClr val="lt1"/>
+          </a:fontRef>
+        </p:style>
+        <p:txBody>
+          <a:bodyPr rtlCol="0" anchor="ctr"/>
+          <a:lstStyle/>
+          <a:p>
+            <a:pPr algn="ctr"/>
+            <a:endParaRPr lang="en-CA"/>
+          </a:p>
+        </p:txBody>
+      </p:sp>
     </p:spTree>
     <p:extLst>
       <p:ext uri="{BB962C8B-B14F-4D97-AF65-F5344CB8AC3E}">
-        <p14:creationId xmlns:p14="http://schemas.microsoft.com/office/powerpoint/2010/main" val="2782781058"/>
+        <p14:creationId xmlns:p14="http://schemas.microsoft.com/office/powerpoint/2010/main" val="515679544"/>
       </p:ext>
     </p:extLst>
   </p:cSld>
@@ -13677,7 +15346,7 @@
         </p:blipFill>
         <p:spPr>
           <a:xfrm>
-            <a:off x="5347835" y="650229"/>
+            <a:off x="5347835" y="659042"/>
             <a:ext cx="1496329" cy="1496329"/>
           </a:xfrm>
           <a:prstGeom prst="rect">
@@ -13699,7 +15368,7 @@
         </p:nvSpPr>
         <p:spPr>
           <a:xfrm>
-            <a:off x="4911172" y="1920681"/>
+            <a:off x="4883021" y="1915023"/>
             <a:ext cx="3337249" cy="584775"/>
           </a:xfrm>
           <a:prstGeom prst="rect">
@@ -13743,8 +15412,8 @@
         </p:nvSpPr>
         <p:spPr>
           <a:xfrm>
-            <a:off x="1586592" y="3002917"/>
-            <a:ext cx="9018814" cy="2862322"/>
+            <a:off x="1586592" y="3138587"/>
+            <a:ext cx="9018814" cy="2585323"/>
           </a:xfrm>
           <a:prstGeom prst="rect">
             <a:avLst/>
@@ -13762,6 +15431,26 @@
           <a:lstStyle/>
           <a:p>
             <a:r>
+              <a:rPr lang="en-CA" b="0" dirty="0" err="1">
+                <a:solidFill>
+                  <a:srgbClr val="ABB2BF"/>
+                </a:solidFill>
+                <a:effectLst/>
+                <a:latin typeface="Consolas" panose="020B0609020204030204" pitchFamily="49" charset="0"/>
+              </a:rPr>
+              <a:t>pol_cov_dict</a:t>
+            </a:r>
+            <a:r>
+              <a:rPr lang="en-CA" b="0" dirty="0">
+                <a:solidFill>
+                  <a:srgbClr val="ABB2BF"/>
+                </a:solidFill>
+                <a:effectLst/>
+                <a:latin typeface="Consolas" panose="020B0609020204030204" pitchFamily="49" charset="0"/>
+              </a:rPr>
+              <a:t> </a:t>
+            </a:r>
+            <a:r>
               <a:rPr lang="en-CA" b="0" dirty="0">
                 <a:solidFill>
                   <a:srgbClr val="C678DD"/>
@@ -13769,37 +15458,79 @@
                 <a:effectLst/>
                 <a:latin typeface="Consolas" panose="020B0609020204030204" pitchFamily="49" charset="0"/>
               </a:rPr>
-              <a:t>struct</a:t>
-            </a:r>
-            <a:r>
-              <a:rPr lang="en-CA" b="0" dirty="0">
-                <a:solidFill>
-                  <a:srgbClr val="ABB2BF"/>
-                </a:solidFill>
-                <a:effectLst/>
-                <a:latin typeface="Consolas" panose="020B0609020204030204" pitchFamily="49" charset="0"/>
-              </a:rPr>
-              <a:t> Normalizer{</a:t>
-            </a:r>
-            <a:r>
-              <a:rPr lang="en-CA" b="0" dirty="0">
+              <a:t>=</a:t>
+            </a:r>
+            <a:r>
+              <a:rPr lang="en-CA" b="0" dirty="0">
+                <a:solidFill>
+                  <a:srgbClr val="ABB2BF"/>
+                </a:solidFill>
+                <a:effectLst/>
+                <a:latin typeface="Consolas" panose="020B0609020204030204" pitchFamily="49" charset="0"/>
+              </a:rPr>
+              <a:t> </a:t>
+            </a:r>
+            <a:r>
+              <a:rPr lang="en-CA" b="0" dirty="0" err="1">
                 <a:solidFill>
                   <a:srgbClr val="56B6C2"/>
                 </a:solidFill>
                 <a:effectLst/>
                 <a:latin typeface="Consolas" panose="020B0609020204030204" pitchFamily="49" charset="0"/>
               </a:rPr>
-              <a:t>T</a:t>
-            </a:r>
-            <a:r>
-              <a:rPr lang="en-CA" b="0" dirty="0">
-                <a:solidFill>
-                  <a:srgbClr val="ABB2BF"/>
-                </a:solidFill>
-                <a:effectLst/>
-                <a:latin typeface="Consolas" panose="020B0609020204030204" pitchFamily="49" charset="0"/>
-              </a:rPr>
-              <a:t>} </a:t>
+              <a:t>Dict</a:t>
+            </a:r>
+            <a:r>
+              <a:rPr lang="en-CA" b="0" dirty="0">
+                <a:solidFill>
+                  <a:srgbClr val="56B6C2"/>
+                </a:solidFill>
+                <a:effectLst/>
+                <a:latin typeface="Consolas" panose="020B0609020204030204" pitchFamily="49" charset="0"/>
+              </a:rPr>
+              <a:t>{String,Float64}</a:t>
+            </a:r>
+            <a:r>
+              <a:rPr lang="en-CA" b="0" dirty="0">
+                <a:solidFill>
+                  <a:srgbClr val="ABB2BF"/>
+                </a:solidFill>
+                <a:effectLst/>
+                <a:latin typeface="Consolas" panose="020B0609020204030204" pitchFamily="49" charset="0"/>
+              </a:rPr>
+              <a:t>(</a:t>
+            </a:r>
+          </a:p>
+          <a:p>
+            <a:r>
+              <a:rPr lang="en-CA" b="0" dirty="0">
+                <a:solidFill>
+                  <a:srgbClr val="ABB2BF"/>
+                </a:solidFill>
+                <a:effectLst/>
+                <a:latin typeface="Consolas" panose="020B0609020204030204" pitchFamily="49" charset="0"/>
+              </a:rPr>
+              <a:t>    </a:t>
+            </a:r>
+            <a:r>
+              <a:rPr lang="en-CA" b="0" dirty="0">
+                <a:solidFill>
+                  <a:srgbClr val="98C379"/>
+                </a:solidFill>
+                <a:effectLst/>
+                <a:latin typeface="Consolas" panose="020B0609020204030204" pitchFamily="49" charset="0"/>
+              </a:rPr>
+              <a:t>"Min"</a:t>
+            </a:r>
+            <a:r>
+              <a:rPr lang="en-CA" b="0" dirty="0">
+                <a:solidFill>
+                  <a:srgbClr val="ABB2BF"/>
+                </a:solidFill>
+                <a:effectLst/>
+                <a:latin typeface="Consolas" panose="020B0609020204030204" pitchFamily="49" charset="0"/>
+              </a:rPr>
+              <a:t> </a:t>
             </a:r>
             <a:r>
               <a:rPr lang="en-CA" b="0" dirty="0">
@@ -13809,7 +15540,7 @@
                 <a:effectLst/>
                 <a:latin typeface="Consolas" panose="020B0609020204030204" pitchFamily="49" charset="0"/>
               </a:rPr>
-              <a:t>&lt;:</a:t>
+              <a:t>=&gt;</a:t>
             </a:r>
             <a:r>
               <a:rPr lang="en-CA" b="0" dirty="0">
@@ -13824,12 +15555,510 @@
             <a:r>
               <a:rPr lang="en-CA" b="0" dirty="0">
                 <a:solidFill>
+                  <a:srgbClr val="D19A66"/>
+                </a:solidFill>
+                <a:effectLst/>
+                <a:latin typeface="Consolas" panose="020B0609020204030204" pitchFamily="49" charset="0"/>
+              </a:rPr>
+              <a:t>1</a:t>
+            </a:r>
+            <a:r>
+              <a:rPr lang="en-CA" b="0" dirty="0">
+                <a:solidFill>
+                  <a:srgbClr val="ABB2BF"/>
+                </a:solidFill>
+                <a:effectLst/>
+                <a:latin typeface="Consolas" panose="020B0609020204030204" pitchFamily="49" charset="0"/>
+              </a:rPr>
+              <a:t>,</a:t>
+            </a:r>
+          </a:p>
+          <a:p>
+            <a:r>
+              <a:rPr lang="en-CA" b="0" dirty="0">
+                <a:solidFill>
+                  <a:srgbClr val="ABB2BF"/>
+                </a:solidFill>
+                <a:effectLst/>
+                <a:latin typeface="Consolas" panose="020B0609020204030204" pitchFamily="49" charset="0"/>
+              </a:rPr>
+              <a:t>    </a:t>
+            </a:r>
+            <a:r>
+              <a:rPr lang="en-CA" b="0" dirty="0">
+                <a:solidFill>
+                  <a:srgbClr val="98C379"/>
+                </a:solidFill>
+                <a:effectLst/>
+                <a:latin typeface="Consolas" panose="020B0609020204030204" pitchFamily="49" charset="0"/>
+              </a:rPr>
+              <a:t>"Med1"</a:t>
+            </a:r>
+            <a:r>
+              <a:rPr lang="en-CA" b="0" dirty="0">
+                <a:solidFill>
+                  <a:srgbClr val="ABB2BF"/>
+                </a:solidFill>
+                <a:effectLst/>
+                <a:latin typeface="Consolas" panose="020B0609020204030204" pitchFamily="49" charset="0"/>
+              </a:rPr>
+              <a:t> </a:t>
+            </a:r>
+            <a:r>
+              <a:rPr lang="en-CA" b="0" dirty="0">
+                <a:solidFill>
+                  <a:srgbClr val="C678DD"/>
+                </a:solidFill>
+                <a:effectLst/>
+                <a:latin typeface="Consolas" panose="020B0609020204030204" pitchFamily="49" charset="0"/>
+              </a:rPr>
+              <a:t>=&gt;</a:t>
+            </a:r>
+            <a:r>
+              <a:rPr lang="en-CA" b="0" dirty="0">
+                <a:solidFill>
+                  <a:srgbClr val="ABB2BF"/>
+                </a:solidFill>
+                <a:effectLst/>
+                <a:latin typeface="Consolas" panose="020B0609020204030204" pitchFamily="49" charset="0"/>
+              </a:rPr>
+              <a:t> </a:t>
+            </a:r>
+            <a:r>
+              <a:rPr lang="en-CA" b="0" dirty="0">
+                <a:solidFill>
+                  <a:srgbClr val="D19A66"/>
+                </a:solidFill>
+                <a:effectLst/>
+                <a:latin typeface="Consolas" panose="020B0609020204030204" pitchFamily="49" charset="0"/>
+              </a:rPr>
+              <a:t>2</a:t>
+            </a:r>
+            <a:r>
+              <a:rPr lang="en-CA" b="0" dirty="0">
+                <a:solidFill>
+                  <a:srgbClr val="ABB2BF"/>
+                </a:solidFill>
+                <a:effectLst/>
+                <a:latin typeface="Consolas" panose="020B0609020204030204" pitchFamily="49" charset="0"/>
+              </a:rPr>
+              <a:t>,</a:t>
+            </a:r>
+          </a:p>
+          <a:p>
+            <a:r>
+              <a:rPr lang="en-CA" b="0" dirty="0">
+                <a:solidFill>
+                  <a:srgbClr val="ABB2BF"/>
+                </a:solidFill>
+                <a:effectLst/>
+                <a:latin typeface="Consolas" panose="020B0609020204030204" pitchFamily="49" charset="0"/>
+              </a:rPr>
+              <a:t>    </a:t>
+            </a:r>
+            <a:r>
+              <a:rPr lang="en-CA" b="0" dirty="0">
+                <a:solidFill>
+                  <a:srgbClr val="98C379"/>
+                </a:solidFill>
+                <a:effectLst/>
+                <a:latin typeface="Consolas" panose="020B0609020204030204" pitchFamily="49" charset="0"/>
+              </a:rPr>
+              <a:t>"Med2"</a:t>
+            </a:r>
+            <a:r>
+              <a:rPr lang="en-CA" b="0" dirty="0">
+                <a:solidFill>
+                  <a:srgbClr val="ABB2BF"/>
+                </a:solidFill>
+                <a:effectLst/>
+                <a:latin typeface="Consolas" panose="020B0609020204030204" pitchFamily="49" charset="0"/>
+              </a:rPr>
+              <a:t> </a:t>
+            </a:r>
+            <a:r>
+              <a:rPr lang="en-CA" b="0" dirty="0">
+                <a:solidFill>
+                  <a:srgbClr val="C678DD"/>
+                </a:solidFill>
+                <a:effectLst/>
+                <a:latin typeface="Consolas" panose="020B0609020204030204" pitchFamily="49" charset="0"/>
+              </a:rPr>
+              <a:t>=&gt;</a:t>
+            </a:r>
+            <a:r>
+              <a:rPr lang="en-CA" b="0" dirty="0">
+                <a:solidFill>
+                  <a:srgbClr val="ABB2BF"/>
+                </a:solidFill>
+                <a:effectLst/>
+                <a:latin typeface="Consolas" panose="020B0609020204030204" pitchFamily="49" charset="0"/>
+              </a:rPr>
+              <a:t> </a:t>
+            </a:r>
+            <a:r>
+              <a:rPr lang="en-CA" b="0" dirty="0">
+                <a:solidFill>
+                  <a:srgbClr val="D19A66"/>
+                </a:solidFill>
+                <a:effectLst/>
+                <a:latin typeface="Consolas" panose="020B0609020204030204" pitchFamily="49" charset="0"/>
+              </a:rPr>
+              <a:t>3</a:t>
+            </a:r>
+            <a:r>
+              <a:rPr lang="en-CA" b="0" dirty="0">
+                <a:solidFill>
+                  <a:srgbClr val="ABB2BF"/>
+                </a:solidFill>
+                <a:effectLst/>
+                <a:latin typeface="Consolas" panose="020B0609020204030204" pitchFamily="49" charset="0"/>
+              </a:rPr>
+              <a:t>,</a:t>
+            </a:r>
+          </a:p>
+          <a:p>
+            <a:r>
+              <a:rPr lang="en-CA" b="0" dirty="0">
+                <a:solidFill>
+                  <a:srgbClr val="ABB2BF"/>
+                </a:solidFill>
+                <a:effectLst/>
+                <a:latin typeface="Consolas" panose="020B0609020204030204" pitchFamily="49" charset="0"/>
+              </a:rPr>
+              <a:t>    </a:t>
+            </a:r>
+            <a:r>
+              <a:rPr lang="en-CA" b="0" dirty="0">
+                <a:solidFill>
+                  <a:srgbClr val="98C379"/>
+                </a:solidFill>
+                <a:effectLst/>
+                <a:latin typeface="Consolas" panose="020B0609020204030204" pitchFamily="49" charset="0"/>
+              </a:rPr>
+              <a:t>"Max"</a:t>
+            </a:r>
+            <a:r>
+              <a:rPr lang="en-CA" b="0" dirty="0">
+                <a:solidFill>
+                  <a:srgbClr val="ABB2BF"/>
+                </a:solidFill>
+                <a:effectLst/>
+                <a:latin typeface="Consolas" panose="020B0609020204030204" pitchFamily="49" charset="0"/>
+              </a:rPr>
+              <a:t> </a:t>
+            </a:r>
+            <a:r>
+              <a:rPr lang="en-CA" b="0" dirty="0">
+                <a:solidFill>
+                  <a:srgbClr val="C678DD"/>
+                </a:solidFill>
+                <a:effectLst/>
+                <a:latin typeface="Consolas" panose="020B0609020204030204" pitchFamily="49" charset="0"/>
+              </a:rPr>
+              <a:t>=&gt;</a:t>
+            </a:r>
+            <a:r>
+              <a:rPr lang="en-CA" b="0" dirty="0">
+                <a:solidFill>
+                  <a:srgbClr val="ABB2BF"/>
+                </a:solidFill>
+                <a:effectLst/>
+                <a:latin typeface="Consolas" panose="020B0609020204030204" pitchFamily="49" charset="0"/>
+              </a:rPr>
+              <a:t> </a:t>
+            </a:r>
+            <a:r>
+              <a:rPr lang="en-CA" b="0" dirty="0">
+                <a:solidFill>
+                  <a:srgbClr val="D19A66"/>
+                </a:solidFill>
+                <a:effectLst/>
+                <a:latin typeface="Consolas" panose="020B0609020204030204" pitchFamily="49" charset="0"/>
+              </a:rPr>
+              <a:t>4</a:t>
+            </a:r>
+            <a:r>
+              <a:rPr lang="en-CA" b="0" dirty="0">
+                <a:solidFill>
+                  <a:srgbClr val="ABB2BF"/>
+                </a:solidFill>
+                <a:effectLst/>
+                <a:latin typeface="Consolas" panose="020B0609020204030204" pitchFamily="49" charset="0"/>
+              </a:rPr>
+              <a:t>)</a:t>
+            </a:r>
+          </a:p>
+          <a:p>
+            <a:br>
+              <a:rPr lang="en-CA" b="0" dirty="0">
+                <a:solidFill>
+                  <a:srgbClr val="ABB2BF"/>
+                </a:solidFill>
+                <a:effectLst/>
+                <a:latin typeface="Consolas" panose="020B0609020204030204" pitchFamily="49" charset="0"/>
+              </a:rPr>
+            </a:br>
+            <a:r>
+              <a:rPr lang="en-CA" b="0" dirty="0" err="1">
+                <a:solidFill>
+                  <a:srgbClr val="61AFEF"/>
+                </a:solidFill>
+                <a:effectLst/>
+                <a:latin typeface="Consolas" panose="020B0609020204030204" pitchFamily="49" charset="0"/>
+              </a:rPr>
+              <a:t>pol_cov_map</a:t>
+            </a:r>
+            <a:r>
+              <a:rPr lang="en-CA" b="0" dirty="0">
+                <a:solidFill>
+                  <a:srgbClr val="ABB2BF"/>
+                </a:solidFill>
+                <a:effectLst/>
+                <a:latin typeface="Consolas" panose="020B0609020204030204" pitchFamily="49" charset="0"/>
+              </a:rPr>
+              <a:t>(x) </a:t>
+            </a:r>
+            <a:r>
+              <a:rPr lang="en-CA" b="0" dirty="0">
+                <a:solidFill>
+                  <a:srgbClr val="C678DD"/>
+                </a:solidFill>
+                <a:effectLst/>
+                <a:latin typeface="Consolas" panose="020B0609020204030204" pitchFamily="49" charset="0"/>
+              </a:rPr>
+              <a:t>=</a:t>
+            </a:r>
+            <a:r>
+              <a:rPr lang="en-CA" b="0" dirty="0">
+                <a:solidFill>
+                  <a:srgbClr val="ABB2BF"/>
+                </a:solidFill>
+                <a:effectLst/>
+                <a:latin typeface="Consolas" panose="020B0609020204030204" pitchFamily="49" charset="0"/>
+              </a:rPr>
+              <a:t> </a:t>
+            </a:r>
+            <a:r>
+              <a:rPr lang="en-CA" b="0" dirty="0">
+                <a:solidFill>
                   <a:srgbClr val="56B6C2"/>
                 </a:solidFill>
                 <a:effectLst/>
                 <a:latin typeface="Consolas" panose="020B0609020204030204" pitchFamily="49" charset="0"/>
               </a:rPr>
-              <a:t>Function</a:t>
+              <a:t>get</a:t>
+            </a:r>
+            <a:r>
+              <a:rPr lang="en-CA" b="0" dirty="0">
+                <a:solidFill>
+                  <a:srgbClr val="ABB2BF"/>
+                </a:solidFill>
+                <a:effectLst/>
+                <a:latin typeface="Consolas" panose="020B0609020204030204" pitchFamily="49" charset="0"/>
+              </a:rPr>
+              <a:t>(</a:t>
+            </a:r>
+            <a:r>
+              <a:rPr lang="en-CA" b="0" dirty="0" err="1">
+                <a:solidFill>
+                  <a:srgbClr val="ABB2BF"/>
+                </a:solidFill>
+                <a:effectLst/>
+                <a:latin typeface="Consolas" panose="020B0609020204030204" pitchFamily="49" charset="0"/>
+              </a:rPr>
+              <a:t>pol_cov_dict</a:t>
+            </a:r>
+            <a:r>
+              <a:rPr lang="en-CA" b="0" dirty="0">
+                <a:solidFill>
+                  <a:srgbClr val="ABB2BF"/>
+                </a:solidFill>
+                <a:effectLst/>
+                <a:latin typeface="Consolas" panose="020B0609020204030204" pitchFamily="49" charset="0"/>
+              </a:rPr>
+              <a:t>, x, </a:t>
+            </a:r>
+            <a:r>
+              <a:rPr lang="en-CA" b="0" dirty="0">
+                <a:solidFill>
+                  <a:srgbClr val="D19A66"/>
+                </a:solidFill>
+                <a:effectLst/>
+                <a:latin typeface="Consolas" panose="020B0609020204030204" pitchFamily="49" charset="0"/>
+              </a:rPr>
+              <a:t>4</a:t>
+            </a:r>
+            <a:r>
+              <a:rPr lang="en-CA" b="0" dirty="0">
+                <a:solidFill>
+                  <a:srgbClr val="ABB2BF"/>
+                </a:solidFill>
+                <a:effectLst/>
+                <a:latin typeface="Consolas" panose="020B0609020204030204" pitchFamily="49" charset="0"/>
+              </a:rPr>
+              <a:t>)</a:t>
+            </a:r>
+          </a:p>
+          <a:p>
+            <a:endParaRPr lang="en-CA" b="0" dirty="0">
+              <a:solidFill>
+                <a:srgbClr val="98C379"/>
+              </a:solidFill>
+              <a:effectLst/>
+              <a:latin typeface="Consolas" panose="020B0609020204030204" pitchFamily="49" charset="0"/>
+            </a:endParaRPr>
+          </a:p>
+          <a:p>
+            <a:r>
+              <a:rPr lang="en-CA" b="0" dirty="0">
+                <a:solidFill>
+                  <a:srgbClr val="98C379"/>
+                </a:solidFill>
+                <a:effectLst/>
+                <a:latin typeface="Consolas" panose="020B0609020204030204" pitchFamily="49" charset="0"/>
+              </a:rPr>
+              <a:t>"</a:t>
+            </a:r>
+            <a:r>
+              <a:rPr lang="en-CA" b="0" dirty="0" err="1">
+                <a:solidFill>
+                  <a:srgbClr val="98C379"/>
+                </a:solidFill>
+                <a:effectLst/>
+                <a:latin typeface="Consolas" panose="020B0609020204030204" pitchFamily="49" charset="0"/>
+              </a:rPr>
+              <a:t>pol_coverage</a:t>
+            </a:r>
+            <a:r>
+              <a:rPr lang="en-CA" b="0" dirty="0">
+                <a:solidFill>
+                  <a:srgbClr val="98C379"/>
+                </a:solidFill>
+                <a:effectLst/>
+                <a:latin typeface="Consolas" panose="020B0609020204030204" pitchFamily="49" charset="0"/>
+              </a:rPr>
+              <a:t>"</a:t>
+            </a:r>
+            <a:r>
+              <a:rPr lang="en-CA" b="0" dirty="0">
+                <a:solidFill>
+                  <a:srgbClr val="ABB2BF"/>
+                </a:solidFill>
+                <a:effectLst/>
+                <a:latin typeface="Consolas" panose="020B0609020204030204" pitchFamily="49" charset="0"/>
+              </a:rPr>
+              <a:t> </a:t>
+            </a:r>
+            <a:r>
+              <a:rPr lang="en-CA" b="0" dirty="0">
+                <a:solidFill>
+                  <a:srgbClr val="C678DD"/>
+                </a:solidFill>
+                <a:effectLst/>
+                <a:latin typeface="Consolas" panose="020B0609020204030204" pitchFamily="49" charset="0"/>
+              </a:rPr>
+              <a:t>=&gt;</a:t>
+            </a:r>
+            <a:r>
+              <a:rPr lang="en-CA" b="0" dirty="0">
+                <a:solidFill>
+                  <a:srgbClr val="ABB2BF"/>
+                </a:solidFill>
+                <a:effectLst/>
+                <a:latin typeface="Consolas" panose="020B0609020204030204" pitchFamily="49" charset="0"/>
+              </a:rPr>
+              <a:t> </a:t>
+            </a:r>
+            <a:r>
+              <a:rPr lang="en-CA" b="0" dirty="0" err="1">
+                <a:solidFill>
+                  <a:srgbClr val="56B6C2"/>
+                </a:solidFill>
+                <a:effectLst/>
+                <a:latin typeface="Consolas" panose="020B0609020204030204" pitchFamily="49" charset="0"/>
+              </a:rPr>
+              <a:t>ByRow</a:t>
+            </a:r>
+            <a:r>
+              <a:rPr lang="en-CA" b="0" dirty="0">
+                <a:solidFill>
+                  <a:srgbClr val="ABB2BF"/>
+                </a:solidFill>
+                <a:effectLst/>
+                <a:latin typeface="Consolas" panose="020B0609020204030204" pitchFamily="49" charset="0"/>
+              </a:rPr>
+              <a:t>(</a:t>
+            </a:r>
+            <a:r>
+              <a:rPr lang="en-CA" b="0" dirty="0" err="1">
+                <a:solidFill>
+                  <a:srgbClr val="ABB2BF"/>
+                </a:solidFill>
+                <a:effectLst/>
+                <a:latin typeface="Consolas" panose="020B0609020204030204" pitchFamily="49" charset="0"/>
+              </a:rPr>
+              <a:t>pol_cov_map</a:t>
+            </a:r>
+            <a:r>
+              <a:rPr lang="en-CA" b="0" dirty="0">
+                <a:solidFill>
+                  <a:srgbClr val="ABB2BF"/>
+                </a:solidFill>
+                <a:effectLst/>
+                <a:latin typeface="Consolas" panose="020B0609020204030204" pitchFamily="49" charset="0"/>
+              </a:rPr>
+              <a:t>) </a:t>
+            </a:r>
+            <a:r>
+              <a:rPr lang="en-CA" b="0" dirty="0">
+                <a:solidFill>
+                  <a:srgbClr val="C678DD"/>
+                </a:solidFill>
+                <a:effectLst/>
+                <a:latin typeface="Consolas" panose="020B0609020204030204" pitchFamily="49" charset="0"/>
+              </a:rPr>
+              <a:t>=&gt;</a:t>
+            </a:r>
+            <a:r>
+              <a:rPr lang="en-CA" b="0" dirty="0">
+                <a:solidFill>
+                  <a:srgbClr val="ABB2BF"/>
+                </a:solidFill>
+                <a:effectLst/>
+                <a:latin typeface="Consolas" panose="020B0609020204030204" pitchFamily="49" charset="0"/>
+              </a:rPr>
+              <a:t> </a:t>
+            </a:r>
+            <a:r>
+              <a:rPr lang="en-CA" b="0" dirty="0">
+                <a:solidFill>
+                  <a:srgbClr val="98C379"/>
+                </a:solidFill>
+                <a:effectLst/>
+                <a:latin typeface="Consolas" panose="020B0609020204030204" pitchFamily="49" charset="0"/>
+              </a:rPr>
+              <a:t>"</a:t>
+            </a:r>
+            <a:r>
+              <a:rPr lang="en-CA" b="0" dirty="0" err="1">
+                <a:solidFill>
+                  <a:srgbClr val="98C379"/>
+                </a:solidFill>
+                <a:effectLst/>
+                <a:latin typeface="Consolas" panose="020B0609020204030204" pitchFamily="49" charset="0"/>
+              </a:rPr>
+              <a:t>pol_coverage</a:t>
+            </a:r>
+            <a:r>
+              <a:rPr lang="en-CA" b="0" dirty="0">
+                <a:solidFill>
+                  <a:srgbClr val="98C379"/>
+                </a:solidFill>
+                <a:effectLst/>
+                <a:latin typeface="Consolas" panose="020B0609020204030204" pitchFamily="49" charset="0"/>
+              </a:rPr>
+              <a:t>"</a:t>
             </a:r>
             <a:endParaRPr lang="en-CA" b="0" dirty="0">
               <a:solidFill>
@@ -13839,466 +16068,6 @@
               <a:latin typeface="Consolas" panose="020B0609020204030204" pitchFamily="49" charset="0"/>
             </a:endParaRPr>
           </a:p>
-          <a:p>
-            <a:r>
-              <a:rPr lang="en-CA" b="0" dirty="0">
-                <a:solidFill>
-                  <a:srgbClr val="ABB2BF"/>
-                </a:solidFill>
-                <a:effectLst/>
-                <a:latin typeface="Consolas" panose="020B0609020204030204" pitchFamily="49" charset="0"/>
-              </a:rPr>
-              <a:t>    </a:t>
-            </a:r>
-            <a:r>
-              <a:rPr lang="el-GR" b="0" dirty="0">
-                <a:solidFill>
-                  <a:srgbClr val="ABB2BF"/>
-                </a:solidFill>
-                <a:effectLst/>
-                <a:latin typeface="Consolas" panose="020B0609020204030204" pitchFamily="49" charset="0"/>
-              </a:rPr>
-              <a:t>μ</a:t>
-            </a:r>
-            <a:r>
-              <a:rPr lang="el-GR" b="0" dirty="0">
-                <a:solidFill>
-                  <a:srgbClr val="C678DD"/>
-                </a:solidFill>
-                <a:effectLst/>
-                <a:latin typeface="Consolas" panose="020B0609020204030204" pitchFamily="49" charset="0"/>
-              </a:rPr>
-              <a:t>::</a:t>
-            </a:r>
-            <a:r>
-              <a:rPr lang="en-CA" b="0" dirty="0">
-                <a:solidFill>
-                  <a:srgbClr val="56B6C2"/>
-                </a:solidFill>
-                <a:effectLst/>
-                <a:latin typeface="Consolas" panose="020B0609020204030204" pitchFamily="49" charset="0"/>
-              </a:rPr>
-              <a:t>T</a:t>
-            </a:r>
-            <a:endParaRPr lang="en-CA" b="0" dirty="0">
-              <a:solidFill>
-                <a:srgbClr val="ABB2BF"/>
-              </a:solidFill>
-              <a:effectLst/>
-              <a:latin typeface="Consolas" panose="020B0609020204030204" pitchFamily="49" charset="0"/>
-            </a:endParaRPr>
-          </a:p>
-          <a:p>
-            <a:r>
-              <a:rPr lang="en-CA" b="0" dirty="0">
-                <a:solidFill>
-                  <a:srgbClr val="ABB2BF"/>
-                </a:solidFill>
-                <a:effectLst/>
-                <a:latin typeface="Consolas" panose="020B0609020204030204" pitchFamily="49" charset="0"/>
-              </a:rPr>
-              <a:t>    </a:t>
-            </a:r>
-            <a:r>
-              <a:rPr lang="el-GR" b="0" dirty="0">
-                <a:solidFill>
-                  <a:srgbClr val="ABB2BF"/>
-                </a:solidFill>
-                <a:effectLst/>
-                <a:latin typeface="Consolas" panose="020B0609020204030204" pitchFamily="49" charset="0"/>
-              </a:rPr>
-              <a:t>σ</a:t>
-            </a:r>
-            <a:r>
-              <a:rPr lang="el-GR" b="0" dirty="0">
-                <a:solidFill>
-                  <a:srgbClr val="C678DD"/>
-                </a:solidFill>
-                <a:effectLst/>
-                <a:latin typeface="Consolas" panose="020B0609020204030204" pitchFamily="49" charset="0"/>
-              </a:rPr>
-              <a:t>::</a:t>
-            </a:r>
-            <a:r>
-              <a:rPr lang="en-CA" b="0" dirty="0">
-                <a:solidFill>
-                  <a:srgbClr val="56B6C2"/>
-                </a:solidFill>
-                <a:effectLst/>
-                <a:latin typeface="Consolas" panose="020B0609020204030204" pitchFamily="49" charset="0"/>
-              </a:rPr>
-              <a:t>T</a:t>
-            </a:r>
-            <a:endParaRPr lang="en-CA" b="0" dirty="0">
-              <a:solidFill>
-                <a:srgbClr val="ABB2BF"/>
-              </a:solidFill>
-              <a:effectLst/>
-              <a:latin typeface="Consolas" panose="020B0609020204030204" pitchFamily="49" charset="0"/>
-            </a:endParaRPr>
-          </a:p>
-          <a:p>
-            <a:r>
-              <a:rPr lang="en-CA" b="0" dirty="0">
-                <a:solidFill>
-                  <a:srgbClr val="C678DD"/>
-                </a:solidFill>
-                <a:effectLst/>
-                <a:latin typeface="Consolas" panose="020B0609020204030204" pitchFamily="49" charset="0"/>
-              </a:rPr>
-              <a:t>end</a:t>
-            </a:r>
-            <a:endParaRPr lang="en-CA" b="0" dirty="0">
-              <a:solidFill>
-                <a:srgbClr val="ABB2BF"/>
-              </a:solidFill>
-              <a:effectLst/>
-              <a:latin typeface="Consolas" panose="020B0609020204030204" pitchFamily="49" charset="0"/>
-            </a:endParaRPr>
-          </a:p>
-          <a:p>
-            <a:br>
-              <a:rPr lang="en-CA" b="0" dirty="0">
-                <a:solidFill>
-                  <a:srgbClr val="ABB2BF"/>
-                </a:solidFill>
-                <a:effectLst/>
-                <a:latin typeface="Consolas" panose="020B0609020204030204" pitchFamily="49" charset="0"/>
-              </a:rPr>
-            </a:br>
-            <a:r>
-              <a:rPr lang="en-CA" b="0" dirty="0">
-                <a:solidFill>
-                  <a:srgbClr val="61AFEF"/>
-                </a:solidFill>
-                <a:effectLst/>
-                <a:latin typeface="Consolas" panose="020B0609020204030204" pitchFamily="49" charset="0"/>
-              </a:rPr>
-              <a:t>Normalizer</a:t>
-            </a:r>
-            <a:r>
-              <a:rPr lang="en-CA" b="0" dirty="0">
-                <a:solidFill>
-                  <a:srgbClr val="ABB2BF"/>
-                </a:solidFill>
-                <a:effectLst/>
-                <a:latin typeface="Consolas" panose="020B0609020204030204" pitchFamily="49" charset="0"/>
-              </a:rPr>
-              <a:t>(x</a:t>
-            </a:r>
-            <a:r>
-              <a:rPr lang="en-CA" b="0" dirty="0">
-                <a:solidFill>
-                  <a:srgbClr val="C678DD"/>
-                </a:solidFill>
-                <a:effectLst/>
-                <a:latin typeface="Consolas" panose="020B0609020204030204" pitchFamily="49" charset="0"/>
-              </a:rPr>
-              <a:t>::</a:t>
-            </a:r>
-            <a:r>
-              <a:rPr lang="en-CA" b="0" dirty="0" err="1">
-                <a:solidFill>
-                  <a:srgbClr val="56B6C2"/>
-                </a:solidFill>
-                <a:effectLst/>
-                <a:latin typeface="Consolas" panose="020B0609020204030204" pitchFamily="49" charset="0"/>
-              </a:rPr>
-              <a:t>AbstractVector</a:t>
-            </a:r>
-            <a:r>
-              <a:rPr lang="en-CA" b="0" dirty="0">
-                <a:solidFill>
-                  <a:srgbClr val="ABB2BF"/>
-                </a:solidFill>
-                <a:effectLst/>
-                <a:latin typeface="Consolas" panose="020B0609020204030204" pitchFamily="49" charset="0"/>
-              </a:rPr>
-              <a:t>) </a:t>
-            </a:r>
-            <a:r>
-              <a:rPr lang="en-CA" b="0" dirty="0">
-                <a:solidFill>
-                  <a:srgbClr val="C678DD"/>
-                </a:solidFill>
-                <a:effectLst/>
-                <a:latin typeface="Consolas" panose="020B0609020204030204" pitchFamily="49" charset="0"/>
-              </a:rPr>
-              <a:t>=</a:t>
-            </a:r>
-            <a:r>
-              <a:rPr lang="en-CA" b="0" dirty="0">
-                <a:solidFill>
-                  <a:srgbClr val="ABB2BF"/>
-                </a:solidFill>
-                <a:effectLst/>
-                <a:latin typeface="Consolas" panose="020B0609020204030204" pitchFamily="49" charset="0"/>
-              </a:rPr>
-              <a:t> </a:t>
-            </a:r>
-            <a:r>
-              <a:rPr lang="en-CA" b="0" dirty="0">
-                <a:solidFill>
-                  <a:srgbClr val="56B6C2"/>
-                </a:solidFill>
-                <a:effectLst/>
-                <a:latin typeface="Consolas" panose="020B0609020204030204" pitchFamily="49" charset="0"/>
-              </a:rPr>
-              <a:t>Normalizer</a:t>
-            </a:r>
-            <a:r>
-              <a:rPr lang="en-CA" b="0" dirty="0">
-                <a:solidFill>
-                  <a:srgbClr val="ABB2BF"/>
-                </a:solidFill>
-                <a:effectLst/>
-                <a:latin typeface="Consolas" panose="020B0609020204030204" pitchFamily="49" charset="0"/>
-              </a:rPr>
-              <a:t>(</a:t>
-            </a:r>
-            <a:r>
-              <a:rPr lang="en-CA" b="0" dirty="0">
-                <a:solidFill>
-                  <a:srgbClr val="56B6C2"/>
-                </a:solidFill>
-                <a:effectLst/>
-                <a:latin typeface="Consolas" panose="020B0609020204030204" pitchFamily="49" charset="0"/>
-              </a:rPr>
-              <a:t>mean</a:t>
-            </a:r>
-            <a:r>
-              <a:rPr lang="en-CA" b="0" dirty="0">
-                <a:solidFill>
-                  <a:srgbClr val="ABB2BF"/>
-                </a:solidFill>
-                <a:effectLst/>
-                <a:latin typeface="Consolas" panose="020B0609020204030204" pitchFamily="49" charset="0"/>
-              </a:rPr>
-              <a:t>(x), </a:t>
-            </a:r>
-            <a:r>
-              <a:rPr lang="en-CA" b="0" dirty="0">
-                <a:solidFill>
-                  <a:srgbClr val="56B6C2"/>
-                </a:solidFill>
-                <a:effectLst/>
-                <a:latin typeface="Consolas" panose="020B0609020204030204" pitchFamily="49" charset="0"/>
-              </a:rPr>
-              <a:t>std</a:t>
-            </a:r>
-            <a:r>
-              <a:rPr lang="en-CA" b="0" dirty="0">
-                <a:solidFill>
-                  <a:srgbClr val="ABB2BF"/>
-                </a:solidFill>
-                <a:effectLst/>
-                <a:latin typeface="Consolas" panose="020B0609020204030204" pitchFamily="49" charset="0"/>
-              </a:rPr>
-              <a:t>(x))</a:t>
-            </a:r>
-          </a:p>
-          <a:p>
-            <a:br>
-              <a:rPr lang="en-CA" b="0" dirty="0">
-                <a:solidFill>
-                  <a:srgbClr val="ABB2BF"/>
-                </a:solidFill>
-                <a:effectLst/>
-                <a:latin typeface="Consolas" panose="020B0609020204030204" pitchFamily="49" charset="0"/>
-              </a:rPr>
-            </a:br>
-            <a:r>
-              <a:rPr lang="en-CA" b="0" dirty="0">
-                <a:solidFill>
-                  <a:srgbClr val="C678DD"/>
-                </a:solidFill>
-                <a:effectLst/>
-                <a:latin typeface="Consolas" panose="020B0609020204030204" pitchFamily="49" charset="0"/>
-              </a:rPr>
-              <a:t>function</a:t>
-            </a:r>
-            <a:r>
-              <a:rPr lang="en-CA" b="0" dirty="0">
-                <a:solidFill>
-                  <a:srgbClr val="ABB2BF"/>
-                </a:solidFill>
-                <a:effectLst/>
-                <a:latin typeface="Consolas" panose="020B0609020204030204" pitchFamily="49" charset="0"/>
-              </a:rPr>
-              <a:t> (m</a:t>
-            </a:r>
-            <a:r>
-              <a:rPr lang="en-CA" b="0" dirty="0">
-                <a:solidFill>
-                  <a:srgbClr val="C678DD"/>
-                </a:solidFill>
-                <a:effectLst/>
-                <a:latin typeface="Consolas" panose="020B0609020204030204" pitchFamily="49" charset="0"/>
-              </a:rPr>
-              <a:t>::</a:t>
-            </a:r>
-            <a:r>
-              <a:rPr lang="en-CA" b="0" dirty="0">
-                <a:solidFill>
-                  <a:srgbClr val="56B6C2"/>
-                </a:solidFill>
-                <a:effectLst/>
-                <a:latin typeface="Consolas" panose="020B0609020204030204" pitchFamily="49" charset="0"/>
-              </a:rPr>
-              <a:t>Normalizer</a:t>
-            </a:r>
-            <a:r>
-              <a:rPr lang="en-CA" b="0" dirty="0">
-                <a:solidFill>
-                  <a:srgbClr val="ABB2BF"/>
-                </a:solidFill>
-                <a:effectLst/>
-                <a:latin typeface="Consolas" panose="020B0609020204030204" pitchFamily="49" charset="0"/>
-              </a:rPr>
-              <a:t>)(x)</a:t>
-            </a:r>
-          </a:p>
-          <a:p>
-            <a:r>
-              <a:rPr lang="en-CA" b="0" dirty="0">
-                <a:solidFill>
-                  <a:srgbClr val="ABB2BF"/>
-                </a:solidFill>
-                <a:effectLst/>
-                <a:latin typeface="Consolas" panose="020B0609020204030204" pitchFamily="49" charset="0"/>
-              </a:rPr>
-              <a:t>    </a:t>
-            </a:r>
-            <a:r>
-              <a:rPr lang="en-CA" b="0" dirty="0">
-                <a:solidFill>
-                  <a:srgbClr val="C678DD"/>
-                </a:solidFill>
-                <a:effectLst/>
-                <a:latin typeface="Consolas" panose="020B0609020204030204" pitchFamily="49" charset="0"/>
-              </a:rPr>
-              <a:t>return</a:t>
-            </a:r>
-            <a:r>
-              <a:rPr lang="en-CA" b="0" dirty="0">
-                <a:solidFill>
-                  <a:srgbClr val="ABB2BF"/>
-                </a:solidFill>
-                <a:effectLst/>
-                <a:latin typeface="Consolas" panose="020B0609020204030204" pitchFamily="49" charset="0"/>
-              </a:rPr>
-              <a:t> (x </a:t>
-            </a:r>
-            <a:r>
-              <a:rPr lang="en-CA" b="0" dirty="0">
-                <a:solidFill>
-                  <a:srgbClr val="C678DD"/>
-                </a:solidFill>
-                <a:effectLst/>
-                <a:latin typeface="Consolas" panose="020B0609020204030204" pitchFamily="49" charset="0"/>
-              </a:rPr>
-              <a:t>-</a:t>
-            </a:r>
-            <a:r>
-              <a:rPr lang="en-CA" b="0" dirty="0">
-                <a:solidFill>
-                  <a:srgbClr val="ABB2BF"/>
-                </a:solidFill>
-                <a:effectLst/>
-                <a:latin typeface="Consolas" panose="020B0609020204030204" pitchFamily="49" charset="0"/>
-              </a:rPr>
-              <a:t> m</a:t>
-            </a:r>
-            <a:r>
-              <a:rPr lang="en-CA" b="0" dirty="0">
-                <a:solidFill>
-                  <a:srgbClr val="C678DD"/>
-                </a:solidFill>
-                <a:effectLst/>
-                <a:latin typeface="Consolas" panose="020B0609020204030204" pitchFamily="49" charset="0"/>
-              </a:rPr>
-              <a:t>.</a:t>
-            </a:r>
-            <a:r>
-              <a:rPr lang="el-GR" b="0" dirty="0">
-                <a:solidFill>
-                  <a:srgbClr val="ABB2BF"/>
-                </a:solidFill>
-                <a:effectLst/>
-                <a:latin typeface="Consolas" panose="020B0609020204030204" pitchFamily="49" charset="0"/>
-              </a:rPr>
-              <a:t>μ) </a:t>
-            </a:r>
-            <a:r>
-              <a:rPr lang="el-GR" b="0" dirty="0">
-                <a:solidFill>
-                  <a:srgbClr val="C678DD"/>
-                </a:solidFill>
-                <a:effectLst/>
-                <a:latin typeface="Consolas" panose="020B0609020204030204" pitchFamily="49" charset="0"/>
-              </a:rPr>
-              <a:t>/</a:t>
-            </a:r>
-            <a:r>
-              <a:rPr lang="el-GR" b="0" dirty="0">
-                <a:solidFill>
-                  <a:srgbClr val="ABB2BF"/>
-                </a:solidFill>
-                <a:effectLst/>
-                <a:latin typeface="Consolas" panose="020B0609020204030204" pitchFamily="49" charset="0"/>
-              </a:rPr>
-              <a:t> </a:t>
-            </a:r>
-            <a:r>
-              <a:rPr lang="en-CA" b="0" dirty="0">
-                <a:solidFill>
-                  <a:srgbClr val="ABB2BF"/>
-                </a:solidFill>
-                <a:effectLst/>
-                <a:latin typeface="Consolas" panose="020B0609020204030204" pitchFamily="49" charset="0"/>
-              </a:rPr>
-              <a:t>m</a:t>
-            </a:r>
-            <a:r>
-              <a:rPr lang="en-CA" b="0" dirty="0">
-                <a:solidFill>
-                  <a:srgbClr val="C678DD"/>
-                </a:solidFill>
-                <a:effectLst/>
-                <a:latin typeface="Consolas" panose="020B0609020204030204" pitchFamily="49" charset="0"/>
-              </a:rPr>
-              <a:t>.</a:t>
-            </a:r>
-            <a:r>
-              <a:rPr lang="el-GR" b="0" dirty="0">
-                <a:solidFill>
-                  <a:srgbClr val="ABB2BF"/>
-                </a:solidFill>
-                <a:effectLst/>
-                <a:latin typeface="Consolas" panose="020B0609020204030204" pitchFamily="49" charset="0"/>
-              </a:rPr>
-              <a:t>σ</a:t>
-            </a:r>
-          </a:p>
-          <a:p>
-            <a:r>
-              <a:rPr lang="en-CA" b="0" dirty="0">
-                <a:solidFill>
-                  <a:srgbClr val="C678DD"/>
-                </a:solidFill>
-                <a:effectLst/>
-                <a:latin typeface="Consolas" panose="020B0609020204030204" pitchFamily="49" charset="0"/>
-              </a:rPr>
-              <a:t>end</a:t>
-            </a:r>
-            <a:endParaRPr lang="en-CA" b="0" dirty="0">
-              <a:solidFill>
-                <a:srgbClr val="ABB2BF"/>
-              </a:solidFill>
-              <a:effectLst/>
-              <a:latin typeface="Consolas" panose="020B0609020204030204" pitchFamily="49" charset="0"/>
-            </a:endParaRPr>
-          </a:p>
         </p:txBody>
       </p:sp>
       <p:pic>
@@ -14306,7 +16075,7 @@
           <p:cNvPr id="6" name="Picture 2">
             <a:extLst>
               <a:ext uri="{FF2B5EF4-FFF2-40B4-BE49-F238E27FC236}">
-                <a16:creationId xmlns:a16="http://schemas.microsoft.com/office/drawing/2014/main" id="{79E2FED7-D7E5-4D54-BB3E-3B5423A3ADC8}"/>
+                <a16:creationId xmlns:a16="http://schemas.microsoft.com/office/drawing/2014/main" id="{4B3BD862-77ED-47DF-9767-7A8EEE264111}"/>
               </a:ext>
             </a:extLst>
           </p:cNvPr>
@@ -14351,7 +16120,7 @@
     </p:spTree>
     <p:extLst>
       <p:ext uri="{BB962C8B-B14F-4D97-AF65-F5344CB8AC3E}">
-        <p14:creationId xmlns:p14="http://schemas.microsoft.com/office/powerpoint/2010/main" val="154442912"/>
+        <p14:creationId xmlns:p14="http://schemas.microsoft.com/office/powerpoint/2010/main" val="2782781058"/>
       </p:ext>
     </p:extLst>
   </p:cSld>
@@ -14434,48 +16203,12 @@
           </a:p>
         </p:txBody>
       </p:sp>
-      <p:pic>
-        <p:nvPicPr>
-          <p:cNvPr id="3" name="Picture 2" descr="A picture containing keyboard, computer, indoor, light&#10;&#10;Description automatically generated">
-            <a:extLst>
-              <a:ext uri="{FF2B5EF4-FFF2-40B4-BE49-F238E27FC236}">
-                <a16:creationId xmlns:a16="http://schemas.microsoft.com/office/drawing/2014/main" id="{235ED475-1194-47AD-B0D1-D6BC02872322}"/>
-              </a:ext>
-            </a:extLst>
-          </p:cNvPr>
-          <p:cNvPicPr>
-            <a:picLocks noChangeAspect="1"/>
-          </p:cNvPicPr>
-          <p:nvPr/>
-        </p:nvPicPr>
-        <p:blipFill>
-          <a:blip r:embed="rId2">
-            <a:extLst>
-              <a:ext uri="{28A0092B-C50C-407E-A947-70E740481C1C}">
-                <a14:useLocalDpi xmlns:a14="http://schemas.microsoft.com/office/drawing/2010/main" val="0"/>
-              </a:ext>
-            </a:extLst>
-          </a:blip>
-          <a:stretch>
-            <a:fillRect/>
-          </a:stretch>
-        </p:blipFill>
-        <p:spPr>
-          <a:xfrm>
-            <a:off x="5347835" y="650229"/>
-            <a:ext cx="1496329" cy="1496329"/>
-          </a:xfrm>
-          <a:prstGeom prst="rect">
-            <a:avLst/>
-          </a:prstGeom>
-        </p:spPr>
-      </p:pic>
       <p:sp>
         <p:nvSpPr>
-          <p:cNvPr id="10" name="TextBox 9">
+          <p:cNvPr id="12" name="TextBox 11">
             <a:extLst>
               <a:ext uri="{FF2B5EF4-FFF2-40B4-BE49-F238E27FC236}">
-                <a16:creationId xmlns:a16="http://schemas.microsoft.com/office/drawing/2014/main" id="{505EBB46-F711-4615-ABBB-793A3134A74B}"/>
+                <a16:creationId xmlns:a16="http://schemas.microsoft.com/office/drawing/2014/main" id="{9236F6E0-458A-4C95-8192-B9B542306D9F}"/>
               </a:ext>
             </a:extLst>
           </p:cNvPr>
@@ -14484,51 +16217,7 @@
         </p:nvSpPr>
         <p:spPr>
           <a:xfrm>
-            <a:off x="4911172" y="1920681"/>
-            <a:ext cx="3337249" cy="584775"/>
-          </a:xfrm>
-          <a:prstGeom prst="rect">
-            <a:avLst/>
-          </a:prstGeom>
-          <a:noFill/>
-        </p:spPr>
-        <p:txBody>
-          <a:bodyPr wrap="square">
-            <a:spAutoFit/>
-          </a:bodyPr>
-          <a:lstStyle/>
-          <a:p>
-            <a:r>
-              <a:rPr lang="en-CA" sz="3200" b="1" dirty="0" err="1">
-                <a:hlinkClick r:id="rId3">
-                  <a:extLst>
-                    <a:ext uri="{A12FA001-AC4F-418D-AE19-62706E023703}">
-                      <ahyp:hlinkClr xmlns:ahyp="http://schemas.microsoft.com/office/drawing/2018/hyperlinkcolor" val="tx"/>
-                    </a:ext>
-                  </a:extLst>
-                </a:hlinkClick>
-              </a:rPr>
-              <a:t>DataFrames.jl</a:t>
-            </a:r>
-            <a:endParaRPr lang="en-CA" sz="3200" b="1" dirty="0"/>
-          </a:p>
-        </p:txBody>
-      </p:sp>
-      <p:sp>
-        <p:nvSpPr>
-          <p:cNvPr id="12" name="TextBox 11">
-            <a:extLst>
-              <a:ext uri="{FF2B5EF4-FFF2-40B4-BE49-F238E27FC236}">
-                <a16:creationId xmlns:a16="http://schemas.microsoft.com/office/drawing/2014/main" id="{9236F6E0-458A-4C95-8192-B9B542306D9F}"/>
-              </a:ext>
-            </a:extLst>
-          </p:cNvPr>
-          <p:cNvSpPr txBox="1"/>
-          <p:nvPr/>
-        </p:nvSpPr>
-        <p:spPr>
-          <a:xfrm>
-            <a:off x="1586592" y="2864417"/>
+            <a:off x="1586592" y="3000088"/>
             <a:ext cx="9018814" cy="2862322"/>
           </a:xfrm>
           <a:prstGeom prst="rect">
@@ -14564,27 +16253,27 @@
                 <a:effectLst/>
                 <a:latin typeface="Consolas" panose="020B0609020204030204" pitchFamily="49" charset="0"/>
               </a:rPr>
-              <a:t> </a:t>
-            </a:r>
-            <a:r>
-              <a:rPr lang="en-CA" b="0" dirty="0" err="1">
-                <a:solidFill>
-                  <a:srgbClr val="ABB2BF"/>
-                </a:solidFill>
-                <a:effectLst/>
-                <a:latin typeface="Consolas" panose="020B0609020204030204" pitchFamily="49" charset="0"/>
-              </a:rPr>
-              <a:t>Preproc</a:t>
-            </a:r>
-            <a:r>
-              <a:rPr lang="en-CA" b="0" dirty="0">
-                <a:solidFill>
-                  <a:srgbClr val="ABB2BF"/>
-                </a:solidFill>
-                <a:effectLst/>
-                <a:latin typeface="Consolas" panose="020B0609020204030204" pitchFamily="49" charset="0"/>
-              </a:rPr>
-              <a:t> </a:t>
+              <a:t> Normalizer{</a:t>
+            </a:r>
+            <a:r>
+              <a:rPr lang="en-CA" b="0" dirty="0">
+                <a:solidFill>
+                  <a:srgbClr val="56B6C2"/>
+                </a:solidFill>
+                <a:effectLst/>
+                <a:latin typeface="Consolas" panose="020B0609020204030204" pitchFamily="49" charset="0"/>
+              </a:rPr>
+              <a:t>T</a:t>
+            </a:r>
+            <a:r>
+              <a:rPr lang="en-CA" b="0" dirty="0">
+                <a:solidFill>
+                  <a:srgbClr val="ABB2BF"/>
+                </a:solidFill>
+                <a:effectLst/>
+                <a:latin typeface="Consolas" panose="020B0609020204030204" pitchFamily="49" charset="0"/>
+              </a:rPr>
+              <a:t>} </a:t>
             </a:r>
             <a:r>
               <a:rPr lang="en-CA" b="0" dirty="0">
@@ -14633,10 +16322,20 @@
                 <a:effectLst/>
                 <a:latin typeface="Consolas" panose="020B0609020204030204" pitchFamily="49" charset="0"/>
               </a:rPr>
-              <a:t>    layers</a:t>
-            </a:r>
-            <a:r>
-              <a:rPr lang="en-CA" b="0" dirty="0">
+              <a:t>    </a:t>
+            </a:r>
+            <a:r>
+              <a:rPr lang="el-GR" b="0" dirty="0">
+                <a:solidFill>
+                  <a:srgbClr val="ABB2BF"/>
+                </a:solidFill>
+                <a:effectLst/>
+                <a:latin typeface="Consolas" panose="020B0609020204030204" pitchFamily="49" charset="0"/>
+              </a:rPr>
+              <a:t>μ</a:t>
+            </a:r>
+            <a:r>
+              <a:rPr lang="el-GR" b="0" dirty="0">
                 <a:solidFill>
                   <a:srgbClr val="C678DD"/>
                 </a:solidFill>
@@ -14653,7 +16352,7 @@
                 <a:effectLst/>
                 <a:latin typeface="Consolas" panose="020B0609020204030204" pitchFamily="49" charset="0"/>
               </a:rPr>
-              <a:t>Vector</a:t>
+              <a:t>T</a:t>
             </a:r>
             <a:endParaRPr lang="en-CA" b="0" dirty="0">
               <a:solidFill>
@@ -14667,12 +16366,42 @@
             <a:r>
               <a:rPr lang="en-CA" b="0" dirty="0">
                 <a:solidFill>
+                  <a:srgbClr val="ABB2BF"/>
+                </a:solidFill>
+                <a:effectLst/>
+                <a:latin typeface="Consolas" panose="020B0609020204030204" pitchFamily="49" charset="0"/>
+              </a:rPr>
+              <a:t>    </a:t>
+            </a:r>
+            <a:r>
+              <a:rPr lang="el-GR" b="0" dirty="0">
+                <a:solidFill>
+                  <a:srgbClr val="ABB2BF"/>
+                </a:solidFill>
+                <a:effectLst/>
+                <a:latin typeface="Consolas" panose="020B0609020204030204" pitchFamily="49" charset="0"/>
+              </a:rPr>
+              <a:t>σ</a:t>
+            </a:r>
+            <a:r>
+              <a:rPr lang="el-GR" b="0" dirty="0">
+                <a:solidFill>
                   <a:srgbClr val="C678DD"/>
                 </a:solidFill>
                 <a:effectLst/>
                 <a:latin typeface="Consolas" panose="020B0609020204030204" pitchFamily="49" charset="0"/>
               </a:rPr>
-              <a:t>end</a:t>
+              <a:t>::</a:t>
+            </a:r>
+            <a:r>
+              <a:rPr lang="en-CA" b="0" dirty="0">
+                <a:solidFill>
+                  <a:srgbClr val="56B6C2"/>
+                </a:solidFill>
+                <a:effectLst/>
+                <a:latin typeface="Consolas" panose="020B0609020204030204" pitchFamily="49" charset="0"/>
+              </a:rPr>
+              <a:t>T</a:t>
             </a:r>
             <a:endParaRPr lang="en-CA" b="0" dirty="0">
               <a:solidFill>
@@ -14683,15 +16412,6 @@
             </a:endParaRPr>
           </a:p>
           <a:p>
-            <a:br>
-              <a:rPr lang="en-CA" b="0" dirty="0">
-                <a:solidFill>
-                  <a:srgbClr val="ABB2BF"/>
-                </a:solidFill>
-                <a:effectLst/>
-                <a:latin typeface="Consolas" panose="020B0609020204030204" pitchFamily="49" charset="0"/>
-              </a:rPr>
-            </a:br>
             <a:r>
               <a:rPr lang="en-CA" b="0" dirty="0">
                 <a:solidFill>
@@ -14700,159 +16420,7 @@
                 <a:effectLst/>
                 <a:latin typeface="Consolas" panose="020B0609020204030204" pitchFamily="49" charset="0"/>
               </a:rPr>
-              <a:t>function</a:t>
-            </a:r>
-            <a:r>
-              <a:rPr lang="en-CA" b="0" dirty="0">
-                <a:solidFill>
-                  <a:srgbClr val="ABB2BF"/>
-                </a:solidFill>
-                <a:effectLst/>
-                <a:latin typeface="Consolas" panose="020B0609020204030204" pitchFamily="49" charset="0"/>
-              </a:rPr>
-              <a:t> (p</a:t>
-            </a:r>
-            <a:r>
-              <a:rPr lang="en-CA" b="0" dirty="0">
-                <a:solidFill>
-                  <a:srgbClr val="C678DD"/>
-                </a:solidFill>
-                <a:effectLst/>
-                <a:latin typeface="Consolas" panose="020B0609020204030204" pitchFamily="49" charset="0"/>
-              </a:rPr>
-              <a:t>::</a:t>
-            </a:r>
-            <a:r>
-              <a:rPr lang="en-CA" b="0" dirty="0" err="1">
-                <a:solidFill>
-                  <a:srgbClr val="56B6C2"/>
-                </a:solidFill>
-                <a:effectLst/>
-                <a:latin typeface="Consolas" panose="020B0609020204030204" pitchFamily="49" charset="0"/>
-              </a:rPr>
-              <a:t>Preproc</a:t>
-            </a:r>
-            <a:r>
-              <a:rPr lang="en-CA" b="0" dirty="0">
-                <a:solidFill>
-                  <a:srgbClr val="ABB2BF"/>
-                </a:solidFill>
-                <a:effectLst/>
-                <a:latin typeface="Consolas" panose="020B0609020204030204" pitchFamily="49" charset="0"/>
-              </a:rPr>
-              <a:t>)(df</a:t>
-            </a:r>
-            <a:r>
-              <a:rPr lang="en-CA" b="0" dirty="0">
-                <a:solidFill>
-                  <a:srgbClr val="C678DD"/>
-                </a:solidFill>
-                <a:effectLst/>
-                <a:latin typeface="Consolas" panose="020B0609020204030204" pitchFamily="49" charset="0"/>
-              </a:rPr>
-              <a:t>::</a:t>
-            </a:r>
-            <a:r>
-              <a:rPr lang="en-CA" b="0" dirty="0" err="1">
-                <a:solidFill>
-                  <a:srgbClr val="56B6C2"/>
-                </a:solidFill>
-                <a:effectLst/>
-                <a:latin typeface="Consolas" panose="020B0609020204030204" pitchFamily="49" charset="0"/>
-              </a:rPr>
-              <a:t>DataFrame</a:t>
-            </a:r>
-            <a:r>
-              <a:rPr lang="en-CA" b="0" dirty="0">
-                <a:solidFill>
-                  <a:srgbClr val="ABB2BF"/>
-                </a:solidFill>
-                <a:effectLst/>
-                <a:latin typeface="Consolas" panose="020B0609020204030204" pitchFamily="49" charset="0"/>
-              </a:rPr>
-              <a:t>)</a:t>
-            </a:r>
-          </a:p>
-          <a:p>
-            <a:r>
-              <a:rPr lang="en-CA" b="0" dirty="0">
-                <a:solidFill>
-                  <a:srgbClr val="ABB2BF"/>
-                </a:solidFill>
-                <a:effectLst/>
-                <a:latin typeface="Consolas" panose="020B0609020204030204" pitchFamily="49" charset="0"/>
-              </a:rPr>
-              <a:t>    </a:t>
-            </a:r>
-            <a:r>
-              <a:rPr lang="en-CA" b="0" dirty="0">
-                <a:solidFill>
-                  <a:srgbClr val="C678DD"/>
-                </a:solidFill>
-                <a:effectLst/>
-                <a:latin typeface="Consolas" panose="020B0609020204030204" pitchFamily="49" charset="0"/>
-              </a:rPr>
-              <a:t>for</a:t>
-            </a:r>
-            <a:r>
-              <a:rPr lang="en-CA" b="0" dirty="0">
-                <a:solidFill>
-                  <a:srgbClr val="ABB2BF"/>
-                </a:solidFill>
-                <a:effectLst/>
-                <a:latin typeface="Consolas" panose="020B0609020204030204" pitchFamily="49" charset="0"/>
-              </a:rPr>
-              <a:t> layer </a:t>
-            </a:r>
-            <a:r>
-              <a:rPr lang="en-CA" b="0" dirty="0">
-                <a:solidFill>
-                  <a:srgbClr val="C678DD"/>
-                </a:solidFill>
-                <a:effectLst/>
-                <a:latin typeface="Consolas" panose="020B0609020204030204" pitchFamily="49" charset="0"/>
-              </a:rPr>
-              <a:t>in</a:t>
-            </a:r>
-            <a:r>
-              <a:rPr lang="en-CA" b="0" dirty="0">
-                <a:solidFill>
-                  <a:srgbClr val="ABB2BF"/>
-                </a:solidFill>
-                <a:effectLst/>
-                <a:latin typeface="Consolas" panose="020B0609020204030204" pitchFamily="49" charset="0"/>
-              </a:rPr>
-              <a:t> </a:t>
-            </a:r>
-            <a:r>
-              <a:rPr lang="en-CA" b="0" dirty="0" err="1">
-                <a:solidFill>
-                  <a:srgbClr val="ABB2BF"/>
-                </a:solidFill>
-                <a:effectLst/>
-                <a:latin typeface="Consolas" panose="020B0609020204030204" pitchFamily="49" charset="0"/>
-              </a:rPr>
-              <a:t>p</a:t>
-            </a:r>
-            <a:r>
-              <a:rPr lang="en-CA" b="0" dirty="0" err="1">
-                <a:solidFill>
-                  <a:srgbClr val="C678DD"/>
-                </a:solidFill>
-                <a:effectLst/>
-                <a:latin typeface="Consolas" panose="020B0609020204030204" pitchFamily="49" charset="0"/>
-              </a:rPr>
-              <a:t>.</a:t>
-            </a:r>
-            <a:r>
-              <a:rPr lang="en-CA" b="0" dirty="0" err="1">
-                <a:solidFill>
-                  <a:srgbClr val="ABB2BF"/>
-                </a:solidFill>
-                <a:effectLst/>
-                <a:latin typeface="Consolas" panose="020B0609020204030204" pitchFamily="49" charset="0"/>
-              </a:rPr>
-              <a:t>layers</a:t>
+              <a:t>end</a:t>
             </a:r>
             <a:endParaRPr lang="en-CA" b="0" dirty="0">
               <a:solidFill>
@@ -14863,47 +16431,330 @@
             </a:endParaRPr>
           </a:p>
           <a:p>
-            <a:r>
-              <a:rPr lang="en-CA" dirty="0">
-                <a:solidFill>
-                  <a:srgbClr val="ABB2BF"/>
-                </a:solidFill>
-                <a:latin typeface="Consolas" panose="020B0609020204030204" pitchFamily="49" charset="0"/>
-              </a:rPr>
-              <a:t>	</a:t>
-            </a:r>
-            <a:r>
-              <a:rPr lang="en-CA" b="0" dirty="0">
+            <a:br>
+              <a:rPr lang="en-CA" b="0" dirty="0">
+                <a:solidFill>
+                  <a:srgbClr val="ABB2BF"/>
+                </a:solidFill>
+                <a:effectLst/>
+                <a:latin typeface="Consolas" panose="020B0609020204030204" pitchFamily="49" charset="0"/>
+              </a:rPr>
+            </a:br>
+            <a:r>
+              <a:rPr lang="en-CA" b="0" dirty="0">
+                <a:solidFill>
+                  <a:srgbClr val="61AFEF"/>
+                </a:solidFill>
+                <a:effectLst/>
+                <a:latin typeface="Consolas" panose="020B0609020204030204" pitchFamily="49" charset="0"/>
+              </a:rPr>
+              <a:t>Normalizer</a:t>
+            </a:r>
+            <a:r>
+              <a:rPr lang="en-CA" b="0" dirty="0">
+                <a:solidFill>
+                  <a:srgbClr val="ABB2BF"/>
+                </a:solidFill>
+                <a:effectLst/>
+                <a:latin typeface="Consolas" panose="020B0609020204030204" pitchFamily="49" charset="0"/>
+              </a:rPr>
+              <a:t>(x</a:t>
+            </a:r>
+            <a:r>
+              <a:rPr lang="en-CA" b="0" dirty="0">
+                <a:solidFill>
+                  <a:srgbClr val="C678DD"/>
+                </a:solidFill>
+                <a:effectLst/>
+                <a:latin typeface="Consolas" panose="020B0609020204030204" pitchFamily="49" charset="0"/>
+              </a:rPr>
+              <a:t>::</a:t>
+            </a:r>
+            <a:r>
+              <a:rPr lang="en-CA" b="0" dirty="0" err="1">
                 <a:solidFill>
                   <a:srgbClr val="56B6C2"/>
                 </a:solidFill>
                 <a:effectLst/>
                 <a:latin typeface="Consolas" panose="020B0609020204030204" pitchFamily="49" charset="0"/>
               </a:rPr>
-              <a:t>transform!</a:t>
-            </a:r>
-            <a:r>
-              <a:rPr lang="en-CA" b="0" dirty="0">
-                <a:solidFill>
-                  <a:srgbClr val="ABB2BF"/>
-                </a:solidFill>
-                <a:effectLst/>
-                <a:latin typeface="Consolas" panose="020B0609020204030204" pitchFamily="49" charset="0"/>
-              </a:rPr>
-              <a:t>(df, layer)</a:t>
-            </a:r>
-          </a:p>
-          <a:p>
-            <a:r>
-              <a:rPr lang="en-CA" b="0" dirty="0">
-                <a:solidFill>
-                  <a:srgbClr val="ABB2BF"/>
-                </a:solidFill>
-                <a:effectLst/>
-                <a:latin typeface="Consolas" panose="020B0609020204030204" pitchFamily="49" charset="0"/>
-              </a:rPr>
-              <a:t>    </a:t>
-            </a:r>
+              <a:t>AbstractVector</a:t>
+            </a:r>
+            <a:r>
+              <a:rPr lang="en-CA" b="0" dirty="0">
+                <a:solidFill>
+                  <a:srgbClr val="ABB2BF"/>
+                </a:solidFill>
+                <a:effectLst/>
+                <a:latin typeface="Consolas" panose="020B0609020204030204" pitchFamily="49" charset="0"/>
+              </a:rPr>
+              <a:t>) </a:t>
+            </a:r>
+            <a:r>
+              <a:rPr lang="en-CA" b="0" dirty="0">
+                <a:solidFill>
+                  <a:srgbClr val="C678DD"/>
+                </a:solidFill>
+                <a:effectLst/>
+                <a:latin typeface="Consolas" panose="020B0609020204030204" pitchFamily="49" charset="0"/>
+              </a:rPr>
+              <a:t>=</a:t>
+            </a:r>
+            <a:r>
+              <a:rPr lang="en-CA" b="0" dirty="0">
+                <a:solidFill>
+                  <a:srgbClr val="ABB2BF"/>
+                </a:solidFill>
+                <a:effectLst/>
+                <a:latin typeface="Consolas" panose="020B0609020204030204" pitchFamily="49" charset="0"/>
+              </a:rPr>
+              <a:t> </a:t>
+            </a:r>
+            <a:r>
+              <a:rPr lang="en-CA" b="0" dirty="0">
+                <a:solidFill>
+                  <a:srgbClr val="56B6C2"/>
+                </a:solidFill>
+                <a:effectLst/>
+                <a:latin typeface="Consolas" panose="020B0609020204030204" pitchFamily="49" charset="0"/>
+              </a:rPr>
+              <a:t>Normalizer</a:t>
+            </a:r>
+            <a:r>
+              <a:rPr lang="en-CA" b="0" dirty="0">
+                <a:solidFill>
+                  <a:srgbClr val="ABB2BF"/>
+                </a:solidFill>
+                <a:effectLst/>
+                <a:latin typeface="Consolas" panose="020B0609020204030204" pitchFamily="49" charset="0"/>
+              </a:rPr>
+              <a:t>(</a:t>
+            </a:r>
+            <a:r>
+              <a:rPr lang="en-CA" b="0" dirty="0">
+                <a:solidFill>
+                  <a:srgbClr val="56B6C2"/>
+                </a:solidFill>
+                <a:effectLst/>
+                <a:latin typeface="Consolas" panose="020B0609020204030204" pitchFamily="49" charset="0"/>
+              </a:rPr>
+              <a:t>mean</a:t>
+            </a:r>
+            <a:r>
+              <a:rPr lang="en-CA" b="0" dirty="0">
+                <a:solidFill>
+                  <a:srgbClr val="ABB2BF"/>
+                </a:solidFill>
+                <a:effectLst/>
+                <a:latin typeface="Consolas" panose="020B0609020204030204" pitchFamily="49" charset="0"/>
+              </a:rPr>
+              <a:t>(x), </a:t>
+            </a:r>
+            <a:r>
+              <a:rPr lang="en-CA" b="0" dirty="0">
+                <a:solidFill>
+                  <a:srgbClr val="56B6C2"/>
+                </a:solidFill>
+                <a:effectLst/>
+                <a:latin typeface="Consolas" panose="020B0609020204030204" pitchFamily="49" charset="0"/>
+              </a:rPr>
+              <a:t>std</a:t>
+            </a:r>
+            <a:r>
+              <a:rPr lang="en-CA" b="0" dirty="0">
+                <a:solidFill>
+                  <a:srgbClr val="ABB2BF"/>
+                </a:solidFill>
+                <a:effectLst/>
+                <a:latin typeface="Consolas" panose="020B0609020204030204" pitchFamily="49" charset="0"/>
+              </a:rPr>
+              <a:t>(x))</a:t>
+            </a:r>
+          </a:p>
+          <a:p>
+            <a:br>
+              <a:rPr lang="en-CA" b="0" dirty="0">
+                <a:solidFill>
+                  <a:srgbClr val="ABB2BF"/>
+                </a:solidFill>
+                <a:effectLst/>
+                <a:latin typeface="Consolas" panose="020B0609020204030204" pitchFamily="49" charset="0"/>
+              </a:rPr>
+            </a:br>
+            <a:r>
+              <a:rPr lang="en-CA" b="0" dirty="0">
+                <a:solidFill>
+                  <a:srgbClr val="C678DD"/>
+                </a:solidFill>
+                <a:effectLst/>
+                <a:latin typeface="Consolas" panose="020B0609020204030204" pitchFamily="49" charset="0"/>
+              </a:rPr>
+              <a:t>function</a:t>
+            </a:r>
+            <a:r>
+              <a:rPr lang="en-CA" b="0" dirty="0">
+                <a:solidFill>
+                  <a:srgbClr val="ABB2BF"/>
+                </a:solidFill>
+                <a:effectLst/>
+                <a:latin typeface="Consolas" panose="020B0609020204030204" pitchFamily="49" charset="0"/>
+              </a:rPr>
+              <a:t> (m</a:t>
+            </a:r>
+            <a:r>
+              <a:rPr lang="en-CA" b="0" dirty="0">
+                <a:solidFill>
+                  <a:srgbClr val="C678DD"/>
+                </a:solidFill>
+                <a:effectLst/>
+                <a:latin typeface="Consolas" panose="020B0609020204030204" pitchFamily="49" charset="0"/>
+              </a:rPr>
+              <a:t>::</a:t>
+            </a:r>
+            <a:r>
+              <a:rPr lang="en-CA" b="0" dirty="0">
+                <a:solidFill>
+                  <a:srgbClr val="56B6C2"/>
+                </a:solidFill>
+                <a:effectLst/>
+                <a:latin typeface="Consolas" panose="020B0609020204030204" pitchFamily="49" charset="0"/>
+              </a:rPr>
+              <a:t>Normalizer</a:t>
+            </a:r>
+            <a:r>
+              <a:rPr lang="en-CA" b="0" dirty="0">
+                <a:solidFill>
+                  <a:srgbClr val="ABB2BF"/>
+                </a:solidFill>
+                <a:effectLst/>
+                <a:latin typeface="Consolas" panose="020B0609020204030204" pitchFamily="49" charset="0"/>
+              </a:rPr>
+              <a:t>)(x)</a:t>
+            </a:r>
+          </a:p>
+          <a:p>
+            <a:r>
+              <a:rPr lang="en-CA" b="0" dirty="0">
+                <a:solidFill>
+                  <a:srgbClr val="ABB2BF"/>
+                </a:solidFill>
+                <a:effectLst/>
+                <a:latin typeface="Consolas" panose="020B0609020204030204" pitchFamily="49" charset="0"/>
+              </a:rPr>
+              <a:t>    </a:t>
+            </a:r>
+            <a:r>
+              <a:rPr lang="en-CA" b="0" dirty="0">
+                <a:solidFill>
+                  <a:srgbClr val="C678DD"/>
+                </a:solidFill>
+                <a:effectLst/>
+                <a:latin typeface="Consolas" panose="020B0609020204030204" pitchFamily="49" charset="0"/>
+              </a:rPr>
+              <a:t>return</a:t>
+            </a:r>
+            <a:r>
+              <a:rPr lang="en-CA" b="0" dirty="0">
+                <a:solidFill>
+                  <a:srgbClr val="ABB2BF"/>
+                </a:solidFill>
+                <a:effectLst/>
+                <a:latin typeface="Consolas" panose="020B0609020204030204" pitchFamily="49" charset="0"/>
+              </a:rPr>
+              <a:t> (x </a:t>
+            </a:r>
+            <a:r>
+              <a:rPr lang="en-CA" b="0" dirty="0">
+                <a:solidFill>
+                  <a:srgbClr val="C678DD"/>
+                </a:solidFill>
+                <a:effectLst/>
+                <a:latin typeface="Consolas" panose="020B0609020204030204" pitchFamily="49" charset="0"/>
+              </a:rPr>
+              <a:t>-</a:t>
+            </a:r>
+            <a:r>
+              <a:rPr lang="en-CA" b="0" dirty="0">
+                <a:solidFill>
+                  <a:srgbClr val="ABB2BF"/>
+                </a:solidFill>
+                <a:effectLst/>
+                <a:latin typeface="Consolas" panose="020B0609020204030204" pitchFamily="49" charset="0"/>
+              </a:rPr>
+              <a:t> m</a:t>
+            </a:r>
+            <a:r>
+              <a:rPr lang="en-CA" b="0" dirty="0">
+                <a:solidFill>
+                  <a:srgbClr val="C678DD"/>
+                </a:solidFill>
+                <a:effectLst/>
+                <a:latin typeface="Consolas" panose="020B0609020204030204" pitchFamily="49" charset="0"/>
+              </a:rPr>
+              <a:t>.</a:t>
+            </a:r>
+            <a:r>
+              <a:rPr lang="el-GR" b="0" dirty="0">
+                <a:solidFill>
+                  <a:srgbClr val="ABB2BF"/>
+                </a:solidFill>
+                <a:effectLst/>
+                <a:latin typeface="Consolas" panose="020B0609020204030204" pitchFamily="49" charset="0"/>
+              </a:rPr>
+              <a:t>μ) </a:t>
+            </a:r>
+            <a:r>
+              <a:rPr lang="el-GR" b="0" dirty="0">
+                <a:solidFill>
+                  <a:srgbClr val="C678DD"/>
+                </a:solidFill>
+                <a:effectLst/>
+                <a:latin typeface="Consolas" panose="020B0609020204030204" pitchFamily="49" charset="0"/>
+              </a:rPr>
+              <a:t>/</a:t>
+            </a:r>
+            <a:r>
+              <a:rPr lang="el-GR" b="0" dirty="0">
+                <a:solidFill>
+                  <a:srgbClr val="ABB2BF"/>
+                </a:solidFill>
+                <a:effectLst/>
+                <a:latin typeface="Consolas" panose="020B0609020204030204" pitchFamily="49" charset="0"/>
+              </a:rPr>
+              <a:t> </a:t>
+            </a:r>
+            <a:r>
+              <a:rPr lang="en-CA" b="0" dirty="0">
+                <a:solidFill>
+                  <a:srgbClr val="ABB2BF"/>
+                </a:solidFill>
+                <a:effectLst/>
+                <a:latin typeface="Consolas" panose="020B0609020204030204" pitchFamily="49" charset="0"/>
+              </a:rPr>
+              <a:t>m</a:t>
+            </a:r>
+            <a:r>
+              <a:rPr lang="en-CA" b="0" dirty="0">
+                <a:solidFill>
+                  <a:srgbClr val="C678DD"/>
+                </a:solidFill>
+                <a:effectLst/>
+                <a:latin typeface="Consolas" panose="020B0609020204030204" pitchFamily="49" charset="0"/>
+              </a:rPr>
+              <a:t>.</a:t>
+            </a:r>
+            <a:r>
+              <a:rPr lang="el-GR" b="0" dirty="0">
+                <a:solidFill>
+                  <a:srgbClr val="ABB2BF"/>
+                </a:solidFill>
+                <a:effectLst/>
+                <a:latin typeface="Consolas" panose="020B0609020204030204" pitchFamily="49" charset="0"/>
+              </a:rPr>
+              <a:t>σ</a:t>
+            </a:r>
+          </a:p>
+          <a:p>
             <a:r>
               <a:rPr lang="en-CA" b="0" dirty="0">
                 <a:solidFill>
@@ -14922,57 +16773,6 @@
               <a:latin typeface="Consolas" panose="020B0609020204030204" pitchFamily="49" charset="0"/>
             </a:endParaRPr>
           </a:p>
-          <a:p>
-            <a:r>
-              <a:rPr lang="en-CA" b="0" dirty="0">
-                <a:solidFill>
-                  <a:srgbClr val="ABB2BF"/>
-                </a:solidFill>
-                <a:effectLst/>
-                <a:latin typeface="Consolas" panose="020B0609020204030204" pitchFamily="49" charset="0"/>
-              </a:rPr>
-              <a:t>    </a:t>
-            </a:r>
-            <a:r>
-              <a:rPr lang="en-CA" b="0" dirty="0">
-                <a:solidFill>
-                  <a:srgbClr val="C678DD"/>
-                </a:solidFill>
-                <a:effectLst/>
-                <a:latin typeface="Consolas" panose="020B0609020204030204" pitchFamily="49" charset="0"/>
-              </a:rPr>
-              <a:t>return</a:t>
-            </a:r>
-            <a:r>
-              <a:rPr lang="en-CA" b="0" dirty="0">
-                <a:solidFill>
-                  <a:srgbClr val="ABB2BF"/>
-                </a:solidFill>
-                <a:effectLst/>
-                <a:latin typeface="Consolas" panose="020B0609020204030204" pitchFamily="49" charset="0"/>
-              </a:rPr>
-              <a:t> df</a:t>
-            </a:r>
-          </a:p>
-          <a:p>
-            <a:r>
-              <a:rPr lang="en-CA" b="0" dirty="0">
-                <a:solidFill>
-                  <a:srgbClr val="C678DD"/>
-                </a:solidFill>
-                <a:effectLst/>
-                <a:latin typeface="Consolas" panose="020B0609020204030204" pitchFamily="49" charset="0"/>
-              </a:rPr>
-              <a:t>end</a:t>
-            </a:r>
-            <a:endParaRPr lang="en-CA" b="0" dirty="0">
-              <a:solidFill>
-                <a:srgbClr val="ABB2BF"/>
-              </a:solidFill>
-              <a:effectLst/>
-              <a:latin typeface="Consolas" panose="020B0609020204030204" pitchFamily="49" charset="0"/>
-            </a:endParaRPr>
-          </a:p>
         </p:txBody>
       </p:sp>
       <p:pic>
@@ -14980,7 +16780,7 @@
           <p:cNvPr id="6" name="Picture 2">
             <a:extLst>
               <a:ext uri="{FF2B5EF4-FFF2-40B4-BE49-F238E27FC236}">
-                <a16:creationId xmlns:a16="http://schemas.microsoft.com/office/drawing/2014/main" id="{08D9ADD5-772E-432F-8347-0A01ADFFD4C0}"/>
+                <a16:creationId xmlns:a16="http://schemas.microsoft.com/office/drawing/2014/main" id="{79E2FED7-D7E5-4D54-BB3E-3B5423A3ADC8}"/>
               </a:ext>
             </a:extLst>
           </p:cNvPr>
@@ -14990,7 +16790,7 @@
           <p:nvPr/>
         </p:nvPicPr>
         <p:blipFill>
-          <a:blip r:embed="rId4">
+          <a:blip r:embed="rId2">
             <a:extLst>
               <a:ext uri="{28A0092B-C50C-407E-A947-70E740481C1C}">
                 <a14:useLocalDpi xmlns:a14="http://schemas.microsoft.com/office/drawing/2010/main" val="0"/>
@@ -15022,10 +16822,90 @@
           </a:extLst>
         </p:spPr>
       </p:pic>
+      <p:pic>
+        <p:nvPicPr>
+          <p:cNvPr id="7" name="Picture 6" descr="A picture containing keyboard, computer, indoor, light&#10;&#10;Description automatically generated">
+            <a:extLst>
+              <a:ext uri="{FF2B5EF4-FFF2-40B4-BE49-F238E27FC236}">
+                <a16:creationId xmlns:a16="http://schemas.microsoft.com/office/drawing/2014/main" id="{E7FB9A55-29AA-4386-B379-92B8A741CB5C}"/>
+              </a:ext>
+            </a:extLst>
+          </p:cNvPr>
+          <p:cNvPicPr>
+            <a:picLocks noChangeAspect="1"/>
+          </p:cNvPicPr>
+          <p:nvPr/>
+        </p:nvPicPr>
+        <p:blipFill>
+          <a:blip r:embed="rId3">
+            <a:extLst>
+              <a:ext uri="{28A0092B-C50C-407E-A947-70E740481C1C}">
+                <a14:useLocalDpi xmlns:a14="http://schemas.microsoft.com/office/drawing/2010/main" val="0"/>
+              </a:ext>
+            </a:extLst>
+          </a:blip>
+          <a:stretch>
+            <a:fillRect/>
+          </a:stretch>
+        </p:blipFill>
+        <p:spPr>
+          <a:xfrm>
+            <a:off x="5347835" y="659042"/>
+            <a:ext cx="1496329" cy="1496329"/>
+          </a:xfrm>
+          <a:prstGeom prst="rect">
+            <a:avLst/>
+          </a:prstGeom>
+        </p:spPr>
+      </p:pic>
+      <p:sp>
+        <p:nvSpPr>
+          <p:cNvPr id="8" name="TextBox 7">
+            <a:extLst>
+              <a:ext uri="{FF2B5EF4-FFF2-40B4-BE49-F238E27FC236}">
+                <a16:creationId xmlns:a16="http://schemas.microsoft.com/office/drawing/2014/main" id="{BB08E20C-4510-4FE4-BE84-8EBFBA8A0C8E}"/>
+              </a:ext>
+            </a:extLst>
+          </p:cNvPr>
+          <p:cNvSpPr txBox="1"/>
+          <p:nvPr/>
+        </p:nvSpPr>
+        <p:spPr>
+          <a:xfrm>
+            <a:off x="4883021" y="1915023"/>
+            <a:ext cx="3337249" cy="584775"/>
+          </a:xfrm>
+          <a:prstGeom prst="rect">
+            <a:avLst/>
+          </a:prstGeom>
+          <a:noFill/>
+        </p:spPr>
+        <p:txBody>
+          <a:bodyPr wrap="square">
+            <a:spAutoFit/>
+          </a:bodyPr>
+          <a:lstStyle/>
+          <a:p>
+            <a:r>
+              <a:rPr lang="en-CA" sz="3200" b="1" dirty="0" err="1">
+                <a:hlinkClick r:id="rId4">
+                  <a:extLst>
+                    <a:ext uri="{A12FA001-AC4F-418D-AE19-62706E023703}">
+                      <ahyp:hlinkClr xmlns:ahyp="http://schemas.microsoft.com/office/drawing/2018/hyperlinkcolor" val="tx"/>
+                    </a:ext>
+                  </a:extLst>
+                </a:hlinkClick>
+              </a:rPr>
+              <a:t>DataFrames.jl</a:t>
+            </a:r>
+            <a:endParaRPr lang="en-CA" sz="3200" b="1" dirty="0"/>
+          </a:p>
+        </p:txBody>
+      </p:sp>
     </p:spTree>
     <p:extLst>
       <p:ext uri="{BB962C8B-B14F-4D97-AF65-F5344CB8AC3E}">
-        <p14:creationId xmlns:p14="http://schemas.microsoft.com/office/powerpoint/2010/main" val="4217931981"/>
+        <p14:creationId xmlns:p14="http://schemas.microsoft.com/office/powerpoint/2010/main" val="154442912"/>
       </p:ext>
     </p:extLst>
   </p:cSld>
@@ -15054,10 +16934,10 @@
       </p:grpSpPr>
       <p:sp>
         <p:nvSpPr>
-          <p:cNvPr id="6" name="Rectangle: Rounded Corners 5">
+          <p:cNvPr id="5" name="Rectangle: Rounded Corners 4">
             <a:extLst>
               <a:ext uri="{FF2B5EF4-FFF2-40B4-BE49-F238E27FC236}">
-                <a16:creationId xmlns:a16="http://schemas.microsoft.com/office/drawing/2014/main" id="{54BD2893-6DF7-40A6-8F51-5849B0A517EC}"/>
+                <a16:creationId xmlns:a16="http://schemas.microsoft.com/office/drawing/2014/main" id="{EC938AFF-5BD0-43A0-B444-CDD10C0C5753}"/>
               </a:ext>
             </a:extLst>
           </p:cNvPr>
@@ -15066,14 +16946,14 @@
         </p:nvSpPr>
         <p:spPr>
           <a:xfrm>
-            <a:off x="786617" y="650229"/>
-            <a:ext cx="2180517" cy="1458489"/>
+            <a:off x="786618" y="650229"/>
+            <a:ext cx="2591064" cy="1505142"/>
           </a:xfrm>
           <a:prstGeom prst="roundRect">
             <a:avLst/>
           </a:prstGeom>
           <a:solidFill>
-            <a:srgbClr val="9558B2"/>
+            <a:srgbClr val="389826"/>
           </a:solidFill>
           <a:ln>
             <a:noFill/>
@@ -15101,8 +16981,8 @@
           <a:p>
             <a:pPr algn="ctr"/>
             <a:r>
-              <a:rPr lang="fr-CA" sz="2800" dirty="0"/>
-              <a:t>Model Training</a:t>
+              <a:rPr lang="fr-CA" sz="2800" dirty="0" err="1"/>
+              <a:t>Preprocessing</a:t>
             </a:r>
             <a:endParaRPr lang="en-CA" sz="2800" dirty="0"/>
           </a:p>
@@ -15110,10 +16990,10 @@
       </p:sp>
       <p:sp>
         <p:nvSpPr>
-          <p:cNvPr id="5" name="TextBox 4">
+          <p:cNvPr id="12" name="TextBox 11">
             <a:extLst>
               <a:ext uri="{FF2B5EF4-FFF2-40B4-BE49-F238E27FC236}">
-                <a16:creationId xmlns:a16="http://schemas.microsoft.com/office/drawing/2014/main" id="{145365B3-7C26-4C7D-8629-7C74126B449C}"/>
+                <a16:creationId xmlns:a16="http://schemas.microsoft.com/office/drawing/2014/main" id="{9236F6E0-458A-4C95-8192-B9B542306D9F}"/>
               </a:ext>
             </a:extLst>
           </p:cNvPr>
@@ -15122,8 +17002,8 @@
         </p:nvSpPr>
         <p:spPr>
           <a:xfrm>
-            <a:off x="786617" y="2944812"/>
-            <a:ext cx="6379293" cy="2585323"/>
+            <a:off x="1586592" y="3000088"/>
+            <a:ext cx="9018814" cy="2862322"/>
           </a:xfrm>
           <a:prstGeom prst="rect">
             <a:avLst/>
@@ -15140,558 +17020,77 @@
           </a:bodyPr>
           <a:lstStyle/>
           <a:p>
+            <a:r>
+              <a:rPr lang="en-CA" b="0" dirty="0">
+                <a:solidFill>
+                  <a:srgbClr val="C678DD"/>
+                </a:solidFill>
+                <a:effectLst/>
+                <a:latin typeface="Consolas" panose="020B0609020204030204" pitchFamily="49" charset="0"/>
+              </a:rPr>
+              <a:t>struct</a:t>
+            </a:r>
+            <a:r>
+              <a:rPr lang="en-CA" b="0" dirty="0">
+                <a:solidFill>
+                  <a:srgbClr val="ABB2BF"/>
+                </a:solidFill>
+                <a:effectLst/>
+                <a:latin typeface="Consolas" panose="020B0609020204030204" pitchFamily="49" charset="0"/>
+              </a:rPr>
+              <a:t> </a:t>
+            </a:r>
+            <a:r>
+              <a:rPr lang="en-CA" b="0" dirty="0" err="1">
+                <a:solidFill>
+                  <a:srgbClr val="ABB2BF"/>
+                </a:solidFill>
+                <a:effectLst/>
+                <a:latin typeface="Consolas" panose="020B0609020204030204" pitchFamily="49" charset="0"/>
+              </a:rPr>
+              <a:t>Preproc</a:t>
+            </a:r>
+            <a:r>
+              <a:rPr lang="en-CA" b="0" dirty="0">
+                <a:solidFill>
+                  <a:srgbClr val="ABB2BF"/>
+                </a:solidFill>
+                <a:effectLst/>
+                <a:latin typeface="Consolas" panose="020B0609020204030204" pitchFamily="49" charset="0"/>
+              </a:rPr>
+              <a:t> </a:t>
+            </a:r>
+            <a:r>
+              <a:rPr lang="en-CA" b="0" dirty="0">
+                <a:solidFill>
+                  <a:srgbClr val="C678DD"/>
+                </a:solidFill>
+                <a:effectLst/>
+                <a:latin typeface="Consolas" panose="020B0609020204030204" pitchFamily="49" charset="0"/>
+              </a:rPr>
+              <a:t>&lt;:</a:t>
+            </a:r>
+            <a:r>
+              <a:rPr lang="en-CA" b="0" dirty="0">
+                <a:solidFill>
+                  <a:srgbClr val="ABB2BF"/>
+                </a:solidFill>
+                <a:effectLst/>
+                <a:latin typeface="Consolas" panose="020B0609020204030204" pitchFamily="49" charset="0"/>
+              </a:rPr>
+              <a:t> </a:t>
+            </a:r>
+            <a:r>
+              <a:rPr lang="en-CA" b="0" dirty="0">
+                <a:solidFill>
+                  <a:srgbClr val="56B6C2"/>
+                </a:solidFill>
+                <a:effectLst/>
+                <a:latin typeface="Consolas" panose="020B0609020204030204" pitchFamily="49" charset="0"/>
+              </a:rPr>
+              <a:t>Function</a:t>
+            </a:r>
             <a:endParaRPr lang="en-CA" b="0" dirty="0">
-              <a:solidFill>
-                <a:srgbClr val="C678DD"/>
-              </a:solidFill>
-              <a:effectLst/>
-              <a:latin typeface="Consolas" panose="020B0609020204030204" pitchFamily="49" charset="0"/>
-            </a:endParaRPr>
-          </a:p>
-          <a:p>
-            <a:r>
-              <a:rPr lang="en-CA" b="0" dirty="0">
-                <a:solidFill>
-                  <a:srgbClr val="ABB2BF"/>
-                </a:solidFill>
-                <a:effectLst/>
-                <a:latin typeface="Consolas" panose="020B0609020204030204" pitchFamily="49" charset="0"/>
-              </a:rPr>
-              <a:t>m </a:t>
-            </a:r>
-            <a:r>
-              <a:rPr lang="en-CA" b="0" dirty="0">
-                <a:solidFill>
-                  <a:srgbClr val="C678DD"/>
-                </a:solidFill>
-                <a:effectLst/>
-                <a:latin typeface="Consolas" panose="020B0609020204030204" pitchFamily="49" charset="0"/>
-              </a:rPr>
-              <a:t>=</a:t>
-            </a:r>
-            <a:r>
-              <a:rPr lang="en-CA" b="0" dirty="0">
-                <a:solidFill>
-                  <a:srgbClr val="ABB2BF"/>
-                </a:solidFill>
-                <a:effectLst/>
-                <a:latin typeface="Consolas" panose="020B0609020204030204" pitchFamily="49" charset="0"/>
-              </a:rPr>
-              <a:t> </a:t>
-            </a:r>
-            <a:r>
-              <a:rPr lang="en-CA" b="0" dirty="0">
-                <a:solidFill>
-                  <a:srgbClr val="56B6C2"/>
-                </a:solidFill>
-                <a:effectLst/>
-                <a:latin typeface="Consolas" panose="020B0609020204030204" pitchFamily="49" charset="0"/>
-              </a:rPr>
-              <a:t>Chain</a:t>
-            </a:r>
-            <a:r>
-              <a:rPr lang="en-CA" b="0" dirty="0">
-                <a:solidFill>
-                  <a:srgbClr val="ABB2BF"/>
-                </a:solidFill>
-                <a:effectLst/>
-                <a:latin typeface="Consolas" panose="020B0609020204030204" pitchFamily="49" charset="0"/>
-              </a:rPr>
-              <a:t>(</a:t>
-            </a:r>
-          </a:p>
-          <a:p>
-            <a:r>
-              <a:rPr lang="en-CA" b="0" dirty="0">
-                <a:solidFill>
-                  <a:srgbClr val="ABB2BF"/>
-                </a:solidFill>
-                <a:effectLst/>
-                <a:latin typeface="Consolas" panose="020B0609020204030204" pitchFamily="49" charset="0"/>
-              </a:rPr>
-              <a:t>        </a:t>
-            </a:r>
-            <a:r>
-              <a:rPr lang="en-CA" b="0" dirty="0">
-                <a:solidFill>
-                  <a:srgbClr val="56B6C2"/>
-                </a:solidFill>
-                <a:effectLst/>
-                <a:latin typeface="Consolas" panose="020B0609020204030204" pitchFamily="49" charset="0"/>
-              </a:rPr>
-              <a:t>Dense</a:t>
-            </a:r>
-            <a:r>
-              <a:rPr lang="en-CA" b="0" dirty="0">
-                <a:solidFill>
-                  <a:srgbClr val="ABB2BF"/>
-                </a:solidFill>
-                <a:effectLst/>
-                <a:latin typeface="Consolas" panose="020B0609020204030204" pitchFamily="49" charset="0"/>
-              </a:rPr>
-              <a:t>(</a:t>
-            </a:r>
-            <a:r>
-              <a:rPr lang="en-CA" b="0" dirty="0" err="1">
-                <a:solidFill>
-                  <a:srgbClr val="ABB2BF"/>
-                </a:solidFill>
-                <a:effectLst/>
-                <a:latin typeface="Consolas" panose="020B0609020204030204" pitchFamily="49" charset="0"/>
-              </a:rPr>
-              <a:t>num_feats</a:t>
-            </a:r>
-            <a:r>
-              <a:rPr lang="en-CA" b="0" dirty="0">
-                <a:solidFill>
-                  <a:srgbClr val="ABB2BF"/>
-                </a:solidFill>
-                <a:effectLst/>
-                <a:latin typeface="Consolas" panose="020B0609020204030204" pitchFamily="49" charset="0"/>
-              </a:rPr>
-              <a:t>, </a:t>
-            </a:r>
-            <a:r>
-              <a:rPr lang="en-CA" b="0" dirty="0">
-                <a:solidFill>
-                  <a:srgbClr val="D19A66"/>
-                </a:solidFill>
-                <a:effectLst/>
-                <a:latin typeface="Consolas" panose="020B0609020204030204" pitchFamily="49" charset="0"/>
-              </a:rPr>
-              <a:t>64</a:t>
-            </a:r>
-            <a:r>
-              <a:rPr lang="en-CA" b="0" dirty="0">
-                <a:solidFill>
-                  <a:srgbClr val="ABB2BF"/>
-                </a:solidFill>
-                <a:effectLst/>
-                <a:latin typeface="Consolas" panose="020B0609020204030204" pitchFamily="49" charset="0"/>
-              </a:rPr>
-              <a:t>, </a:t>
-            </a:r>
-            <a:r>
-              <a:rPr lang="en-CA" b="0" dirty="0" err="1">
-                <a:solidFill>
-                  <a:srgbClr val="ABB2BF"/>
-                </a:solidFill>
-                <a:effectLst/>
-                <a:latin typeface="Consolas" panose="020B0609020204030204" pitchFamily="49" charset="0"/>
-              </a:rPr>
-              <a:t>relu</a:t>
-            </a:r>
-            <a:r>
-              <a:rPr lang="en-CA" b="0" dirty="0">
-                <a:solidFill>
-                  <a:srgbClr val="ABB2BF"/>
-                </a:solidFill>
-                <a:effectLst/>
-                <a:latin typeface="Consolas" panose="020B0609020204030204" pitchFamily="49" charset="0"/>
-              </a:rPr>
-              <a:t>),</a:t>
-            </a:r>
-          </a:p>
-          <a:p>
-            <a:r>
-              <a:rPr lang="en-CA" b="0" dirty="0">
-                <a:solidFill>
-                  <a:srgbClr val="ABB2BF"/>
-                </a:solidFill>
-                <a:effectLst/>
-                <a:latin typeface="Consolas" panose="020B0609020204030204" pitchFamily="49" charset="0"/>
-              </a:rPr>
-              <a:t>        </a:t>
-            </a:r>
-            <a:r>
-              <a:rPr lang="en-CA" b="0" dirty="0">
-                <a:solidFill>
-                  <a:srgbClr val="56B6C2"/>
-                </a:solidFill>
-                <a:effectLst/>
-                <a:latin typeface="Consolas" panose="020B0609020204030204" pitchFamily="49" charset="0"/>
-              </a:rPr>
-              <a:t>Dropout</a:t>
-            </a:r>
-            <a:r>
-              <a:rPr lang="en-CA" b="0" dirty="0">
-                <a:solidFill>
-                  <a:srgbClr val="ABB2BF"/>
-                </a:solidFill>
-                <a:effectLst/>
-                <a:latin typeface="Consolas" panose="020B0609020204030204" pitchFamily="49" charset="0"/>
-              </a:rPr>
-              <a:t>(</a:t>
-            </a:r>
-            <a:r>
-              <a:rPr lang="en-CA" b="0" dirty="0">
-                <a:solidFill>
-                  <a:srgbClr val="D19A66"/>
-                </a:solidFill>
-                <a:effectLst/>
-                <a:latin typeface="Consolas" panose="020B0609020204030204" pitchFamily="49" charset="0"/>
-              </a:rPr>
-              <a:t>0.5</a:t>
-            </a:r>
-            <a:r>
-              <a:rPr lang="en-CA" b="0" dirty="0">
-                <a:solidFill>
-                  <a:srgbClr val="ABB2BF"/>
-                </a:solidFill>
-                <a:effectLst/>
-                <a:latin typeface="Consolas" panose="020B0609020204030204" pitchFamily="49" charset="0"/>
-              </a:rPr>
-              <a:t>),</a:t>
-            </a:r>
-          </a:p>
-          <a:p>
-            <a:r>
-              <a:rPr lang="en-CA" b="0" dirty="0">
-                <a:solidFill>
-                  <a:srgbClr val="ABB2BF"/>
-                </a:solidFill>
-                <a:effectLst/>
-                <a:latin typeface="Consolas" panose="020B0609020204030204" pitchFamily="49" charset="0"/>
-              </a:rPr>
-              <a:t>        </a:t>
-            </a:r>
-            <a:r>
-              <a:rPr lang="en-CA" b="0" dirty="0">
-                <a:solidFill>
-                  <a:srgbClr val="56B6C2"/>
-                </a:solidFill>
-                <a:effectLst/>
-                <a:latin typeface="Consolas" panose="020B0609020204030204" pitchFamily="49" charset="0"/>
-              </a:rPr>
-              <a:t>Dense</a:t>
-            </a:r>
-            <a:r>
-              <a:rPr lang="en-CA" b="0" dirty="0">
-                <a:solidFill>
-                  <a:srgbClr val="ABB2BF"/>
-                </a:solidFill>
-                <a:effectLst/>
-                <a:latin typeface="Consolas" panose="020B0609020204030204" pitchFamily="49" charset="0"/>
-              </a:rPr>
-              <a:t>(</a:t>
-            </a:r>
-            <a:r>
-              <a:rPr lang="en-CA" b="0" dirty="0">
-                <a:solidFill>
-                  <a:srgbClr val="D19A66"/>
-                </a:solidFill>
-                <a:effectLst/>
-                <a:latin typeface="Consolas" panose="020B0609020204030204" pitchFamily="49" charset="0"/>
-              </a:rPr>
-              <a:t>64</a:t>
-            </a:r>
-            <a:r>
-              <a:rPr lang="en-CA" b="0" dirty="0">
-                <a:solidFill>
-                  <a:srgbClr val="ABB2BF"/>
-                </a:solidFill>
-                <a:effectLst/>
-                <a:latin typeface="Consolas" panose="020B0609020204030204" pitchFamily="49" charset="0"/>
-              </a:rPr>
-              <a:t>, </a:t>
-            </a:r>
-            <a:r>
-              <a:rPr lang="en-CA" b="0" dirty="0">
-                <a:solidFill>
-                  <a:srgbClr val="D19A66"/>
-                </a:solidFill>
-                <a:effectLst/>
-                <a:latin typeface="Consolas" panose="020B0609020204030204" pitchFamily="49" charset="0"/>
-              </a:rPr>
-              <a:t>32</a:t>
-            </a:r>
-            <a:r>
-              <a:rPr lang="en-CA" b="0" dirty="0">
-                <a:solidFill>
-                  <a:srgbClr val="ABB2BF"/>
-                </a:solidFill>
-                <a:effectLst/>
-                <a:latin typeface="Consolas" panose="020B0609020204030204" pitchFamily="49" charset="0"/>
-              </a:rPr>
-              <a:t>, </a:t>
-            </a:r>
-            <a:r>
-              <a:rPr lang="en-CA" b="0" dirty="0" err="1">
-                <a:solidFill>
-                  <a:srgbClr val="ABB2BF"/>
-                </a:solidFill>
-                <a:effectLst/>
-                <a:latin typeface="Consolas" panose="020B0609020204030204" pitchFamily="49" charset="0"/>
-              </a:rPr>
-              <a:t>relu</a:t>
-            </a:r>
-            <a:r>
-              <a:rPr lang="en-CA" b="0" dirty="0">
-                <a:solidFill>
-                  <a:srgbClr val="ABB2BF"/>
-                </a:solidFill>
-                <a:effectLst/>
-                <a:latin typeface="Consolas" panose="020B0609020204030204" pitchFamily="49" charset="0"/>
-              </a:rPr>
-              <a:t>),</a:t>
-            </a:r>
-          </a:p>
-          <a:p>
-            <a:r>
-              <a:rPr lang="en-CA" b="0" dirty="0">
-                <a:solidFill>
-                  <a:srgbClr val="ABB2BF"/>
-                </a:solidFill>
-                <a:effectLst/>
-                <a:latin typeface="Consolas" panose="020B0609020204030204" pitchFamily="49" charset="0"/>
-              </a:rPr>
-              <a:t>        </a:t>
-            </a:r>
-            <a:r>
-              <a:rPr lang="en-CA" b="0" dirty="0" err="1">
-                <a:solidFill>
-                  <a:srgbClr val="56B6C2"/>
-                </a:solidFill>
-                <a:effectLst/>
-                <a:latin typeface="Consolas" panose="020B0609020204030204" pitchFamily="49" charset="0"/>
-              </a:rPr>
-              <a:t>SkipConnection</a:t>
-            </a:r>
-            <a:r>
-              <a:rPr lang="en-CA" b="0" dirty="0">
-                <a:solidFill>
-                  <a:srgbClr val="ABB2BF"/>
-                </a:solidFill>
-                <a:effectLst/>
-                <a:latin typeface="Consolas" panose="020B0609020204030204" pitchFamily="49" charset="0"/>
-              </a:rPr>
-              <a:t>(</a:t>
-            </a:r>
-            <a:r>
-              <a:rPr lang="en-CA" b="0" dirty="0">
-                <a:solidFill>
-                  <a:srgbClr val="56B6C2"/>
-                </a:solidFill>
-                <a:effectLst/>
-                <a:latin typeface="Consolas" panose="020B0609020204030204" pitchFamily="49" charset="0"/>
-              </a:rPr>
-              <a:t>Dense</a:t>
-            </a:r>
-            <a:r>
-              <a:rPr lang="en-CA" b="0" dirty="0">
-                <a:solidFill>
-                  <a:srgbClr val="ABB2BF"/>
-                </a:solidFill>
-                <a:effectLst/>
-                <a:latin typeface="Consolas" panose="020B0609020204030204" pitchFamily="49" charset="0"/>
-              </a:rPr>
-              <a:t>(</a:t>
-            </a:r>
-            <a:r>
-              <a:rPr lang="en-CA" b="0" dirty="0">
-                <a:solidFill>
-                  <a:srgbClr val="D19A66"/>
-                </a:solidFill>
-                <a:effectLst/>
-                <a:latin typeface="Consolas" panose="020B0609020204030204" pitchFamily="49" charset="0"/>
-              </a:rPr>
-              <a:t>32</a:t>
-            </a:r>
-            <a:r>
-              <a:rPr lang="en-CA" b="0" dirty="0">
-                <a:solidFill>
-                  <a:srgbClr val="ABB2BF"/>
-                </a:solidFill>
-                <a:effectLst/>
-                <a:latin typeface="Consolas" panose="020B0609020204030204" pitchFamily="49" charset="0"/>
-              </a:rPr>
-              <a:t>, </a:t>
-            </a:r>
-            <a:r>
-              <a:rPr lang="en-CA" b="0" dirty="0">
-                <a:solidFill>
-                  <a:srgbClr val="D19A66"/>
-                </a:solidFill>
-                <a:effectLst/>
-                <a:latin typeface="Consolas" panose="020B0609020204030204" pitchFamily="49" charset="0"/>
-              </a:rPr>
-              <a:t>32</a:t>
-            </a:r>
-            <a:r>
-              <a:rPr lang="en-CA" b="0" dirty="0">
-                <a:solidFill>
-                  <a:srgbClr val="ABB2BF"/>
-                </a:solidFill>
-                <a:effectLst/>
-                <a:latin typeface="Consolas" panose="020B0609020204030204" pitchFamily="49" charset="0"/>
-              </a:rPr>
-              <a:t>, </a:t>
-            </a:r>
-            <a:r>
-              <a:rPr lang="en-CA" b="0" dirty="0" err="1">
-                <a:solidFill>
-                  <a:srgbClr val="ABB2BF"/>
-                </a:solidFill>
-                <a:effectLst/>
-                <a:latin typeface="Consolas" panose="020B0609020204030204" pitchFamily="49" charset="0"/>
-              </a:rPr>
-              <a:t>relu</a:t>
-            </a:r>
-            <a:r>
-              <a:rPr lang="en-CA" b="0" dirty="0">
-                <a:solidFill>
-                  <a:srgbClr val="ABB2BF"/>
-                </a:solidFill>
-                <a:effectLst/>
-                <a:latin typeface="Consolas" panose="020B0609020204030204" pitchFamily="49" charset="0"/>
-              </a:rPr>
-              <a:t>), </a:t>
-            </a:r>
-            <a:r>
-              <a:rPr lang="en-CA" b="0" dirty="0">
-                <a:solidFill>
-                  <a:srgbClr val="C678DD"/>
-                </a:solidFill>
-                <a:effectLst/>
-                <a:latin typeface="Consolas" panose="020B0609020204030204" pitchFamily="49" charset="0"/>
-              </a:rPr>
-              <a:t>+</a:t>
-            </a:r>
-            <a:r>
-              <a:rPr lang="en-CA" b="0" dirty="0">
-                <a:solidFill>
-                  <a:srgbClr val="ABB2BF"/>
-                </a:solidFill>
-                <a:effectLst/>
-                <a:latin typeface="Consolas" panose="020B0609020204030204" pitchFamily="49" charset="0"/>
-              </a:rPr>
-              <a:t>),</a:t>
-            </a:r>
-          </a:p>
-          <a:p>
-            <a:r>
-              <a:rPr lang="en-CA" b="0" dirty="0">
-                <a:solidFill>
-                  <a:srgbClr val="ABB2BF"/>
-                </a:solidFill>
-                <a:effectLst/>
-                <a:latin typeface="Consolas" panose="020B0609020204030204" pitchFamily="49" charset="0"/>
-              </a:rPr>
-              <a:t>        </a:t>
-            </a:r>
-            <a:r>
-              <a:rPr lang="en-CA" b="0" dirty="0">
-                <a:solidFill>
-                  <a:srgbClr val="56B6C2"/>
-                </a:solidFill>
-                <a:effectLst/>
-                <a:latin typeface="Consolas" panose="020B0609020204030204" pitchFamily="49" charset="0"/>
-              </a:rPr>
-              <a:t>Dense</a:t>
-            </a:r>
-            <a:r>
-              <a:rPr lang="en-CA" b="0" dirty="0">
-                <a:solidFill>
-                  <a:srgbClr val="ABB2BF"/>
-                </a:solidFill>
-                <a:effectLst/>
-                <a:latin typeface="Consolas" panose="020B0609020204030204" pitchFamily="49" charset="0"/>
-              </a:rPr>
-              <a:t>(</a:t>
-            </a:r>
-            <a:r>
-              <a:rPr lang="en-CA" b="0" dirty="0">
-                <a:solidFill>
-                  <a:srgbClr val="D19A66"/>
-                </a:solidFill>
-                <a:effectLst/>
-                <a:latin typeface="Consolas" panose="020B0609020204030204" pitchFamily="49" charset="0"/>
-              </a:rPr>
-              <a:t>32</a:t>
-            </a:r>
-            <a:r>
-              <a:rPr lang="en-CA" b="0" dirty="0">
-                <a:solidFill>
-                  <a:srgbClr val="ABB2BF"/>
-                </a:solidFill>
-                <a:effectLst/>
-                <a:latin typeface="Consolas" panose="020B0609020204030204" pitchFamily="49" charset="0"/>
-              </a:rPr>
-              <a:t>, </a:t>
-            </a:r>
-            <a:r>
-              <a:rPr lang="en-CA" b="0" dirty="0">
-                <a:solidFill>
-                  <a:srgbClr val="D19A66"/>
-                </a:solidFill>
-                <a:effectLst/>
-                <a:latin typeface="Consolas" panose="020B0609020204030204" pitchFamily="49" charset="0"/>
-              </a:rPr>
-              <a:t>1</a:t>
-            </a:r>
-            <a:r>
-              <a:rPr lang="en-CA" b="0" dirty="0">
-                <a:solidFill>
-                  <a:srgbClr val="ABB2BF"/>
-                </a:solidFill>
-                <a:effectLst/>
-                <a:latin typeface="Consolas" panose="020B0609020204030204" pitchFamily="49" charset="0"/>
-              </a:rPr>
-              <a:t>),</a:t>
-            </a:r>
-          </a:p>
-          <a:p>
-            <a:r>
-              <a:rPr lang="en-CA" b="0" dirty="0">
-                <a:solidFill>
-                  <a:srgbClr val="ABB2BF"/>
-                </a:solidFill>
-                <a:effectLst/>
-                <a:latin typeface="Consolas" panose="020B0609020204030204" pitchFamily="49" charset="0"/>
-              </a:rPr>
-              <a:t>        x </a:t>
-            </a:r>
-            <a:r>
-              <a:rPr lang="en-CA" b="0" dirty="0">
-                <a:solidFill>
-                  <a:srgbClr val="C678DD"/>
-                </a:solidFill>
-                <a:effectLst/>
-                <a:latin typeface="Consolas" panose="020B0609020204030204" pitchFamily="49" charset="0"/>
-              </a:rPr>
-              <a:t>-&gt;</a:t>
-            </a:r>
-            <a:r>
-              <a:rPr lang="en-CA" b="0" dirty="0">
-                <a:solidFill>
-                  <a:srgbClr val="ABB2BF"/>
-                </a:solidFill>
-                <a:effectLst/>
-                <a:latin typeface="Consolas" panose="020B0609020204030204" pitchFamily="49" charset="0"/>
-              </a:rPr>
-              <a:t> </a:t>
-            </a:r>
-            <a:r>
-              <a:rPr lang="en-CA" b="0" dirty="0">
-                <a:solidFill>
-                  <a:srgbClr val="56B6C2"/>
-                </a:solidFill>
-                <a:effectLst/>
-                <a:latin typeface="Consolas" panose="020B0609020204030204" pitchFamily="49" charset="0"/>
-              </a:rPr>
-              <a:t>reshape</a:t>
-            </a:r>
-            <a:r>
-              <a:rPr lang="en-CA" b="0" dirty="0">
-                <a:solidFill>
-                  <a:srgbClr val="ABB2BF"/>
-                </a:solidFill>
-                <a:effectLst/>
-                <a:latin typeface="Consolas" panose="020B0609020204030204" pitchFamily="49" charset="0"/>
-              </a:rPr>
-              <a:t>(x, :))</a:t>
-            </a:r>
-            <a:endParaRPr lang="en-US" b="0" dirty="0">
               <a:solidFill>
                 <a:srgbClr val="ABB2BF"/>
               </a:solidFill>
@@ -15700,7 +17099,37 @@
             </a:endParaRPr>
           </a:p>
           <a:p>
-            <a:endParaRPr lang="en-US" b="0" dirty="0">
+            <a:r>
+              <a:rPr lang="en-CA" b="0" dirty="0">
+                <a:solidFill>
+                  <a:srgbClr val="ABB2BF"/>
+                </a:solidFill>
+                <a:effectLst/>
+                <a:latin typeface="Consolas" panose="020B0609020204030204" pitchFamily="49" charset="0"/>
+              </a:rPr>
+              <a:t>    layers</a:t>
+            </a:r>
+            <a:r>
+              <a:rPr lang="en-CA" b="0" dirty="0">
+                <a:solidFill>
+                  <a:srgbClr val="C678DD"/>
+                </a:solidFill>
+                <a:effectLst/>
+                <a:latin typeface="Consolas" panose="020B0609020204030204" pitchFamily="49" charset="0"/>
+              </a:rPr>
+              <a:t>::</a:t>
+            </a:r>
+            <a:r>
+              <a:rPr lang="en-CA" b="0" dirty="0">
+                <a:solidFill>
+                  <a:srgbClr val="56B6C2"/>
+                </a:solidFill>
+                <a:effectLst/>
+                <a:latin typeface="Consolas" panose="020B0609020204030204" pitchFamily="49" charset="0"/>
+              </a:rPr>
+              <a:t>Vector</a:t>
+            </a:r>
+            <a:endParaRPr lang="en-CA" b="0" dirty="0">
               <a:solidFill>
                 <a:srgbClr val="ABB2BF"/>
               </a:solidFill>
@@ -15708,792 +17137,324 @@
               <a:latin typeface="Consolas" panose="020B0609020204030204" pitchFamily="49" charset="0"/>
             </a:endParaRPr>
           </a:p>
+          <a:p>
+            <a:r>
+              <a:rPr lang="en-CA" b="0" dirty="0">
+                <a:solidFill>
+                  <a:srgbClr val="C678DD"/>
+                </a:solidFill>
+                <a:effectLst/>
+                <a:latin typeface="Consolas" panose="020B0609020204030204" pitchFamily="49" charset="0"/>
+              </a:rPr>
+              <a:t>end</a:t>
+            </a:r>
+            <a:endParaRPr lang="en-CA" b="0" dirty="0">
+              <a:solidFill>
+                <a:srgbClr val="ABB2BF"/>
+              </a:solidFill>
+              <a:effectLst/>
+              <a:latin typeface="Consolas" panose="020B0609020204030204" pitchFamily="49" charset="0"/>
+            </a:endParaRPr>
+          </a:p>
+          <a:p>
+            <a:br>
+              <a:rPr lang="en-CA" b="0" dirty="0">
+                <a:solidFill>
+                  <a:srgbClr val="ABB2BF"/>
+                </a:solidFill>
+                <a:effectLst/>
+                <a:latin typeface="Consolas" panose="020B0609020204030204" pitchFamily="49" charset="0"/>
+              </a:rPr>
+            </a:br>
+            <a:r>
+              <a:rPr lang="en-CA" b="0" dirty="0">
+                <a:solidFill>
+                  <a:srgbClr val="C678DD"/>
+                </a:solidFill>
+                <a:effectLst/>
+                <a:latin typeface="Consolas" panose="020B0609020204030204" pitchFamily="49" charset="0"/>
+              </a:rPr>
+              <a:t>function</a:t>
+            </a:r>
+            <a:r>
+              <a:rPr lang="en-CA" b="0" dirty="0">
+                <a:solidFill>
+                  <a:srgbClr val="ABB2BF"/>
+                </a:solidFill>
+                <a:effectLst/>
+                <a:latin typeface="Consolas" panose="020B0609020204030204" pitchFamily="49" charset="0"/>
+              </a:rPr>
+              <a:t> (p</a:t>
+            </a:r>
+            <a:r>
+              <a:rPr lang="en-CA" b="0" dirty="0">
+                <a:solidFill>
+                  <a:srgbClr val="C678DD"/>
+                </a:solidFill>
+                <a:effectLst/>
+                <a:latin typeface="Consolas" panose="020B0609020204030204" pitchFamily="49" charset="0"/>
+              </a:rPr>
+              <a:t>::</a:t>
+            </a:r>
+            <a:r>
+              <a:rPr lang="en-CA" b="0" dirty="0" err="1">
+                <a:solidFill>
+                  <a:srgbClr val="56B6C2"/>
+                </a:solidFill>
+                <a:effectLst/>
+                <a:latin typeface="Consolas" panose="020B0609020204030204" pitchFamily="49" charset="0"/>
+              </a:rPr>
+              <a:t>Preproc</a:t>
+            </a:r>
+            <a:r>
+              <a:rPr lang="en-CA" b="0" dirty="0">
+                <a:solidFill>
+                  <a:srgbClr val="ABB2BF"/>
+                </a:solidFill>
+                <a:effectLst/>
+                <a:latin typeface="Consolas" panose="020B0609020204030204" pitchFamily="49" charset="0"/>
+              </a:rPr>
+              <a:t>)(df</a:t>
+            </a:r>
+            <a:r>
+              <a:rPr lang="en-CA" b="0" dirty="0">
+                <a:solidFill>
+                  <a:srgbClr val="C678DD"/>
+                </a:solidFill>
+                <a:effectLst/>
+                <a:latin typeface="Consolas" panose="020B0609020204030204" pitchFamily="49" charset="0"/>
+              </a:rPr>
+              <a:t>::</a:t>
+            </a:r>
+            <a:r>
+              <a:rPr lang="en-CA" b="0" dirty="0" err="1">
+                <a:solidFill>
+                  <a:srgbClr val="56B6C2"/>
+                </a:solidFill>
+                <a:effectLst/>
+                <a:latin typeface="Consolas" panose="020B0609020204030204" pitchFamily="49" charset="0"/>
+              </a:rPr>
+              <a:t>DataFrame</a:t>
+            </a:r>
+            <a:r>
+              <a:rPr lang="en-CA" b="0" dirty="0">
+                <a:solidFill>
+                  <a:srgbClr val="ABB2BF"/>
+                </a:solidFill>
+                <a:effectLst/>
+                <a:latin typeface="Consolas" panose="020B0609020204030204" pitchFamily="49" charset="0"/>
+              </a:rPr>
+              <a:t>)</a:t>
+            </a:r>
+          </a:p>
+          <a:p>
+            <a:r>
+              <a:rPr lang="en-CA" b="0" dirty="0">
+                <a:solidFill>
+                  <a:srgbClr val="ABB2BF"/>
+                </a:solidFill>
+                <a:effectLst/>
+                <a:latin typeface="Consolas" panose="020B0609020204030204" pitchFamily="49" charset="0"/>
+              </a:rPr>
+              <a:t>    </a:t>
+            </a:r>
+            <a:r>
+              <a:rPr lang="en-CA" b="0" dirty="0">
+                <a:solidFill>
+                  <a:srgbClr val="C678DD"/>
+                </a:solidFill>
+                <a:effectLst/>
+                <a:latin typeface="Consolas" panose="020B0609020204030204" pitchFamily="49" charset="0"/>
+              </a:rPr>
+              <a:t>for</a:t>
+            </a:r>
+            <a:r>
+              <a:rPr lang="en-CA" b="0" dirty="0">
+                <a:solidFill>
+                  <a:srgbClr val="ABB2BF"/>
+                </a:solidFill>
+                <a:effectLst/>
+                <a:latin typeface="Consolas" panose="020B0609020204030204" pitchFamily="49" charset="0"/>
+              </a:rPr>
+              <a:t> layer </a:t>
+            </a:r>
+            <a:r>
+              <a:rPr lang="en-CA" b="0" dirty="0">
+                <a:solidFill>
+                  <a:srgbClr val="C678DD"/>
+                </a:solidFill>
+                <a:effectLst/>
+                <a:latin typeface="Consolas" panose="020B0609020204030204" pitchFamily="49" charset="0"/>
+              </a:rPr>
+              <a:t>in</a:t>
+            </a:r>
+            <a:r>
+              <a:rPr lang="en-CA" b="0" dirty="0">
+                <a:solidFill>
+                  <a:srgbClr val="ABB2BF"/>
+                </a:solidFill>
+                <a:effectLst/>
+                <a:latin typeface="Consolas" panose="020B0609020204030204" pitchFamily="49" charset="0"/>
+              </a:rPr>
+              <a:t> </a:t>
+            </a:r>
+            <a:r>
+              <a:rPr lang="en-CA" b="0" dirty="0" err="1">
+                <a:solidFill>
+                  <a:srgbClr val="ABB2BF"/>
+                </a:solidFill>
+                <a:effectLst/>
+                <a:latin typeface="Consolas" panose="020B0609020204030204" pitchFamily="49" charset="0"/>
+              </a:rPr>
+              <a:t>p</a:t>
+            </a:r>
+            <a:r>
+              <a:rPr lang="en-CA" b="0" dirty="0" err="1">
+                <a:solidFill>
+                  <a:srgbClr val="C678DD"/>
+                </a:solidFill>
+                <a:effectLst/>
+                <a:latin typeface="Consolas" panose="020B0609020204030204" pitchFamily="49" charset="0"/>
+              </a:rPr>
+              <a:t>.</a:t>
+            </a:r>
+            <a:r>
+              <a:rPr lang="en-CA" b="0" dirty="0" err="1">
+                <a:solidFill>
+                  <a:srgbClr val="ABB2BF"/>
+                </a:solidFill>
+                <a:effectLst/>
+                <a:latin typeface="Consolas" panose="020B0609020204030204" pitchFamily="49" charset="0"/>
+              </a:rPr>
+              <a:t>layers</a:t>
+            </a:r>
+            <a:endParaRPr lang="en-CA" b="0" dirty="0">
+              <a:solidFill>
+                <a:srgbClr val="ABB2BF"/>
+              </a:solidFill>
+              <a:effectLst/>
+              <a:latin typeface="Consolas" panose="020B0609020204030204" pitchFamily="49" charset="0"/>
+            </a:endParaRPr>
+          </a:p>
+          <a:p>
+            <a:r>
+              <a:rPr lang="en-CA" dirty="0">
+                <a:solidFill>
+                  <a:srgbClr val="ABB2BF"/>
+                </a:solidFill>
+                <a:latin typeface="Consolas" panose="020B0609020204030204" pitchFamily="49" charset="0"/>
+              </a:rPr>
+              <a:t>	</a:t>
+            </a:r>
+            <a:r>
+              <a:rPr lang="en-CA" b="0" dirty="0">
+                <a:solidFill>
+                  <a:srgbClr val="56B6C2"/>
+                </a:solidFill>
+                <a:effectLst/>
+                <a:latin typeface="Consolas" panose="020B0609020204030204" pitchFamily="49" charset="0"/>
+              </a:rPr>
+              <a:t>transform!</a:t>
+            </a:r>
+            <a:r>
+              <a:rPr lang="en-CA" b="0" dirty="0">
+                <a:solidFill>
+                  <a:srgbClr val="ABB2BF"/>
+                </a:solidFill>
+                <a:effectLst/>
+                <a:latin typeface="Consolas" panose="020B0609020204030204" pitchFamily="49" charset="0"/>
+              </a:rPr>
+              <a:t>(df, layer)</a:t>
+            </a:r>
+          </a:p>
+          <a:p>
+            <a:r>
+              <a:rPr lang="en-CA" b="0" dirty="0">
+                <a:solidFill>
+                  <a:srgbClr val="ABB2BF"/>
+                </a:solidFill>
+                <a:effectLst/>
+                <a:latin typeface="Consolas" panose="020B0609020204030204" pitchFamily="49" charset="0"/>
+              </a:rPr>
+              <a:t>    </a:t>
+            </a:r>
+            <a:r>
+              <a:rPr lang="en-CA" b="0" dirty="0">
+                <a:solidFill>
+                  <a:srgbClr val="C678DD"/>
+                </a:solidFill>
+                <a:effectLst/>
+                <a:latin typeface="Consolas" panose="020B0609020204030204" pitchFamily="49" charset="0"/>
+              </a:rPr>
+              <a:t>end</a:t>
+            </a:r>
+            <a:endParaRPr lang="en-CA" b="0" dirty="0">
+              <a:solidFill>
+                <a:srgbClr val="ABB2BF"/>
+              </a:solidFill>
+              <a:effectLst/>
+              <a:latin typeface="Consolas" panose="020B0609020204030204" pitchFamily="49" charset="0"/>
+            </a:endParaRPr>
+          </a:p>
+          <a:p>
+            <a:r>
+              <a:rPr lang="en-CA" b="0" dirty="0">
+                <a:solidFill>
+                  <a:srgbClr val="ABB2BF"/>
+                </a:solidFill>
+                <a:effectLst/>
+                <a:latin typeface="Consolas" panose="020B0609020204030204" pitchFamily="49" charset="0"/>
+              </a:rPr>
+              <a:t>    </a:t>
+            </a:r>
+            <a:r>
+              <a:rPr lang="en-CA" b="0" dirty="0">
+                <a:solidFill>
+                  <a:srgbClr val="C678DD"/>
+                </a:solidFill>
+                <a:effectLst/>
+                <a:latin typeface="Consolas" panose="020B0609020204030204" pitchFamily="49" charset="0"/>
+              </a:rPr>
+              <a:t>return</a:t>
+            </a:r>
+            <a:r>
+              <a:rPr lang="en-CA" b="0" dirty="0">
+                <a:solidFill>
+                  <a:srgbClr val="ABB2BF"/>
+                </a:solidFill>
+                <a:effectLst/>
+                <a:latin typeface="Consolas" panose="020B0609020204030204" pitchFamily="49" charset="0"/>
+              </a:rPr>
+              <a:t> df</a:t>
+            </a:r>
+          </a:p>
+          <a:p>
+            <a:r>
+              <a:rPr lang="en-CA" b="0" dirty="0">
+                <a:solidFill>
+                  <a:srgbClr val="C678DD"/>
+                </a:solidFill>
+                <a:effectLst/>
+                <a:latin typeface="Consolas" panose="020B0609020204030204" pitchFamily="49" charset="0"/>
+              </a:rPr>
+              <a:t>end</a:t>
+            </a:r>
+            <a:endParaRPr lang="en-CA" b="0" dirty="0">
+              <a:solidFill>
+                <a:srgbClr val="ABB2BF"/>
+              </a:solidFill>
+              <a:effectLst/>
+              <a:latin typeface="Consolas" panose="020B0609020204030204" pitchFamily="49" charset="0"/>
+            </a:endParaRPr>
+          </a:p>
         </p:txBody>
       </p:sp>
-      <p:sp>
-        <p:nvSpPr>
-          <p:cNvPr id="7" name="Rectangle 6">
-            <a:extLst>
-              <a:ext uri="{FF2B5EF4-FFF2-40B4-BE49-F238E27FC236}">
-                <a16:creationId xmlns:a16="http://schemas.microsoft.com/office/drawing/2014/main" id="{E0B57AB9-9B83-4525-A007-FAE70378D4A4}"/>
-              </a:ext>
-            </a:extLst>
-          </p:cNvPr>
-          <p:cNvSpPr/>
-          <p:nvPr/>
-        </p:nvSpPr>
-        <p:spPr>
-          <a:xfrm>
-            <a:off x="8277809" y="2544255"/>
-            <a:ext cx="2489718" cy="495397"/>
-          </a:xfrm>
-          <a:prstGeom prst="rect">
-            <a:avLst/>
-          </a:prstGeom>
-          <a:solidFill>
-            <a:srgbClr val="9558B2"/>
-          </a:solidFill>
-          <a:ln>
-            <a:noFill/>
-          </a:ln>
-        </p:spPr>
-        <p:style>
-          <a:lnRef idx="2">
-            <a:schemeClr val="accent1">
-              <a:shade val="50000"/>
-            </a:schemeClr>
-          </a:lnRef>
-          <a:fillRef idx="1">
-            <a:schemeClr val="accent1"/>
-          </a:fillRef>
-          <a:effectRef idx="0">
-            <a:schemeClr val="accent1"/>
-          </a:effectRef>
-          <a:fontRef idx="minor">
-            <a:schemeClr val="lt1"/>
-          </a:fontRef>
-        </p:style>
-        <p:txBody>
-          <a:bodyPr rtlCol="0" anchor="ctr"/>
-          <a:lstStyle/>
-          <a:p>
-            <a:pPr algn="ctr"/>
-            <a:r>
-              <a:rPr lang="fr-CA" sz="1600" dirty="0"/>
-              <a:t>Dropout</a:t>
-            </a:r>
-          </a:p>
-          <a:p>
-            <a:pPr algn="ctr"/>
-            <a:r>
-              <a:rPr lang="fr-CA" sz="1600" dirty="0"/>
-              <a:t>(p = 0.5)</a:t>
-            </a:r>
-            <a:endParaRPr lang="en-CA" sz="1600" dirty="0"/>
-          </a:p>
-        </p:txBody>
-      </p:sp>
-      <p:sp>
-        <p:nvSpPr>
-          <p:cNvPr id="8" name="Rectangle 7">
-            <a:extLst>
-              <a:ext uri="{FF2B5EF4-FFF2-40B4-BE49-F238E27FC236}">
-                <a16:creationId xmlns:a16="http://schemas.microsoft.com/office/drawing/2014/main" id="{D2FC76F4-9908-49D3-82C0-24C7A659F082}"/>
-              </a:ext>
-            </a:extLst>
-          </p:cNvPr>
-          <p:cNvSpPr/>
-          <p:nvPr/>
-        </p:nvSpPr>
-        <p:spPr>
-          <a:xfrm>
-            <a:off x="8277809" y="3360827"/>
-            <a:ext cx="2489718" cy="495397"/>
-          </a:xfrm>
-          <a:prstGeom prst="rect">
-            <a:avLst/>
-          </a:prstGeom>
-          <a:solidFill>
-            <a:srgbClr val="CB3C33"/>
-          </a:solidFill>
-          <a:ln>
-            <a:noFill/>
-          </a:ln>
-        </p:spPr>
-        <p:style>
-          <a:lnRef idx="2">
-            <a:schemeClr val="accent1">
-              <a:shade val="50000"/>
-            </a:schemeClr>
-          </a:lnRef>
-          <a:fillRef idx="1">
-            <a:schemeClr val="accent1"/>
-          </a:fillRef>
-          <a:effectRef idx="0">
-            <a:schemeClr val="accent1"/>
-          </a:effectRef>
-          <a:fontRef idx="minor">
-            <a:schemeClr val="lt1"/>
-          </a:fontRef>
-        </p:style>
-        <p:txBody>
-          <a:bodyPr rtlCol="0" anchor="ctr"/>
-          <a:lstStyle/>
-          <a:p>
-            <a:pPr algn="ctr"/>
-            <a:r>
-              <a:rPr lang="fr-CA" sz="1600" dirty="0"/>
-              <a:t>Dense</a:t>
-            </a:r>
-          </a:p>
-          <a:p>
-            <a:pPr algn="ctr"/>
-            <a:r>
-              <a:rPr lang="fr-CA" sz="1600" dirty="0"/>
-              <a:t>(64, 32)</a:t>
-            </a:r>
-            <a:endParaRPr lang="en-CA" sz="1600" dirty="0"/>
-          </a:p>
-        </p:txBody>
-      </p:sp>
-      <p:sp>
-        <p:nvSpPr>
-          <p:cNvPr id="9" name="Rectangle 8">
-            <a:extLst>
-              <a:ext uri="{FF2B5EF4-FFF2-40B4-BE49-F238E27FC236}">
-                <a16:creationId xmlns:a16="http://schemas.microsoft.com/office/drawing/2014/main" id="{08AA1199-C624-412C-931F-BE222CB87458}"/>
-              </a:ext>
-            </a:extLst>
-          </p:cNvPr>
-          <p:cNvSpPr/>
-          <p:nvPr/>
-        </p:nvSpPr>
-        <p:spPr>
-          <a:xfrm>
-            <a:off x="8277809" y="4177399"/>
-            <a:ext cx="2489718" cy="495397"/>
-          </a:xfrm>
-          <a:prstGeom prst="rect">
-            <a:avLst/>
-          </a:prstGeom>
-          <a:solidFill>
-            <a:srgbClr val="CB3C33"/>
-          </a:solidFill>
-          <a:ln>
-            <a:noFill/>
-          </a:ln>
-        </p:spPr>
-        <p:style>
-          <a:lnRef idx="2">
-            <a:schemeClr val="accent1">
-              <a:shade val="50000"/>
-            </a:schemeClr>
-          </a:lnRef>
-          <a:fillRef idx="1">
-            <a:schemeClr val="accent1"/>
-          </a:fillRef>
-          <a:effectRef idx="0">
-            <a:schemeClr val="accent1"/>
-          </a:effectRef>
-          <a:fontRef idx="minor">
-            <a:schemeClr val="lt1"/>
-          </a:fontRef>
-        </p:style>
-        <p:txBody>
-          <a:bodyPr rtlCol="0" anchor="ctr"/>
-          <a:lstStyle/>
-          <a:p>
-            <a:pPr algn="ctr"/>
-            <a:r>
-              <a:rPr lang="fr-CA" sz="1600" dirty="0" err="1"/>
-              <a:t>SkipConnection</a:t>
-            </a:r>
-            <a:endParaRPr lang="fr-CA" sz="1600" dirty="0"/>
-          </a:p>
-        </p:txBody>
-      </p:sp>
-      <p:sp>
-        <p:nvSpPr>
-          <p:cNvPr id="10" name="Rectangle 9">
-            <a:extLst>
-              <a:ext uri="{FF2B5EF4-FFF2-40B4-BE49-F238E27FC236}">
-                <a16:creationId xmlns:a16="http://schemas.microsoft.com/office/drawing/2014/main" id="{DB58D4B4-9539-4636-876B-D7B910054E83}"/>
-              </a:ext>
-            </a:extLst>
-          </p:cNvPr>
-          <p:cNvSpPr/>
-          <p:nvPr/>
-        </p:nvSpPr>
-        <p:spPr>
-          <a:xfrm>
-            <a:off x="8277809" y="4993971"/>
-            <a:ext cx="2489718" cy="495397"/>
-          </a:xfrm>
-          <a:prstGeom prst="rect">
-            <a:avLst/>
-          </a:prstGeom>
-          <a:solidFill>
-            <a:srgbClr val="CB3C33"/>
-          </a:solidFill>
-          <a:ln>
-            <a:noFill/>
-          </a:ln>
-        </p:spPr>
-        <p:style>
-          <a:lnRef idx="2">
-            <a:schemeClr val="accent1">
-              <a:shade val="50000"/>
-            </a:schemeClr>
-          </a:lnRef>
-          <a:fillRef idx="1">
-            <a:schemeClr val="accent1"/>
-          </a:fillRef>
-          <a:effectRef idx="0">
-            <a:schemeClr val="accent1"/>
-          </a:effectRef>
-          <a:fontRef idx="minor">
-            <a:schemeClr val="lt1"/>
-          </a:fontRef>
-        </p:style>
-        <p:txBody>
-          <a:bodyPr rtlCol="0" anchor="ctr"/>
-          <a:lstStyle/>
-          <a:p>
-            <a:pPr algn="ctr"/>
-            <a:r>
-              <a:rPr lang="fr-CA" sz="1600" dirty="0"/>
-              <a:t>Dense</a:t>
-            </a:r>
-          </a:p>
-          <a:p>
-            <a:pPr algn="ctr"/>
-            <a:r>
-              <a:rPr lang="fr-CA" sz="1600" dirty="0"/>
-              <a:t>(32, 1)</a:t>
-            </a:r>
-            <a:endParaRPr lang="en-CA" sz="1600" dirty="0"/>
-          </a:p>
-        </p:txBody>
-      </p:sp>
-      <p:sp>
-        <p:nvSpPr>
-          <p:cNvPr id="11" name="Rectangle 10">
-            <a:extLst>
-              <a:ext uri="{FF2B5EF4-FFF2-40B4-BE49-F238E27FC236}">
-                <a16:creationId xmlns:a16="http://schemas.microsoft.com/office/drawing/2014/main" id="{E29E38AD-BDD6-4FE0-85CF-780EB961C98B}"/>
-              </a:ext>
-            </a:extLst>
-          </p:cNvPr>
-          <p:cNvSpPr/>
-          <p:nvPr/>
-        </p:nvSpPr>
-        <p:spPr>
-          <a:xfrm>
-            <a:off x="8277809" y="1727683"/>
-            <a:ext cx="2489718" cy="495397"/>
-          </a:xfrm>
-          <a:prstGeom prst="rect">
-            <a:avLst/>
-          </a:prstGeom>
-          <a:solidFill>
-            <a:srgbClr val="CB3C33"/>
-          </a:solidFill>
-          <a:ln>
-            <a:noFill/>
-          </a:ln>
-        </p:spPr>
-        <p:style>
-          <a:lnRef idx="2">
-            <a:schemeClr val="accent1">
-              <a:shade val="50000"/>
-            </a:schemeClr>
-          </a:lnRef>
-          <a:fillRef idx="1">
-            <a:schemeClr val="accent1"/>
-          </a:fillRef>
-          <a:effectRef idx="0">
-            <a:schemeClr val="accent1"/>
-          </a:effectRef>
-          <a:fontRef idx="minor">
-            <a:schemeClr val="lt1"/>
-          </a:fontRef>
-        </p:style>
-        <p:txBody>
-          <a:bodyPr rtlCol="0" anchor="ctr"/>
-          <a:lstStyle/>
-          <a:p>
-            <a:pPr algn="ctr"/>
-            <a:r>
-              <a:rPr lang="fr-CA" sz="1600" dirty="0"/>
-              <a:t>Dense</a:t>
-            </a:r>
-          </a:p>
-          <a:p>
-            <a:pPr algn="ctr"/>
-            <a:r>
-              <a:rPr lang="fr-CA" sz="1600" dirty="0"/>
-              <a:t>(feat, 64)</a:t>
-            </a:r>
-            <a:endParaRPr lang="en-CA" sz="1600" dirty="0"/>
-          </a:p>
-        </p:txBody>
-      </p:sp>
-      <p:sp>
-        <p:nvSpPr>
-          <p:cNvPr id="12" name="Rectangle 11">
-            <a:extLst>
-              <a:ext uri="{FF2B5EF4-FFF2-40B4-BE49-F238E27FC236}">
-                <a16:creationId xmlns:a16="http://schemas.microsoft.com/office/drawing/2014/main" id="{DFB2638B-4A49-489E-A621-1C41B36DB878}"/>
-              </a:ext>
-            </a:extLst>
-          </p:cNvPr>
-          <p:cNvSpPr/>
-          <p:nvPr/>
-        </p:nvSpPr>
-        <p:spPr>
-          <a:xfrm>
-            <a:off x="8277809" y="911111"/>
-            <a:ext cx="2489718" cy="495397"/>
-          </a:xfrm>
-          <a:prstGeom prst="rect">
-            <a:avLst/>
-          </a:prstGeom>
-          <a:solidFill>
-            <a:srgbClr val="4063D8"/>
-          </a:solidFill>
-          <a:ln>
-            <a:noFill/>
-          </a:ln>
-        </p:spPr>
-        <p:style>
-          <a:lnRef idx="2">
-            <a:schemeClr val="accent1">
-              <a:shade val="50000"/>
-            </a:schemeClr>
-          </a:lnRef>
-          <a:fillRef idx="1">
-            <a:schemeClr val="accent1"/>
-          </a:fillRef>
-          <a:effectRef idx="0">
-            <a:schemeClr val="accent1"/>
-          </a:effectRef>
-          <a:fontRef idx="minor">
-            <a:schemeClr val="lt1"/>
-          </a:fontRef>
-        </p:style>
-        <p:txBody>
-          <a:bodyPr rtlCol="0" anchor="ctr"/>
-          <a:lstStyle/>
-          <a:p>
-            <a:pPr algn="ctr"/>
-            <a:r>
-              <a:rPr lang="fr-CA" sz="1600" dirty="0"/>
-              <a:t>Data</a:t>
-            </a:r>
-          </a:p>
-        </p:txBody>
-      </p:sp>
-      <p:sp>
-        <p:nvSpPr>
-          <p:cNvPr id="13" name="Rectangle 12">
-            <a:extLst>
-              <a:ext uri="{FF2B5EF4-FFF2-40B4-BE49-F238E27FC236}">
-                <a16:creationId xmlns:a16="http://schemas.microsoft.com/office/drawing/2014/main" id="{BA2C61C1-0842-4AF0-9724-BFD558B32825}"/>
-              </a:ext>
-            </a:extLst>
-          </p:cNvPr>
-          <p:cNvSpPr/>
-          <p:nvPr/>
-        </p:nvSpPr>
-        <p:spPr>
-          <a:xfrm>
-            <a:off x="8277809" y="5810543"/>
-            <a:ext cx="2489718" cy="495397"/>
-          </a:xfrm>
-          <a:prstGeom prst="rect">
-            <a:avLst/>
-          </a:prstGeom>
-          <a:solidFill>
-            <a:srgbClr val="9558B2"/>
-          </a:solidFill>
-          <a:ln>
-            <a:noFill/>
-          </a:ln>
-        </p:spPr>
-        <p:style>
-          <a:lnRef idx="2">
-            <a:schemeClr val="accent1">
-              <a:shade val="50000"/>
-            </a:schemeClr>
-          </a:lnRef>
-          <a:fillRef idx="1">
-            <a:schemeClr val="accent1"/>
-          </a:fillRef>
-          <a:effectRef idx="0">
-            <a:schemeClr val="accent1"/>
-          </a:effectRef>
-          <a:fontRef idx="minor">
-            <a:schemeClr val="lt1"/>
-          </a:fontRef>
-        </p:style>
-        <p:txBody>
-          <a:bodyPr rtlCol="0" anchor="ctr"/>
-          <a:lstStyle/>
-          <a:p>
-            <a:pPr algn="ctr"/>
-            <a:r>
-              <a:rPr lang="fr-CA" sz="1600" dirty="0" err="1"/>
-              <a:t>Reshape</a:t>
-            </a:r>
-            <a:endParaRPr lang="fr-CA" sz="1600" dirty="0"/>
-          </a:p>
-        </p:txBody>
-      </p:sp>
-      <p:cxnSp>
-        <p:nvCxnSpPr>
-          <p:cNvPr id="14" name="Straight Arrow Connector 13">
-            <a:extLst>
-              <a:ext uri="{FF2B5EF4-FFF2-40B4-BE49-F238E27FC236}">
-                <a16:creationId xmlns:a16="http://schemas.microsoft.com/office/drawing/2014/main" id="{112B8855-01CD-4A85-B7A0-2222A9CD6918}"/>
-              </a:ext>
-            </a:extLst>
-          </p:cNvPr>
-          <p:cNvCxnSpPr>
-            <a:cxnSpLocks/>
-            <a:stCxn id="12" idx="2"/>
-            <a:endCxn id="11" idx="0"/>
-          </p:cNvCxnSpPr>
-          <p:nvPr/>
-        </p:nvCxnSpPr>
-        <p:spPr>
-          <a:xfrm>
-            <a:off x="9522668" y="1406508"/>
-            <a:ext cx="0" cy="321175"/>
-          </a:xfrm>
-          <a:prstGeom prst="straightConnector1">
-            <a:avLst/>
-          </a:prstGeom>
-          <a:ln w="12700">
-            <a:solidFill>
-              <a:schemeClr val="tx1"/>
-            </a:solidFill>
-            <a:tailEnd type="triangle"/>
-          </a:ln>
-        </p:spPr>
-        <p:style>
-          <a:lnRef idx="1">
-            <a:schemeClr val="accent1"/>
-          </a:lnRef>
-          <a:fillRef idx="0">
-            <a:schemeClr val="accent1"/>
-          </a:fillRef>
-          <a:effectRef idx="0">
-            <a:schemeClr val="accent1"/>
-          </a:effectRef>
-          <a:fontRef idx="minor">
-            <a:schemeClr val="tx1"/>
-          </a:fontRef>
-        </p:style>
-      </p:cxnSp>
-      <p:cxnSp>
-        <p:nvCxnSpPr>
-          <p:cNvPr id="16" name="Straight Arrow Connector 15">
-            <a:extLst>
-              <a:ext uri="{FF2B5EF4-FFF2-40B4-BE49-F238E27FC236}">
-                <a16:creationId xmlns:a16="http://schemas.microsoft.com/office/drawing/2014/main" id="{101676A0-922F-492A-89C5-07B8CD65C32B}"/>
-              </a:ext>
-            </a:extLst>
-          </p:cNvPr>
-          <p:cNvCxnSpPr>
-            <a:cxnSpLocks/>
-            <a:endCxn id="7" idx="0"/>
-          </p:cNvCxnSpPr>
-          <p:nvPr/>
-        </p:nvCxnSpPr>
-        <p:spPr>
-          <a:xfrm>
-            <a:off x="9522668" y="2249517"/>
-            <a:ext cx="0" cy="294738"/>
-          </a:xfrm>
-          <a:prstGeom prst="straightConnector1">
-            <a:avLst/>
-          </a:prstGeom>
-          <a:ln w="12700">
-            <a:solidFill>
-              <a:schemeClr val="tx1"/>
-            </a:solidFill>
-            <a:tailEnd type="triangle"/>
-          </a:ln>
-        </p:spPr>
-        <p:style>
-          <a:lnRef idx="1">
-            <a:schemeClr val="accent1"/>
-          </a:lnRef>
-          <a:fillRef idx="0">
-            <a:schemeClr val="accent1"/>
-          </a:fillRef>
-          <a:effectRef idx="0">
-            <a:schemeClr val="accent1"/>
-          </a:effectRef>
-          <a:fontRef idx="minor">
-            <a:schemeClr val="tx1"/>
-          </a:fontRef>
-        </p:style>
-      </p:cxnSp>
-      <p:cxnSp>
-        <p:nvCxnSpPr>
-          <p:cNvPr id="17" name="Straight Arrow Connector 16">
-            <a:extLst>
-              <a:ext uri="{FF2B5EF4-FFF2-40B4-BE49-F238E27FC236}">
-                <a16:creationId xmlns:a16="http://schemas.microsoft.com/office/drawing/2014/main" id="{96A83E64-C3A5-4CA8-8E07-41DF6321CF65}"/>
-              </a:ext>
-            </a:extLst>
-          </p:cNvPr>
-          <p:cNvCxnSpPr>
-            <a:cxnSpLocks/>
-            <a:stCxn id="7" idx="2"/>
-            <a:endCxn id="8" idx="0"/>
-          </p:cNvCxnSpPr>
-          <p:nvPr/>
-        </p:nvCxnSpPr>
-        <p:spPr>
-          <a:xfrm>
-            <a:off x="9522668" y="3039652"/>
-            <a:ext cx="0" cy="321175"/>
-          </a:xfrm>
-          <a:prstGeom prst="straightConnector1">
-            <a:avLst/>
-          </a:prstGeom>
-          <a:ln w="12700">
-            <a:solidFill>
-              <a:schemeClr val="tx1"/>
-            </a:solidFill>
-            <a:tailEnd type="triangle"/>
-          </a:ln>
-        </p:spPr>
-        <p:style>
-          <a:lnRef idx="1">
-            <a:schemeClr val="accent1"/>
-          </a:lnRef>
-          <a:fillRef idx="0">
-            <a:schemeClr val="accent1"/>
-          </a:fillRef>
-          <a:effectRef idx="0">
-            <a:schemeClr val="accent1"/>
-          </a:effectRef>
-          <a:fontRef idx="minor">
-            <a:schemeClr val="tx1"/>
-          </a:fontRef>
-        </p:style>
-      </p:cxnSp>
-      <p:cxnSp>
-        <p:nvCxnSpPr>
-          <p:cNvPr id="18" name="Straight Arrow Connector 17">
-            <a:extLst>
-              <a:ext uri="{FF2B5EF4-FFF2-40B4-BE49-F238E27FC236}">
-                <a16:creationId xmlns:a16="http://schemas.microsoft.com/office/drawing/2014/main" id="{B0244518-718F-4186-AF4F-56A99853918A}"/>
-              </a:ext>
-            </a:extLst>
-          </p:cNvPr>
-          <p:cNvCxnSpPr>
-            <a:cxnSpLocks/>
-            <a:stCxn id="9" idx="2"/>
-            <a:endCxn id="10" idx="0"/>
-          </p:cNvCxnSpPr>
-          <p:nvPr/>
-        </p:nvCxnSpPr>
-        <p:spPr>
-          <a:xfrm>
-            <a:off x="9522668" y="4672796"/>
-            <a:ext cx="0" cy="321175"/>
-          </a:xfrm>
-          <a:prstGeom prst="straightConnector1">
-            <a:avLst/>
-          </a:prstGeom>
-          <a:ln w="12700">
-            <a:solidFill>
-              <a:schemeClr val="tx1"/>
-            </a:solidFill>
-            <a:tailEnd type="triangle"/>
-          </a:ln>
-        </p:spPr>
-        <p:style>
-          <a:lnRef idx="1">
-            <a:schemeClr val="accent1"/>
-          </a:lnRef>
-          <a:fillRef idx="0">
-            <a:schemeClr val="accent1"/>
-          </a:fillRef>
-          <a:effectRef idx="0">
-            <a:schemeClr val="accent1"/>
-          </a:effectRef>
-          <a:fontRef idx="minor">
-            <a:schemeClr val="tx1"/>
-          </a:fontRef>
-        </p:style>
-      </p:cxnSp>
-      <p:cxnSp>
-        <p:nvCxnSpPr>
-          <p:cNvPr id="19" name="Straight Arrow Connector 18">
-            <a:extLst>
-              <a:ext uri="{FF2B5EF4-FFF2-40B4-BE49-F238E27FC236}">
-                <a16:creationId xmlns:a16="http://schemas.microsoft.com/office/drawing/2014/main" id="{59E8E7D0-1C52-46F3-A646-FE578246D457}"/>
-              </a:ext>
-            </a:extLst>
-          </p:cNvPr>
-          <p:cNvCxnSpPr>
-            <a:cxnSpLocks/>
-            <a:stCxn id="8" idx="2"/>
-            <a:endCxn id="9" idx="0"/>
-          </p:cNvCxnSpPr>
-          <p:nvPr/>
-        </p:nvCxnSpPr>
-        <p:spPr>
-          <a:xfrm>
-            <a:off x="9522668" y="3856224"/>
-            <a:ext cx="0" cy="321175"/>
-          </a:xfrm>
-          <a:prstGeom prst="straightConnector1">
-            <a:avLst/>
-          </a:prstGeom>
-          <a:ln w="12700">
-            <a:solidFill>
-              <a:schemeClr val="tx1"/>
-            </a:solidFill>
-            <a:tailEnd type="triangle"/>
-          </a:ln>
-        </p:spPr>
-        <p:style>
-          <a:lnRef idx="1">
-            <a:schemeClr val="accent1"/>
-          </a:lnRef>
-          <a:fillRef idx="0">
-            <a:schemeClr val="accent1"/>
-          </a:fillRef>
-          <a:effectRef idx="0">
-            <a:schemeClr val="accent1"/>
-          </a:effectRef>
-          <a:fontRef idx="minor">
-            <a:schemeClr val="tx1"/>
-          </a:fontRef>
-        </p:style>
-      </p:cxnSp>
-      <p:cxnSp>
-        <p:nvCxnSpPr>
-          <p:cNvPr id="29" name="Straight Arrow Connector 28">
-            <a:extLst>
-              <a:ext uri="{FF2B5EF4-FFF2-40B4-BE49-F238E27FC236}">
-                <a16:creationId xmlns:a16="http://schemas.microsoft.com/office/drawing/2014/main" id="{342D7DC7-D904-4DC0-844D-615DC0CDB301}"/>
-              </a:ext>
-            </a:extLst>
-          </p:cNvPr>
-          <p:cNvCxnSpPr>
-            <a:cxnSpLocks/>
-            <a:stCxn id="10" idx="2"/>
-            <a:endCxn id="13" idx="0"/>
-          </p:cNvCxnSpPr>
-          <p:nvPr/>
-        </p:nvCxnSpPr>
-        <p:spPr>
-          <a:xfrm>
-            <a:off x="9522668" y="5489368"/>
-            <a:ext cx="0" cy="321175"/>
-          </a:xfrm>
-          <a:prstGeom prst="straightConnector1">
-            <a:avLst/>
-          </a:prstGeom>
-          <a:ln w="12700">
-            <a:solidFill>
-              <a:schemeClr val="tx1"/>
-            </a:solidFill>
-            <a:tailEnd type="triangle"/>
-          </a:ln>
-        </p:spPr>
-        <p:style>
-          <a:lnRef idx="1">
-            <a:schemeClr val="accent1"/>
-          </a:lnRef>
-          <a:fillRef idx="0">
-            <a:schemeClr val="accent1"/>
-          </a:fillRef>
-          <a:effectRef idx="0">
-            <a:schemeClr val="accent1"/>
-          </a:effectRef>
-          <a:fontRef idx="minor">
-            <a:schemeClr val="tx1"/>
-          </a:fontRef>
-        </p:style>
-      </p:cxnSp>
-      <p:cxnSp>
-        <p:nvCxnSpPr>
-          <p:cNvPr id="33" name="Connector: Elbow 32">
-            <a:extLst>
-              <a:ext uri="{FF2B5EF4-FFF2-40B4-BE49-F238E27FC236}">
-                <a16:creationId xmlns:a16="http://schemas.microsoft.com/office/drawing/2014/main" id="{C8A1743D-2999-4406-BD5C-8C59891DD9CA}"/>
-              </a:ext>
-            </a:extLst>
-          </p:cNvPr>
-          <p:cNvCxnSpPr>
-            <a:cxnSpLocks/>
-            <a:stCxn id="8" idx="1"/>
-            <a:endCxn id="10" idx="1"/>
-          </p:cNvCxnSpPr>
-          <p:nvPr/>
-        </p:nvCxnSpPr>
-        <p:spPr>
-          <a:xfrm rot="10800000" flipV="1">
-            <a:off x="8277809" y="3608526"/>
-            <a:ext cx="12700" cy="1633144"/>
-          </a:xfrm>
-          <a:prstGeom prst="bentConnector3">
-            <a:avLst>
-              <a:gd name="adj1" fmla="val 1800000"/>
-            </a:avLst>
-          </a:prstGeom>
-          <a:ln w="12700">
-            <a:solidFill>
-              <a:schemeClr val="tx1"/>
-            </a:solidFill>
-            <a:tailEnd type="triangle"/>
-          </a:ln>
-        </p:spPr>
-        <p:style>
-          <a:lnRef idx="1">
-            <a:schemeClr val="accent1"/>
-          </a:lnRef>
-          <a:fillRef idx="0">
-            <a:schemeClr val="accent1"/>
-          </a:fillRef>
-          <a:effectRef idx="0">
-            <a:schemeClr val="accent1"/>
-          </a:effectRef>
-          <a:fontRef idx="minor">
-            <a:schemeClr val="tx1"/>
-          </a:fontRef>
-        </p:style>
-      </p:cxnSp>
       <p:pic>
         <p:nvPicPr>
-          <p:cNvPr id="37" name="Picture 36" descr="A picture containing text, clipart&#10;&#10;Description automatically generated">
+          <p:cNvPr id="6" name="Picture 2">
             <a:extLst>
               <a:ext uri="{FF2B5EF4-FFF2-40B4-BE49-F238E27FC236}">
-                <a16:creationId xmlns:a16="http://schemas.microsoft.com/office/drawing/2014/main" id="{7AC02B7E-41D9-4667-927C-70BAFAE28EE3}"/>
-              </a:ext>
-            </a:extLst>
-          </p:cNvPr>
-          <p:cNvPicPr>
-            <a:picLocks noChangeAspect="1"/>
-          </p:cNvPicPr>
-          <p:nvPr/>
-        </p:nvPicPr>
-        <p:blipFill>
-          <a:blip r:embed="rId2">
-            <a:extLst>
-              <a:ext uri="{28A0092B-C50C-407E-A947-70E740481C1C}">
-                <a14:useLocalDpi xmlns:a14="http://schemas.microsoft.com/office/drawing/2010/main" val="0"/>
-              </a:ext>
-            </a:extLst>
-          </a:blip>
-          <a:stretch>
-            <a:fillRect/>
-          </a:stretch>
-        </p:blipFill>
-        <p:spPr>
-          <a:xfrm>
-            <a:off x="3605115" y="911111"/>
-            <a:ext cx="2771192" cy="936721"/>
-          </a:xfrm>
-          <a:prstGeom prst="rect">
-            <a:avLst/>
-          </a:prstGeom>
-        </p:spPr>
-      </p:pic>
-      <p:pic>
-        <p:nvPicPr>
-          <p:cNvPr id="20" name="Picture 2">
-            <a:extLst>
-              <a:ext uri="{FF2B5EF4-FFF2-40B4-BE49-F238E27FC236}">
-                <a16:creationId xmlns:a16="http://schemas.microsoft.com/office/drawing/2014/main" id="{F5F206B3-E963-4466-A249-639372900B7F}"/>
+                <a16:creationId xmlns:a16="http://schemas.microsoft.com/office/drawing/2014/main" id="{08D9ADD5-772E-432F-8347-0A01ADFFD4C0}"/>
               </a:ext>
             </a:extLst>
           </p:cNvPr>
@@ -16503,7 +17464,7 @@
           <p:nvPr/>
         </p:nvPicPr>
         <p:blipFill>
-          <a:blip r:embed="rId3">
+          <a:blip r:embed="rId2">
             <a:extLst>
               <a:ext uri="{28A0092B-C50C-407E-A947-70E740481C1C}">
                 <a14:useLocalDpi xmlns:a14="http://schemas.microsoft.com/office/drawing/2010/main" val="0"/>
@@ -16535,10 +17496,90 @@
           </a:extLst>
         </p:spPr>
       </p:pic>
+      <p:pic>
+        <p:nvPicPr>
+          <p:cNvPr id="7" name="Picture 6" descr="A picture containing keyboard, computer, indoor, light&#10;&#10;Description automatically generated">
+            <a:extLst>
+              <a:ext uri="{FF2B5EF4-FFF2-40B4-BE49-F238E27FC236}">
+                <a16:creationId xmlns:a16="http://schemas.microsoft.com/office/drawing/2014/main" id="{87694DE3-BBEB-460F-8927-7B3831886744}"/>
+              </a:ext>
+            </a:extLst>
+          </p:cNvPr>
+          <p:cNvPicPr>
+            <a:picLocks noChangeAspect="1"/>
+          </p:cNvPicPr>
+          <p:nvPr/>
+        </p:nvPicPr>
+        <p:blipFill>
+          <a:blip r:embed="rId3">
+            <a:extLst>
+              <a:ext uri="{28A0092B-C50C-407E-A947-70E740481C1C}">
+                <a14:useLocalDpi xmlns:a14="http://schemas.microsoft.com/office/drawing/2010/main" val="0"/>
+              </a:ext>
+            </a:extLst>
+          </a:blip>
+          <a:stretch>
+            <a:fillRect/>
+          </a:stretch>
+        </p:blipFill>
+        <p:spPr>
+          <a:xfrm>
+            <a:off x="5347835" y="659042"/>
+            <a:ext cx="1496329" cy="1496329"/>
+          </a:xfrm>
+          <a:prstGeom prst="rect">
+            <a:avLst/>
+          </a:prstGeom>
+        </p:spPr>
+      </p:pic>
+      <p:sp>
+        <p:nvSpPr>
+          <p:cNvPr id="8" name="TextBox 7">
+            <a:extLst>
+              <a:ext uri="{FF2B5EF4-FFF2-40B4-BE49-F238E27FC236}">
+                <a16:creationId xmlns:a16="http://schemas.microsoft.com/office/drawing/2014/main" id="{1B15AFCE-0AF9-48C8-9047-954E105EB87C}"/>
+              </a:ext>
+            </a:extLst>
+          </p:cNvPr>
+          <p:cNvSpPr txBox="1"/>
+          <p:nvPr/>
+        </p:nvSpPr>
+        <p:spPr>
+          <a:xfrm>
+            <a:off x="4883021" y="1915023"/>
+            <a:ext cx="3337249" cy="584775"/>
+          </a:xfrm>
+          <a:prstGeom prst="rect">
+            <a:avLst/>
+          </a:prstGeom>
+          <a:noFill/>
+        </p:spPr>
+        <p:txBody>
+          <a:bodyPr wrap="square">
+            <a:spAutoFit/>
+          </a:bodyPr>
+          <a:lstStyle/>
+          <a:p>
+            <a:r>
+              <a:rPr lang="en-CA" sz="3200" b="1" dirty="0" err="1">
+                <a:hlinkClick r:id="rId4">
+                  <a:extLst>
+                    <a:ext uri="{A12FA001-AC4F-418D-AE19-62706E023703}">
+                      <ahyp:hlinkClr xmlns:ahyp="http://schemas.microsoft.com/office/drawing/2018/hyperlinkcolor" val="tx"/>
+                    </a:ext>
+                  </a:extLst>
+                </a:hlinkClick>
+              </a:rPr>
+              <a:t>DataFrames.jl</a:t>
+            </a:r>
+            <a:endParaRPr lang="en-CA" sz="3200" b="1" dirty="0"/>
+          </a:p>
+        </p:txBody>
+      </p:sp>
     </p:spTree>
     <p:extLst>
       <p:ext uri="{BB962C8B-B14F-4D97-AF65-F5344CB8AC3E}">
-        <p14:creationId xmlns:p14="http://schemas.microsoft.com/office/powerpoint/2010/main" val="1075118664"/>
+        <p14:creationId xmlns:p14="http://schemas.microsoft.com/office/powerpoint/2010/main" val="4217931981"/>
       </p:ext>
     </p:extLst>
   </p:cSld>

--- a/webinar-2022-02-17.pptx
+++ b/webinar-2022-02-17.pptx
@@ -673,7 +673,7 @@
   <pc:docChgLst>
     <pc:chgData name="Jeremie Desgagne-Bouchard" userId="befeb1e1a66a0338" providerId="LiveId" clId="{1328888D-3802-476F-89D8-8DFBB1391DB0}"/>
     <pc:docChg chg="undo custSel addSld delSld modSld sldOrd">
-      <pc:chgData name="Jeremie Desgagne-Bouchard" userId="befeb1e1a66a0338" providerId="LiveId" clId="{1328888D-3802-476F-89D8-8DFBB1391DB0}" dt="2022-02-17T02:20:48.940" v="1975" actId="1038"/>
+      <pc:chgData name="Jeremie Desgagne-Bouchard" userId="befeb1e1a66a0338" providerId="LiveId" clId="{1328888D-3802-476F-89D8-8DFBB1391DB0}" dt="2022-02-17T04:33:56.220" v="1993" actId="20577"/>
       <pc:docMkLst>
         <pc:docMk/>
       </pc:docMkLst>
@@ -1489,13 +1489,13 @@
         </pc:picChg>
       </pc:sldChg>
       <pc:sldChg chg="addSp modSp add mod">
-        <pc:chgData name="Jeremie Desgagne-Bouchard" userId="befeb1e1a66a0338" providerId="LiveId" clId="{1328888D-3802-476F-89D8-8DFBB1391DB0}" dt="2022-02-16T14:48:15.883" v="1664" actId="20577"/>
+        <pc:chgData name="Jeremie Desgagne-Bouchard" userId="befeb1e1a66a0338" providerId="LiveId" clId="{1328888D-3802-476F-89D8-8DFBB1391DB0}" dt="2022-02-17T04:33:56.220" v="1993" actId="20577"/>
         <pc:sldMkLst>
           <pc:docMk/>
           <pc:sldMk cId="1680342322" sldId="271"/>
         </pc:sldMkLst>
         <pc:spChg chg="mod">
-          <ac:chgData name="Jeremie Desgagne-Bouchard" userId="befeb1e1a66a0338" providerId="LiveId" clId="{1328888D-3802-476F-89D8-8DFBB1391DB0}" dt="2022-02-16T14:48:15.883" v="1664" actId="20577"/>
+          <ac:chgData name="Jeremie Desgagne-Bouchard" userId="befeb1e1a66a0338" providerId="LiveId" clId="{1328888D-3802-476F-89D8-8DFBB1391DB0}" dt="2022-02-17T04:33:56.220" v="1993" actId="20577"/>
           <ac:spMkLst>
             <pc:docMk/>
             <pc:sldMk cId="1680342322" sldId="271"/>
@@ -10363,7 +10363,7 @@
         <p:spPr>
           <a:xfrm>
             <a:off x="1093626" y="2719788"/>
-            <a:ext cx="9561933" cy="2585323"/>
+            <a:ext cx="9561933" cy="3139321"/>
           </a:xfrm>
           <a:prstGeom prst="rect">
             <a:avLst/>
@@ -10381,7 +10381,47 @@
           <a:lstStyle/>
           <a:p>
             <a:r>
-              <a:rPr lang="en-CA" b="0" dirty="0" err="1">
+              <a:rPr lang="en-US" b="0" dirty="0">
+                <a:solidFill>
+                  <a:srgbClr val="C678DD"/>
+                </a:solidFill>
+                <a:effectLst/>
+                <a:latin typeface="Consolas" panose="020B0609020204030204" pitchFamily="49" charset="0"/>
+              </a:rPr>
+              <a:t>const</a:t>
+            </a:r>
+            <a:r>
+              <a:rPr lang="en-US" b="0" dirty="0">
+                <a:solidFill>
+                  <a:srgbClr val="ABB2BF"/>
+                </a:solidFill>
+                <a:effectLst/>
+                <a:latin typeface="Consolas" panose="020B0609020204030204" pitchFamily="49" charset="0"/>
+              </a:rPr>
+              <a:t> SCORING_ROUTER </a:t>
+            </a:r>
+            <a:r>
+              <a:rPr lang="en-US" b="0" dirty="0">
+                <a:solidFill>
+                  <a:srgbClr val="C678DD"/>
+                </a:solidFill>
+                <a:effectLst/>
+                <a:latin typeface="Consolas" panose="020B0609020204030204" pitchFamily="49" charset="0"/>
+              </a:rPr>
+              <a:t>=</a:t>
+            </a:r>
+            <a:r>
+              <a:rPr lang="en-US" b="0" dirty="0">
+                <a:solidFill>
+                  <a:srgbClr val="ABB2BF"/>
+                </a:solidFill>
+                <a:effectLst/>
+                <a:latin typeface="Consolas" panose="020B0609020204030204" pitchFamily="49" charset="0"/>
+              </a:rPr>
+              <a:t> </a:t>
+            </a:r>
+            <a:r>
+              <a:rPr lang="en-US" b="0" dirty="0" err="1">
                 <a:solidFill>
                   <a:srgbClr val="ABB2BF"/>
                 </a:solidFill>
@@ -10391,7 +10431,7 @@
               <a:t>HTTP</a:t>
             </a:r>
             <a:r>
-              <a:rPr lang="en-CA" b="0" dirty="0" err="1">
+              <a:rPr lang="en-US" b="0" dirty="0" err="1">
                 <a:solidFill>
                   <a:srgbClr val="C678DD"/>
                 </a:solidFill>
@@ -10401,189 +10441,25 @@
               <a:t>.</a:t>
             </a:r>
             <a:r>
-              <a:rPr lang="en-CA" b="0" dirty="0" err="1">
+              <a:rPr lang="en-US" b="0" dirty="0" err="1">
                 <a:solidFill>
                   <a:srgbClr val="56B6C2"/>
                 </a:solidFill>
                 <a:effectLst/>
                 <a:latin typeface="Consolas" panose="020B0609020204030204" pitchFamily="49" charset="0"/>
               </a:rPr>
-              <a:t>@register</a:t>
-            </a:r>
-            <a:r>
-              <a:rPr lang="en-CA" b="0" dirty="0">
-                <a:solidFill>
-                  <a:srgbClr val="ABB2BF"/>
-                </a:solidFill>
-                <a:effectLst/>
-                <a:latin typeface="Consolas" panose="020B0609020204030204" pitchFamily="49" charset="0"/>
-              </a:rPr>
-              <a:t>(SCORING_ROUTER, </a:t>
-            </a:r>
-            <a:r>
-              <a:rPr lang="en-CA" b="0" dirty="0">
-                <a:solidFill>
-                  <a:srgbClr val="98C379"/>
-                </a:solidFill>
-                <a:effectLst/>
-                <a:latin typeface="Consolas" panose="020B0609020204030204" pitchFamily="49" charset="0"/>
-              </a:rPr>
-              <a:t>"GET"</a:t>
-            </a:r>
-            <a:r>
-              <a:rPr lang="en-CA" b="0" dirty="0">
-                <a:solidFill>
-                  <a:srgbClr val="ABB2BF"/>
-                </a:solidFill>
-                <a:effectLst/>
-                <a:latin typeface="Consolas" panose="020B0609020204030204" pitchFamily="49" charset="0"/>
-              </a:rPr>
-              <a:t>, </a:t>
-            </a:r>
-            <a:r>
-              <a:rPr lang="en-CA" b="0" dirty="0">
-                <a:solidFill>
-                  <a:srgbClr val="98C379"/>
-                </a:solidFill>
-                <a:effectLst/>
-                <a:latin typeface="Consolas" panose="020B0609020204030204" pitchFamily="49" charset="0"/>
-              </a:rPr>
-              <a:t>"/"</a:t>
-            </a:r>
-            <a:r>
-              <a:rPr lang="en-CA" b="0" dirty="0">
-                <a:solidFill>
-                  <a:srgbClr val="ABB2BF"/>
-                </a:solidFill>
-                <a:effectLst/>
-                <a:latin typeface="Consolas" panose="020B0609020204030204" pitchFamily="49" charset="0"/>
-              </a:rPr>
-              <a:t>, welcome)</a:t>
-            </a:r>
-          </a:p>
-          <a:p>
-            <a:r>
-              <a:rPr lang="en-CA" b="0" dirty="0" err="1">
-                <a:solidFill>
-                  <a:srgbClr val="ABB2BF"/>
-                </a:solidFill>
-                <a:effectLst/>
-                <a:latin typeface="Consolas" panose="020B0609020204030204" pitchFamily="49" charset="0"/>
-              </a:rPr>
-              <a:t>HTTP</a:t>
-            </a:r>
-            <a:r>
-              <a:rPr lang="en-CA" b="0" dirty="0" err="1">
-                <a:solidFill>
-                  <a:srgbClr val="C678DD"/>
-                </a:solidFill>
-                <a:effectLst/>
-                <a:latin typeface="Consolas" panose="020B0609020204030204" pitchFamily="49" charset="0"/>
-              </a:rPr>
-              <a:t>.</a:t>
-            </a:r>
-            <a:r>
-              <a:rPr lang="en-CA" b="0" dirty="0" err="1">
-                <a:solidFill>
-                  <a:srgbClr val="56B6C2"/>
-                </a:solidFill>
-                <a:effectLst/>
-                <a:latin typeface="Consolas" panose="020B0609020204030204" pitchFamily="49" charset="0"/>
-              </a:rPr>
-              <a:t>@register</a:t>
-            </a:r>
-            <a:r>
-              <a:rPr lang="en-CA" b="0" dirty="0">
-                <a:solidFill>
-                  <a:srgbClr val="ABB2BF"/>
-                </a:solidFill>
-                <a:effectLst/>
-                <a:latin typeface="Consolas" panose="020B0609020204030204" pitchFamily="49" charset="0"/>
-              </a:rPr>
-              <a:t>(SCORING_ROUTER, </a:t>
-            </a:r>
-            <a:r>
-              <a:rPr lang="en-CA" b="0" dirty="0">
-                <a:solidFill>
-                  <a:srgbClr val="98C379"/>
-                </a:solidFill>
-                <a:effectLst/>
-                <a:latin typeface="Consolas" panose="020B0609020204030204" pitchFamily="49" charset="0"/>
-              </a:rPr>
-              <a:t>"POST"</a:t>
-            </a:r>
-            <a:r>
-              <a:rPr lang="en-CA" b="0" dirty="0">
-                <a:solidFill>
-                  <a:srgbClr val="ABB2BF"/>
-                </a:solidFill>
-                <a:effectLst/>
-                <a:latin typeface="Consolas" panose="020B0609020204030204" pitchFamily="49" charset="0"/>
-              </a:rPr>
-              <a:t>, </a:t>
-            </a:r>
-            <a:r>
-              <a:rPr lang="en-CA" b="0" dirty="0">
-                <a:solidFill>
-                  <a:srgbClr val="98C379"/>
-                </a:solidFill>
-                <a:effectLst/>
-                <a:latin typeface="Consolas" panose="020B0609020204030204" pitchFamily="49" charset="0"/>
-              </a:rPr>
-              <a:t>"/</a:t>
-            </a:r>
-            <a:r>
-              <a:rPr lang="en-CA" b="0" dirty="0" err="1">
-                <a:solidFill>
-                  <a:srgbClr val="98C379"/>
-                </a:solidFill>
-                <a:effectLst/>
-                <a:latin typeface="Consolas" panose="020B0609020204030204" pitchFamily="49" charset="0"/>
-              </a:rPr>
-              <a:t>api</a:t>
-            </a:r>
-            <a:r>
-              <a:rPr lang="en-CA" b="0" dirty="0">
-                <a:solidFill>
-                  <a:srgbClr val="98C379"/>
-                </a:solidFill>
-                <a:effectLst/>
-                <a:latin typeface="Consolas" panose="020B0609020204030204" pitchFamily="49" charset="0"/>
-              </a:rPr>
-              <a:t>/v1/flux"</a:t>
-            </a:r>
-            <a:r>
-              <a:rPr lang="en-CA" b="0" dirty="0">
-                <a:solidFill>
-                  <a:srgbClr val="ABB2BF"/>
-                </a:solidFill>
-                <a:effectLst/>
-                <a:latin typeface="Consolas" panose="020B0609020204030204" pitchFamily="49" charset="0"/>
-              </a:rPr>
-              <a:t>, </a:t>
-            </a:r>
-            <a:r>
-              <a:rPr lang="en-CA" b="0" dirty="0" err="1">
-                <a:solidFill>
-                  <a:srgbClr val="ABB2BF"/>
-                </a:solidFill>
-                <a:effectLst/>
-                <a:latin typeface="Consolas" panose="020B0609020204030204" pitchFamily="49" charset="0"/>
-              </a:rPr>
-              <a:t>score_flux</a:t>
-            </a:r>
-            <a:r>
-              <a:rPr lang="en-CA" b="0" dirty="0">
-                <a:solidFill>
-                  <a:srgbClr val="ABB2BF"/>
-                </a:solidFill>
-                <a:effectLst/>
-                <a:latin typeface="Consolas" panose="020B0609020204030204" pitchFamily="49" charset="0"/>
-              </a:rPr>
-              <a:t>)</a:t>
-            </a:r>
-          </a:p>
-          <a:p>
+              <a:t>Router</a:t>
+            </a:r>
+            <a:r>
+              <a:rPr lang="en-US" b="0" dirty="0">
+                <a:solidFill>
+                  <a:srgbClr val="ABB2BF"/>
+                </a:solidFill>
+                <a:effectLst/>
+                <a:latin typeface="Consolas" panose="020B0609020204030204" pitchFamily="49" charset="0"/>
+              </a:rPr>
+              <a:t>()</a:t>
+            </a:r>
             <a:endParaRPr lang="en-CA" b="0" dirty="0">
               <a:solidFill>
                 <a:srgbClr val="ABB2BF"/>
@@ -10594,6 +10470,370 @@
           </a:p>
           <a:p>
             <a:r>
+              <a:rPr lang="en-CA" b="0" dirty="0" err="1">
+                <a:solidFill>
+                  <a:srgbClr val="ABB2BF"/>
+                </a:solidFill>
+                <a:effectLst/>
+                <a:latin typeface="Consolas" panose="020B0609020204030204" pitchFamily="49" charset="0"/>
+              </a:rPr>
+              <a:t>HTTP</a:t>
+            </a:r>
+            <a:r>
+              <a:rPr lang="en-CA" b="0" dirty="0" err="1">
+                <a:solidFill>
+                  <a:srgbClr val="C678DD"/>
+                </a:solidFill>
+                <a:effectLst/>
+                <a:latin typeface="Consolas" panose="020B0609020204030204" pitchFamily="49" charset="0"/>
+              </a:rPr>
+              <a:t>.</a:t>
+            </a:r>
+            <a:r>
+              <a:rPr lang="en-CA" b="0" dirty="0" err="1">
+                <a:solidFill>
+                  <a:srgbClr val="56B6C2"/>
+                </a:solidFill>
+                <a:effectLst/>
+                <a:latin typeface="Consolas" panose="020B0609020204030204" pitchFamily="49" charset="0"/>
+              </a:rPr>
+              <a:t>@register</a:t>
+            </a:r>
+            <a:r>
+              <a:rPr lang="en-CA" b="0" dirty="0">
+                <a:solidFill>
+                  <a:srgbClr val="ABB2BF"/>
+                </a:solidFill>
+                <a:effectLst/>
+                <a:latin typeface="Consolas" panose="020B0609020204030204" pitchFamily="49" charset="0"/>
+              </a:rPr>
+              <a:t>(SCORING_ROUTER, </a:t>
+            </a:r>
+            <a:r>
+              <a:rPr lang="en-CA" b="0" dirty="0">
+                <a:solidFill>
+                  <a:srgbClr val="98C379"/>
+                </a:solidFill>
+                <a:effectLst/>
+                <a:latin typeface="Consolas" panose="020B0609020204030204" pitchFamily="49" charset="0"/>
+              </a:rPr>
+              <a:t>"GET"</a:t>
+            </a:r>
+            <a:r>
+              <a:rPr lang="en-CA" b="0" dirty="0">
+                <a:solidFill>
+                  <a:srgbClr val="ABB2BF"/>
+                </a:solidFill>
+                <a:effectLst/>
+                <a:latin typeface="Consolas" panose="020B0609020204030204" pitchFamily="49" charset="0"/>
+              </a:rPr>
+              <a:t>, </a:t>
+            </a:r>
+            <a:r>
+              <a:rPr lang="en-CA" b="0" dirty="0">
+                <a:solidFill>
+                  <a:srgbClr val="98C379"/>
+                </a:solidFill>
+                <a:effectLst/>
+                <a:latin typeface="Consolas" panose="020B0609020204030204" pitchFamily="49" charset="0"/>
+              </a:rPr>
+              <a:t>"/"</a:t>
+            </a:r>
+            <a:r>
+              <a:rPr lang="en-CA" b="0" dirty="0">
+                <a:solidFill>
+                  <a:srgbClr val="ABB2BF"/>
+                </a:solidFill>
+                <a:effectLst/>
+                <a:latin typeface="Consolas" panose="020B0609020204030204" pitchFamily="49" charset="0"/>
+              </a:rPr>
+              <a:t>, welcome)</a:t>
+            </a:r>
+          </a:p>
+          <a:p>
+            <a:r>
+              <a:rPr lang="en-CA" b="0" dirty="0" err="1">
+                <a:solidFill>
+                  <a:srgbClr val="ABB2BF"/>
+                </a:solidFill>
+                <a:effectLst/>
+                <a:latin typeface="Consolas" panose="020B0609020204030204" pitchFamily="49" charset="0"/>
+              </a:rPr>
+              <a:t>HTTP</a:t>
+            </a:r>
+            <a:r>
+              <a:rPr lang="en-CA" b="0" dirty="0" err="1">
+                <a:solidFill>
+                  <a:srgbClr val="C678DD"/>
+                </a:solidFill>
+                <a:effectLst/>
+                <a:latin typeface="Consolas" panose="020B0609020204030204" pitchFamily="49" charset="0"/>
+              </a:rPr>
+              <a:t>.</a:t>
+            </a:r>
+            <a:r>
+              <a:rPr lang="en-CA" b="0" dirty="0" err="1">
+                <a:solidFill>
+                  <a:srgbClr val="56B6C2"/>
+                </a:solidFill>
+                <a:effectLst/>
+                <a:latin typeface="Consolas" panose="020B0609020204030204" pitchFamily="49" charset="0"/>
+              </a:rPr>
+              <a:t>@register</a:t>
+            </a:r>
+            <a:r>
+              <a:rPr lang="en-CA" b="0" dirty="0">
+                <a:solidFill>
+                  <a:srgbClr val="ABB2BF"/>
+                </a:solidFill>
+                <a:effectLst/>
+                <a:latin typeface="Consolas" panose="020B0609020204030204" pitchFamily="49" charset="0"/>
+              </a:rPr>
+              <a:t>(SCORING_ROUTER, </a:t>
+            </a:r>
+            <a:r>
+              <a:rPr lang="en-CA" b="0" dirty="0">
+                <a:solidFill>
+                  <a:srgbClr val="98C379"/>
+                </a:solidFill>
+                <a:effectLst/>
+                <a:latin typeface="Consolas" panose="020B0609020204030204" pitchFamily="49" charset="0"/>
+              </a:rPr>
+              <a:t>"POST"</a:t>
+            </a:r>
+            <a:r>
+              <a:rPr lang="en-CA" b="0" dirty="0">
+                <a:solidFill>
+                  <a:srgbClr val="ABB2BF"/>
+                </a:solidFill>
+                <a:effectLst/>
+                <a:latin typeface="Consolas" panose="020B0609020204030204" pitchFamily="49" charset="0"/>
+              </a:rPr>
+              <a:t>, </a:t>
+            </a:r>
+            <a:r>
+              <a:rPr lang="en-CA" b="0" dirty="0">
+                <a:solidFill>
+                  <a:srgbClr val="98C379"/>
+                </a:solidFill>
+                <a:effectLst/>
+                <a:latin typeface="Consolas" panose="020B0609020204030204" pitchFamily="49" charset="0"/>
+              </a:rPr>
+              <a:t>"/</a:t>
+            </a:r>
+            <a:r>
+              <a:rPr lang="en-CA" b="0" dirty="0" err="1">
+                <a:solidFill>
+                  <a:srgbClr val="98C379"/>
+                </a:solidFill>
+                <a:effectLst/>
+                <a:latin typeface="Consolas" panose="020B0609020204030204" pitchFamily="49" charset="0"/>
+              </a:rPr>
+              <a:t>api</a:t>
+            </a:r>
+            <a:r>
+              <a:rPr lang="en-CA" b="0" dirty="0">
+                <a:solidFill>
+                  <a:srgbClr val="98C379"/>
+                </a:solidFill>
+                <a:effectLst/>
+                <a:latin typeface="Consolas" panose="020B0609020204030204" pitchFamily="49" charset="0"/>
+              </a:rPr>
+              <a:t>/v1/flux"</a:t>
+            </a:r>
+            <a:r>
+              <a:rPr lang="en-CA" b="0" dirty="0">
+                <a:solidFill>
+                  <a:srgbClr val="ABB2BF"/>
+                </a:solidFill>
+                <a:effectLst/>
+                <a:latin typeface="Consolas" panose="020B0609020204030204" pitchFamily="49" charset="0"/>
+              </a:rPr>
+              <a:t>, </a:t>
+            </a:r>
+            <a:r>
+              <a:rPr lang="en-CA" b="0" dirty="0" err="1">
+                <a:solidFill>
+                  <a:srgbClr val="ABB2BF"/>
+                </a:solidFill>
+                <a:effectLst/>
+                <a:latin typeface="Consolas" panose="020B0609020204030204" pitchFamily="49" charset="0"/>
+              </a:rPr>
+              <a:t>score_flux</a:t>
+            </a:r>
+            <a:r>
+              <a:rPr lang="en-CA" b="0" dirty="0">
+                <a:solidFill>
+                  <a:srgbClr val="ABB2BF"/>
+                </a:solidFill>
+                <a:effectLst/>
+                <a:latin typeface="Consolas" panose="020B0609020204030204" pitchFamily="49" charset="0"/>
+              </a:rPr>
+              <a:t>)</a:t>
+            </a:r>
+          </a:p>
+          <a:p>
+            <a:r>
+              <a:rPr lang="en-CA" b="0" dirty="0" err="1">
+                <a:solidFill>
+                  <a:srgbClr val="ABB2BF"/>
+                </a:solidFill>
+                <a:effectLst/>
+                <a:latin typeface="Consolas" panose="020B0609020204030204" pitchFamily="49" charset="0"/>
+              </a:rPr>
+              <a:t>HTTP</a:t>
+            </a:r>
+            <a:r>
+              <a:rPr lang="en-CA" b="0" dirty="0" err="1">
+                <a:solidFill>
+                  <a:srgbClr val="C678DD"/>
+                </a:solidFill>
+                <a:effectLst/>
+                <a:latin typeface="Consolas" panose="020B0609020204030204" pitchFamily="49" charset="0"/>
+              </a:rPr>
+              <a:t>.</a:t>
+            </a:r>
+            <a:r>
+              <a:rPr lang="en-CA" b="0" dirty="0" err="1">
+                <a:solidFill>
+                  <a:srgbClr val="56B6C2"/>
+                </a:solidFill>
+                <a:effectLst/>
+                <a:latin typeface="Consolas" panose="020B0609020204030204" pitchFamily="49" charset="0"/>
+              </a:rPr>
+              <a:t>@register</a:t>
+            </a:r>
+            <a:r>
+              <a:rPr lang="en-CA" b="0" dirty="0">
+                <a:solidFill>
+                  <a:srgbClr val="ABB2BF"/>
+                </a:solidFill>
+                <a:effectLst/>
+                <a:latin typeface="Consolas" panose="020B0609020204030204" pitchFamily="49" charset="0"/>
+              </a:rPr>
+              <a:t>(SCORING_ROUTER, </a:t>
+            </a:r>
+            <a:r>
+              <a:rPr lang="en-CA" b="0" dirty="0">
+                <a:solidFill>
+                  <a:srgbClr val="98C379"/>
+                </a:solidFill>
+                <a:effectLst/>
+                <a:latin typeface="Consolas" panose="020B0609020204030204" pitchFamily="49" charset="0"/>
+              </a:rPr>
+              <a:t>"POST"</a:t>
+            </a:r>
+            <a:r>
+              <a:rPr lang="en-CA" b="0" dirty="0">
+                <a:solidFill>
+                  <a:srgbClr val="ABB2BF"/>
+                </a:solidFill>
+                <a:effectLst/>
+                <a:latin typeface="Consolas" panose="020B0609020204030204" pitchFamily="49" charset="0"/>
+              </a:rPr>
+              <a:t>, </a:t>
+            </a:r>
+            <a:r>
+              <a:rPr lang="en-CA" b="0" dirty="0">
+                <a:solidFill>
+                  <a:srgbClr val="98C379"/>
+                </a:solidFill>
+                <a:effectLst/>
+                <a:latin typeface="Consolas" panose="020B0609020204030204" pitchFamily="49" charset="0"/>
+              </a:rPr>
+              <a:t>"/</a:t>
+            </a:r>
+            <a:r>
+              <a:rPr lang="en-CA" b="0" dirty="0" err="1">
+                <a:solidFill>
+                  <a:srgbClr val="98C379"/>
+                </a:solidFill>
+                <a:effectLst/>
+                <a:latin typeface="Consolas" panose="020B0609020204030204" pitchFamily="49" charset="0"/>
+              </a:rPr>
+              <a:t>api</a:t>
+            </a:r>
+            <a:r>
+              <a:rPr lang="en-CA" b="0" dirty="0">
+                <a:solidFill>
+                  <a:srgbClr val="98C379"/>
+                </a:solidFill>
+                <a:effectLst/>
+                <a:latin typeface="Consolas" panose="020B0609020204030204" pitchFamily="49" charset="0"/>
+              </a:rPr>
+              <a:t>/v1/</a:t>
+            </a:r>
+            <a:r>
+              <a:rPr lang="en-CA" b="0" dirty="0" err="1">
+                <a:solidFill>
+                  <a:srgbClr val="98C379"/>
+                </a:solidFill>
+                <a:effectLst/>
+                <a:latin typeface="Consolas" panose="020B0609020204030204" pitchFamily="49" charset="0"/>
+              </a:rPr>
+              <a:t>gbt</a:t>
+            </a:r>
+            <a:r>
+              <a:rPr lang="en-CA" b="0" dirty="0">
+                <a:solidFill>
+                  <a:srgbClr val="98C379"/>
+                </a:solidFill>
+                <a:effectLst/>
+                <a:latin typeface="Consolas" panose="020B0609020204030204" pitchFamily="49" charset="0"/>
+              </a:rPr>
+              <a:t>"</a:t>
+            </a:r>
+            <a:r>
+              <a:rPr lang="en-CA" b="0" dirty="0">
+                <a:solidFill>
+                  <a:srgbClr val="ABB2BF"/>
+                </a:solidFill>
+                <a:effectLst/>
+                <a:latin typeface="Consolas" panose="020B0609020204030204" pitchFamily="49" charset="0"/>
+              </a:rPr>
+              <a:t>, </a:t>
+            </a:r>
+            <a:r>
+              <a:rPr lang="en-CA" b="0" dirty="0" err="1">
+                <a:solidFill>
+                  <a:srgbClr val="ABB2BF"/>
+                </a:solidFill>
+                <a:effectLst/>
+                <a:latin typeface="Consolas" panose="020B0609020204030204" pitchFamily="49" charset="0"/>
+              </a:rPr>
+              <a:t>score_</a:t>
+            </a:r>
+            <a:r>
+              <a:rPr lang="en-CA" dirty="0" err="1">
+                <a:solidFill>
+                  <a:srgbClr val="ABB2BF"/>
+                </a:solidFill>
+                <a:latin typeface="Consolas" panose="020B0609020204030204" pitchFamily="49" charset="0"/>
+              </a:rPr>
+              <a:t>gbt</a:t>
+            </a:r>
+            <a:r>
+              <a:rPr lang="en-CA" b="0" dirty="0">
+                <a:solidFill>
+                  <a:srgbClr val="ABB2BF"/>
+                </a:solidFill>
+                <a:effectLst/>
+                <a:latin typeface="Consolas" panose="020B0609020204030204" pitchFamily="49" charset="0"/>
+              </a:rPr>
+              <a:t>)</a:t>
+            </a:r>
+          </a:p>
+          <a:p>
+            <a:endParaRPr lang="en-CA" b="0" dirty="0">
+              <a:solidFill>
+                <a:srgbClr val="ABB2BF"/>
+              </a:solidFill>
+              <a:effectLst/>
+              <a:latin typeface="Consolas" panose="020B0609020204030204" pitchFamily="49" charset="0"/>
+            </a:endParaRPr>
+          </a:p>
+          <a:p>
+            <a:r>
               <a:rPr lang="en-CA" b="0" dirty="0">
                 <a:solidFill>
                   <a:srgbClr val="ABB2BF"/>
@@ -11172,25 +11412,8 @@
                 <a:effectLst/>
                 <a:latin typeface="Consolas" panose="020B0609020204030204" pitchFamily="49" charset="0"/>
               </a:rPr>
-              <a:t>, [], </a:t>
-            </a:r>
-            <a:r>
-              <a:rPr lang="en-US" b="0">
-                <a:solidFill>
-                  <a:srgbClr val="ABB2BF"/>
-                </a:solidFill>
-                <a:effectLst/>
-                <a:latin typeface="Consolas" panose="020B0609020204030204" pitchFamily="49" charset="0"/>
-              </a:rPr>
-              <a:t>body)</a:t>
-            </a:r>
-            <a:endParaRPr lang="en-US" b="0" dirty="0">
-              <a:solidFill>
-                <a:srgbClr val="ABB2BF"/>
-              </a:solidFill>
-              <a:effectLst/>
-              <a:latin typeface="Consolas" panose="020B0609020204030204" pitchFamily="49" charset="0"/>
-            </a:endParaRPr>
+              <a:t>, [], body)</a:t>
+            </a:r>
           </a:p>
         </p:txBody>
       </p:sp>
